--- a/kotlin-basic-2022/kotlin-basic.pptx
+++ b/kotlin-basic-2022/kotlin-basic.pptx
@@ -205,7 +205,7 @@
           <a:p>
             <a:fld id="{632ED697-F779-4B55-8699-6008BDEBE6E8}" type="datetimeFigureOut">
               <a:rPr lang="en-US" smtClean="0"/>
-              <a:t>3/18/2022</a:t>
+              <a:t>3/19/2022</a:t>
             </a:fld>
             <a:endParaRPr lang="en-US"/>
           </a:p>
@@ -706,7 +706,7 @@
           <a:p>
             <a:fld id="{C169E7F0-550E-4DD8-9A82-5D5ABB171DFA}" type="datetimeFigureOut">
               <a:rPr lang="en-US" smtClean="0"/>
-              <a:t>3/18/2022</a:t>
+              <a:t>3/19/2022</a:t>
             </a:fld>
             <a:endParaRPr lang="en-US"/>
           </a:p>
@@ -906,7 +906,7 @@
           <a:p>
             <a:fld id="{C169E7F0-550E-4DD8-9A82-5D5ABB171DFA}" type="datetimeFigureOut">
               <a:rPr lang="en-US" smtClean="0"/>
-              <a:t>3/18/2022</a:t>
+              <a:t>3/19/2022</a:t>
             </a:fld>
             <a:endParaRPr lang="en-US"/>
           </a:p>
@@ -1116,7 +1116,7 @@
           <a:p>
             <a:fld id="{C169E7F0-550E-4DD8-9A82-5D5ABB171DFA}" type="datetimeFigureOut">
               <a:rPr lang="en-US" smtClean="0"/>
-              <a:t>3/18/2022</a:t>
+              <a:t>3/19/2022</a:t>
             </a:fld>
             <a:endParaRPr lang="en-US"/>
           </a:p>
@@ -1316,7 +1316,7 @@
           <a:p>
             <a:fld id="{C169E7F0-550E-4DD8-9A82-5D5ABB171DFA}" type="datetimeFigureOut">
               <a:rPr lang="en-US" smtClean="0"/>
-              <a:t>3/18/2022</a:t>
+              <a:t>3/19/2022</a:t>
             </a:fld>
             <a:endParaRPr lang="en-US"/>
           </a:p>
@@ -1592,7 +1592,7 @@
           <a:p>
             <a:fld id="{C169E7F0-550E-4DD8-9A82-5D5ABB171DFA}" type="datetimeFigureOut">
               <a:rPr lang="en-US" smtClean="0"/>
-              <a:t>3/18/2022</a:t>
+              <a:t>3/19/2022</a:t>
             </a:fld>
             <a:endParaRPr lang="en-US"/>
           </a:p>
@@ -1860,7 +1860,7 @@
           <a:p>
             <a:fld id="{C169E7F0-550E-4DD8-9A82-5D5ABB171DFA}" type="datetimeFigureOut">
               <a:rPr lang="en-US" smtClean="0"/>
-              <a:t>3/18/2022</a:t>
+              <a:t>3/19/2022</a:t>
             </a:fld>
             <a:endParaRPr lang="en-US"/>
           </a:p>
@@ -2275,7 +2275,7 @@
           <a:p>
             <a:fld id="{C169E7F0-550E-4DD8-9A82-5D5ABB171DFA}" type="datetimeFigureOut">
               <a:rPr lang="en-US" smtClean="0"/>
-              <a:t>3/18/2022</a:t>
+              <a:t>3/19/2022</a:t>
             </a:fld>
             <a:endParaRPr lang="en-US"/>
           </a:p>
@@ -2417,7 +2417,7 @@
           <a:p>
             <a:fld id="{C169E7F0-550E-4DD8-9A82-5D5ABB171DFA}" type="datetimeFigureOut">
               <a:rPr lang="en-US" smtClean="0"/>
-              <a:t>3/18/2022</a:t>
+              <a:t>3/19/2022</a:t>
             </a:fld>
             <a:endParaRPr lang="en-US"/>
           </a:p>
@@ -2530,7 +2530,7 @@
           <a:p>
             <a:fld id="{C169E7F0-550E-4DD8-9A82-5D5ABB171DFA}" type="datetimeFigureOut">
               <a:rPr lang="en-US" smtClean="0"/>
-              <a:t>3/18/2022</a:t>
+              <a:t>3/19/2022</a:t>
             </a:fld>
             <a:endParaRPr lang="en-US"/>
           </a:p>
@@ -2843,7 +2843,7 @@
           <a:p>
             <a:fld id="{C169E7F0-550E-4DD8-9A82-5D5ABB171DFA}" type="datetimeFigureOut">
               <a:rPr lang="en-US" smtClean="0"/>
-              <a:t>3/18/2022</a:t>
+              <a:t>3/19/2022</a:t>
             </a:fld>
             <a:endParaRPr lang="en-US"/>
           </a:p>
@@ -3132,7 +3132,7 @@
           <a:p>
             <a:fld id="{C169E7F0-550E-4DD8-9A82-5D5ABB171DFA}" type="datetimeFigureOut">
               <a:rPr lang="en-US" smtClean="0"/>
-              <a:t>3/18/2022</a:t>
+              <a:t>3/19/2022</a:t>
             </a:fld>
             <a:endParaRPr lang="en-US"/>
           </a:p>
@@ -3375,7 +3375,7 @@
           <a:p>
             <a:fld id="{C169E7F0-550E-4DD8-9A82-5D5ABB171DFA}" type="datetimeFigureOut">
               <a:rPr lang="en-US" smtClean="0"/>
-              <a:t>3/18/2022</a:t>
+              <a:t>3/19/2022</a:t>
             </a:fld>
             <a:endParaRPr lang="en-US"/>
           </a:p>
@@ -16857,10 +16857,24 @@
         </p:nvSpPr>
         <p:spPr>
           <a:xfrm>
-            <a:off x="838200" y="339365"/>
-            <a:ext cx="10515600" cy="5837598"/>
+            <a:off x="1741599" y="128066"/>
+            <a:ext cx="8548543" cy="829558"/>
           </a:xfrm>
         </p:spPr>
+        <p:style>
+          <a:lnRef idx="2">
+            <a:schemeClr val="dk1"/>
+          </a:lnRef>
+          <a:fillRef idx="1">
+            <a:schemeClr val="lt1"/>
+          </a:fillRef>
+          <a:effectRef idx="0">
+            <a:schemeClr val="dk1"/>
+          </a:effectRef>
+          <a:fontRef idx="minor">
+            <a:schemeClr val="dk1"/>
+          </a:fontRef>
+        </p:style>
         <p:txBody>
           <a:bodyPr>
             <a:normAutofit/>
@@ -17095,7 +17109,7 @@
         </p:nvSpPr>
         <p:spPr bwMode="auto">
           <a:xfrm>
-            <a:off x="518474" y="1183499"/>
+            <a:off x="826416" y="1107254"/>
             <a:ext cx="3450210" cy="1446550"/>
           </a:xfrm>
           <a:prstGeom prst="rect">
@@ -17775,7 +17789,7 @@
         </p:nvSpPr>
         <p:spPr bwMode="auto">
           <a:xfrm>
-            <a:off x="4597138" y="1183499"/>
+            <a:off x="4597138" y="1107254"/>
             <a:ext cx="2997723" cy="1615827"/>
           </a:xfrm>
           <a:prstGeom prst="rect">
@@ -19101,6 +19115,4252 @@
           </a:p>
         </p:txBody>
       </p:sp>
+      <p:sp>
+        <p:nvSpPr>
+          <p:cNvPr id="2" name="Rectangle 1">
+            <a:extLst>
+              <a:ext uri="{FF2B5EF4-FFF2-40B4-BE49-F238E27FC236}">
+                <a16:creationId xmlns:a16="http://schemas.microsoft.com/office/drawing/2014/main" id="{A3A39019-82A6-4E62-A322-F19E97D8BDC7}"/>
+              </a:ext>
+            </a:extLst>
+          </p:cNvPr>
+          <p:cNvSpPr>
+            <a:spLocks noChangeArrowheads="1"/>
+          </p:cNvSpPr>
+          <p:nvPr/>
+        </p:nvSpPr>
+        <p:spPr bwMode="auto">
+          <a:xfrm>
+            <a:off x="199920" y="2748619"/>
+            <a:ext cx="2601801" cy="1477328"/>
+          </a:xfrm>
+          <a:prstGeom prst="rect">
+            <a:avLst/>
+          </a:prstGeom>
+          <a:solidFill>
+            <a:srgbClr val="2B2B2B"/>
+          </a:solidFill>
+          <a:ln>
+            <a:noFill/>
+          </a:ln>
+          <a:effectLst/>
+          <a:extLst>
+            <a:ext uri="{91240B29-F687-4F45-9708-019B960494DF}">
+              <a14:hiddenLine xmlns:a14="http://schemas.microsoft.com/office/drawing/2010/main" w="9525">
+                <a:solidFill>
+                  <a:schemeClr val="tx1"/>
+                </a:solidFill>
+                <a:miter lim="800000"/>
+                <a:headEnd/>
+                <a:tailEnd/>
+              </a14:hiddenLine>
+            </a:ext>
+            <a:ext uri="{AF507438-7753-43E0-B8FC-AC1667EBCBE1}">
+              <a14:hiddenEffects xmlns:a14="http://schemas.microsoft.com/office/drawing/2010/main">
+                <a:effectLst>
+                  <a:outerShdw dist="35921" dir="2700000" algn="ctr" rotWithShape="0">
+                    <a:schemeClr val="bg2"/>
+                  </a:outerShdw>
+                </a:effectLst>
+              </a14:hiddenEffects>
+            </a:ext>
+          </a:extLst>
+        </p:spPr>
+        <p:txBody>
+          <a:bodyPr vert="horz" wrap="square" lIns="91440" tIns="45720" rIns="91440" bIns="45720" numCol="1" anchor="ctr" anchorCtr="0" compatLnSpc="1">
+            <a:prstTxWarp prst="textNoShape">
+              <a:avLst/>
+            </a:prstTxWarp>
+            <a:spAutoFit/>
+          </a:bodyPr>
+          <a:lstStyle/>
+          <a:p>
+            <a:pPr marL="0" marR="0" lvl="0" indent="0" algn="l" defTabSz="914400" rtl="0" eaLnBrk="0" fontAlgn="base" latinLnBrk="0" hangingPunct="0">
+              <a:lnSpc>
+                <a:spcPct val="100000"/>
+              </a:lnSpc>
+              <a:spcBef>
+                <a:spcPct val="0"/>
+              </a:spcBef>
+              <a:spcAft>
+                <a:spcPct val="0"/>
+              </a:spcAft>
+              <a:buClrTx/>
+              <a:buSzTx/>
+              <a:buFontTx/>
+              <a:buNone/>
+              <a:tabLst/>
+            </a:pPr>
+            <a:r>
+              <a:rPr lang="en-US" altLang="en-US" sz="1000" dirty="0">
+                <a:solidFill>
+                  <a:srgbClr val="808080"/>
+                </a:solidFill>
+                <a:latin typeface="JetBrains Mono"/>
+              </a:rPr>
+              <a:t>/</a:t>
+            </a:r>
+            <a:r>
+              <a:rPr kumimoji="0" lang="en-US" altLang="en-US" sz="1000" b="0" i="0" u="none" strike="noStrike" cap="none" normalizeH="0" baseline="0" dirty="0">
+                <a:ln>
+                  <a:noFill/>
+                </a:ln>
+                <a:solidFill>
+                  <a:srgbClr val="808080"/>
+                </a:solidFill>
+                <a:effectLst/>
+                <a:latin typeface="JetBrains Mono"/>
+              </a:rPr>
+              <a:t>* </a:t>
+            </a:r>
+            <a:r>
+              <a:rPr kumimoji="0" lang="en-US" altLang="en-US" sz="1000" b="0" i="0" u="none" strike="noStrike" cap="none" normalizeH="0" baseline="0" dirty="0" err="1">
+                <a:ln>
+                  <a:noFill/>
+                </a:ln>
+                <a:solidFill>
+                  <a:srgbClr val="808080"/>
+                </a:solidFill>
+                <a:effectLst/>
+                <a:latin typeface="JetBrains Mono"/>
+              </a:rPr>
+              <a:t>Vòng</a:t>
+            </a:r>
+            <a:r>
+              <a:rPr kumimoji="0" lang="en-US" altLang="en-US" sz="1000" b="0" i="0" u="none" strike="noStrike" cap="none" normalizeH="0" baseline="0" dirty="0">
+                <a:ln>
+                  <a:noFill/>
+                </a:ln>
+                <a:solidFill>
+                  <a:srgbClr val="808080"/>
+                </a:solidFill>
+                <a:effectLst/>
+                <a:latin typeface="JetBrains Mono"/>
+              </a:rPr>
+              <a:t> </a:t>
+            </a:r>
+            <a:r>
+              <a:rPr kumimoji="0" lang="en-US" altLang="en-US" sz="1000" b="0" i="0" u="none" strike="noStrike" cap="none" normalizeH="0" baseline="0" dirty="0" err="1">
+                <a:ln>
+                  <a:noFill/>
+                </a:ln>
+                <a:solidFill>
+                  <a:srgbClr val="808080"/>
+                </a:solidFill>
+                <a:effectLst/>
+                <a:latin typeface="JetBrains Mono"/>
+              </a:rPr>
+              <a:t>lặp</a:t>
+            </a:r>
+            <a:r>
+              <a:rPr kumimoji="0" lang="en-US" altLang="en-US" sz="1000" b="0" i="0" u="none" strike="noStrike" cap="none" normalizeH="0" baseline="0" dirty="0">
+                <a:ln>
+                  <a:noFill/>
+                </a:ln>
+                <a:solidFill>
+                  <a:srgbClr val="808080"/>
+                </a:solidFill>
+                <a:effectLst/>
+                <a:latin typeface="JetBrains Mono"/>
+              </a:rPr>
+              <a:t> for </a:t>
+            </a:r>
+            <a:r>
+              <a:rPr kumimoji="0" lang="en-US" altLang="en-US" sz="1000" b="0" i="0" u="none" strike="noStrike" cap="none" normalizeH="0" baseline="0" dirty="0" err="1">
+                <a:ln>
+                  <a:noFill/>
+                </a:ln>
+                <a:solidFill>
+                  <a:srgbClr val="808080"/>
+                </a:solidFill>
+                <a:effectLst/>
+                <a:latin typeface="JetBrains Mono"/>
+              </a:rPr>
+              <a:t>kiểu</a:t>
+            </a:r>
+            <a:r>
+              <a:rPr kumimoji="0" lang="en-US" altLang="en-US" sz="1000" b="0" i="0" u="none" strike="noStrike" cap="none" normalizeH="0" baseline="0" dirty="0">
+                <a:ln>
+                  <a:noFill/>
+                </a:ln>
+                <a:solidFill>
+                  <a:srgbClr val="808080"/>
+                </a:solidFill>
+                <a:effectLst/>
+                <a:latin typeface="JetBrains Mono"/>
+              </a:rPr>
+              <a:t> Closed Range</a:t>
+            </a:r>
+            <a:br>
+              <a:rPr kumimoji="0" lang="en-US" altLang="en-US" sz="1000" b="0" i="0" u="none" strike="noStrike" cap="none" normalizeH="0" baseline="0" dirty="0">
+                <a:ln>
+                  <a:noFill/>
+                </a:ln>
+                <a:solidFill>
+                  <a:srgbClr val="808080"/>
+                </a:solidFill>
+                <a:effectLst/>
+                <a:latin typeface="JetBrains Mono"/>
+              </a:rPr>
+            </a:br>
+            <a:r>
+              <a:rPr kumimoji="0" lang="en-US" altLang="en-US" sz="1000" b="0" i="0" u="none" strike="noStrike" cap="none" normalizeH="0" baseline="0" dirty="0">
+                <a:ln>
+                  <a:noFill/>
+                </a:ln>
+                <a:solidFill>
+                  <a:srgbClr val="808080"/>
+                </a:solidFill>
+                <a:effectLst/>
+                <a:latin typeface="JetBrains Mono"/>
+              </a:rPr>
+              <a:t>* </a:t>
+            </a:r>
+            <a:r>
+              <a:rPr kumimoji="0" lang="en-US" altLang="en-US" sz="1000" b="0" i="0" u="none" strike="noStrike" cap="none" normalizeH="0" baseline="0" dirty="0" err="1">
+                <a:ln>
+                  <a:noFill/>
+                </a:ln>
+                <a:solidFill>
+                  <a:srgbClr val="808080"/>
+                </a:solidFill>
+                <a:effectLst/>
+                <a:latin typeface="JetBrains Mono"/>
+              </a:rPr>
+              <a:t>cho</a:t>
+            </a:r>
+            <a:r>
+              <a:rPr kumimoji="0" lang="en-US" altLang="en-US" sz="1000" b="0" i="0" u="none" strike="noStrike" cap="none" normalizeH="0" baseline="0" dirty="0">
+                <a:ln>
+                  <a:noFill/>
+                </a:ln>
+                <a:solidFill>
+                  <a:srgbClr val="808080"/>
+                </a:solidFill>
+                <a:effectLst/>
+                <a:latin typeface="JetBrains Mono"/>
+              </a:rPr>
+              <a:t> </a:t>
+            </a:r>
+            <a:r>
+              <a:rPr kumimoji="0" lang="en-US" altLang="en-US" sz="1000" b="0" i="0" u="none" strike="noStrike" cap="none" normalizeH="0" baseline="0" dirty="0" err="1">
+                <a:ln>
+                  <a:noFill/>
+                </a:ln>
+                <a:solidFill>
+                  <a:srgbClr val="808080"/>
+                </a:solidFill>
+                <a:effectLst/>
+                <a:latin typeface="JetBrains Mono"/>
+              </a:rPr>
+              <a:t>chúng</a:t>
+            </a:r>
+            <a:r>
+              <a:rPr kumimoji="0" lang="en-US" altLang="en-US" sz="1000" b="0" i="0" u="none" strike="noStrike" cap="none" normalizeH="0" baseline="0" dirty="0">
+                <a:ln>
+                  <a:noFill/>
+                </a:ln>
+                <a:solidFill>
+                  <a:srgbClr val="808080"/>
+                </a:solidFill>
+                <a:effectLst/>
+                <a:latin typeface="JetBrains Mono"/>
+              </a:rPr>
+              <a:t> ta </a:t>
+            </a:r>
+            <a:r>
+              <a:rPr kumimoji="0" lang="en-US" altLang="en-US" sz="1000" b="0" i="0" u="none" strike="noStrike" cap="none" normalizeH="0" baseline="0" dirty="0" err="1">
+                <a:ln>
+                  <a:noFill/>
+                </a:ln>
+                <a:solidFill>
+                  <a:srgbClr val="808080"/>
+                </a:solidFill>
+                <a:effectLst/>
+                <a:latin typeface="JetBrains Mono"/>
+              </a:rPr>
+              <a:t>duyệt</a:t>
+            </a:r>
+            <a:r>
+              <a:rPr kumimoji="0" lang="en-US" altLang="en-US" sz="1000" b="0" i="0" u="none" strike="noStrike" cap="none" normalizeH="0" baseline="0" dirty="0">
+                <a:ln>
+                  <a:noFill/>
+                </a:ln>
+                <a:solidFill>
+                  <a:srgbClr val="808080"/>
+                </a:solidFill>
+                <a:effectLst/>
+                <a:latin typeface="JetBrains Mono"/>
+              </a:rPr>
+              <a:t> </a:t>
+            </a:r>
+            <a:r>
+              <a:rPr kumimoji="0" lang="en-US" altLang="en-US" sz="1000" b="0" i="0" u="none" strike="noStrike" cap="none" normalizeH="0" baseline="0" dirty="0" err="1">
+                <a:ln>
+                  <a:noFill/>
+                </a:ln>
+                <a:solidFill>
+                  <a:srgbClr val="808080"/>
+                </a:solidFill>
+                <a:effectLst/>
+                <a:latin typeface="JetBrains Mono"/>
+              </a:rPr>
+              <a:t>trong</a:t>
+            </a:r>
+            <a:r>
+              <a:rPr kumimoji="0" lang="en-US" altLang="en-US" sz="1000" b="0" i="0" u="none" strike="noStrike" cap="none" normalizeH="0" baseline="0" dirty="0">
+                <a:ln>
+                  <a:noFill/>
+                </a:ln>
+                <a:solidFill>
+                  <a:srgbClr val="808080"/>
+                </a:solidFill>
+                <a:effectLst/>
+                <a:latin typeface="JetBrains Mono"/>
+              </a:rPr>
+              <a:t> </a:t>
+            </a:r>
+            <a:r>
+              <a:rPr kumimoji="0" lang="en-US" altLang="en-US" sz="1000" b="0" i="0" u="none" strike="noStrike" cap="none" normalizeH="0" baseline="0" dirty="0" err="1">
+                <a:ln>
+                  <a:noFill/>
+                </a:ln>
+                <a:solidFill>
+                  <a:srgbClr val="808080"/>
+                </a:solidFill>
+                <a:effectLst/>
+                <a:latin typeface="JetBrains Mono"/>
+              </a:rPr>
+              <a:t>đoạn</a:t>
+            </a:r>
+            <a:r>
+              <a:rPr kumimoji="0" lang="en-US" altLang="en-US" sz="1000" b="0" i="0" u="none" strike="noStrike" cap="none" normalizeH="0" baseline="0" dirty="0">
+                <a:ln>
+                  <a:noFill/>
+                </a:ln>
+                <a:solidFill>
+                  <a:srgbClr val="808080"/>
+                </a:solidFill>
+                <a:effectLst/>
+                <a:latin typeface="JetBrains Mono"/>
+              </a:rPr>
+              <a:t> [</a:t>
+            </a:r>
+            <a:r>
+              <a:rPr kumimoji="0" lang="en-US" altLang="en-US" sz="1000" b="0" i="0" u="none" strike="noStrike" cap="none" normalizeH="0" baseline="0" dirty="0" err="1">
+                <a:ln>
+                  <a:noFill/>
+                </a:ln>
+                <a:solidFill>
+                  <a:srgbClr val="808080"/>
+                </a:solidFill>
+                <a:effectLst/>
+                <a:latin typeface="JetBrains Mono"/>
+              </a:rPr>
+              <a:t>a;b</a:t>
+            </a:r>
+            <a:r>
+              <a:rPr kumimoji="0" lang="en-US" altLang="en-US" sz="1000" b="0" i="0" u="none" strike="noStrike" cap="none" normalizeH="0" baseline="0" dirty="0">
+                <a:ln>
+                  <a:noFill/>
+                </a:ln>
+                <a:solidFill>
+                  <a:srgbClr val="808080"/>
+                </a:solidFill>
+                <a:effectLst/>
+                <a:latin typeface="JetBrains Mono"/>
+              </a:rPr>
+              <a:t>]</a:t>
+            </a:r>
+            <a:br>
+              <a:rPr kumimoji="0" lang="en-US" altLang="en-US" sz="1000" b="0" i="0" u="none" strike="noStrike" cap="none" normalizeH="0" baseline="0" dirty="0">
+                <a:ln>
+                  <a:noFill/>
+                </a:ln>
+                <a:solidFill>
+                  <a:srgbClr val="808080"/>
+                </a:solidFill>
+                <a:effectLst/>
+                <a:latin typeface="JetBrains Mono"/>
+              </a:rPr>
+            </a:br>
+            <a:r>
+              <a:rPr kumimoji="0" lang="en-US" altLang="en-US" sz="1000" b="0" i="0" u="none" strike="noStrike" cap="none" normalizeH="0" baseline="0" dirty="0">
+                <a:ln>
+                  <a:noFill/>
+                </a:ln>
+                <a:solidFill>
+                  <a:srgbClr val="808080"/>
+                </a:solidFill>
+                <a:effectLst/>
+                <a:latin typeface="JetBrains Mono"/>
+              </a:rPr>
+              <a:t>* */</a:t>
+            </a:r>
+            <a:br>
+              <a:rPr kumimoji="0" lang="en-US" altLang="en-US" sz="1000" b="0" i="0" u="none" strike="noStrike" cap="none" normalizeH="0" baseline="0" dirty="0">
+                <a:ln>
+                  <a:noFill/>
+                </a:ln>
+                <a:solidFill>
+                  <a:srgbClr val="808080"/>
+                </a:solidFill>
+                <a:effectLst/>
+                <a:latin typeface="JetBrains Mono"/>
+              </a:rPr>
+            </a:br>
+            <a:r>
+              <a:rPr kumimoji="0" lang="en-US" altLang="en-US" sz="1000" b="0" i="0" u="none" strike="noStrike" cap="none" normalizeH="0" baseline="0" dirty="0">
+                <a:ln>
+                  <a:noFill/>
+                </a:ln>
+                <a:solidFill>
+                  <a:srgbClr val="CC7832"/>
+                </a:solidFill>
+                <a:effectLst/>
+                <a:latin typeface="JetBrains Mono"/>
+              </a:rPr>
+              <a:t>fun </a:t>
+            </a:r>
+            <a:r>
+              <a:rPr kumimoji="0" lang="en-US" altLang="en-US" sz="1000" b="0" i="0" u="none" strike="noStrike" cap="none" normalizeH="0" baseline="0" dirty="0" err="1">
+                <a:ln>
+                  <a:noFill/>
+                </a:ln>
+                <a:solidFill>
+                  <a:srgbClr val="FFC66D"/>
+                </a:solidFill>
+                <a:effectLst/>
+                <a:latin typeface="JetBrains Mono"/>
+              </a:rPr>
+              <a:t>demoForInKtCloseRangeType</a:t>
+            </a:r>
+            <a:r>
+              <a:rPr kumimoji="0" lang="en-US" altLang="en-US" sz="1000" b="0" i="0" u="none" strike="noStrike" cap="none" normalizeH="0" baseline="0" dirty="0">
+                <a:ln>
+                  <a:noFill/>
+                </a:ln>
+                <a:solidFill>
+                  <a:srgbClr val="A9B7C6"/>
+                </a:solidFill>
+                <a:effectLst/>
+                <a:latin typeface="JetBrains Mono"/>
+              </a:rPr>
+              <a:t>(n: Int){</a:t>
+            </a:r>
+            <a:br>
+              <a:rPr kumimoji="0" lang="en-US" altLang="en-US" sz="1000" b="0" i="0" u="none" strike="noStrike" cap="none" normalizeH="0" baseline="0" dirty="0">
+                <a:ln>
+                  <a:noFill/>
+                </a:ln>
+                <a:solidFill>
+                  <a:srgbClr val="A9B7C6"/>
+                </a:solidFill>
+                <a:effectLst/>
+                <a:latin typeface="JetBrains Mono"/>
+              </a:rPr>
+            </a:br>
+            <a:r>
+              <a:rPr kumimoji="0" lang="en-US" altLang="en-US" sz="1000" b="0" i="0" u="none" strike="noStrike" cap="none" normalizeH="0" baseline="0" dirty="0">
+                <a:ln>
+                  <a:noFill/>
+                </a:ln>
+                <a:solidFill>
+                  <a:srgbClr val="A9B7C6"/>
+                </a:solidFill>
+                <a:effectLst/>
+                <a:latin typeface="JetBrains Mono"/>
+              </a:rPr>
+              <a:t>    </a:t>
+            </a:r>
+            <a:r>
+              <a:rPr kumimoji="0" lang="en-US" altLang="en-US" sz="1000" b="0" i="1" u="none" strike="noStrike" cap="none" normalizeH="0" baseline="0" dirty="0" err="1">
+                <a:ln>
+                  <a:noFill/>
+                </a:ln>
+                <a:solidFill>
+                  <a:srgbClr val="A9B7C6"/>
+                </a:solidFill>
+                <a:effectLst/>
+                <a:latin typeface="JetBrains Mono"/>
+              </a:rPr>
+              <a:t>println</a:t>
+            </a:r>
+            <a:r>
+              <a:rPr kumimoji="0" lang="en-US" altLang="en-US" sz="1000" b="0" i="0" u="none" strike="noStrike" cap="none" normalizeH="0" baseline="0" dirty="0">
+                <a:ln>
+                  <a:noFill/>
+                </a:ln>
+                <a:solidFill>
+                  <a:srgbClr val="A9B7C6"/>
+                </a:solidFill>
+                <a:effectLst/>
+                <a:latin typeface="JetBrains Mono"/>
+              </a:rPr>
+              <a:t>(</a:t>
+            </a:r>
+            <a:r>
+              <a:rPr kumimoji="0" lang="en-US" altLang="en-US" sz="1000" b="0" i="0" u="none" strike="noStrike" cap="none" normalizeH="0" baseline="0" dirty="0">
+                <a:ln>
+                  <a:noFill/>
+                </a:ln>
+                <a:solidFill>
+                  <a:srgbClr val="6A8759"/>
+                </a:solidFill>
+                <a:effectLst/>
+                <a:latin typeface="JetBrains Mono"/>
+              </a:rPr>
+              <a:t>"Log: </a:t>
+            </a:r>
+            <a:r>
+              <a:rPr kumimoji="0" lang="en-US" altLang="en-US" sz="1000" b="0" i="0" u="none" strike="noStrike" cap="none" normalizeH="0" baseline="0" dirty="0" err="1">
+                <a:ln>
+                  <a:noFill/>
+                </a:ln>
+                <a:solidFill>
+                  <a:srgbClr val="6A8759"/>
+                </a:solidFill>
+                <a:effectLst/>
+                <a:latin typeface="JetBrains Mono"/>
+              </a:rPr>
+              <a:t>demoForInKotlinCloseRange</a:t>
+            </a:r>
+            <a:r>
+              <a:rPr kumimoji="0" lang="en-US" altLang="en-US" sz="1000" b="0" i="0" u="none" strike="noStrike" cap="none" normalizeH="0" baseline="0" dirty="0">
+                <a:ln>
+                  <a:noFill/>
+                </a:ln>
+                <a:solidFill>
+                  <a:srgbClr val="6A8759"/>
+                </a:solidFill>
+                <a:effectLst/>
+                <a:latin typeface="JetBrains Mono"/>
+              </a:rPr>
+              <a:t>: "</a:t>
+            </a:r>
+            <a:r>
+              <a:rPr kumimoji="0" lang="en-US" altLang="en-US" sz="1000" b="0" i="0" u="none" strike="noStrike" cap="none" normalizeH="0" baseline="0" dirty="0">
+                <a:ln>
+                  <a:noFill/>
+                </a:ln>
+                <a:solidFill>
+                  <a:srgbClr val="A9B7C6"/>
+                </a:solidFill>
+                <a:effectLst/>
+                <a:latin typeface="JetBrains Mono"/>
+              </a:rPr>
+              <a:t>)</a:t>
+            </a:r>
+            <a:br>
+              <a:rPr kumimoji="0" lang="en-US" altLang="en-US" sz="1000" b="0" i="0" u="none" strike="noStrike" cap="none" normalizeH="0" baseline="0" dirty="0">
+                <a:ln>
+                  <a:noFill/>
+                </a:ln>
+                <a:solidFill>
+                  <a:srgbClr val="A9B7C6"/>
+                </a:solidFill>
+                <a:effectLst/>
+                <a:latin typeface="JetBrains Mono"/>
+              </a:rPr>
+            </a:br>
+            <a:r>
+              <a:rPr kumimoji="0" lang="en-US" altLang="en-US" sz="1000" b="0" i="0" u="none" strike="noStrike" cap="none" normalizeH="0" baseline="0" dirty="0">
+                <a:ln>
+                  <a:noFill/>
+                </a:ln>
+                <a:solidFill>
+                  <a:srgbClr val="A9B7C6"/>
+                </a:solidFill>
+                <a:effectLst/>
+                <a:latin typeface="JetBrains Mono"/>
+              </a:rPr>
+              <a:t>    </a:t>
+            </a:r>
+            <a:r>
+              <a:rPr kumimoji="0" lang="en-US" altLang="en-US" sz="1000" b="0" i="0" u="none" strike="noStrike" cap="none" normalizeH="0" baseline="0" dirty="0">
+                <a:ln>
+                  <a:noFill/>
+                </a:ln>
+                <a:solidFill>
+                  <a:srgbClr val="CC7832"/>
+                </a:solidFill>
+                <a:effectLst/>
+                <a:latin typeface="JetBrains Mono"/>
+              </a:rPr>
+              <a:t>for</a:t>
+            </a:r>
+            <a:r>
+              <a:rPr kumimoji="0" lang="en-US" altLang="en-US" sz="1000" b="0" i="0" u="none" strike="noStrike" cap="none" normalizeH="0" baseline="0" dirty="0">
+                <a:ln>
+                  <a:noFill/>
+                </a:ln>
+                <a:solidFill>
+                  <a:srgbClr val="A9B7C6"/>
+                </a:solidFill>
+                <a:effectLst/>
+                <a:latin typeface="JetBrains Mono"/>
+              </a:rPr>
+              <a:t>(</a:t>
+            </a:r>
+            <a:r>
+              <a:rPr kumimoji="0" lang="en-US" altLang="en-US" sz="1000" b="0" i="0" u="none" strike="noStrike" cap="none" normalizeH="0" baseline="0" dirty="0" err="1">
+                <a:ln>
+                  <a:noFill/>
+                </a:ln>
+                <a:solidFill>
+                  <a:srgbClr val="A9B7C6"/>
+                </a:solidFill>
+                <a:effectLst/>
+                <a:latin typeface="JetBrains Mono"/>
+              </a:rPr>
+              <a:t>i</a:t>
+            </a:r>
+            <a:r>
+              <a:rPr kumimoji="0" lang="en-US" altLang="en-US" sz="1000" b="0" i="0" u="none" strike="noStrike" cap="none" normalizeH="0" baseline="0" dirty="0">
+                <a:ln>
+                  <a:noFill/>
+                </a:ln>
+                <a:solidFill>
+                  <a:srgbClr val="A9B7C6"/>
+                </a:solidFill>
+                <a:effectLst/>
+                <a:latin typeface="JetBrains Mono"/>
+              </a:rPr>
+              <a:t> </a:t>
+            </a:r>
+            <a:r>
+              <a:rPr kumimoji="0" lang="en-US" altLang="en-US" sz="1000" b="0" i="0" u="none" strike="noStrike" cap="none" normalizeH="0" baseline="0" dirty="0">
+                <a:ln>
+                  <a:noFill/>
+                </a:ln>
+                <a:solidFill>
+                  <a:srgbClr val="CC7832"/>
+                </a:solidFill>
+                <a:effectLst/>
+                <a:latin typeface="JetBrains Mono"/>
+              </a:rPr>
+              <a:t>in </a:t>
+            </a:r>
+            <a:r>
+              <a:rPr kumimoji="0" lang="en-US" altLang="en-US" sz="1000" b="0" i="0" u="none" strike="noStrike" cap="none" normalizeH="0" baseline="0" dirty="0">
+                <a:ln>
+                  <a:noFill/>
+                </a:ln>
+                <a:solidFill>
+                  <a:srgbClr val="6897BB"/>
+                </a:solidFill>
+                <a:effectLst/>
+                <a:latin typeface="JetBrains Mono"/>
+              </a:rPr>
+              <a:t>1</a:t>
+            </a:r>
+            <a:r>
+              <a:rPr kumimoji="0" lang="en-US" altLang="en-US" sz="1000" b="0" i="0" u="none" strike="noStrike" cap="none" normalizeH="0" baseline="0" dirty="0">
+                <a:ln>
+                  <a:noFill/>
+                </a:ln>
+                <a:solidFill>
+                  <a:srgbClr val="A9B7C6"/>
+                </a:solidFill>
+                <a:effectLst/>
+                <a:latin typeface="JetBrains Mono"/>
+              </a:rPr>
+              <a:t>..n){</a:t>
+            </a:r>
+            <a:br>
+              <a:rPr kumimoji="0" lang="en-US" altLang="en-US" sz="1000" b="0" i="0" u="none" strike="noStrike" cap="none" normalizeH="0" baseline="0" dirty="0">
+                <a:ln>
+                  <a:noFill/>
+                </a:ln>
+                <a:solidFill>
+                  <a:srgbClr val="A9B7C6"/>
+                </a:solidFill>
+                <a:effectLst/>
+                <a:latin typeface="JetBrains Mono"/>
+              </a:rPr>
+            </a:br>
+            <a:r>
+              <a:rPr kumimoji="0" lang="en-US" altLang="en-US" sz="1000" b="0" i="0" u="none" strike="noStrike" cap="none" normalizeH="0" baseline="0" dirty="0">
+                <a:ln>
+                  <a:noFill/>
+                </a:ln>
+                <a:solidFill>
+                  <a:srgbClr val="A9B7C6"/>
+                </a:solidFill>
+                <a:effectLst/>
+                <a:latin typeface="JetBrains Mono"/>
+              </a:rPr>
+              <a:t>      </a:t>
+            </a:r>
+            <a:r>
+              <a:rPr kumimoji="0" lang="en-US" altLang="en-US" sz="1000" b="0" i="1" u="none" strike="noStrike" cap="none" normalizeH="0" baseline="0" dirty="0" err="1">
+                <a:ln>
+                  <a:noFill/>
+                </a:ln>
+                <a:solidFill>
+                  <a:srgbClr val="A9B7C6"/>
+                </a:solidFill>
+                <a:effectLst/>
+                <a:latin typeface="JetBrains Mono"/>
+              </a:rPr>
+              <a:t>println</a:t>
+            </a:r>
+            <a:r>
+              <a:rPr kumimoji="0" lang="en-US" altLang="en-US" sz="1000" b="0" i="0" u="none" strike="noStrike" cap="none" normalizeH="0" baseline="0" dirty="0">
+                <a:ln>
+                  <a:noFill/>
+                </a:ln>
+                <a:solidFill>
+                  <a:srgbClr val="A9B7C6"/>
+                </a:solidFill>
+                <a:effectLst/>
+                <a:latin typeface="JetBrains Mono"/>
+              </a:rPr>
+              <a:t>(</a:t>
+            </a:r>
+            <a:r>
+              <a:rPr kumimoji="0" lang="en-US" altLang="en-US" sz="1000" b="0" i="0" u="none" strike="noStrike" cap="none" normalizeH="0" baseline="0" dirty="0" err="1">
+                <a:ln>
+                  <a:noFill/>
+                </a:ln>
+                <a:solidFill>
+                  <a:srgbClr val="A9B7C6"/>
+                </a:solidFill>
+                <a:effectLst/>
+                <a:latin typeface="JetBrains Mono"/>
+              </a:rPr>
+              <a:t>i</a:t>
+            </a:r>
+            <a:r>
+              <a:rPr kumimoji="0" lang="en-US" altLang="en-US" sz="1000" b="0" i="0" u="none" strike="noStrike" cap="none" normalizeH="0" baseline="0" dirty="0">
+                <a:ln>
+                  <a:noFill/>
+                </a:ln>
+                <a:solidFill>
+                  <a:srgbClr val="A9B7C6"/>
+                </a:solidFill>
+                <a:effectLst/>
+                <a:latin typeface="JetBrains Mono"/>
+              </a:rPr>
+              <a:t>)</a:t>
+            </a:r>
+            <a:br>
+              <a:rPr kumimoji="0" lang="en-US" altLang="en-US" sz="1000" b="0" i="0" u="none" strike="noStrike" cap="none" normalizeH="0" baseline="0" dirty="0">
+                <a:ln>
+                  <a:noFill/>
+                </a:ln>
+                <a:solidFill>
+                  <a:srgbClr val="A9B7C6"/>
+                </a:solidFill>
+                <a:effectLst/>
+                <a:latin typeface="JetBrains Mono"/>
+              </a:rPr>
+            </a:br>
+            <a:r>
+              <a:rPr kumimoji="0" lang="en-US" altLang="en-US" sz="1000" b="0" i="0" u="none" strike="noStrike" cap="none" normalizeH="0" baseline="0" dirty="0">
+                <a:ln>
+                  <a:noFill/>
+                </a:ln>
+                <a:solidFill>
+                  <a:srgbClr val="A9B7C6"/>
+                </a:solidFill>
+                <a:effectLst/>
+                <a:latin typeface="JetBrains Mono"/>
+              </a:rPr>
+              <a:t>    }</a:t>
+            </a:r>
+            <a:br>
+              <a:rPr kumimoji="0" lang="en-US" altLang="en-US" sz="1000" b="0" i="0" u="none" strike="noStrike" cap="none" normalizeH="0" baseline="0" dirty="0">
+                <a:ln>
+                  <a:noFill/>
+                </a:ln>
+                <a:solidFill>
+                  <a:srgbClr val="A9B7C6"/>
+                </a:solidFill>
+                <a:effectLst/>
+                <a:latin typeface="JetBrains Mono"/>
+              </a:rPr>
+            </a:br>
+            <a:r>
+              <a:rPr kumimoji="0" lang="en-US" altLang="en-US" sz="1000" b="0" i="0" u="none" strike="noStrike" cap="none" normalizeH="0" baseline="0" dirty="0">
+                <a:ln>
+                  <a:noFill/>
+                </a:ln>
+                <a:solidFill>
+                  <a:srgbClr val="A9B7C6"/>
+                </a:solidFill>
+                <a:effectLst/>
+                <a:latin typeface="JetBrains Mono"/>
+              </a:rPr>
+              <a:t>}</a:t>
+            </a:r>
+            <a:endParaRPr kumimoji="0" lang="en-US" altLang="en-US" sz="1800" b="0" i="0" u="none" strike="noStrike" cap="none" normalizeH="0" baseline="0" dirty="0">
+              <a:ln>
+                <a:noFill/>
+              </a:ln>
+              <a:solidFill>
+                <a:schemeClr val="tx1"/>
+              </a:solidFill>
+              <a:effectLst/>
+              <a:latin typeface="Arial" panose="020B0604020202020204" pitchFamily="34" charset="0"/>
+            </a:endParaRPr>
+          </a:p>
+        </p:txBody>
+      </p:sp>
+      <p:sp>
+        <p:nvSpPr>
+          <p:cNvPr id="6" name="Rectangle 2">
+            <a:extLst>
+              <a:ext uri="{FF2B5EF4-FFF2-40B4-BE49-F238E27FC236}">
+                <a16:creationId xmlns:a16="http://schemas.microsoft.com/office/drawing/2014/main" id="{55CA71FB-9026-4F9B-A5F0-64D265CECDCC}"/>
+              </a:ext>
+            </a:extLst>
+          </p:cNvPr>
+          <p:cNvSpPr>
+            <a:spLocks noChangeArrowheads="1"/>
+          </p:cNvSpPr>
+          <p:nvPr/>
+        </p:nvSpPr>
+        <p:spPr bwMode="auto">
+          <a:xfrm>
+            <a:off x="3200398" y="2764875"/>
+            <a:ext cx="2837468" cy="1477328"/>
+          </a:xfrm>
+          <a:prstGeom prst="rect">
+            <a:avLst/>
+          </a:prstGeom>
+          <a:solidFill>
+            <a:srgbClr val="2B2B2B"/>
+          </a:solidFill>
+          <a:ln>
+            <a:noFill/>
+          </a:ln>
+          <a:effectLst/>
+          <a:extLst>
+            <a:ext uri="{91240B29-F687-4F45-9708-019B960494DF}">
+              <a14:hiddenLine xmlns:a14="http://schemas.microsoft.com/office/drawing/2010/main" w="9525">
+                <a:solidFill>
+                  <a:schemeClr val="tx1"/>
+                </a:solidFill>
+                <a:miter lim="800000"/>
+                <a:headEnd/>
+                <a:tailEnd/>
+              </a14:hiddenLine>
+            </a:ext>
+            <a:ext uri="{AF507438-7753-43E0-B8FC-AC1667EBCBE1}">
+              <a14:hiddenEffects xmlns:a14="http://schemas.microsoft.com/office/drawing/2010/main">
+                <a:effectLst>
+                  <a:outerShdw dist="35921" dir="2700000" algn="ctr" rotWithShape="0">
+                    <a:schemeClr val="bg2"/>
+                  </a:outerShdw>
+                </a:effectLst>
+              </a14:hiddenEffects>
+            </a:ext>
+          </a:extLst>
+        </p:spPr>
+        <p:txBody>
+          <a:bodyPr vert="horz" wrap="square" lIns="91440" tIns="45720" rIns="91440" bIns="45720" numCol="1" anchor="ctr" anchorCtr="0" compatLnSpc="1">
+            <a:prstTxWarp prst="textNoShape">
+              <a:avLst/>
+            </a:prstTxWarp>
+            <a:spAutoFit/>
+          </a:bodyPr>
+          <a:lstStyle/>
+          <a:p>
+            <a:pPr marL="0" marR="0" lvl="0" indent="0" algn="l" defTabSz="914400" rtl="0" eaLnBrk="0" fontAlgn="base" latinLnBrk="0" hangingPunct="0">
+              <a:lnSpc>
+                <a:spcPct val="100000"/>
+              </a:lnSpc>
+              <a:spcBef>
+                <a:spcPct val="0"/>
+              </a:spcBef>
+              <a:spcAft>
+                <a:spcPct val="0"/>
+              </a:spcAft>
+              <a:buClrTx/>
+              <a:buSzTx/>
+              <a:buFontTx/>
+              <a:buNone/>
+              <a:tabLst/>
+            </a:pPr>
+            <a:r>
+              <a:rPr kumimoji="0" lang="en-US" altLang="en-US" sz="1000" b="0" i="0" u="none" strike="noStrike" cap="none" normalizeH="0" baseline="0" dirty="0">
+                <a:ln>
+                  <a:noFill/>
+                </a:ln>
+                <a:solidFill>
+                  <a:srgbClr val="808080"/>
+                </a:solidFill>
+                <a:effectLst/>
+                <a:latin typeface="JetBrains Mono"/>
+              </a:rPr>
+              <a:t>*  </a:t>
+            </a:r>
+            <a:r>
+              <a:rPr kumimoji="0" lang="en-US" altLang="en-US" sz="1000" b="0" i="0" u="none" strike="noStrike" cap="none" normalizeH="0" baseline="0" dirty="0" err="1">
+                <a:ln>
+                  <a:noFill/>
+                </a:ln>
+                <a:solidFill>
+                  <a:srgbClr val="808080"/>
+                </a:solidFill>
+                <a:effectLst/>
+                <a:latin typeface="JetBrains Mono"/>
+              </a:rPr>
+              <a:t>Vòng</a:t>
+            </a:r>
+            <a:r>
+              <a:rPr kumimoji="0" lang="en-US" altLang="en-US" sz="1000" b="0" i="0" u="none" strike="noStrike" cap="none" normalizeH="0" baseline="0" dirty="0">
+                <a:ln>
+                  <a:noFill/>
+                </a:ln>
+                <a:solidFill>
+                  <a:srgbClr val="808080"/>
+                </a:solidFill>
+                <a:effectLst/>
+                <a:latin typeface="JetBrains Mono"/>
+              </a:rPr>
+              <a:t> </a:t>
+            </a:r>
+            <a:r>
+              <a:rPr kumimoji="0" lang="en-US" altLang="en-US" sz="1000" b="0" i="0" u="none" strike="noStrike" cap="none" normalizeH="0" baseline="0" dirty="0" err="1">
+                <a:ln>
+                  <a:noFill/>
+                </a:ln>
+                <a:solidFill>
+                  <a:srgbClr val="808080"/>
+                </a:solidFill>
+                <a:effectLst/>
+                <a:latin typeface="JetBrains Mono"/>
+              </a:rPr>
+              <a:t>lặp</a:t>
+            </a:r>
+            <a:r>
+              <a:rPr kumimoji="0" lang="en-US" altLang="en-US" sz="1000" b="0" i="0" u="none" strike="noStrike" cap="none" normalizeH="0" baseline="0" dirty="0">
+                <a:ln>
+                  <a:noFill/>
+                </a:ln>
+                <a:solidFill>
+                  <a:srgbClr val="808080"/>
+                </a:solidFill>
+                <a:effectLst/>
+                <a:latin typeface="JetBrains Mono"/>
+              </a:rPr>
+              <a:t> for </a:t>
+            </a:r>
+            <a:r>
+              <a:rPr kumimoji="0" lang="en-US" altLang="en-US" sz="1000" b="0" i="0" u="none" strike="noStrike" cap="none" normalizeH="0" baseline="0" dirty="0" err="1">
+                <a:ln>
+                  <a:noFill/>
+                </a:ln>
+                <a:solidFill>
+                  <a:srgbClr val="808080"/>
+                </a:solidFill>
+                <a:effectLst/>
+                <a:latin typeface="JetBrains Mono"/>
+              </a:rPr>
+              <a:t>kiểu</a:t>
+            </a:r>
+            <a:r>
+              <a:rPr kumimoji="0" lang="en-US" altLang="en-US" sz="1000" b="0" i="0" u="none" strike="noStrike" cap="none" normalizeH="0" baseline="0" dirty="0">
+                <a:ln>
+                  <a:noFill/>
+                </a:ln>
+                <a:solidFill>
+                  <a:srgbClr val="808080"/>
+                </a:solidFill>
+                <a:effectLst/>
+                <a:latin typeface="JetBrains Mono"/>
+              </a:rPr>
+              <a:t> half open range</a:t>
+            </a:r>
+            <a:br>
+              <a:rPr kumimoji="0" lang="en-US" altLang="en-US" sz="1000" b="0" i="0" u="none" strike="noStrike" cap="none" normalizeH="0" baseline="0" dirty="0">
+                <a:ln>
+                  <a:noFill/>
+                </a:ln>
+                <a:solidFill>
+                  <a:srgbClr val="808080"/>
+                </a:solidFill>
+                <a:effectLst/>
+                <a:latin typeface="JetBrains Mono"/>
+              </a:rPr>
+            </a:br>
+            <a:r>
+              <a:rPr kumimoji="0" lang="en-US" altLang="en-US" sz="1000" b="0" i="0" u="none" strike="noStrike" cap="none" normalizeH="0" baseline="0" dirty="0">
+                <a:ln>
+                  <a:noFill/>
+                </a:ln>
+                <a:solidFill>
+                  <a:srgbClr val="808080"/>
+                </a:solidFill>
+                <a:effectLst/>
+                <a:latin typeface="JetBrains Mono"/>
+              </a:rPr>
+              <a:t>*  </a:t>
+            </a:r>
+            <a:r>
+              <a:rPr kumimoji="0" lang="en-US" altLang="en-US" sz="1000" b="0" i="0" u="none" strike="noStrike" cap="none" normalizeH="0" baseline="0" dirty="0" err="1">
+                <a:ln>
+                  <a:noFill/>
+                </a:ln>
+                <a:solidFill>
+                  <a:srgbClr val="808080"/>
+                </a:solidFill>
+                <a:effectLst/>
+                <a:latin typeface="JetBrains Mono"/>
+              </a:rPr>
+              <a:t>cho</a:t>
+            </a:r>
+            <a:r>
+              <a:rPr kumimoji="0" lang="en-US" altLang="en-US" sz="1000" b="0" i="0" u="none" strike="noStrike" cap="none" normalizeH="0" baseline="0" dirty="0">
+                <a:ln>
+                  <a:noFill/>
+                </a:ln>
+                <a:solidFill>
+                  <a:srgbClr val="808080"/>
+                </a:solidFill>
+                <a:effectLst/>
+                <a:latin typeface="JetBrains Mono"/>
+              </a:rPr>
+              <a:t> </a:t>
+            </a:r>
+            <a:r>
+              <a:rPr kumimoji="0" lang="en-US" altLang="en-US" sz="1000" b="0" i="0" u="none" strike="noStrike" cap="none" normalizeH="0" baseline="0" dirty="0" err="1">
+                <a:ln>
+                  <a:noFill/>
+                </a:ln>
+                <a:solidFill>
+                  <a:srgbClr val="808080"/>
+                </a:solidFill>
+                <a:effectLst/>
+                <a:latin typeface="JetBrains Mono"/>
+              </a:rPr>
+              <a:t>chúng</a:t>
+            </a:r>
+            <a:r>
+              <a:rPr kumimoji="0" lang="en-US" altLang="en-US" sz="1000" b="0" i="0" u="none" strike="noStrike" cap="none" normalizeH="0" baseline="0" dirty="0">
+                <a:ln>
+                  <a:noFill/>
+                </a:ln>
+                <a:solidFill>
+                  <a:srgbClr val="808080"/>
+                </a:solidFill>
+                <a:effectLst/>
+                <a:latin typeface="JetBrains Mono"/>
+              </a:rPr>
+              <a:t> ta </a:t>
+            </a:r>
+            <a:r>
+              <a:rPr kumimoji="0" lang="en-US" altLang="en-US" sz="1000" b="0" i="0" u="none" strike="noStrike" cap="none" normalizeH="0" baseline="0" dirty="0" err="1">
+                <a:ln>
+                  <a:noFill/>
+                </a:ln>
+                <a:solidFill>
+                  <a:srgbClr val="808080"/>
+                </a:solidFill>
+                <a:effectLst/>
+                <a:latin typeface="JetBrains Mono"/>
+              </a:rPr>
+              <a:t>duyệt</a:t>
+            </a:r>
+            <a:r>
+              <a:rPr kumimoji="0" lang="en-US" altLang="en-US" sz="1000" b="0" i="0" u="none" strike="noStrike" cap="none" normalizeH="0" baseline="0" dirty="0">
+                <a:ln>
+                  <a:noFill/>
+                </a:ln>
+                <a:solidFill>
+                  <a:srgbClr val="808080"/>
+                </a:solidFill>
+                <a:effectLst/>
+                <a:latin typeface="JetBrains Mono"/>
+              </a:rPr>
+              <a:t> </a:t>
+            </a:r>
+            <a:r>
+              <a:rPr kumimoji="0" lang="en-US" altLang="en-US" sz="1000" b="0" i="0" u="none" strike="noStrike" cap="none" normalizeH="0" baseline="0" dirty="0" err="1">
+                <a:ln>
+                  <a:noFill/>
+                </a:ln>
+                <a:solidFill>
+                  <a:srgbClr val="808080"/>
+                </a:solidFill>
+                <a:effectLst/>
+                <a:latin typeface="JetBrains Mono"/>
+              </a:rPr>
+              <a:t>trong</a:t>
+            </a:r>
+            <a:r>
+              <a:rPr kumimoji="0" lang="en-US" altLang="en-US" sz="1000" b="0" i="0" u="none" strike="noStrike" cap="none" normalizeH="0" baseline="0" dirty="0">
+                <a:ln>
+                  <a:noFill/>
+                </a:ln>
+                <a:solidFill>
+                  <a:srgbClr val="808080"/>
+                </a:solidFill>
+                <a:effectLst/>
+                <a:latin typeface="JetBrains Mono"/>
+              </a:rPr>
+              <a:t> </a:t>
+            </a:r>
+            <a:r>
+              <a:rPr kumimoji="0" lang="en-US" altLang="en-US" sz="1000" b="0" i="0" u="none" strike="noStrike" cap="none" normalizeH="0" baseline="0" dirty="0" err="1">
+                <a:ln>
+                  <a:noFill/>
+                </a:ln>
+                <a:solidFill>
+                  <a:srgbClr val="808080"/>
+                </a:solidFill>
+                <a:effectLst/>
+                <a:latin typeface="JetBrains Mono"/>
+              </a:rPr>
+              <a:t>nửa</a:t>
+            </a:r>
+            <a:r>
+              <a:rPr kumimoji="0" lang="en-US" altLang="en-US" sz="1000" b="0" i="0" u="none" strike="noStrike" cap="none" normalizeH="0" baseline="0" dirty="0">
+                <a:ln>
+                  <a:noFill/>
+                </a:ln>
+                <a:solidFill>
+                  <a:srgbClr val="808080"/>
+                </a:solidFill>
+                <a:effectLst/>
+                <a:latin typeface="JetBrains Mono"/>
+              </a:rPr>
+              <a:t> </a:t>
+            </a:r>
+            <a:r>
+              <a:rPr kumimoji="0" lang="en-US" altLang="en-US" sz="1000" b="0" i="0" u="none" strike="noStrike" cap="none" normalizeH="0" baseline="0" dirty="0" err="1">
+                <a:ln>
+                  <a:noFill/>
+                </a:ln>
+                <a:solidFill>
+                  <a:srgbClr val="808080"/>
+                </a:solidFill>
+                <a:effectLst/>
+                <a:latin typeface="JetBrains Mono"/>
+              </a:rPr>
+              <a:t>đoạn</a:t>
+            </a:r>
+            <a:r>
+              <a:rPr kumimoji="0" lang="en-US" altLang="en-US" sz="1000" b="0" i="0" u="none" strike="noStrike" cap="none" normalizeH="0" baseline="0" dirty="0">
+                <a:ln>
+                  <a:noFill/>
+                </a:ln>
+                <a:solidFill>
+                  <a:srgbClr val="808080"/>
+                </a:solidFill>
+                <a:effectLst/>
+                <a:latin typeface="JetBrains Mono"/>
+              </a:rPr>
+              <a:t> [</a:t>
+            </a:r>
+            <a:r>
+              <a:rPr kumimoji="0" lang="en-US" altLang="en-US" sz="1000" b="0" i="0" u="none" strike="noStrike" cap="none" normalizeH="0" baseline="0" dirty="0" err="1">
+                <a:ln>
+                  <a:noFill/>
+                </a:ln>
+                <a:solidFill>
+                  <a:srgbClr val="808080"/>
+                </a:solidFill>
+                <a:effectLst/>
+                <a:latin typeface="JetBrains Mono"/>
+              </a:rPr>
+              <a:t>a;b</a:t>
+            </a:r>
+            <a:r>
+              <a:rPr kumimoji="0" lang="en-US" altLang="en-US" sz="1000" b="0" i="0" u="none" strike="noStrike" cap="none" normalizeH="0" baseline="0" dirty="0">
+                <a:ln>
+                  <a:noFill/>
+                </a:ln>
+                <a:solidFill>
+                  <a:srgbClr val="808080"/>
+                </a:solidFill>
+                <a:effectLst/>
+                <a:latin typeface="JetBrains Mono"/>
+              </a:rPr>
+              <a:t>)</a:t>
+            </a:r>
+            <a:br>
+              <a:rPr kumimoji="0" lang="en-US" altLang="en-US" sz="1000" b="0" i="0" u="none" strike="noStrike" cap="none" normalizeH="0" baseline="0" dirty="0">
+                <a:ln>
+                  <a:noFill/>
+                </a:ln>
+                <a:solidFill>
+                  <a:srgbClr val="808080"/>
+                </a:solidFill>
+                <a:effectLst/>
+                <a:latin typeface="JetBrains Mono"/>
+              </a:rPr>
+            </a:br>
+            <a:r>
+              <a:rPr kumimoji="0" lang="en-US" altLang="en-US" sz="1000" b="0" i="0" u="none" strike="noStrike" cap="none" normalizeH="0" baseline="0" dirty="0">
+                <a:ln>
+                  <a:noFill/>
+                </a:ln>
+                <a:solidFill>
+                  <a:srgbClr val="808080"/>
+                </a:solidFill>
+                <a:effectLst/>
+                <a:latin typeface="JetBrains Mono"/>
+              </a:rPr>
+              <a:t>* */</a:t>
+            </a:r>
+            <a:br>
+              <a:rPr kumimoji="0" lang="en-US" altLang="en-US" sz="1000" b="0" i="0" u="none" strike="noStrike" cap="none" normalizeH="0" baseline="0" dirty="0">
+                <a:ln>
+                  <a:noFill/>
+                </a:ln>
+                <a:solidFill>
+                  <a:srgbClr val="808080"/>
+                </a:solidFill>
+                <a:effectLst/>
+                <a:latin typeface="JetBrains Mono"/>
+              </a:rPr>
+            </a:br>
+            <a:r>
+              <a:rPr kumimoji="0" lang="en-US" altLang="en-US" sz="1000" b="0" i="0" u="none" strike="noStrike" cap="none" normalizeH="0" baseline="0" dirty="0">
+                <a:ln>
+                  <a:noFill/>
+                </a:ln>
+                <a:solidFill>
+                  <a:srgbClr val="CC7832"/>
+                </a:solidFill>
+                <a:effectLst/>
+                <a:latin typeface="JetBrains Mono"/>
+              </a:rPr>
+              <a:t>fun </a:t>
+            </a:r>
+            <a:r>
+              <a:rPr kumimoji="0" lang="en-US" altLang="en-US" sz="1000" b="0" i="0" u="none" strike="noStrike" cap="none" normalizeH="0" baseline="0" dirty="0" err="1">
+                <a:ln>
+                  <a:noFill/>
+                </a:ln>
+                <a:solidFill>
+                  <a:srgbClr val="FFC66D"/>
+                </a:solidFill>
+                <a:effectLst/>
+                <a:latin typeface="JetBrains Mono"/>
+              </a:rPr>
+              <a:t>demoForInKtHalfOpenRangeType</a:t>
+            </a:r>
+            <a:r>
+              <a:rPr kumimoji="0" lang="en-US" altLang="en-US" sz="1000" b="0" i="0" u="none" strike="noStrike" cap="none" normalizeH="0" baseline="0" dirty="0">
+                <a:ln>
+                  <a:noFill/>
+                </a:ln>
+                <a:solidFill>
+                  <a:srgbClr val="A9B7C6"/>
+                </a:solidFill>
+                <a:effectLst/>
+                <a:latin typeface="JetBrains Mono"/>
+              </a:rPr>
+              <a:t>(n: Int){</a:t>
+            </a:r>
+            <a:br>
+              <a:rPr kumimoji="0" lang="en-US" altLang="en-US" sz="1000" b="0" i="0" u="none" strike="noStrike" cap="none" normalizeH="0" baseline="0" dirty="0">
+                <a:ln>
+                  <a:noFill/>
+                </a:ln>
+                <a:solidFill>
+                  <a:srgbClr val="A9B7C6"/>
+                </a:solidFill>
+                <a:effectLst/>
+                <a:latin typeface="JetBrains Mono"/>
+              </a:rPr>
+            </a:br>
+            <a:r>
+              <a:rPr kumimoji="0" lang="en-US" altLang="en-US" sz="1000" b="0" i="0" u="none" strike="noStrike" cap="none" normalizeH="0" baseline="0" dirty="0">
+                <a:ln>
+                  <a:noFill/>
+                </a:ln>
+                <a:solidFill>
+                  <a:srgbClr val="A9B7C6"/>
+                </a:solidFill>
+                <a:effectLst/>
+                <a:latin typeface="JetBrains Mono"/>
+              </a:rPr>
+              <a:t>    </a:t>
+            </a:r>
+            <a:r>
+              <a:rPr kumimoji="0" lang="en-US" altLang="en-US" sz="1000" b="0" i="1" u="none" strike="noStrike" cap="none" normalizeH="0" baseline="0" dirty="0" err="1">
+                <a:ln>
+                  <a:noFill/>
+                </a:ln>
+                <a:solidFill>
+                  <a:srgbClr val="A9B7C6"/>
+                </a:solidFill>
+                <a:effectLst/>
+                <a:latin typeface="JetBrains Mono"/>
+              </a:rPr>
+              <a:t>println</a:t>
+            </a:r>
+            <a:r>
+              <a:rPr kumimoji="0" lang="en-US" altLang="en-US" sz="1000" b="0" i="0" u="none" strike="noStrike" cap="none" normalizeH="0" baseline="0" dirty="0">
+                <a:ln>
+                  <a:noFill/>
+                </a:ln>
+                <a:solidFill>
+                  <a:srgbClr val="A9B7C6"/>
+                </a:solidFill>
+                <a:effectLst/>
+                <a:latin typeface="JetBrains Mono"/>
+              </a:rPr>
+              <a:t>(</a:t>
+            </a:r>
+            <a:r>
+              <a:rPr kumimoji="0" lang="en-US" altLang="en-US" sz="1000" b="0" i="0" u="none" strike="noStrike" cap="none" normalizeH="0" baseline="0" dirty="0">
+                <a:ln>
+                  <a:noFill/>
+                </a:ln>
+                <a:solidFill>
+                  <a:srgbClr val="6A8759"/>
+                </a:solidFill>
+                <a:effectLst/>
+                <a:latin typeface="JetBrains Mono"/>
+              </a:rPr>
+              <a:t>"Log: </a:t>
+            </a:r>
+            <a:r>
+              <a:rPr kumimoji="0" lang="en-US" altLang="en-US" sz="1000" b="0" i="0" u="none" strike="noStrike" cap="none" normalizeH="0" baseline="0" dirty="0" err="1">
+                <a:ln>
+                  <a:noFill/>
+                </a:ln>
+                <a:solidFill>
+                  <a:srgbClr val="6A8759"/>
+                </a:solidFill>
+                <a:effectLst/>
+                <a:latin typeface="JetBrains Mono"/>
+              </a:rPr>
+              <a:t>demoForInKotlinHalfOpenRange</a:t>
+            </a:r>
+            <a:r>
+              <a:rPr kumimoji="0" lang="en-US" altLang="en-US" sz="1000" b="0" i="0" u="none" strike="noStrike" cap="none" normalizeH="0" baseline="0" dirty="0">
+                <a:ln>
+                  <a:noFill/>
+                </a:ln>
+                <a:solidFill>
+                  <a:srgbClr val="6A8759"/>
+                </a:solidFill>
+                <a:effectLst/>
+                <a:latin typeface="JetBrains Mono"/>
+              </a:rPr>
+              <a:t>: "</a:t>
+            </a:r>
+            <a:r>
+              <a:rPr kumimoji="0" lang="en-US" altLang="en-US" sz="1000" b="0" i="0" u="none" strike="noStrike" cap="none" normalizeH="0" baseline="0" dirty="0">
+                <a:ln>
+                  <a:noFill/>
+                </a:ln>
+                <a:solidFill>
+                  <a:srgbClr val="A9B7C6"/>
+                </a:solidFill>
+                <a:effectLst/>
+                <a:latin typeface="JetBrains Mono"/>
+              </a:rPr>
+              <a:t>)</a:t>
+            </a:r>
+            <a:br>
+              <a:rPr kumimoji="0" lang="en-US" altLang="en-US" sz="1000" b="0" i="0" u="none" strike="noStrike" cap="none" normalizeH="0" baseline="0" dirty="0">
+                <a:ln>
+                  <a:noFill/>
+                </a:ln>
+                <a:solidFill>
+                  <a:srgbClr val="A9B7C6"/>
+                </a:solidFill>
+                <a:effectLst/>
+                <a:latin typeface="JetBrains Mono"/>
+              </a:rPr>
+            </a:br>
+            <a:r>
+              <a:rPr kumimoji="0" lang="en-US" altLang="en-US" sz="1000" b="0" i="0" u="none" strike="noStrike" cap="none" normalizeH="0" baseline="0" dirty="0">
+                <a:ln>
+                  <a:noFill/>
+                </a:ln>
+                <a:solidFill>
+                  <a:srgbClr val="A9B7C6"/>
+                </a:solidFill>
+                <a:effectLst/>
+                <a:latin typeface="JetBrains Mono"/>
+              </a:rPr>
+              <a:t>    </a:t>
+            </a:r>
+            <a:r>
+              <a:rPr kumimoji="0" lang="en-US" altLang="en-US" sz="1000" b="0" i="0" u="none" strike="noStrike" cap="none" normalizeH="0" baseline="0" dirty="0">
+                <a:ln>
+                  <a:noFill/>
+                </a:ln>
+                <a:solidFill>
+                  <a:srgbClr val="CC7832"/>
+                </a:solidFill>
+                <a:effectLst/>
+                <a:latin typeface="JetBrains Mono"/>
+              </a:rPr>
+              <a:t>for</a:t>
+            </a:r>
+            <a:r>
+              <a:rPr kumimoji="0" lang="en-US" altLang="en-US" sz="1000" b="0" i="0" u="none" strike="noStrike" cap="none" normalizeH="0" baseline="0" dirty="0">
+                <a:ln>
+                  <a:noFill/>
+                </a:ln>
+                <a:solidFill>
+                  <a:srgbClr val="A9B7C6"/>
+                </a:solidFill>
+                <a:effectLst/>
+                <a:latin typeface="JetBrains Mono"/>
+              </a:rPr>
+              <a:t>(</a:t>
+            </a:r>
+            <a:r>
+              <a:rPr kumimoji="0" lang="en-US" altLang="en-US" sz="1000" b="0" i="0" u="none" strike="noStrike" cap="none" normalizeH="0" baseline="0" dirty="0" err="1">
+                <a:ln>
+                  <a:noFill/>
+                </a:ln>
+                <a:solidFill>
+                  <a:srgbClr val="A9B7C6"/>
+                </a:solidFill>
+                <a:effectLst/>
+                <a:latin typeface="JetBrains Mono"/>
+              </a:rPr>
+              <a:t>i</a:t>
+            </a:r>
+            <a:r>
+              <a:rPr kumimoji="0" lang="en-US" altLang="en-US" sz="1000" b="0" i="0" u="none" strike="noStrike" cap="none" normalizeH="0" baseline="0" dirty="0">
+                <a:ln>
+                  <a:noFill/>
+                </a:ln>
+                <a:solidFill>
+                  <a:srgbClr val="A9B7C6"/>
+                </a:solidFill>
+                <a:effectLst/>
+                <a:latin typeface="JetBrains Mono"/>
+              </a:rPr>
+              <a:t> </a:t>
+            </a:r>
+            <a:r>
+              <a:rPr kumimoji="0" lang="en-US" altLang="en-US" sz="1000" b="0" i="0" u="none" strike="noStrike" cap="none" normalizeH="0" baseline="0" dirty="0">
+                <a:ln>
+                  <a:noFill/>
+                </a:ln>
+                <a:solidFill>
+                  <a:srgbClr val="CC7832"/>
+                </a:solidFill>
+                <a:effectLst/>
+                <a:latin typeface="JetBrains Mono"/>
+              </a:rPr>
+              <a:t>in </a:t>
+            </a:r>
+            <a:r>
+              <a:rPr kumimoji="0" lang="en-US" altLang="en-US" sz="1000" b="0" i="0" u="none" strike="noStrike" cap="none" normalizeH="0" baseline="0" dirty="0">
+                <a:ln>
+                  <a:noFill/>
+                </a:ln>
+                <a:solidFill>
+                  <a:srgbClr val="6897BB"/>
+                </a:solidFill>
+                <a:effectLst/>
+                <a:latin typeface="JetBrains Mono"/>
+              </a:rPr>
+              <a:t>1 </a:t>
+            </a:r>
+            <a:r>
+              <a:rPr kumimoji="0" lang="en-US" altLang="en-US" sz="1000" b="0" i="1" u="none" strike="noStrike" cap="none" normalizeH="0" baseline="0" dirty="0">
+                <a:ln>
+                  <a:noFill/>
+                </a:ln>
+                <a:solidFill>
+                  <a:srgbClr val="FFC66D"/>
+                </a:solidFill>
+                <a:effectLst/>
+                <a:latin typeface="JetBrains Mono"/>
+              </a:rPr>
+              <a:t>until </a:t>
+            </a:r>
+            <a:r>
+              <a:rPr kumimoji="0" lang="en-US" altLang="en-US" sz="1000" b="0" i="0" u="none" strike="noStrike" cap="none" normalizeH="0" baseline="0" dirty="0">
+                <a:ln>
+                  <a:noFill/>
+                </a:ln>
+                <a:solidFill>
+                  <a:srgbClr val="A9B7C6"/>
+                </a:solidFill>
+                <a:effectLst/>
+                <a:latin typeface="JetBrains Mono"/>
+              </a:rPr>
+              <a:t>n  ){</a:t>
+            </a:r>
+            <a:br>
+              <a:rPr kumimoji="0" lang="en-US" altLang="en-US" sz="1000" b="0" i="0" u="none" strike="noStrike" cap="none" normalizeH="0" baseline="0" dirty="0">
+                <a:ln>
+                  <a:noFill/>
+                </a:ln>
+                <a:solidFill>
+                  <a:srgbClr val="A9B7C6"/>
+                </a:solidFill>
+                <a:effectLst/>
+                <a:latin typeface="JetBrains Mono"/>
+              </a:rPr>
+            </a:br>
+            <a:r>
+              <a:rPr kumimoji="0" lang="en-US" altLang="en-US" sz="1000" b="0" i="0" u="none" strike="noStrike" cap="none" normalizeH="0" baseline="0" dirty="0">
+                <a:ln>
+                  <a:noFill/>
+                </a:ln>
+                <a:solidFill>
+                  <a:srgbClr val="A9B7C6"/>
+                </a:solidFill>
+                <a:effectLst/>
+                <a:latin typeface="JetBrains Mono"/>
+              </a:rPr>
+              <a:t>        </a:t>
+            </a:r>
+            <a:r>
+              <a:rPr kumimoji="0" lang="en-US" altLang="en-US" sz="1000" b="0" i="1" u="none" strike="noStrike" cap="none" normalizeH="0" baseline="0" dirty="0" err="1">
+                <a:ln>
+                  <a:noFill/>
+                </a:ln>
+                <a:solidFill>
+                  <a:srgbClr val="A9B7C6"/>
+                </a:solidFill>
+                <a:effectLst/>
+                <a:latin typeface="JetBrains Mono"/>
+              </a:rPr>
+              <a:t>println</a:t>
+            </a:r>
+            <a:r>
+              <a:rPr kumimoji="0" lang="en-US" altLang="en-US" sz="1000" b="0" i="0" u="none" strike="noStrike" cap="none" normalizeH="0" baseline="0" dirty="0">
+                <a:ln>
+                  <a:noFill/>
+                </a:ln>
+                <a:solidFill>
+                  <a:srgbClr val="A9B7C6"/>
+                </a:solidFill>
+                <a:effectLst/>
+                <a:latin typeface="JetBrains Mono"/>
+              </a:rPr>
+              <a:t>(</a:t>
+            </a:r>
+            <a:r>
+              <a:rPr kumimoji="0" lang="en-US" altLang="en-US" sz="1000" b="0" i="0" u="none" strike="noStrike" cap="none" normalizeH="0" baseline="0" dirty="0" err="1">
+                <a:ln>
+                  <a:noFill/>
+                </a:ln>
+                <a:solidFill>
+                  <a:srgbClr val="A9B7C6"/>
+                </a:solidFill>
+                <a:effectLst/>
+                <a:latin typeface="JetBrains Mono"/>
+              </a:rPr>
+              <a:t>i</a:t>
+            </a:r>
+            <a:r>
+              <a:rPr kumimoji="0" lang="en-US" altLang="en-US" sz="1000" b="0" i="0" u="none" strike="noStrike" cap="none" normalizeH="0" baseline="0" dirty="0">
+                <a:ln>
+                  <a:noFill/>
+                </a:ln>
+                <a:solidFill>
+                  <a:srgbClr val="A9B7C6"/>
+                </a:solidFill>
+                <a:effectLst/>
+                <a:latin typeface="JetBrains Mono"/>
+              </a:rPr>
+              <a:t>)</a:t>
+            </a:r>
+            <a:br>
+              <a:rPr kumimoji="0" lang="en-US" altLang="en-US" sz="1000" b="0" i="0" u="none" strike="noStrike" cap="none" normalizeH="0" baseline="0" dirty="0">
+                <a:ln>
+                  <a:noFill/>
+                </a:ln>
+                <a:solidFill>
+                  <a:srgbClr val="A9B7C6"/>
+                </a:solidFill>
+                <a:effectLst/>
+                <a:latin typeface="JetBrains Mono"/>
+              </a:rPr>
+            </a:br>
+            <a:r>
+              <a:rPr kumimoji="0" lang="en-US" altLang="en-US" sz="1000" b="0" i="0" u="none" strike="noStrike" cap="none" normalizeH="0" baseline="0" dirty="0">
+                <a:ln>
+                  <a:noFill/>
+                </a:ln>
+                <a:solidFill>
+                  <a:srgbClr val="A9B7C6"/>
+                </a:solidFill>
+                <a:effectLst/>
+                <a:latin typeface="JetBrains Mono"/>
+              </a:rPr>
+              <a:t>    }</a:t>
+            </a:r>
+            <a:br>
+              <a:rPr kumimoji="0" lang="en-US" altLang="en-US" sz="1000" b="0" i="0" u="none" strike="noStrike" cap="none" normalizeH="0" baseline="0" dirty="0">
+                <a:ln>
+                  <a:noFill/>
+                </a:ln>
+                <a:solidFill>
+                  <a:srgbClr val="A9B7C6"/>
+                </a:solidFill>
+                <a:effectLst/>
+                <a:latin typeface="JetBrains Mono"/>
+              </a:rPr>
+            </a:br>
+            <a:r>
+              <a:rPr kumimoji="0" lang="en-US" altLang="en-US" sz="1000" b="0" i="0" u="none" strike="noStrike" cap="none" normalizeH="0" baseline="0" dirty="0">
+                <a:ln>
+                  <a:noFill/>
+                </a:ln>
+                <a:solidFill>
+                  <a:srgbClr val="A9B7C6"/>
+                </a:solidFill>
+                <a:effectLst/>
+                <a:latin typeface="JetBrains Mono"/>
+              </a:rPr>
+              <a:t>}</a:t>
+            </a:r>
+            <a:endParaRPr kumimoji="0" lang="en-US" altLang="en-US" sz="1800" b="0" i="0" u="none" strike="noStrike" cap="none" normalizeH="0" baseline="0" dirty="0">
+              <a:ln>
+                <a:noFill/>
+              </a:ln>
+              <a:solidFill>
+                <a:schemeClr val="tx1"/>
+              </a:solidFill>
+              <a:effectLst/>
+              <a:latin typeface="Arial" panose="020B0604020202020204" pitchFamily="34" charset="0"/>
+            </a:endParaRPr>
+          </a:p>
+        </p:txBody>
+      </p:sp>
+      <p:sp>
+        <p:nvSpPr>
+          <p:cNvPr id="7" name="Rectangle 3">
+            <a:extLst>
+              <a:ext uri="{FF2B5EF4-FFF2-40B4-BE49-F238E27FC236}">
+                <a16:creationId xmlns:a16="http://schemas.microsoft.com/office/drawing/2014/main" id="{A641115C-D0AB-45F4-865E-231C467FC278}"/>
+              </a:ext>
+            </a:extLst>
+          </p:cNvPr>
+          <p:cNvSpPr>
+            <a:spLocks noChangeArrowheads="1"/>
+          </p:cNvSpPr>
+          <p:nvPr/>
+        </p:nvSpPr>
+        <p:spPr bwMode="auto">
+          <a:xfrm>
+            <a:off x="6436543" y="2780987"/>
+            <a:ext cx="2529526" cy="1477328"/>
+          </a:xfrm>
+          <a:prstGeom prst="rect">
+            <a:avLst/>
+          </a:prstGeom>
+          <a:solidFill>
+            <a:srgbClr val="2B2B2B"/>
+          </a:solidFill>
+          <a:ln>
+            <a:noFill/>
+          </a:ln>
+          <a:effectLst/>
+          <a:extLst>
+            <a:ext uri="{91240B29-F687-4F45-9708-019B960494DF}">
+              <a14:hiddenLine xmlns:a14="http://schemas.microsoft.com/office/drawing/2010/main" w="9525">
+                <a:solidFill>
+                  <a:schemeClr val="tx1"/>
+                </a:solidFill>
+                <a:miter lim="800000"/>
+                <a:headEnd/>
+                <a:tailEnd/>
+              </a14:hiddenLine>
+            </a:ext>
+            <a:ext uri="{AF507438-7753-43E0-B8FC-AC1667EBCBE1}">
+              <a14:hiddenEffects xmlns:a14="http://schemas.microsoft.com/office/drawing/2010/main">
+                <a:effectLst>
+                  <a:outerShdw dist="35921" dir="2700000" algn="ctr" rotWithShape="0">
+                    <a:schemeClr val="bg2"/>
+                  </a:outerShdw>
+                </a:effectLst>
+              </a14:hiddenEffects>
+            </a:ext>
+          </a:extLst>
+        </p:spPr>
+        <p:txBody>
+          <a:bodyPr vert="horz" wrap="square" lIns="91440" tIns="45720" rIns="91440" bIns="45720" numCol="1" anchor="ctr" anchorCtr="0" compatLnSpc="1">
+            <a:prstTxWarp prst="textNoShape">
+              <a:avLst/>
+            </a:prstTxWarp>
+            <a:spAutoFit/>
+          </a:bodyPr>
+          <a:lstStyle/>
+          <a:p>
+            <a:pPr marL="0" marR="0" lvl="0" indent="0" algn="l" defTabSz="914400" rtl="0" eaLnBrk="0" fontAlgn="base" latinLnBrk="0" hangingPunct="0">
+              <a:lnSpc>
+                <a:spcPct val="100000"/>
+              </a:lnSpc>
+              <a:spcBef>
+                <a:spcPct val="0"/>
+              </a:spcBef>
+              <a:spcAft>
+                <a:spcPct val="0"/>
+              </a:spcAft>
+              <a:buClrTx/>
+              <a:buSzTx/>
+              <a:buFontTx/>
+              <a:buNone/>
+              <a:tabLst/>
+            </a:pPr>
+            <a:r>
+              <a:rPr kumimoji="0" lang="en-US" altLang="en-US" sz="1000" b="0" i="0" u="none" strike="noStrike" cap="none" normalizeH="0" baseline="0" dirty="0">
+                <a:ln>
+                  <a:noFill/>
+                </a:ln>
+                <a:solidFill>
+                  <a:srgbClr val="808080"/>
+                </a:solidFill>
+                <a:effectLst/>
+                <a:latin typeface="JetBrains Mono"/>
+              </a:rPr>
+              <a:t>* </a:t>
+            </a:r>
+            <a:r>
+              <a:rPr kumimoji="0" lang="en-US" altLang="en-US" sz="1000" b="0" i="0" u="none" strike="noStrike" cap="none" normalizeH="0" baseline="0" dirty="0" err="1">
+                <a:ln>
+                  <a:noFill/>
+                </a:ln>
+                <a:solidFill>
+                  <a:srgbClr val="808080"/>
+                </a:solidFill>
+                <a:effectLst/>
+                <a:latin typeface="JetBrains Mono"/>
+              </a:rPr>
+              <a:t>Vòng</a:t>
+            </a:r>
+            <a:r>
+              <a:rPr kumimoji="0" lang="en-US" altLang="en-US" sz="1000" b="0" i="0" u="none" strike="noStrike" cap="none" normalizeH="0" baseline="0" dirty="0">
+                <a:ln>
+                  <a:noFill/>
+                </a:ln>
+                <a:solidFill>
+                  <a:srgbClr val="808080"/>
+                </a:solidFill>
+                <a:effectLst/>
+                <a:latin typeface="JetBrains Mono"/>
+              </a:rPr>
+              <a:t> </a:t>
+            </a:r>
+            <a:r>
+              <a:rPr kumimoji="0" lang="en-US" altLang="en-US" sz="1000" b="0" i="0" u="none" strike="noStrike" cap="none" normalizeH="0" baseline="0" dirty="0" err="1">
+                <a:ln>
+                  <a:noFill/>
+                </a:ln>
+                <a:solidFill>
+                  <a:srgbClr val="808080"/>
+                </a:solidFill>
+                <a:effectLst/>
+                <a:latin typeface="JetBrains Mono"/>
+              </a:rPr>
+              <a:t>lặp</a:t>
+            </a:r>
+            <a:r>
+              <a:rPr kumimoji="0" lang="en-US" altLang="en-US" sz="1000" b="0" i="0" u="none" strike="noStrike" cap="none" normalizeH="0" baseline="0" dirty="0">
+                <a:ln>
+                  <a:noFill/>
+                </a:ln>
+                <a:solidFill>
+                  <a:srgbClr val="808080"/>
+                </a:solidFill>
+                <a:effectLst/>
+                <a:latin typeface="JetBrains Mono"/>
+              </a:rPr>
+              <a:t> for </a:t>
+            </a:r>
+            <a:r>
+              <a:rPr kumimoji="0" lang="en-US" altLang="en-US" sz="1000" b="0" i="0" u="none" strike="noStrike" cap="none" normalizeH="0" baseline="0" dirty="0" err="1">
+                <a:ln>
+                  <a:noFill/>
+                </a:ln>
+                <a:solidFill>
+                  <a:srgbClr val="808080"/>
+                </a:solidFill>
+                <a:effectLst/>
+                <a:latin typeface="JetBrains Mono"/>
+              </a:rPr>
+              <a:t>kiểu</a:t>
+            </a:r>
+            <a:r>
+              <a:rPr kumimoji="0" lang="en-US" altLang="en-US" sz="1000" b="0" i="0" u="none" strike="noStrike" cap="none" normalizeH="0" baseline="0" dirty="0">
+                <a:ln>
+                  <a:noFill/>
+                </a:ln>
+                <a:solidFill>
+                  <a:srgbClr val="808080"/>
+                </a:solidFill>
+                <a:effectLst/>
+                <a:latin typeface="JetBrains Mono"/>
+              </a:rPr>
+              <a:t> step &lt;--&gt;</a:t>
+            </a:r>
+            <a:br>
+              <a:rPr kumimoji="0" lang="en-US" altLang="en-US" sz="1000" b="0" i="0" u="none" strike="noStrike" cap="none" normalizeH="0" baseline="0" dirty="0">
+                <a:ln>
+                  <a:noFill/>
+                </a:ln>
+                <a:solidFill>
+                  <a:srgbClr val="808080"/>
+                </a:solidFill>
+                <a:effectLst/>
+                <a:latin typeface="JetBrains Mono"/>
+              </a:rPr>
+            </a:br>
+            <a:r>
+              <a:rPr kumimoji="0" lang="en-US" altLang="en-US" sz="1000" b="0" i="0" u="none" strike="noStrike" cap="none" normalizeH="0" baseline="0" dirty="0" err="1">
+                <a:ln>
+                  <a:noFill/>
+                </a:ln>
+                <a:solidFill>
+                  <a:srgbClr val="808080"/>
+                </a:solidFill>
+                <a:effectLst/>
+                <a:latin typeface="JetBrains Mono"/>
+              </a:rPr>
+              <a:t>vònglặp</a:t>
+            </a:r>
+            <a:r>
+              <a:rPr kumimoji="0" lang="en-US" altLang="en-US" sz="1000" b="0" i="0" u="none" strike="noStrike" cap="none" normalizeH="0" baseline="0" dirty="0">
+                <a:ln>
+                  <a:noFill/>
+                </a:ln>
+                <a:solidFill>
+                  <a:srgbClr val="808080"/>
+                </a:solidFill>
+                <a:effectLst/>
+                <a:latin typeface="JetBrains Mono"/>
+              </a:rPr>
+              <a:t> for(</a:t>
+            </a:r>
+            <a:r>
+              <a:rPr kumimoji="0" lang="en-US" altLang="en-US" sz="1000" b="0" i="0" u="none" strike="noStrike" cap="none" normalizeH="0" baseline="0" dirty="0" err="1">
+                <a:ln>
+                  <a:noFill/>
+                </a:ln>
+                <a:solidFill>
+                  <a:srgbClr val="808080"/>
+                </a:solidFill>
+                <a:effectLst/>
+                <a:latin typeface="JetBrains Mono"/>
+              </a:rPr>
+              <a:t>i</a:t>
+            </a:r>
+            <a:r>
+              <a:rPr kumimoji="0" lang="en-US" altLang="en-US" sz="1000" b="0" i="0" u="none" strike="noStrike" cap="none" normalizeH="0" baseline="0" dirty="0">
+                <a:ln>
+                  <a:noFill/>
+                </a:ln>
+                <a:solidFill>
+                  <a:srgbClr val="808080"/>
+                </a:solidFill>
+                <a:effectLst/>
+                <a:latin typeface="JetBrains Mono"/>
+              </a:rPr>
+              <a:t>=0;i&lt;</a:t>
+            </a:r>
+            <a:r>
+              <a:rPr kumimoji="0" lang="en-US" altLang="en-US" sz="1000" b="0" i="0" u="none" strike="noStrike" cap="none" normalizeH="0" baseline="0" dirty="0" err="1">
+                <a:ln>
+                  <a:noFill/>
+                </a:ln>
+                <a:solidFill>
+                  <a:srgbClr val="808080"/>
+                </a:solidFill>
+                <a:effectLst/>
+                <a:latin typeface="JetBrains Mono"/>
+              </a:rPr>
+              <a:t>n;i</a:t>
+            </a:r>
+            <a:r>
+              <a:rPr kumimoji="0" lang="en-US" altLang="en-US" sz="1000" b="0" i="0" u="none" strike="noStrike" cap="none" normalizeH="0" baseline="0" dirty="0">
+                <a:ln>
+                  <a:noFill/>
+                </a:ln>
+                <a:solidFill>
+                  <a:srgbClr val="808080"/>
+                </a:solidFill>
+                <a:effectLst/>
+                <a:latin typeface="JetBrains Mono"/>
+              </a:rPr>
+              <a:t>++)in java/</a:t>
+            </a:r>
+            <a:r>
+              <a:rPr kumimoji="0" lang="en-US" altLang="en-US" sz="1000" b="0" i="0" u="none" strike="noStrike" cap="none" normalizeH="0" baseline="0" dirty="0" err="1">
+                <a:ln>
+                  <a:noFill/>
+                </a:ln>
+                <a:solidFill>
+                  <a:srgbClr val="808080"/>
+                </a:solidFill>
+                <a:effectLst/>
+                <a:latin typeface="JetBrains Mono"/>
+              </a:rPr>
+              <a:t>c++</a:t>
+            </a:r>
+            <a:br>
+              <a:rPr kumimoji="0" lang="en-US" altLang="en-US" sz="1000" b="0" i="0" u="none" strike="noStrike" cap="none" normalizeH="0" baseline="0" dirty="0">
+                <a:ln>
+                  <a:noFill/>
+                </a:ln>
+                <a:solidFill>
+                  <a:srgbClr val="808080"/>
+                </a:solidFill>
+                <a:effectLst/>
+                <a:latin typeface="JetBrains Mono"/>
+              </a:rPr>
+            </a:br>
+            <a:r>
+              <a:rPr kumimoji="0" lang="en-US" altLang="en-US" sz="1000" b="0" i="0" u="none" strike="noStrike" cap="none" normalizeH="0" baseline="0" dirty="0">
+                <a:ln>
+                  <a:noFill/>
+                </a:ln>
+                <a:solidFill>
+                  <a:srgbClr val="808080"/>
+                </a:solidFill>
+                <a:effectLst/>
+                <a:latin typeface="JetBrains Mono"/>
+              </a:rPr>
+              <a:t>* */</a:t>
+            </a:r>
+            <a:br>
+              <a:rPr kumimoji="0" lang="en-US" altLang="en-US" sz="1000" b="0" i="0" u="none" strike="noStrike" cap="none" normalizeH="0" baseline="0" dirty="0">
+                <a:ln>
+                  <a:noFill/>
+                </a:ln>
+                <a:solidFill>
+                  <a:srgbClr val="808080"/>
+                </a:solidFill>
+                <a:effectLst/>
+                <a:latin typeface="JetBrains Mono"/>
+              </a:rPr>
+            </a:br>
+            <a:r>
+              <a:rPr kumimoji="0" lang="en-US" altLang="en-US" sz="1000" b="0" i="0" u="none" strike="noStrike" cap="none" normalizeH="0" baseline="0" dirty="0">
+                <a:ln>
+                  <a:noFill/>
+                </a:ln>
+                <a:solidFill>
+                  <a:srgbClr val="CC7832"/>
+                </a:solidFill>
+                <a:effectLst/>
+                <a:latin typeface="JetBrains Mono"/>
+              </a:rPr>
+              <a:t>fun </a:t>
+            </a:r>
+            <a:r>
+              <a:rPr kumimoji="0" lang="en-US" altLang="en-US" sz="1000" b="0" i="0" u="none" strike="noStrike" cap="none" normalizeH="0" baseline="0" dirty="0" err="1">
+                <a:ln>
+                  <a:noFill/>
+                </a:ln>
+                <a:solidFill>
+                  <a:srgbClr val="FFC66D"/>
+                </a:solidFill>
+                <a:effectLst/>
+                <a:latin typeface="JetBrains Mono"/>
+              </a:rPr>
+              <a:t>demoForInKtStepType</a:t>
+            </a:r>
+            <a:r>
+              <a:rPr kumimoji="0" lang="en-US" altLang="en-US" sz="1000" b="0" i="0" u="none" strike="noStrike" cap="none" normalizeH="0" baseline="0" dirty="0">
+                <a:ln>
+                  <a:noFill/>
+                </a:ln>
+                <a:solidFill>
+                  <a:srgbClr val="A9B7C6"/>
+                </a:solidFill>
+                <a:effectLst/>
+                <a:latin typeface="JetBrains Mono"/>
+              </a:rPr>
+              <a:t>(n: Int</a:t>
+            </a:r>
+            <a:r>
+              <a:rPr kumimoji="0" lang="en-US" altLang="en-US" sz="1000" b="0" i="0" u="none" strike="noStrike" cap="none" normalizeH="0" baseline="0" dirty="0">
+                <a:ln>
+                  <a:noFill/>
+                </a:ln>
+                <a:solidFill>
+                  <a:srgbClr val="CC7832"/>
+                </a:solidFill>
+                <a:effectLst/>
+                <a:latin typeface="JetBrains Mono"/>
+              </a:rPr>
+              <a:t>, </a:t>
+            </a:r>
+            <a:r>
+              <a:rPr kumimoji="0" lang="en-US" altLang="en-US" sz="1000" b="0" i="0" u="none" strike="noStrike" cap="none" normalizeH="0" baseline="0" dirty="0">
+                <a:ln>
+                  <a:noFill/>
+                </a:ln>
+                <a:solidFill>
+                  <a:srgbClr val="A9B7C6"/>
+                </a:solidFill>
+                <a:effectLst/>
+                <a:latin typeface="JetBrains Mono"/>
+              </a:rPr>
+              <a:t>x: Int){</a:t>
+            </a:r>
+            <a:br>
+              <a:rPr kumimoji="0" lang="en-US" altLang="en-US" sz="1000" b="0" i="0" u="none" strike="noStrike" cap="none" normalizeH="0" baseline="0" dirty="0">
+                <a:ln>
+                  <a:noFill/>
+                </a:ln>
+                <a:solidFill>
+                  <a:srgbClr val="A9B7C6"/>
+                </a:solidFill>
+                <a:effectLst/>
+                <a:latin typeface="JetBrains Mono"/>
+              </a:rPr>
+            </a:br>
+            <a:r>
+              <a:rPr kumimoji="0" lang="en-US" altLang="en-US" sz="1000" b="0" i="0" u="none" strike="noStrike" cap="none" normalizeH="0" baseline="0" dirty="0">
+                <a:ln>
+                  <a:noFill/>
+                </a:ln>
+                <a:solidFill>
+                  <a:srgbClr val="A9B7C6"/>
+                </a:solidFill>
+                <a:effectLst/>
+                <a:latin typeface="JetBrains Mono"/>
+              </a:rPr>
+              <a:t>    </a:t>
+            </a:r>
+            <a:r>
+              <a:rPr kumimoji="0" lang="en-US" altLang="en-US" sz="1000" b="0" i="1" u="none" strike="noStrike" cap="none" normalizeH="0" baseline="0" dirty="0" err="1">
+                <a:ln>
+                  <a:noFill/>
+                </a:ln>
+                <a:solidFill>
+                  <a:srgbClr val="A9B7C6"/>
+                </a:solidFill>
+                <a:effectLst/>
+                <a:latin typeface="JetBrains Mono"/>
+              </a:rPr>
+              <a:t>println</a:t>
+            </a:r>
+            <a:r>
+              <a:rPr kumimoji="0" lang="en-US" altLang="en-US" sz="1000" b="0" i="0" u="none" strike="noStrike" cap="none" normalizeH="0" baseline="0" dirty="0">
+                <a:ln>
+                  <a:noFill/>
+                </a:ln>
+                <a:solidFill>
+                  <a:srgbClr val="A9B7C6"/>
+                </a:solidFill>
+                <a:effectLst/>
+                <a:latin typeface="JetBrains Mono"/>
+              </a:rPr>
+              <a:t>(</a:t>
+            </a:r>
+            <a:r>
+              <a:rPr kumimoji="0" lang="en-US" altLang="en-US" sz="1000" b="0" i="0" u="none" strike="noStrike" cap="none" normalizeH="0" baseline="0" dirty="0">
+                <a:ln>
+                  <a:noFill/>
+                </a:ln>
+                <a:solidFill>
+                  <a:srgbClr val="6A8759"/>
+                </a:solidFill>
+                <a:effectLst/>
+                <a:latin typeface="JetBrains Mono"/>
+              </a:rPr>
+              <a:t>"Log: </a:t>
+            </a:r>
+            <a:r>
+              <a:rPr kumimoji="0" lang="en-US" altLang="en-US" sz="1000" b="0" i="0" u="none" strike="noStrike" cap="none" normalizeH="0" baseline="0" dirty="0" err="1">
+                <a:ln>
+                  <a:noFill/>
+                </a:ln>
+                <a:solidFill>
+                  <a:srgbClr val="6A8759"/>
+                </a:solidFill>
+                <a:effectLst/>
+                <a:latin typeface="JetBrains Mono"/>
+              </a:rPr>
+              <a:t>demoForInKotlinStepType</a:t>
+            </a:r>
+            <a:r>
+              <a:rPr kumimoji="0" lang="en-US" altLang="en-US" sz="1000" b="0" i="0" u="none" strike="noStrike" cap="none" normalizeH="0" baseline="0" dirty="0">
+                <a:ln>
+                  <a:noFill/>
+                </a:ln>
+                <a:solidFill>
+                  <a:srgbClr val="6A8759"/>
+                </a:solidFill>
+                <a:effectLst/>
+                <a:latin typeface="JetBrains Mono"/>
+              </a:rPr>
+              <a:t>: "</a:t>
+            </a:r>
+            <a:r>
+              <a:rPr kumimoji="0" lang="en-US" altLang="en-US" sz="1000" b="0" i="0" u="none" strike="noStrike" cap="none" normalizeH="0" baseline="0" dirty="0">
+                <a:ln>
+                  <a:noFill/>
+                </a:ln>
+                <a:solidFill>
+                  <a:srgbClr val="A9B7C6"/>
+                </a:solidFill>
+                <a:effectLst/>
+                <a:latin typeface="JetBrains Mono"/>
+              </a:rPr>
+              <a:t>)</a:t>
+            </a:r>
+            <a:br>
+              <a:rPr kumimoji="0" lang="en-US" altLang="en-US" sz="1000" b="0" i="0" u="none" strike="noStrike" cap="none" normalizeH="0" baseline="0" dirty="0">
+                <a:ln>
+                  <a:noFill/>
+                </a:ln>
+                <a:solidFill>
+                  <a:srgbClr val="A9B7C6"/>
+                </a:solidFill>
+                <a:effectLst/>
+                <a:latin typeface="JetBrains Mono"/>
+              </a:rPr>
+            </a:br>
+            <a:r>
+              <a:rPr kumimoji="0" lang="en-US" altLang="en-US" sz="1000" b="0" i="0" u="none" strike="noStrike" cap="none" normalizeH="0" baseline="0" dirty="0">
+                <a:ln>
+                  <a:noFill/>
+                </a:ln>
+                <a:solidFill>
+                  <a:srgbClr val="A9B7C6"/>
+                </a:solidFill>
+                <a:effectLst/>
+                <a:latin typeface="JetBrains Mono"/>
+              </a:rPr>
+              <a:t>    </a:t>
+            </a:r>
+            <a:r>
+              <a:rPr kumimoji="0" lang="en-US" altLang="en-US" sz="1000" b="0" i="0" u="none" strike="noStrike" cap="none" normalizeH="0" baseline="0" dirty="0">
+                <a:ln>
+                  <a:noFill/>
+                </a:ln>
+                <a:solidFill>
+                  <a:srgbClr val="CC7832"/>
+                </a:solidFill>
+                <a:effectLst/>
+                <a:latin typeface="JetBrains Mono"/>
+              </a:rPr>
+              <a:t>for </a:t>
+            </a:r>
+            <a:r>
+              <a:rPr kumimoji="0" lang="en-US" altLang="en-US" sz="1000" b="0" i="0" u="none" strike="noStrike" cap="none" normalizeH="0" baseline="0" dirty="0">
+                <a:ln>
+                  <a:noFill/>
+                </a:ln>
+                <a:solidFill>
+                  <a:srgbClr val="A9B7C6"/>
+                </a:solidFill>
+                <a:effectLst/>
+                <a:latin typeface="JetBrains Mono"/>
+              </a:rPr>
+              <a:t>(</a:t>
+            </a:r>
+            <a:r>
+              <a:rPr kumimoji="0" lang="en-US" altLang="en-US" sz="1000" b="0" i="0" u="none" strike="noStrike" cap="none" normalizeH="0" baseline="0" dirty="0" err="1">
+                <a:ln>
+                  <a:noFill/>
+                </a:ln>
+                <a:solidFill>
+                  <a:srgbClr val="A9B7C6"/>
+                </a:solidFill>
+                <a:effectLst/>
+                <a:latin typeface="JetBrains Mono"/>
+              </a:rPr>
+              <a:t>i</a:t>
+            </a:r>
+            <a:r>
+              <a:rPr kumimoji="0" lang="en-US" altLang="en-US" sz="1000" b="0" i="0" u="none" strike="noStrike" cap="none" normalizeH="0" baseline="0" dirty="0">
+                <a:ln>
+                  <a:noFill/>
+                </a:ln>
+                <a:solidFill>
+                  <a:srgbClr val="A9B7C6"/>
+                </a:solidFill>
+                <a:effectLst/>
+                <a:latin typeface="JetBrains Mono"/>
+              </a:rPr>
+              <a:t> </a:t>
+            </a:r>
+            <a:r>
+              <a:rPr kumimoji="0" lang="en-US" altLang="en-US" sz="1000" b="0" i="0" u="none" strike="noStrike" cap="none" normalizeH="0" baseline="0" dirty="0">
+                <a:ln>
+                  <a:noFill/>
+                </a:ln>
+                <a:solidFill>
+                  <a:srgbClr val="CC7832"/>
+                </a:solidFill>
+                <a:effectLst/>
+                <a:latin typeface="JetBrains Mono"/>
+              </a:rPr>
+              <a:t>in </a:t>
+            </a:r>
+            <a:r>
+              <a:rPr kumimoji="0" lang="en-US" altLang="en-US" sz="1000" b="0" i="0" u="none" strike="noStrike" cap="none" normalizeH="0" baseline="0" dirty="0">
+                <a:ln>
+                  <a:noFill/>
+                </a:ln>
+                <a:solidFill>
+                  <a:srgbClr val="6897BB"/>
+                </a:solidFill>
+                <a:effectLst/>
+                <a:latin typeface="JetBrains Mono"/>
+              </a:rPr>
+              <a:t>1</a:t>
+            </a:r>
+            <a:r>
+              <a:rPr kumimoji="0" lang="en-US" altLang="en-US" sz="1000" b="0" i="0" u="none" strike="noStrike" cap="none" normalizeH="0" baseline="0" dirty="0">
+                <a:ln>
+                  <a:noFill/>
+                </a:ln>
+                <a:solidFill>
+                  <a:srgbClr val="A9B7C6"/>
+                </a:solidFill>
+                <a:effectLst/>
+                <a:latin typeface="JetBrains Mono"/>
+              </a:rPr>
+              <a:t>..n </a:t>
+            </a:r>
+            <a:r>
+              <a:rPr kumimoji="0" lang="en-US" altLang="en-US" sz="1000" b="0" i="1" u="none" strike="noStrike" cap="none" normalizeH="0" baseline="0" dirty="0">
+                <a:ln>
+                  <a:noFill/>
+                </a:ln>
+                <a:solidFill>
+                  <a:srgbClr val="FFC66D"/>
+                </a:solidFill>
+                <a:effectLst/>
+                <a:latin typeface="JetBrains Mono"/>
+              </a:rPr>
+              <a:t>step </a:t>
+            </a:r>
+            <a:r>
+              <a:rPr kumimoji="0" lang="en-US" altLang="en-US" sz="1000" b="0" i="0" u="none" strike="noStrike" cap="none" normalizeH="0" baseline="0" dirty="0">
+                <a:ln>
+                  <a:noFill/>
+                </a:ln>
+                <a:solidFill>
+                  <a:srgbClr val="A9B7C6"/>
+                </a:solidFill>
+                <a:effectLst/>
+                <a:latin typeface="JetBrains Mono"/>
+              </a:rPr>
+              <a:t>x){</a:t>
+            </a:r>
+            <a:br>
+              <a:rPr kumimoji="0" lang="en-US" altLang="en-US" sz="1000" b="0" i="0" u="none" strike="noStrike" cap="none" normalizeH="0" baseline="0" dirty="0">
+                <a:ln>
+                  <a:noFill/>
+                </a:ln>
+                <a:solidFill>
+                  <a:srgbClr val="A9B7C6"/>
+                </a:solidFill>
+                <a:effectLst/>
+                <a:latin typeface="JetBrains Mono"/>
+              </a:rPr>
+            </a:br>
+            <a:r>
+              <a:rPr kumimoji="0" lang="en-US" altLang="en-US" sz="1000" b="0" i="0" u="none" strike="noStrike" cap="none" normalizeH="0" baseline="0" dirty="0">
+                <a:ln>
+                  <a:noFill/>
+                </a:ln>
+                <a:solidFill>
+                  <a:srgbClr val="A9B7C6"/>
+                </a:solidFill>
+                <a:effectLst/>
+                <a:latin typeface="JetBrains Mono"/>
+              </a:rPr>
+              <a:t>        </a:t>
+            </a:r>
+            <a:r>
+              <a:rPr kumimoji="0" lang="en-US" altLang="en-US" sz="1000" b="0" i="1" u="none" strike="noStrike" cap="none" normalizeH="0" baseline="0" dirty="0" err="1">
+                <a:ln>
+                  <a:noFill/>
+                </a:ln>
+                <a:solidFill>
+                  <a:srgbClr val="A9B7C6"/>
+                </a:solidFill>
+                <a:effectLst/>
+                <a:latin typeface="JetBrains Mono"/>
+              </a:rPr>
+              <a:t>println</a:t>
+            </a:r>
+            <a:r>
+              <a:rPr kumimoji="0" lang="en-US" altLang="en-US" sz="1000" b="0" i="0" u="none" strike="noStrike" cap="none" normalizeH="0" baseline="0" dirty="0">
+                <a:ln>
+                  <a:noFill/>
+                </a:ln>
+                <a:solidFill>
+                  <a:srgbClr val="A9B7C6"/>
+                </a:solidFill>
+                <a:effectLst/>
+                <a:latin typeface="JetBrains Mono"/>
+              </a:rPr>
+              <a:t>(</a:t>
+            </a:r>
+            <a:r>
+              <a:rPr kumimoji="0" lang="en-US" altLang="en-US" sz="1000" b="0" i="0" u="none" strike="noStrike" cap="none" normalizeH="0" baseline="0" dirty="0" err="1">
+                <a:ln>
+                  <a:noFill/>
+                </a:ln>
+                <a:solidFill>
+                  <a:srgbClr val="A9B7C6"/>
+                </a:solidFill>
+                <a:effectLst/>
+                <a:latin typeface="JetBrains Mono"/>
+              </a:rPr>
+              <a:t>i</a:t>
+            </a:r>
+            <a:r>
+              <a:rPr kumimoji="0" lang="en-US" altLang="en-US" sz="1000" b="0" i="0" u="none" strike="noStrike" cap="none" normalizeH="0" baseline="0" dirty="0">
+                <a:ln>
+                  <a:noFill/>
+                </a:ln>
+                <a:solidFill>
+                  <a:srgbClr val="A9B7C6"/>
+                </a:solidFill>
+                <a:effectLst/>
+                <a:latin typeface="JetBrains Mono"/>
+              </a:rPr>
+              <a:t>)</a:t>
+            </a:r>
+            <a:br>
+              <a:rPr kumimoji="0" lang="en-US" altLang="en-US" sz="1000" b="0" i="0" u="none" strike="noStrike" cap="none" normalizeH="0" baseline="0" dirty="0">
+                <a:ln>
+                  <a:noFill/>
+                </a:ln>
+                <a:solidFill>
+                  <a:srgbClr val="A9B7C6"/>
+                </a:solidFill>
+                <a:effectLst/>
+                <a:latin typeface="JetBrains Mono"/>
+              </a:rPr>
+            </a:br>
+            <a:r>
+              <a:rPr kumimoji="0" lang="en-US" altLang="en-US" sz="1000" b="0" i="0" u="none" strike="noStrike" cap="none" normalizeH="0" baseline="0" dirty="0">
+                <a:ln>
+                  <a:noFill/>
+                </a:ln>
+                <a:solidFill>
+                  <a:srgbClr val="A9B7C6"/>
+                </a:solidFill>
+                <a:effectLst/>
+                <a:latin typeface="JetBrains Mono"/>
+              </a:rPr>
+              <a:t>    }</a:t>
+            </a:r>
+            <a:br>
+              <a:rPr kumimoji="0" lang="en-US" altLang="en-US" sz="1000" b="0" i="0" u="none" strike="noStrike" cap="none" normalizeH="0" baseline="0" dirty="0">
+                <a:ln>
+                  <a:noFill/>
+                </a:ln>
+                <a:solidFill>
+                  <a:srgbClr val="A9B7C6"/>
+                </a:solidFill>
+                <a:effectLst/>
+                <a:latin typeface="JetBrains Mono"/>
+              </a:rPr>
+            </a:br>
+            <a:r>
+              <a:rPr kumimoji="0" lang="en-US" altLang="en-US" sz="1000" b="0" i="0" u="none" strike="noStrike" cap="none" normalizeH="0" baseline="0" dirty="0">
+                <a:ln>
+                  <a:noFill/>
+                </a:ln>
+                <a:solidFill>
+                  <a:srgbClr val="A9B7C6"/>
+                </a:solidFill>
+                <a:effectLst/>
+                <a:latin typeface="JetBrains Mono"/>
+              </a:rPr>
+              <a:t>}</a:t>
+            </a:r>
+            <a:endParaRPr kumimoji="0" lang="en-US" altLang="en-US" sz="1800" b="0" i="0" u="none" strike="noStrike" cap="none" normalizeH="0" baseline="0" dirty="0">
+              <a:ln>
+                <a:noFill/>
+              </a:ln>
+              <a:solidFill>
+                <a:schemeClr val="tx1"/>
+              </a:solidFill>
+              <a:effectLst/>
+              <a:latin typeface="Arial" panose="020B0604020202020204" pitchFamily="34" charset="0"/>
+            </a:endParaRPr>
+          </a:p>
+        </p:txBody>
+      </p:sp>
+      <p:sp>
+        <p:nvSpPr>
+          <p:cNvPr id="8" name="Rectangle 4">
+            <a:extLst>
+              <a:ext uri="{FF2B5EF4-FFF2-40B4-BE49-F238E27FC236}">
+                <a16:creationId xmlns:a16="http://schemas.microsoft.com/office/drawing/2014/main" id="{73FB03A8-D81E-49DE-9796-31127321CCE5}"/>
+              </a:ext>
+            </a:extLst>
+          </p:cNvPr>
+          <p:cNvSpPr>
+            <a:spLocks noChangeArrowheads="1"/>
+          </p:cNvSpPr>
+          <p:nvPr/>
+        </p:nvSpPr>
+        <p:spPr bwMode="auto">
+          <a:xfrm>
+            <a:off x="9364746" y="2780987"/>
+            <a:ext cx="2529527" cy="1477328"/>
+          </a:xfrm>
+          <a:prstGeom prst="rect">
+            <a:avLst/>
+          </a:prstGeom>
+          <a:solidFill>
+            <a:srgbClr val="2B2B2B"/>
+          </a:solidFill>
+          <a:ln>
+            <a:noFill/>
+          </a:ln>
+          <a:effectLst/>
+          <a:extLst>
+            <a:ext uri="{91240B29-F687-4F45-9708-019B960494DF}">
+              <a14:hiddenLine xmlns:a14="http://schemas.microsoft.com/office/drawing/2010/main" w="9525">
+                <a:solidFill>
+                  <a:schemeClr val="tx1"/>
+                </a:solidFill>
+                <a:miter lim="800000"/>
+                <a:headEnd/>
+                <a:tailEnd/>
+              </a14:hiddenLine>
+            </a:ext>
+            <a:ext uri="{AF507438-7753-43E0-B8FC-AC1667EBCBE1}">
+              <a14:hiddenEffects xmlns:a14="http://schemas.microsoft.com/office/drawing/2010/main">
+                <a:effectLst>
+                  <a:outerShdw dist="35921" dir="2700000" algn="ctr" rotWithShape="0">
+                    <a:schemeClr val="bg2"/>
+                  </a:outerShdw>
+                </a:effectLst>
+              </a14:hiddenEffects>
+            </a:ext>
+          </a:extLst>
+        </p:spPr>
+        <p:txBody>
+          <a:bodyPr vert="horz" wrap="square" lIns="91440" tIns="45720" rIns="91440" bIns="45720" numCol="1" anchor="ctr" anchorCtr="0" compatLnSpc="1">
+            <a:prstTxWarp prst="textNoShape">
+              <a:avLst/>
+            </a:prstTxWarp>
+            <a:spAutoFit/>
+          </a:bodyPr>
+          <a:lstStyle/>
+          <a:p>
+            <a:pPr marL="0" marR="0" lvl="0" indent="0" algn="l" defTabSz="914400" rtl="0" eaLnBrk="0" fontAlgn="base" latinLnBrk="0" hangingPunct="0">
+              <a:lnSpc>
+                <a:spcPct val="100000"/>
+              </a:lnSpc>
+              <a:spcBef>
+                <a:spcPct val="0"/>
+              </a:spcBef>
+              <a:spcAft>
+                <a:spcPct val="0"/>
+              </a:spcAft>
+              <a:buClrTx/>
+              <a:buSzTx/>
+              <a:buFontTx/>
+              <a:buNone/>
+              <a:tabLst/>
+            </a:pPr>
+            <a:r>
+              <a:rPr kumimoji="0" lang="en-US" altLang="en-US" sz="1000" b="0" i="0" u="none" strike="noStrike" cap="none" normalizeH="0" baseline="0" dirty="0">
+                <a:ln>
+                  <a:noFill/>
+                </a:ln>
+                <a:solidFill>
+                  <a:srgbClr val="808080"/>
+                </a:solidFill>
+                <a:effectLst/>
+                <a:latin typeface="JetBrains Mono"/>
+              </a:rPr>
+              <a:t>* </a:t>
+            </a:r>
+            <a:r>
+              <a:rPr kumimoji="0" lang="en-US" altLang="en-US" sz="1000" b="0" i="0" u="none" strike="noStrike" cap="none" normalizeH="0" baseline="0" dirty="0" err="1">
+                <a:ln>
+                  <a:noFill/>
+                </a:ln>
+                <a:solidFill>
+                  <a:srgbClr val="808080"/>
+                </a:solidFill>
+                <a:effectLst/>
+                <a:latin typeface="JetBrains Mono"/>
+              </a:rPr>
+              <a:t>Vòng</a:t>
+            </a:r>
+            <a:r>
+              <a:rPr kumimoji="0" lang="en-US" altLang="en-US" sz="1000" b="0" i="0" u="none" strike="noStrike" cap="none" normalizeH="0" baseline="0" dirty="0">
+                <a:ln>
+                  <a:noFill/>
+                </a:ln>
+                <a:solidFill>
+                  <a:srgbClr val="808080"/>
+                </a:solidFill>
+                <a:effectLst/>
+                <a:latin typeface="JetBrains Mono"/>
+              </a:rPr>
+              <a:t> </a:t>
+            </a:r>
+            <a:r>
+              <a:rPr kumimoji="0" lang="en-US" altLang="en-US" sz="1000" b="0" i="0" u="none" strike="noStrike" cap="none" normalizeH="0" baseline="0" dirty="0" err="1">
+                <a:ln>
+                  <a:noFill/>
+                </a:ln>
+                <a:solidFill>
+                  <a:srgbClr val="808080"/>
+                </a:solidFill>
+                <a:effectLst/>
+                <a:latin typeface="JetBrains Mono"/>
+              </a:rPr>
+              <a:t>lặp</a:t>
+            </a:r>
+            <a:r>
+              <a:rPr kumimoji="0" lang="en-US" altLang="en-US" sz="1000" b="0" i="0" u="none" strike="noStrike" cap="none" normalizeH="0" baseline="0" dirty="0">
+                <a:ln>
+                  <a:noFill/>
+                </a:ln>
+                <a:solidFill>
+                  <a:srgbClr val="808080"/>
+                </a:solidFill>
+                <a:effectLst/>
+                <a:latin typeface="JetBrains Mono"/>
+              </a:rPr>
+              <a:t> for </a:t>
+            </a:r>
+            <a:r>
+              <a:rPr kumimoji="0" lang="en-US" altLang="en-US" sz="1000" b="0" i="0" u="none" strike="noStrike" cap="none" normalizeH="0" baseline="0" dirty="0" err="1">
+                <a:ln>
+                  <a:noFill/>
+                </a:ln>
+                <a:solidFill>
+                  <a:srgbClr val="808080"/>
+                </a:solidFill>
+                <a:effectLst/>
+                <a:latin typeface="JetBrains Mono"/>
+              </a:rPr>
+              <a:t>kiểu</a:t>
+            </a:r>
+            <a:r>
+              <a:rPr kumimoji="0" lang="en-US" altLang="en-US" sz="1000" b="0" i="0" u="none" strike="noStrike" cap="none" normalizeH="0" baseline="0" dirty="0">
+                <a:ln>
+                  <a:noFill/>
+                </a:ln>
+                <a:solidFill>
+                  <a:srgbClr val="808080"/>
+                </a:solidFill>
+                <a:effectLst/>
+                <a:latin typeface="JetBrains Mono"/>
+              </a:rPr>
+              <a:t> </a:t>
+            </a:r>
+            <a:r>
+              <a:rPr kumimoji="0" lang="en-US" altLang="en-US" sz="1000" b="0" i="0" u="none" strike="noStrike" cap="none" normalizeH="0" baseline="0" dirty="0" err="1">
+                <a:ln>
+                  <a:noFill/>
+                </a:ln>
+                <a:solidFill>
+                  <a:srgbClr val="808080"/>
+                </a:solidFill>
+                <a:effectLst/>
+                <a:latin typeface="JetBrains Mono"/>
+              </a:rPr>
+              <a:t>downTo</a:t>
+            </a:r>
+            <a:r>
+              <a:rPr kumimoji="0" lang="en-US" altLang="en-US" sz="1000" b="0" i="0" u="none" strike="noStrike" cap="none" normalizeH="0" baseline="0" dirty="0">
+                <a:ln>
+                  <a:noFill/>
+                </a:ln>
+                <a:solidFill>
+                  <a:srgbClr val="808080"/>
+                </a:solidFill>
+                <a:effectLst/>
+                <a:latin typeface="JetBrains Mono"/>
+              </a:rPr>
+              <a:t> &lt;--&gt;</a:t>
+            </a:r>
+            <a:br>
+              <a:rPr kumimoji="0" lang="en-US" altLang="en-US" sz="1000" b="0" i="0" u="none" strike="noStrike" cap="none" normalizeH="0" baseline="0" dirty="0">
+                <a:ln>
+                  <a:noFill/>
+                </a:ln>
+                <a:solidFill>
+                  <a:srgbClr val="808080"/>
+                </a:solidFill>
+                <a:effectLst/>
+                <a:latin typeface="JetBrains Mono"/>
+              </a:rPr>
+            </a:br>
+            <a:r>
+              <a:rPr kumimoji="0" lang="en-US" altLang="en-US" sz="1000" b="0" i="0" u="none" strike="noStrike" cap="none" normalizeH="0" baseline="0" dirty="0" err="1">
+                <a:ln>
+                  <a:noFill/>
+                </a:ln>
+                <a:solidFill>
+                  <a:srgbClr val="808080"/>
+                </a:solidFill>
+                <a:effectLst/>
+                <a:latin typeface="JetBrains Mono"/>
+              </a:rPr>
+              <a:t>vòng</a:t>
+            </a:r>
+            <a:r>
+              <a:rPr kumimoji="0" lang="en-US" altLang="en-US" sz="1000" b="0" i="0" u="none" strike="noStrike" cap="none" normalizeH="0" baseline="0" dirty="0">
+                <a:ln>
+                  <a:noFill/>
+                </a:ln>
+                <a:solidFill>
+                  <a:srgbClr val="808080"/>
+                </a:solidFill>
+                <a:effectLst/>
+                <a:latin typeface="JetBrains Mono"/>
+              </a:rPr>
+              <a:t> </a:t>
+            </a:r>
+            <a:r>
+              <a:rPr kumimoji="0" lang="en-US" altLang="en-US" sz="1000" b="0" i="0" u="none" strike="noStrike" cap="none" normalizeH="0" baseline="0" dirty="0" err="1">
+                <a:ln>
+                  <a:noFill/>
+                </a:ln>
+                <a:solidFill>
+                  <a:srgbClr val="808080"/>
+                </a:solidFill>
+                <a:effectLst/>
+                <a:latin typeface="JetBrains Mono"/>
+              </a:rPr>
+              <a:t>lặp</a:t>
+            </a:r>
+            <a:r>
+              <a:rPr kumimoji="0" lang="en-US" altLang="en-US" sz="1000" b="0" i="0" u="none" strike="noStrike" cap="none" normalizeH="0" baseline="0" dirty="0">
+                <a:ln>
+                  <a:noFill/>
+                </a:ln>
+                <a:solidFill>
+                  <a:srgbClr val="808080"/>
+                </a:solidFill>
+                <a:effectLst/>
+                <a:latin typeface="JetBrains Mono"/>
+              </a:rPr>
+              <a:t> for(</a:t>
+            </a:r>
+            <a:r>
+              <a:rPr kumimoji="0" lang="en-US" altLang="en-US" sz="1000" b="0" i="0" u="none" strike="noStrike" cap="none" normalizeH="0" baseline="0" dirty="0" err="1">
+                <a:ln>
+                  <a:noFill/>
+                </a:ln>
+                <a:solidFill>
+                  <a:srgbClr val="808080"/>
+                </a:solidFill>
+                <a:effectLst/>
+                <a:latin typeface="JetBrains Mono"/>
+              </a:rPr>
+              <a:t>i</a:t>
+            </a:r>
+            <a:r>
+              <a:rPr kumimoji="0" lang="en-US" altLang="en-US" sz="1000" b="0" i="0" u="none" strike="noStrike" cap="none" normalizeH="0" baseline="0" dirty="0">
+                <a:ln>
+                  <a:noFill/>
+                </a:ln>
+                <a:solidFill>
+                  <a:srgbClr val="808080"/>
+                </a:solidFill>
+                <a:effectLst/>
+                <a:latin typeface="JetBrains Mono"/>
+              </a:rPr>
+              <a:t>=</a:t>
+            </a:r>
+            <a:r>
+              <a:rPr kumimoji="0" lang="en-US" altLang="en-US" sz="1000" b="0" i="0" u="none" strike="noStrike" cap="none" normalizeH="0" baseline="0" dirty="0" err="1">
+                <a:ln>
+                  <a:noFill/>
+                </a:ln>
+                <a:solidFill>
+                  <a:srgbClr val="808080"/>
+                </a:solidFill>
+                <a:effectLst/>
+                <a:latin typeface="JetBrains Mono"/>
+              </a:rPr>
+              <a:t>n;i</a:t>
+            </a:r>
+            <a:r>
+              <a:rPr kumimoji="0" lang="en-US" altLang="en-US" sz="1000" b="0" i="0" u="none" strike="noStrike" cap="none" normalizeH="0" baseline="0" dirty="0">
+                <a:ln>
+                  <a:noFill/>
+                </a:ln>
+                <a:solidFill>
+                  <a:srgbClr val="808080"/>
+                </a:solidFill>
+                <a:effectLst/>
+                <a:latin typeface="JetBrains Mono"/>
+              </a:rPr>
+              <a:t>&gt;0;i--)in java/</a:t>
+            </a:r>
+            <a:r>
+              <a:rPr kumimoji="0" lang="en-US" altLang="en-US" sz="1000" b="0" i="0" u="none" strike="noStrike" cap="none" normalizeH="0" baseline="0" dirty="0" err="1">
+                <a:ln>
+                  <a:noFill/>
+                </a:ln>
+                <a:solidFill>
+                  <a:srgbClr val="808080"/>
+                </a:solidFill>
+                <a:effectLst/>
+                <a:latin typeface="JetBrains Mono"/>
+              </a:rPr>
+              <a:t>c++</a:t>
+            </a:r>
+            <a:br>
+              <a:rPr kumimoji="0" lang="en-US" altLang="en-US" sz="1000" b="0" i="0" u="none" strike="noStrike" cap="none" normalizeH="0" baseline="0" dirty="0">
+                <a:ln>
+                  <a:noFill/>
+                </a:ln>
+                <a:solidFill>
+                  <a:srgbClr val="808080"/>
+                </a:solidFill>
+                <a:effectLst/>
+                <a:latin typeface="JetBrains Mono"/>
+              </a:rPr>
+            </a:br>
+            <a:r>
+              <a:rPr kumimoji="0" lang="en-US" altLang="en-US" sz="1000" b="0" i="0" u="none" strike="noStrike" cap="none" normalizeH="0" baseline="0" dirty="0">
+                <a:ln>
+                  <a:noFill/>
+                </a:ln>
+                <a:solidFill>
+                  <a:srgbClr val="808080"/>
+                </a:solidFill>
+                <a:effectLst/>
+                <a:latin typeface="JetBrains Mono"/>
+              </a:rPr>
+              <a:t>* */</a:t>
+            </a:r>
+            <a:br>
+              <a:rPr kumimoji="0" lang="en-US" altLang="en-US" sz="1000" b="0" i="0" u="none" strike="noStrike" cap="none" normalizeH="0" baseline="0" dirty="0">
+                <a:ln>
+                  <a:noFill/>
+                </a:ln>
+                <a:solidFill>
+                  <a:srgbClr val="808080"/>
+                </a:solidFill>
+                <a:effectLst/>
+                <a:latin typeface="JetBrains Mono"/>
+              </a:rPr>
+            </a:br>
+            <a:r>
+              <a:rPr kumimoji="0" lang="en-US" altLang="en-US" sz="1000" b="0" i="0" u="none" strike="noStrike" cap="none" normalizeH="0" baseline="0" dirty="0">
+                <a:ln>
+                  <a:noFill/>
+                </a:ln>
+                <a:solidFill>
+                  <a:srgbClr val="CC7832"/>
+                </a:solidFill>
+                <a:effectLst/>
+                <a:latin typeface="JetBrains Mono"/>
+              </a:rPr>
+              <a:t>fun </a:t>
+            </a:r>
+            <a:r>
+              <a:rPr kumimoji="0" lang="en-US" altLang="en-US" sz="1000" b="0" i="0" u="none" strike="noStrike" cap="none" normalizeH="0" baseline="0" dirty="0" err="1">
+                <a:ln>
+                  <a:noFill/>
+                </a:ln>
+                <a:solidFill>
+                  <a:srgbClr val="FFC66D"/>
+                </a:solidFill>
+                <a:effectLst/>
+                <a:latin typeface="JetBrains Mono"/>
+              </a:rPr>
+              <a:t>demoForInKtDownToType</a:t>
+            </a:r>
+            <a:r>
+              <a:rPr kumimoji="0" lang="en-US" altLang="en-US" sz="1000" b="0" i="0" u="none" strike="noStrike" cap="none" normalizeH="0" baseline="0" dirty="0">
+                <a:ln>
+                  <a:noFill/>
+                </a:ln>
+                <a:solidFill>
+                  <a:srgbClr val="A9B7C6"/>
+                </a:solidFill>
+                <a:effectLst/>
+                <a:latin typeface="JetBrains Mono"/>
+              </a:rPr>
+              <a:t>(n: Int){</a:t>
+            </a:r>
+            <a:br>
+              <a:rPr kumimoji="0" lang="en-US" altLang="en-US" sz="1000" b="0" i="0" u="none" strike="noStrike" cap="none" normalizeH="0" baseline="0" dirty="0">
+                <a:ln>
+                  <a:noFill/>
+                </a:ln>
+                <a:solidFill>
+                  <a:srgbClr val="A9B7C6"/>
+                </a:solidFill>
+                <a:effectLst/>
+                <a:latin typeface="JetBrains Mono"/>
+              </a:rPr>
+            </a:br>
+            <a:r>
+              <a:rPr kumimoji="0" lang="en-US" altLang="en-US" sz="1000" b="0" i="0" u="none" strike="noStrike" cap="none" normalizeH="0" baseline="0" dirty="0">
+                <a:ln>
+                  <a:noFill/>
+                </a:ln>
+                <a:solidFill>
+                  <a:srgbClr val="A9B7C6"/>
+                </a:solidFill>
+                <a:effectLst/>
+                <a:latin typeface="JetBrains Mono"/>
+              </a:rPr>
+              <a:t>    </a:t>
+            </a:r>
+            <a:r>
+              <a:rPr kumimoji="0" lang="en-US" altLang="en-US" sz="1000" b="0" i="1" u="none" strike="noStrike" cap="none" normalizeH="0" baseline="0" dirty="0" err="1">
+                <a:ln>
+                  <a:noFill/>
+                </a:ln>
+                <a:solidFill>
+                  <a:srgbClr val="A9B7C6"/>
+                </a:solidFill>
+                <a:effectLst/>
+                <a:latin typeface="JetBrains Mono"/>
+              </a:rPr>
+              <a:t>println</a:t>
+            </a:r>
+            <a:r>
+              <a:rPr kumimoji="0" lang="en-US" altLang="en-US" sz="1000" b="0" i="0" u="none" strike="noStrike" cap="none" normalizeH="0" baseline="0" dirty="0">
+                <a:ln>
+                  <a:noFill/>
+                </a:ln>
+                <a:solidFill>
+                  <a:srgbClr val="A9B7C6"/>
+                </a:solidFill>
+                <a:effectLst/>
+                <a:latin typeface="JetBrains Mono"/>
+              </a:rPr>
+              <a:t>(</a:t>
+            </a:r>
+            <a:r>
+              <a:rPr kumimoji="0" lang="en-US" altLang="en-US" sz="1000" b="0" i="0" u="none" strike="noStrike" cap="none" normalizeH="0" baseline="0" dirty="0">
+                <a:ln>
+                  <a:noFill/>
+                </a:ln>
+                <a:solidFill>
+                  <a:srgbClr val="6A8759"/>
+                </a:solidFill>
+                <a:effectLst/>
+                <a:latin typeface="JetBrains Mono"/>
+              </a:rPr>
+              <a:t>"Log: </a:t>
+            </a:r>
+            <a:r>
+              <a:rPr kumimoji="0" lang="en-US" altLang="en-US" sz="1000" b="0" i="0" u="none" strike="noStrike" cap="none" normalizeH="0" baseline="0" dirty="0" err="1">
+                <a:ln>
+                  <a:noFill/>
+                </a:ln>
+                <a:solidFill>
+                  <a:srgbClr val="6A8759"/>
+                </a:solidFill>
+                <a:effectLst/>
+                <a:latin typeface="JetBrains Mono"/>
+              </a:rPr>
+              <a:t>demoForInKtDownToType</a:t>
+            </a:r>
+            <a:r>
+              <a:rPr kumimoji="0" lang="en-US" altLang="en-US" sz="1000" b="0" i="0" u="none" strike="noStrike" cap="none" normalizeH="0" baseline="0" dirty="0">
+                <a:ln>
+                  <a:noFill/>
+                </a:ln>
+                <a:solidFill>
+                  <a:srgbClr val="6A8759"/>
+                </a:solidFill>
+                <a:effectLst/>
+                <a:latin typeface="JetBrains Mono"/>
+              </a:rPr>
+              <a:t>: "</a:t>
+            </a:r>
+            <a:r>
+              <a:rPr kumimoji="0" lang="en-US" altLang="en-US" sz="1000" b="0" i="0" u="none" strike="noStrike" cap="none" normalizeH="0" baseline="0" dirty="0">
+                <a:ln>
+                  <a:noFill/>
+                </a:ln>
+                <a:solidFill>
+                  <a:srgbClr val="A9B7C6"/>
+                </a:solidFill>
+                <a:effectLst/>
+                <a:latin typeface="JetBrains Mono"/>
+              </a:rPr>
+              <a:t>)</a:t>
+            </a:r>
+            <a:br>
+              <a:rPr kumimoji="0" lang="en-US" altLang="en-US" sz="1000" b="0" i="0" u="none" strike="noStrike" cap="none" normalizeH="0" baseline="0" dirty="0">
+                <a:ln>
+                  <a:noFill/>
+                </a:ln>
+                <a:solidFill>
+                  <a:srgbClr val="A9B7C6"/>
+                </a:solidFill>
+                <a:effectLst/>
+                <a:latin typeface="JetBrains Mono"/>
+              </a:rPr>
+            </a:br>
+            <a:r>
+              <a:rPr kumimoji="0" lang="en-US" altLang="en-US" sz="1000" b="0" i="0" u="none" strike="noStrike" cap="none" normalizeH="0" baseline="0" dirty="0">
+                <a:ln>
+                  <a:noFill/>
+                </a:ln>
+                <a:solidFill>
+                  <a:srgbClr val="A9B7C6"/>
+                </a:solidFill>
+                <a:effectLst/>
+                <a:latin typeface="JetBrains Mono"/>
+              </a:rPr>
+              <a:t>    </a:t>
+            </a:r>
+            <a:r>
+              <a:rPr kumimoji="0" lang="en-US" altLang="en-US" sz="1000" b="0" i="0" u="none" strike="noStrike" cap="none" normalizeH="0" baseline="0" dirty="0">
+                <a:ln>
+                  <a:noFill/>
+                </a:ln>
+                <a:solidFill>
+                  <a:srgbClr val="CC7832"/>
+                </a:solidFill>
+                <a:effectLst/>
+                <a:latin typeface="JetBrains Mono"/>
+              </a:rPr>
+              <a:t>for </a:t>
+            </a:r>
+            <a:r>
+              <a:rPr kumimoji="0" lang="en-US" altLang="en-US" sz="1000" b="0" i="0" u="none" strike="noStrike" cap="none" normalizeH="0" baseline="0" dirty="0">
+                <a:ln>
+                  <a:noFill/>
+                </a:ln>
+                <a:solidFill>
+                  <a:srgbClr val="A9B7C6"/>
+                </a:solidFill>
+                <a:effectLst/>
+                <a:latin typeface="JetBrains Mono"/>
+              </a:rPr>
+              <a:t>(</a:t>
+            </a:r>
+            <a:r>
+              <a:rPr kumimoji="0" lang="en-US" altLang="en-US" sz="1000" b="0" i="0" u="none" strike="noStrike" cap="none" normalizeH="0" baseline="0" dirty="0" err="1">
+                <a:ln>
+                  <a:noFill/>
+                </a:ln>
+                <a:solidFill>
+                  <a:srgbClr val="A9B7C6"/>
+                </a:solidFill>
+                <a:effectLst/>
+                <a:latin typeface="JetBrains Mono"/>
+              </a:rPr>
+              <a:t>i</a:t>
+            </a:r>
+            <a:r>
+              <a:rPr kumimoji="0" lang="en-US" altLang="en-US" sz="1000" b="0" i="0" u="none" strike="noStrike" cap="none" normalizeH="0" baseline="0" dirty="0">
+                <a:ln>
+                  <a:noFill/>
+                </a:ln>
+                <a:solidFill>
+                  <a:srgbClr val="A9B7C6"/>
+                </a:solidFill>
+                <a:effectLst/>
+                <a:latin typeface="JetBrains Mono"/>
+              </a:rPr>
+              <a:t> </a:t>
+            </a:r>
+            <a:r>
+              <a:rPr kumimoji="0" lang="en-US" altLang="en-US" sz="1000" b="0" i="0" u="none" strike="noStrike" cap="none" normalizeH="0" baseline="0" dirty="0">
+                <a:ln>
+                  <a:noFill/>
+                </a:ln>
+                <a:solidFill>
+                  <a:srgbClr val="CC7832"/>
+                </a:solidFill>
+                <a:effectLst/>
+                <a:latin typeface="JetBrains Mono"/>
+              </a:rPr>
+              <a:t>in </a:t>
+            </a:r>
+            <a:r>
+              <a:rPr kumimoji="0" lang="en-US" altLang="en-US" sz="1000" b="0" i="0" u="none" strike="noStrike" cap="none" normalizeH="0" baseline="0" dirty="0">
+                <a:ln>
+                  <a:noFill/>
+                </a:ln>
+                <a:solidFill>
+                  <a:srgbClr val="A9B7C6"/>
+                </a:solidFill>
+                <a:effectLst/>
+                <a:latin typeface="JetBrains Mono"/>
+              </a:rPr>
+              <a:t>n </a:t>
+            </a:r>
+            <a:r>
+              <a:rPr kumimoji="0" lang="en-US" altLang="en-US" sz="1000" b="0" i="1" u="none" strike="noStrike" cap="none" normalizeH="0" baseline="0" dirty="0" err="1">
+                <a:ln>
+                  <a:noFill/>
+                </a:ln>
+                <a:solidFill>
+                  <a:srgbClr val="FFC66D"/>
+                </a:solidFill>
+                <a:effectLst/>
+                <a:latin typeface="JetBrains Mono"/>
+              </a:rPr>
+              <a:t>downTo</a:t>
+            </a:r>
+            <a:r>
+              <a:rPr kumimoji="0" lang="en-US" altLang="en-US" sz="1000" b="0" i="1" u="none" strike="noStrike" cap="none" normalizeH="0" baseline="0" dirty="0">
+                <a:ln>
+                  <a:noFill/>
+                </a:ln>
+                <a:solidFill>
+                  <a:srgbClr val="FFC66D"/>
+                </a:solidFill>
+                <a:effectLst/>
+                <a:latin typeface="JetBrains Mono"/>
+              </a:rPr>
+              <a:t> </a:t>
+            </a:r>
+            <a:r>
+              <a:rPr kumimoji="0" lang="en-US" altLang="en-US" sz="1000" b="0" i="0" u="none" strike="noStrike" cap="none" normalizeH="0" baseline="0" dirty="0">
+                <a:ln>
+                  <a:noFill/>
+                </a:ln>
+                <a:solidFill>
+                  <a:srgbClr val="6897BB"/>
+                </a:solidFill>
+                <a:effectLst/>
+                <a:latin typeface="JetBrains Mono"/>
+              </a:rPr>
+              <a:t>1</a:t>
+            </a:r>
+            <a:r>
+              <a:rPr kumimoji="0" lang="en-US" altLang="en-US" sz="1000" b="0" i="0" u="none" strike="noStrike" cap="none" normalizeH="0" baseline="0" dirty="0">
+                <a:ln>
+                  <a:noFill/>
+                </a:ln>
+                <a:solidFill>
+                  <a:srgbClr val="A9B7C6"/>
+                </a:solidFill>
+                <a:effectLst/>
+                <a:latin typeface="JetBrains Mono"/>
+              </a:rPr>
+              <a:t>){</a:t>
+            </a:r>
+            <a:br>
+              <a:rPr kumimoji="0" lang="en-US" altLang="en-US" sz="1000" b="0" i="0" u="none" strike="noStrike" cap="none" normalizeH="0" baseline="0" dirty="0">
+                <a:ln>
+                  <a:noFill/>
+                </a:ln>
+                <a:solidFill>
+                  <a:srgbClr val="A9B7C6"/>
+                </a:solidFill>
+                <a:effectLst/>
+                <a:latin typeface="JetBrains Mono"/>
+              </a:rPr>
+            </a:br>
+            <a:r>
+              <a:rPr kumimoji="0" lang="en-US" altLang="en-US" sz="1000" b="0" i="0" u="none" strike="noStrike" cap="none" normalizeH="0" baseline="0" dirty="0">
+                <a:ln>
+                  <a:noFill/>
+                </a:ln>
+                <a:solidFill>
+                  <a:srgbClr val="A9B7C6"/>
+                </a:solidFill>
+                <a:effectLst/>
+                <a:latin typeface="JetBrains Mono"/>
+              </a:rPr>
+              <a:t>        </a:t>
+            </a:r>
+            <a:r>
+              <a:rPr kumimoji="0" lang="en-US" altLang="en-US" sz="1000" b="0" i="1" u="none" strike="noStrike" cap="none" normalizeH="0" baseline="0" dirty="0" err="1">
+                <a:ln>
+                  <a:noFill/>
+                </a:ln>
+                <a:solidFill>
+                  <a:srgbClr val="A9B7C6"/>
+                </a:solidFill>
+                <a:effectLst/>
+                <a:latin typeface="JetBrains Mono"/>
+              </a:rPr>
+              <a:t>println</a:t>
+            </a:r>
+            <a:r>
+              <a:rPr kumimoji="0" lang="en-US" altLang="en-US" sz="1000" b="0" i="0" u="none" strike="noStrike" cap="none" normalizeH="0" baseline="0" dirty="0">
+                <a:ln>
+                  <a:noFill/>
+                </a:ln>
+                <a:solidFill>
+                  <a:srgbClr val="A9B7C6"/>
+                </a:solidFill>
+                <a:effectLst/>
+                <a:latin typeface="JetBrains Mono"/>
+              </a:rPr>
+              <a:t>(</a:t>
+            </a:r>
+            <a:r>
+              <a:rPr kumimoji="0" lang="en-US" altLang="en-US" sz="1000" b="0" i="0" u="none" strike="noStrike" cap="none" normalizeH="0" baseline="0" dirty="0" err="1">
+                <a:ln>
+                  <a:noFill/>
+                </a:ln>
+                <a:solidFill>
+                  <a:srgbClr val="A9B7C6"/>
+                </a:solidFill>
+                <a:effectLst/>
+                <a:latin typeface="JetBrains Mono"/>
+              </a:rPr>
+              <a:t>i</a:t>
+            </a:r>
+            <a:r>
+              <a:rPr kumimoji="0" lang="en-US" altLang="en-US" sz="1000" b="0" i="0" u="none" strike="noStrike" cap="none" normalizeH="0" baseline="0" dirty="0">
+                <a:ln>
+                  <a:noFill/>
+                </a:ln>
+                <a:solidFill>
+                  <a:srgbClr val="A9B7C6"/>
+                </a:solidFill>
+                <a:effectLst/>
+                <a:latin typeface="JetBrains Mono"/>
+              </a:rPr>
+              <a:t>)</a:t>
+            </a:r>
+            <a:br>
+              <a:rPr kumimoji="0" lang="en-US" altLang="en-US" sz="1000" b="0" i="0" u="none" strike="noStrike" cap="none" normalizeH="0" baseline="0" dirty="0">
+                <a:ln>
+                  <a:noFill/>
+                </a:ln>
+                <a:solidFill>
+                  <a:srgbClr val="A9B7C6"/>
+                </a:solidFill>
+                <a:effectLst/>
+                <a:latin typeface="JetBrains Mono"/>
+              </a:rPr>
+            </a:br>
+            <a:r>
+              <a:rPr kumimoji="0" lang="en-US" altLang="en-US" sz="1000" b="0" i="0" u="none" strike="noStrike" cap="none" normalizeH="0" baseline="0" dirty="0">
+                <a:ln>
+                  <a:noFill/>
+                </a:ln>
+                <a:solidFill>
+                  <a:srgbClr val="A9B7C6"/>
+                </a:solidFill>
+                <a:effectLst/>
+                <a:latin typeface="JetBrains Mono"/>
+              </a:rPr>
+              <a:t>    }</a:t>
+            </a:r>
+            <a:br>
+              <a:rPr kumimoji="0" lang="en-US" altLang="en-US" sz="1000" b="0" i="0" u="none" strike="noStrike" cap="none" normalizeH="0" baseline="0" dirty="0">
+                <a:ln>
+                  <a:noFill/>
+                </a:ln>
+                <a:solidFill>
+                  <a:srgbClr val="A9B7C6"/>
+                </a:solidFill>
+                <a:effectLst/>
+                <a:latin typeface="JetBrains Mono"/>
+              </a:rPr>
+            </a:br>
+            <a:r>
+              <a:rPr kumimoji="0" lang="en-US" altLang="en-US" sz="1000" b="0" i="0" u="none" strike="noStrike" cap="none" normalizeH="0" baseline="0" dirty="0">
+                <a:ln>
+                  <a:noFill/>
+                </a:ln>
+                <a:solidFill>
+                  <a:srgbClr val="A9B7C6"/>
+                </a:solidFill>
+                <a:effectLst/>
+                <a:latin typeface="JetBrains Mono"/>
+              </a:rPr>
+              <a:t>}</a:t>
+            </a:r>
+            <a:endParaRPr kumimoji="0" lang="en-US" altLang="en-US" sz="1800" b="0" i="0" u="none" strike="noStrike" cap="none" normalizeH="0" baseline="0" dirty="0">
+              <a:ln>
+                <a:noFill/>
+              </a:ln>
+              <a:solidFill>
+                <a:schemeClr val="tx1"/>
+              </a:solidFill>
+              <a:effectLst/>
+              <a:latin typeface="Arial" panose="020B0604020202020204" pitchFamily="34" charset="0"/>
+            </a:endParaRPr>
+          </a:p>
+        </p:txBody>
+      </p:sp>
+      <p:sp>
+        <p:nvSpPr>
+          <p:cNvPr id="9" name="Rectangle 5">
+            <a:extLst>
+              <a:ext uri="{FF2B5EF4-FFF2-40B4-BE49-F238E27FC236}">
+                <a16:creationId xmlns:a16="http://schemas.microsoft.com/office/drawing/2014/main" id="{DCDC9430-FAEB-413F-8BC5-4FE68D5FA4BC}"/>
+              </a:ext>
+            </a:extLst>
+          </p:cNvPr>
+          <p:cNvSpPr>
+            <a:spLocks noChangeArrowheads="1"/>
+          </p:cNvSpPr>
+          <p:nvPr/>
+        </p:nvSpPr>
+        <p:spPr bwMode="auto">
+          <a:xfrm>
+            <a:off x="7915373" y="1107254"/>
+            <a:ext cx="3178407" cy="1477328"/>
+          </a:xfrm>
+          <a:prstGeom prst="rect">
+            <a:avLst/>
+          </a:prstGeom>
+          <a:solidFill>
+            <a:srgbClr val="2B2B2B"/>
+          </a:solidFill>
+          <a:ln>
+            <a:noFill/>
+          </a:ln>
+          <a:effectLst/>
+          <a:extLst>
+            <a:ext uri="{91240B29-F687-4F45-9708-019B960494DF}">
+              <a14:hiddenLine xmlns:a14="http://schemas.microsoft.com/office/drawing/2010/main" w="9525">
+                <a:solidFill>
+                  <a:schemeClr val="tx1"/>
+                </a:solidFill>
+                <a:miter lim="800000"/>
+                <a:headEnd/>
+                <a:tailEnd/>
+              </a14:hiddenLine>
+            </a:ext>
+            <a:ext uri="{AF507438-7753-43E0-B8FC-AC1667EBCBE1}">
+              <a14:hiddenEffects xmlns:a14="http://schemas.microsoft.com/office/drawing/2010/main">
+                <a:effectLst>
+                  <a:outerShdw dist="35921" dir="2700000" algn="ctr" rotWithShape="0">
+                    <a:schemeClr val="bg2"/>
+                  </a:outerShdw>
+                </a:effectLst>
+              </a14:hiddenEffects>
+            </a:ext>
+          </a:extLst>
+        </p:spPr>
+        <p:txBody>
+          <a:bodyPr vert="horz" wrap="square" lIns="91440" tIns="45720" rIns="91440" bIns="45720" numCol="1" anchor="ctr" anchorCtr="0" compatLnSpc="1">
+            <a:prstTxWarp prst="textNoShape">
+              <a:avLst/>
+            </a:prstTxWarp>
+            <a:spAutoFit/>
+          </a:bodyPr>
+          <a:lstStyle/>
+          <a:p>
+            <a:pPr marL="0" marR="0" lvl="0" indent="0" algn="l" defTabSz="914400" rtl="0" eaLnBrk="0" fontAlgn="base" latinLnBrk="0" hangingPunct="0">
+              <a:lnSpc>
+                <a:spcPct val="100000"/>
+              </a:lnSpc>
+              <a:spcBef>
+                <a:spcPct val="0"/>
+              </a:spcBef>
+              <a:spcAft>
+                <a:spcPct val="0"/>
+              </a:spcAft>
+              <a:buClrTx/>
+              <a:buSzTx/>
+              <a:buFontTx/>
+              <a:buNone/>
+              <a:tabLst/>
+            </a:pPr>
+            <a:r>
+              <a:rPr kumimoji="0" lang="en-US" altLang="en-US" sz="1000" b="0" i="0" u="none" strike="noStrike" cap="none" normalizeH="0" baseline="0" dirty="0">
+                <a:ln>
+                  <a:noFill/>
+                </a:ln>
+                <a:solidFill>
+                  <a:srgbClr val="808080"/>
+                </a:solidFill>
+                <a:effectLst/>
+                <a:latin typeface="JetBrains Mono"/>
+              </a:rPr>
+              <a:t>/* </a:t>
+            </a:r>
+            <a:r>
+              <a:rPr kumimoji="0" lang="en-US" altLang="en-US" sz="1000" b="0" i="0" u="none" strike="noStrike" cap="none" normalizeH="0" baseline="0" dirty="0" err="1">
+                <a:ln>
+                  <a:noFill/>
+                </a:ln>
+                <a:solidFill>
+                  <a:srgbClr val="808080"/>
+                </a:solidFill>
+                <a:effectLst/>
+                <a:latin typeface="JetBrains Mono"/>
+              </a:rPr>
+              <a:t>Vòng</a:t>
+            </a:r>
+            <a:r>
+              <a:rPr kumimoji="0" lang="en-US" altLang="en-US" sz="1000" b="0" i="0" u="none" strike="noStrike" cap="none" normalizeH="0" baseline="0" dirty="0">
+                <a:ln>
+                  <a:noFill/>
+                </a:ln>
+                <a:solidFill>
+                  <a:srgbClr val="808080"/>
+                </a:solidFill>
+                <a:effectLst/>
+                <a:latin typeface="JetBrains Mono"/>
+              </a:rPr>
+              <a:t> </a:t>
+            </a:r>
+            <a:r>
+              <a:rPr kumimoji="0" lang="en-US" altLang="en-US" sz="1000" b="0" i="0" u="none" strike="noStrike" cap="none" normalizeH="0" baseline="0" dirty="0" err="1">
+                <a:ln>
+                  <a:noFill/>
+                </a:ln>
+                <a:solidFill>
+                  <a:srgbClr val="808080"/>
+                </a:solidFill>
+                <a:effectLst/>
+                <a:latin typeface="JetBrains Mono"/>
+              </a:rPr>
+              <a:t>lặp</a:t>
+            </a:r>
+            <a:r>
+              <a:rPr kumimoji="0" lang="en-US" altLang="en-US" sz="1000" b="0" i="0" u="none" strike="noStrike" cap="none" normalizeH="0" baseline="0" dirty="0">
+                <a:ln>
+                  <a:noFill/>
+                </a:ln>
+                <a:solidFill>
+                  <a:srgbClr val="808080"/>
+                </a:solidFill>
+                <a:effectLst/>
+                <a:latin typeface="JetBrains Mono"/>
+              </a:rPr>
+              <a:t> for </a:t>
+            </a:r>
+            <a:r>
+              <a:rPr kumimoji="0" lang="en-US" altLang="en-US" sz="1000" b="0" i="0" u="none" strike="noStrike" cap="none" normalizeH="0" baseline="0" dirty="0" err="1">
+                <a:ln>
+                  <a:noFill/>
+                </a:ln>
+                <a:solidFill>
+                  <a:srgbClr val="808080"/>
+                </a:solidFill>
+                <a:effectLst/>
+                <a:latin typeface="JetBrains Mono"/>
+              </a:rPr>
+              <a:t>duyệt</a:t>
+            </a:r>
+            <a:r>
+              <a:rPr kumimoji="0" lang="en-US" altLang="en-US" sz="1000" b="0" i="0" u="none" strike="noStrike" cap="none" normalizeH="0" baseline="0" dirty="0">
+                <a:ln>
+                  <a:noFill/>
+                </a:ln>
+                <a:solidFill>
+                  <a:srgbClr val="808080"/>
+                </a:solidFill>
+                <a:effectLst/>
+                <a:latin typeface="JetBrains Mono"/>
+              </a:rPr>
+              <a:t> </a:t>
+            </a:r>
+            <a:r>
+              <a:rPr kumimoji="0" lang="en-US" altLang="en-US" sz="1000" b="0" i="0" u="none" strike="noStrike" cap="none" normalizeH="0" baseline="0" dirty="0" err="1">
+                <a:ln>
+                  <a:noFill/>
+                </a:ln>
+                <a:solidFill>
+                  <a:srgbClr val="808080"/>
+                </a:solidFill>
+                <a:effectLst/>
+                <a:latin typeface="JetBrains Mono"/>
+              </a:rPr>
+              <a:t>một</a:t>
+            </a:r>
+            <a:r>
+              <a:rPr kumimoji="0" lang="en-US" altLang="en-US" sz="1000" b="0" i="0" u="none" strike="noStrike" cap="none" normalizeH="0" baseline="0" dirty="0">
+                <a:ln>
+                  <a:noFill/>
+                </a:ln>
+                <a:solidFill>
+                  <a:srgbClr val="808080"/>
+                </a:solidFill>
+                <a:effectLst/>
+                <a:latin typeface="JetBrains Mono"/>
+              </a:rPr>
+              <a:t> </a:t>
+            </a:r>
+            <a:r>
+              <a:rPr kumimoji="0" lang="en-US" altLang="en-US" sz="1000" b="0" i="0" u="none" strike="noStrike" cap="none" normalizeH="0" baseline="0" dirty="0" err="1">
+                <a:ln>
+                  <a:noFill/>
+                </a:ln>
+                <a:solidFill>
+                  <a:srgbClr val="808080"/>
+                </a:solidFill>
+                <a:effectLst/>
+                <a:latin typeface="JetBrains Mono"/>
+              </a:rPr>
+              <a:t>tập</a:t>
+            </a:r>
+            <a:r>
+              <a:rPr kumimoji="0" lang="en-US" altLang="en-US" sz="1000" b="0" i="0" u="none" strike="noStrike" cap="none" normalizeH="0" baseline="0" dirty="0">
+                <a:ln>
+                  <a:noFill/>
+                </a:ln>
+                <a:solidFill>
+                  <a:srgbClr val="808080"/>
+                </a:solidFill>
+                <a:effectLst/>
+                <a:latin typeface="JetBrains Mono"/>
+              </a:rPr>
+              <a:t> </a:t>
+            </a:r>
+            <a:r>
+              <a:rPr kumimoji="0" lang="en-US" altLang="en-US" sz="1000" b="0" i="0" u="none" strike="noStrike" cap="none" normalizeH="0" baseline="0" dirty="0" err="1">
+                <a:ln>
+                  <a:noFill/>
+                </a:ln>
+                <a:solidFill>
+                  <a:srgbClr val="808080"/>
+                </a:solidFill>
+                <a:effectLst/>
+                <a:latin typeface="JetBrains Mono"/>
+              </a:rPr>
+              <a:t>các</a:t>
+            </a:r>
+            <a:r>
+              <a:rPr kumimoji="0" lang="en-US" altLang="en-US" sz="1000" b="0" i="0" u="none" strike="noStrike" cap="none" normalizeH="0" baseline="0" dirty="0">
+                <a:ln>
+                  <a:noFill/>
+                </a:ln>
+                <a:solidFill>
+                  <a:srgbClr val="808080"/>
+                </a:solidFill>
+                <a:effectLst/>
+                <a:latin typeface="JetBrains Mono"/>
+              </a:rPr>
+              <a:t> </a:t>
+            </a:r>
+            <a:r>
+              <a:rPr kumimoji="0" lang="en-US" altLang="en-US" sz="1000" b="0" i="0" u="none" strike="noStrike" cap="none" normalizeH="0" baseline="0" dirty="0" err="1">
+                <a:ln>
+                  <a:noFill/>
+                </a:ln>
+                <a:solidFill>
+                  <a:srgbClr val="808080"/>
+                </a:solidFill>
+                <a:effectLst/>
+                <a:latin typeface="JetBrains Mono"/>
+              </a:rPr>
+              <a:t>đối</a:t>
+            </a:r>
+            <a:r>
+              <a:rPr kumimoji="0" lang="en-US" altLang="en-US" sz="1000" b="0" i="0" u="none" strike="noStrike" cap="none" normalizeH="0" baseline="0" dirty="0">
+                <a:ln>
+                  <a:noFill/>
+                </a:ln>
+                <a:solidFill>
+                  <a:srgbClr val="808080"/>
+                </a:solidFill>
+                <a:effectLst/>
+                <a:latin typeface="JetBrains Mono"/>
+              </a:rPr>
+              <a:t> </a:t>
+            </a:r>
+            <a:r>
+              <a:rPr kumimoji="0" lang="en-US" altLang="en-US" sz="1000" b="0" i="0" u="none" strike="noStrike" cap="none" normalizeH="0" baseline="0" dirty="0" err="1">
+                <a:ln>
+                  <a:noFill/>
+                </a:ln>
+                <a:solidFill>
+                  <a:srgbClr val="808080"/>
+                </a:solidFill>
+                <a:effectLst/>
+                <a:latin typeface="JetBrains Mono"/>
+              </a:rPr>
+              <a:t>tượng</a:t>
+            </a:r>
+            <a:br>
+              <a:rPr kumimoji="0" lang="en-US" altLang="en-US" sz="1000" b="0" i="0" u="none" strike="noStrike" cap="none" normalizeH="0" baseline="0" dirty="0">
+                <a:ln>
+                  <a:noFill/>
+                </a:ln>
+                <a:solidFill>
+                  <a:srgbClr val="808080"/>
+                </a:solidFill>
+                <a:effectLst/>
+                <a:latin typeface="JetBrains Mono"/>
+              </a:rPr>
+            </a:br>
+            <a:r>
+              <a:rPr kumimoji="0" lang="en-US" altLang="en-US" sz="1000" b="0" i="0" u="none" strike="noStrike" cap="none" normalizeH="0" baseline="0" dirty="0">
+                <a:ln>
+                  <a:noFill/>
+                </a:ln>
+                <a:solidFill>
+                  <a:srgbClr val="808080"/>
+                </a:solidFill>
+                <a:effectLst/>
+                <a:latin typeface="JetBrains Mono"/>
+              </a:rPr>
+              <a:t>* */</a:t>
+            </a:r>
+            <a:br>
+              <a:rPr kumimoji="0" lang="en-US" altLang="en-US" sz="1000" b="0" i="0" u="none" strike="noStrike" cap="none" normalizeH="0" baseline="0" dirty="0">
+                <a:ln>
+                  <a:noFill/>
+                </a:ln>
+                <a:solidFill>
+                  <a:srgbClr val="808080"/>
+                </a:solidFill>
+                <a:effectLst/>
+                <a:latin typeface="JetBrains Mono"/>
+              </a:rPr>
+            </a:br>
+            <a:r>
+              <a:rPr kumimoji="0" lang="en-US" altLang="en-US" sz="1000" b="0" i="0" u="none" strike="noStrike" cap="none" normalizeH="0" baseline="0" dirty="0">
+                <a:ln>
+                  <a:noFill/>
+                </a:ln>
+                <a:solidFill>
+                  <a:srgbClr val="CC7832"/>
+                </a:solidFill>
+                <a:effectLst/>
+                <a:latin typeface="JetBrains Mono"/>
+              </a:rPr>
+              <a:t>fun </a:t>
+            </a:r>
+            <a:r>
+              <a:rPr kumimoji="0" lang="en-US" altLang="en-US" sz="1000" b="0" i="0" u="none" strike="noStrike" cap="none" normalizeH="0" baseline="0" dirty="0" err="1">
+                <a:ln>
+                  <a:noFill/>
+                </a:ln>
+                <a:solidFill>
+                  <a:srgbClr val="FFC66D"/>
+                </a:solidFill>
+                <a:effectLst/>
+                <a:latin typeface="JetBrains Mono"/>
+              </a:rPr>
+              <a:t>demoForInKtItemCollection</a:t>
+            </a:r>
+            <a:r>
+              <a:rPr kumimoji="0" lang="en-US" altLang="en-US" sz="1000" b="0" i="0" u="none" strike="noStrike" cap="none" normalizeH="0" baseline="0" dirty="0">
+                <a:ln>
+                  <a:noFill/>
+                </a:ln>
+                <a:solidFill>
+                  <a:srgbClr val="A9B7C6"/>
+                </a:solidFill>
+                <a:effectLst/>
+                <a:latin typeface="JetBrains Mono"/>
+              </a:rPr>
+              <a:t>(){</a:t>
+            </a:r>
+            <a:br>
+              <a:rPr kumimoji="0" lang="en-US" altLang="en-US" sz="1000" b="0" i="0" u="none" strike="noStrike" cap="none" normalizeH="0" baseline="0" dirty="0">
+                <a:ln>
+                  <a:noFill/>
+                </a:ln>
+                <a:solidFill>
+                  <a:srgbClr val="A9B7C6"/>
+                </a:solidFill>
+                <a:effectLst/>
+                <a:latin typeface="JetBrains Mono"/>
+              </a:rPr>
+            </a:br>
+            <a:r>
+              <a:rPr kumimoji="0" lang="en-US" altLang="en-US" sz="1000" b="0" i="0" u="none" strike="noStrike" cap="none" normalizeH="0" baseline="0" dirty="0">
+                <a:ln>
+                  <a:noFill/>
+                </a:ln>
+                <a:solidFill>
+                  <a:srgbClr val="A9B7C6"/>
+                </a:solidFill>
+                <a:effectLst/>
+                <a:latin typeface="JetBrains Mono"/>
+              </a:rPr>
+              <a:t>    </a:t>
+            </a:r>
+            <a:r>
+              <a:rPr kumimoji="0" lang="en-US" altLang="en-US" sz="1000" b="0" i="1" u="none" strike="noStrike" cap="none" normalizeH="0" baseline="0" dirty="0" err="1">
+                <a:ln>
+                  <a:noFill/>
+                </a:ln>
+                <a:solidFill>
+                  <a:srgbClr val="A9B7C6"/>
+                </a:solidFill>
+                <a:effectLst/>
+                <a:latin typeface="JetBrains Mono"/>
+              </a:rPr>
+              <a:t>println</a:t>
+            </a:r>
+            <a:r>
+              <a:rPr kumimoji="0" lang="en-US" altLang="en-US" sz="1000" b="0" i="0" u="none" strike="noStrike" cap="none" normalizeH="0" baseline="0" dirty="0">
+                <a:ln>
+                  <a:noFill/>
+                </a:ln>
+                <a:solidFill>
+                  <a:srgbClr val="A9B7C6"/>
+                </a:solidFill>
+                <a:effectLst/>
+                <a:latin typeface="JetBrains Mono"/>
+              </a:rPr>
+              <a:t>(</a:t>
+            </a:r>
+            <a:r>
+              <a:rPr kumimoji="0" lang="en-US" altLang="en-US" sz="1000" b="0" i="0" u="none" strike="noStrike" cap="none" normalizeH="0" baseline="0" dirty="0">
+                <a:ln>
+                  <a:noFill/>
+                </a:ln>
+                <a:solidFill>
+                  <a:srgbClr val="6A8759"/>
+                </a:solidFill>
+                <a:effectLst/>
+                <a:latin typeface="JetBrains Mono"/>
+              </a:rPr>
+              <a:t>"Log: </a:t>
+            </a:r>
+            <a:r>
+              <a:rPr kumimoji="0" lang="en-US" altLang="en-US" sz="1000" b="0" i="0" u="none" strike="noStrike" cap="none" normalizeH="0" baseline="0" dirty="0" err="1">
+                <a:ln>
+                  <a:noFill/>
+                </a:ln>
+                <a:solidFill>
+                  <a:srgbClr val="6A8759"/>
+                </a:solidFill>
+                <a:effectLst/>
+                <a:latin typeface="JetBrains Mono"/>
+              </a:rPr>
+              <a:t>demoForInKtItemCollection</a:t>
+            </a:r>
+            <a:r>
+              <a:rPr kumimoji="0" lang="en-US" altLang="en-US" sz="1000" b="0" i="0" u="none" strike="noStrike" cap="none" normalizeH="0" baseline="0" dirty="0">
+                <a:ln>
+                  <a:noFill/>
+                </a:ln>
+                <a:solidFill>
+                  <a:srgbClr val="6A8759"/>
+                </a:solidFill>
+                <a:effectLst/>
+                <a:latin typeface="JetBrains Mono"/>
+              </a:rPr>
+              <a:t>"</a:t>
+            </a:r>
+            <a:r>
+              <a:rPr kumimoji="0" lang="en-US" altLang="en-US" sz="1000" b="0" i="0" u="none" strike="noStrike" cap="none" normalizeH="0" baseline="0" dirty="0">
+                <a:ln>
+                  <a:noFill/>
+                </a:ln>
+                <a:solidFill>
+                  <a:srgbClr val="A9B7C6"/>
+                </a:solidFill>
+                <a:effectLst/>
+                <a:latin typeface="JetBrains Mono"/>
+              </a:rPr>
+              <a:t>)</a:t>
+            </a:r>
+            <a:br>
+              <a:rPr kumimoji="0" lang="en-US" altLang="en-US" sz="1000" b="0" i="0" u="none" strike="noStrike" cap="none" normalizeH="0" baseline="0" dirty="0">
+                <a:ln>
+                  <a:noFill/>
+                </a:ln>
+                <a:solidFill>
+                  <a:srgbClr val="A9B7C6"/>
+                </a:solidFill>
+                <a:effectLst/>
+                <a:latin typeface="JetBrains Mono"/>
+              </a:rPr>
+            </a:br>
+            <a:r>
+              <a:rPr kumimoji="0" lang="en-US" altLang="en-US" sz="1000" b="0" i="0" u="none" strike="noStrike" cap="none" normalizeH="0" baseline="0" dirty="0">
+                <a:ln>
+                  <a:noFill/>
+                </a:ln>
+                <a:solidFill>
+                  <a:srgbClr val="A9B7C6"/>
+                </a:solidFill>
+                <a:effectLst/>
+                <a:latin typeface="JetBrains Mono"/>
+              </a:rPr>
+              <a:t>    </a:t>
+            </a:r>
+            <a:r>
+              <a:rPr kumimoji="0" lang="en-US" altLang="en-US" sz="1000" b="0" i="0" u="none" strike="noStrike" cap="none" normalizeH="0" baseline="0" dirty="0">
+                <a:ln>
+                  <a:noFill/>
+                </a:ln>
+                <a:solidFill>
+                  <a:srgbClr val="CC7832"/>
+                </a:solidFill>
+                <a:effectLst/>
+                <a:latin typeface="JetBrains Mono"/>
+              </a:rPr>
+              <a:t>var </a:t>
+            </a:r>
+            <a:r>
+              <a:rPr kumimoji="0" lang="en-US" altLang="en-US" sz="1000" b="0" i="0" u="none" strike="noStrike" cap="none" normalizeH="0" baseline="0" dirty="0">
+                <a:ln>
+                  <a:noFill/>
+                </a:ln>
+                <a:solidFill>
+                  <a:srgbClr val="A9B7C6"/>
+                </a:solidFill>
+                <a:effectLst/>
+                <a:latin typeface="JetBrains Mono"/>
+              </a:rPr>
+              <a:t>tech = </a:t>
+            </a:r>
+            <a:r>
+              <a:rPr kumimoji="0" lang="en-US" altLang="en-US" sz="1000" b="0" i="1" u="none" strike="noStrike" cap="none" normalizeH="0" baseline="0" dirty="0" err="1">
+                <a:ln>
+                  <a:noFill/>
+                </a:ln>
+                <a:solidFill>
+                  <a:srgbClr val="A9B7C6"/>
+                </a:solidFill>
+                <a:effectLst/>
+                <a:latin typeface="JetBrains Mono"/>
+              </a:rPr>
+              <a:t>arrayOf</a:t>
+            </a:r>
+            <a:r>
+              <a:rPr kumimoji="0" lang="en-US" altLang="en-US" sz="1000" b="0" i="0" u="none" strike="noStrike" cap="none" normalizeH="0" baseline="0" dirty="0">
+                <a:ln>
+                  <a:noFill/>
+                </a:ln>
+                <a:solidFill>
+                  <a:srgbClr val="A9B7C6"/>
+                </a:solidFill>
+                <a:effectLst/>
+                <a:latin typeface="JetBrains Mono"/>
+              </a:rPr>
+              <a:t>(</a:t>
+            </a:r>
+            <a:r>
+              <a:rPr kumimoji="0" lang="en-US" altLang="en-US" sz="1000" b="0" i="0" u="none" strike="noStrike" cap="none" normalizeH="0" baseline="0" dirty="0">
+                <a:ln>
+                  <a:noFill/>
+                </a:ln>
+                <a:solidFill>
+                  <a:srgbClr val="6A8759"/>
+                </a:solidFill>
+                <a:effectLst/>
+                <a:latin typeface="JetBrains Mono"/>
+              </a:rPr>
+              <a:t>"C++"</a:t>
+            </a:r>
+            <a:r>
+              <a:rPr kumimoji="0" lang="en-US" altLang="en-US" sz="1000" b="0" i="0" u="none" strike="noStrike" cap="none" normalizeH="0" baseline="0" dirty="0">
+                <a:ln>
+                  <a:noFill/>
+                </a:ln>
+                <a:solidFill>
+                  <a:srgbClr val="CC7832"/>
+                </a:solidFill>
+                <a:effectLst/>
+                <a:latin typeface="JetBrains Mono"/>
+              </a:rPr>
+              <a:t>, </a:t>
+            </a:r>
+            <a:r>
+              <a:rPr kumimoji="0" lang="en-US" altLang="en-US" sz="1000" b="0" i="0" u="none" strike="noStrike" cap="none" normalizeH="0" baseline="0" dirty="0">
+                <a:ln>
+                  <a:noFill/>
+                </a:ln>
+                <a:solidFill>
+                  <a:srgbClr val="6A8759"/>
+                </a:solidFill>
+                <a:effectLst/>
+                <a:latin typeface="JetBrains Mono"/>
+              </a:rPr>
+              <a:t>"Java"</a:t>
+            </a:r>
+            <a:r>
+              <a:rPr kumimoji="0" lang="en-US" altLang="en-US" sz="1000" b="0" i="0" u="none" strike="noStrike" cap="none" normalizeH="0" baseline="0" dirty="0">
+                <a:ln>
+                  <a:noFill/>
+                </a:ln>
+                <a:solidFill>
+                  <a:srgbClr val="CC7832"/>
+                </a:solidFill>
+                <a:effectLst/>
+                <a:latin typeface="JetBrains Mono"/>
+              </a:rPr>
+              <a:t>, </a:t>
+            </a:r>
+            <a:r>
+              <a:rPr kumimoji="0" lang="en-US" altLang="en-US" sz="1000" b="0" i="0" u="none" strike="noStrike" cap="none" normalizeH="0" baseline="0" dirty="0">
+                <a:ln>
+                  <a:noFill/>
+                </a:ln>
+                <a:solidFill>
+                  <a:srgbClr val="6A8759"/>
+                </a:solidFill>
+                <a:effectLst/>
+                <a:latin typeface="JetBrains Mono"/>
+              </a:rPr>
+              <a:t>"Kotlin"</a:t>
+            </a:r>
+            <a:r>
+              <a:rPr kumimoji="0" lang="en-US" altLang="en-US" sz="1000" b="0" i="0" u="none" strike="noStrike" cap="none" normalizeH="0" baseline="0" dirty="0">
+                <a:ln>
+                  <a:noFill/>
+                </a:ln>
+                <a:solidFill>
+                  <a:srgbClr val="CC7832"/>
+                </a:solidFill>
+                <a:effectLst/>
+                <a:latin typeface="JetBrains Mono"/>
+              </a:rPr>
+              <a:t>, </a:t>
+            </a:r>
+            <a:r>
+              <a:rPr kumimoji="0" lang="en-US" altLang="en-US" sz="1000" b="0" i="0" u="none" strike="noStrike" cap="none" normalizeH="0" baseline="0" dirty="0">
+                <a:ln>
+                  <a:noFill/>
+                </a:ln>
+                <a:solidFill>
+                  <a:srgbClr val="6A8759"/>
+                </a:solidFill>
+                <a:effectLst/>
+                <a:latin typeface="JetBrains Mono"/>
+              </a:rPr>
+              <a:t>"Python"</a:t>
+            </a:r>
+            <a:r>
+              <a:rPr kumimoji="0" lang="en-US" altLang="en-US" sz="1000" b="0" i="0" u="none" strike="noStrike" cap="none" normalizeH="0" baseline="0" dirty="0">
+                <a:ln>
+                  <a:noFill/>
+                </a:ln>
+                <a:solidFill>
+                  <a:srgbClr val="A9B7C6"/>
+                </a:solidFill>
+                <a:effectLst/>
+                <a:latin typeface="JetBrains Mono"/>
+              </a:rPr>
+              <a:t>)</a:t>
+            </a:r>
+            <a:br>
+              <a:rPr kumimoji="0" lang="en-US" altLang="en-US" sz="1000" b="0" i="0" u="none" strike="noStrike" cap="none" normalizeH="0" baseline="0" dirty="0">
+                <a:ln>
+                  <a:noFill/>
+                </a:ln>
+                <a:solidFill>
+                  <a:srgbClr val="A9B7C6"/>
+                </a:solidFill>
+                <a:effectLst/>
+                <a:latin typeface="JetBrains Mono"/>
+              </a:rPr>
+            </a:br>
+            <a:r>
+              <a:rPr kumimoji="0" lang="en-US" altLang="en-US" sz="1000" b="0" i="0" u="none" strike="noStrike" cap="none" normalizeH="0" baseline="0" dirty="0">
+                <a:ln>
+                  <a:noFill/>
+                </a:ln>
+                <a:solidFill>
+                  <a:srgbClr val="A9B7C6"/>
+                </a:solidFill>
+                <a:effectLst/>
+                <a:latin typeface="JetBrains Mono"/>
+              </a:rPr>
+              <a:t>    </a:t>
+            </a:r>
+            <a:r>
+              <a:rPr kumimoji="0" lang="en-US" altLang="en-US" sz="1000" b="0" i="0" u="none" strike="noStrike" cap="none" normalizeH="0" baseline="0" dirty="0">
+                <a:ln>
+                  <a:noFill/>
+                </a:ln>
+                <a:solidFill>
+                  <a:srgbClr val="CC7832"/>
+                </a:solidFill>
+                <a:effectLst/>
+                <a:latin typeface="JetBrains Mono"/>
+              </a:rPr>
+              <a:t>for</a:t>
+            </a:r>
+            <a:r>
+              <a:rPr kumimoji="0" lang="en-US" altLang="en-US" sz="1000" b="0" i="0" u="none" strike="noStrike" cap="none" normalizeH="0" baseline="0" dirty="0">
+                <a:ln>
+                  <a:noFill/>
+                </a:ln>
+                <a:solidFill>
+                  <a:srgbClr val="A9B7C6"/>
+                </a:solidFill>
+                <a:effectLst/>
+                <a:latin typeface="JetBrains Mono"/>
+              </a:rPr>
+              <a:t>(</a:t>
+            </a:r>
+            <a:r>
+              <a:rPr kumimoji="0" lang="en-US" altLang="en-US" sz="1000" b="0" i="0" u="none" strike="noStrike" cap="none" normalizeH="0" baseline="0" dirty="0" err="1">
+                <a:ln>
+                  <a:noFill/>
+                </a:ln>
+                <a:solidFill>
+                  <a:srgbClr val="A9B7C6"/>
+                </a:solidFill>
+                <a:effectLst/>
+                <a:latin typeface="JetBrains Mono"/>
+              </a:rPr>
+              <a:t>i</a:t>
+            </a:r>
+            <a:r>
+              <a:rPr kumimoji="0" lang="en-US" altLang="en-US" sz="1000" b="0" i="0" u="none" strike="noStrike" cap="none" normalizeH="0" baseline="0" dirty="0">
+                <a:ln>
+                  <a:noFill/>
+                </a:ln>
+                <a:solidFill>
+                  <a:srgbClr val="A9B7C6"/>
+                </a:solidFill>
+                <a:effectLst/>
+                <a:latin typeface="JetBrains Mono"/>
+              </a:rPr>
+              <a:t> </a:t>
+            </a:r>
+            <a:r>
+              <a:rPr kumimoji="0" lang="en-US" altLang="en-US" sz="1000" b="0" i="0" u="none" strike="noStrike" cap="none" normalizeH="0" baseline="0" dirty="0">
+                <a:ln>
+                  <a:noFill/>
+                </a:ln>
+                <a:solidFill>
+                  <a:srgbClr val="CC7832"/>
+                </a:solidFill>
+                <a:effectLst/>
+                <a:latin typeface="JetBrains Mono"/>
+              </a:rPr>
+              <a:t>in </a:t>
+            </a:r>
+            <a:r>
+              <a:rPr kumimoji="0" lang="en-US" altLang="en-US" sz="1000" b="0" i="0" u="none" strike="noStrike" cap="none" normalizeH="0" baseline="0" dirty="0">
+                <a:ln>
+                  <a:noFill/>
+                </a:ln>
+                <a:solidFill>
+                  <a:srgbClr val="A9B7C6"/>
+                </a:solidFill>
+                <a:effectLst/>
+                <a:latin typeface="JetBrains Mono"/>
+              </a:rPr>
+              <a:t>tech){</a:t>
+            </a:r>
+            <a:br>
+              <a:rPr kumimoji="0" lang="en-US" altLang="en-US" sz="1000" b="0" i="0" u="none" strike="noStrike" cap="none" normalizeH="0" baseline="0" dirty="0">
+                <a:ln>
+                  <a:noFill/>
+                </a:ln>
+                <a:solidFill>
+                  <a:srgbClr val="A9B7C6"/>
+                </a:solidFill>
+                <a:effectLst/>
+                <a:latin typeface="JetBrains Mono"/>
+              </a:rPr>
+            </a:br>
+            <a:r>
+              <a:rPr kumimoji="0" lang="en-US" altLang="en-US" sz="1000" b="0" i="0" u="none" strike="noStrike" cap="none" normalizeH="0" baseline="0" dirty="0">
+                <a:ln>
+                  <a:noFill/>
+                </a:ln>
+                <a:solidFill>
+                  <a:srgbClr val="A9B7C6"/>
+                </a:solidFill>
+                <a:effectLst/>
+                <a:latin typeface="JetBrains Mono"/>
+              </a:rPr>
+              <a:t>        </a:t>
+            </a:r>
+            <a:r>
+              <a:rPr kumimoji="0" lang="en-US" altLang="en-US" sz="1000" b="0" i="1" u="none" strike="noStrike" cap="none" normalizeH="0" baseline="0" dirty="0" err="1">
+                <a:ln>
+                  <a:noFill/>
+                </a:ln>
+                <a:solidFill>
+                  <a:srgbClr val="A9B7C6"/>
+                </a:solidFill>
+                <a:effectLst/>
+                <a:latin typeface="JetBrains Mono"/>
+              </a:rPr>
+              <a:t>println</a:t>
+            </a:r>
+            <a:r>
+              <a:rPr kumimoji="0" lang="en-US" altLang="en-US" sz="1000" b="0" i="0" u="none" strike="noStrike" cap="none" normalizeH="0" baseline="0" dirty="0">
+                <a:ln>
+                  <a:noFill/>
+                </a:ln>
+                <a:solidFill>
+                  <a:srgbClr val="A9B7C6"/>
+                </a:solidFill>
+                <a:effectLst/>
+                <a:latin typeface="JetBrains Mono"/>
+              </a:rPr>
+              <a:t>(</a:t>
+            </a:r>
+            <a:r>
+              <a:rPr kumimoji="0" lang="en-US" altLang="en-US" sz="1000" b="0" i="0" u="none" strike="noStrike" cap="none" normalizeH="0" baseline="0" dirty="0" err="1">
+                <a:ln>
+                  <a:noFill/>
+                </a:ln>
+                <a:solidFill>
+                  <a:srgbClr val="A9B7C6"/>
+                </a:solidFill>
+                <a:effectLst/>
+                <a:latin typeface="JetBrains Mono"/>
+              </a:rPr>
+              <a:t>i</a:t>
+            </a:r>
+            <a:r>
+              <a:rPr kumimoji="0" lang="en-US" altLang="en-US" sz="1000" b="0" i="0" u="none" strike="noStrike" cap="none" normalizeH="0" baseline="0" dirty="0">
+                <a:ln>
+                  <a:noFill/>
+                </a:ln>
+                <a:solidFill>
+                  <a:srgbClr val="A9B7C6"/>
+                </a:solidFill>
+                <a:effectLst/>
+                <a:latin typeface="JetBrains Mono"/>
+              </a:rPr>
+              <a:t>)</a:t>
+            </a:r>
+            <a:br>
+              <a:rPr kumimoji="0" lang="en-US" altLang="en-US" sz="1000" b="0" i="0" u="none" strike="noStrike" cap="none" normalizeH="0" baseline="0" dirty="0">
+                <a:ln>
+                  <a:noFill/>
+                </a:ln>
+                <a:solidFill>
+                  <a:srgbClr val="A9B7C6"/>
+                </a:solidFill>
+                <a:effectLst/>
+                <a:latin typeface="JetBrains Mono"/>
+              </a:rPr>
+            </a:br>
+            <a:r>
+              <a:rPr kumimoji="0" lang="en-US" altLang="en-US" sz="1000" b="0" i="0" u="none" strike="noStrike" cap="none" normalizeH="0" baseline="0" dirty="0">
+                <a:ln>
+                  <a:noFill/>
+                </a:ln>
+                <a:solidFill>
+                  <a:srgbClr val="A9B7C6"/>
+                </a:solidFill>
+                <a:effectLst/>
+                <a:latin typeface="JetBrains Mono"/>
+              </a:rPr>
+              <a:t>    }</a:t>
+            </a:r>
+            <a:br>
+              <a:rPr kumimoji="0" lang="en-US" altLang="en-US" sz="1000" b="0" i="0" u="none" strike="noStrike" cap="none" normalizeH="0" baseline="0" dirty="0">
+                <a:ln>
+                  <a:noFill/>
+                </a:ln>
+                <a:solidFill>
+                  <a:srgbClr val="A9B7C6"/>
+                </a:solidFill>
+                <a:effectLst/>
+                <a:latin typeface="JetBrains Mono"/>
+              </a:rPr>
+            </a:br>
+            <a:r>
+              <a:rPr kumimoji="0" lang="en-US" altLang="en-US" sz="1000" b="0" i="0" u="none" strike="noStrike" cap="none" normalizeH="0" baseline="0" dirty="0">
+                <a:ln>
+                  <a:noFill/>
+                </a:ln>
+                <a:solidFill>
+                  <a:srgbClr val="A9B7C6"/>
+                </a:solidFill>
+                <a:effectLst/>
+                <a:latin typeface="JetBrains Mono"/>
+              </a:rPr>
+              <a:t>}</a:t>
+            </a:r>
+            <a:endParaRPr kumimoji="0" lang="en-US" altLang="en-US" sz="1800" b="0" i="0" u="none" strike="noStrike" cap="none" normalizeH="0" baseline="0" dirty="0">
+              <a:ln>
+                <a:noFill/>
+              </a:ln>
+              <a:solidFill>
+                <a:schemeClr val="tx1"/>
+              </a:solidFill>
+              <a:effectLst/>
+              <a:latin typeface="Arial" panose="020B0604020202020204" pitchFamily="34" charset="0"/>
+            </a:endParaRPr>
+          </a:p>
+        </p:txBody>
+      </p:sp>
+      <p:sp>
+        <p:nvSpPr>
+          <p:cNvPr id="10" name="Hình chữ nhật 9">
+            <a:extLst>
+              <a:ext uri="{FF2B5EF4-FFF2-40B4-BE49-F238E27FC236}">
+                <a16:creationId xmlns:a16="http://schemas.microsoft.com/office/drawing/2014/main" id="{11900AEA-D502-4971-81E6-DEA040B53194}"/>
+              </a:ext>
+            </a:extLst>
+          </p:cNvPr>
+          <p:cNvSpPr/>
+          <p:nvPr/>
+        </p:nvSpPr>
+        <p:spPr>
+          <a:xfrm>
+            <a:off x="4276626" y="4322024"/>
+            <a:ext cx="3318235" cy="262499"/>
+          </a:xfrm>
+          <a:prstGeom prst="rect">
+            <a:avLst/>
+          </a:prstGeom>
+          <a:noFill/>
+          <a:ln>
+            <a:noFill/>
+          </a:ln>
+        </p:spPr>
+        <p:style>
+          <a:lnRef idx="0">
+            <a:scrgbClr r="0" g="0" b="0"/>
+          </a:lnRef>
+          <a:fillRef idx="0">
+            <a:scrgbClr r="0" g="0" b="0"/>
+          </a:fillRef>
+          <a:effectRef idx="0">
+            <a:scrgbClr r="0" g="0" b="0"/>
+          </a:effectRef>
+          <a:fontRef idx="minor">
+            <a:schemeClr val="dk1"/>
+          </a:fontRef>
+        </p:style>
+        <p:txBody>
+          <a:bodyPr rtlCol="0" anchor="ctr"/>
+          <a:lstStyle/>
+          <a:p>
+            <a:pPr algn="ctr"/>
+            <a:r>
+              <a:rPr lang="en-US" u="sng" dirty="0">
+                <a:latin typeface="Times New Roman" panose="02020603050405020304" pitchFamily="18" charset="0"/>
+                <a:cs typeface="Times New Roman" panose="02020603050405020304" pitchFamily="18" charset="0"/>
+              </a:rPr>
+              <a:t>Demo </a:t>
+            </a:r>
+            <a:r>
+              <a:rPr lang="en-US" u="sng" dirty="0" err="1">
+                <a:latin typeface="Times New Roman" panose="02020603050405020304" pitchFamily="18" charset="0"/>
+                <a:cs typeface="Times New Roman" panose="02020603050405020304" pitchFamily="18" charset="0"/>
+              </a:rPr>
+              <a:t>vòng</a:t>
+            </a:r>
+            <a:r>
+              <a:rPr lang="en-US" u="sng" dirty="0">
+                <a:latin typeface="Times New Roman" panose="02020603050405020304" pitchFamily="18" charset="0"/>
+                <a:cs typeface="Times New Roman" panose="02020603050405020304" pitchFamily="18" charset="0"/>
+              </a:rPr>
+              <a:t> </a:t>
+            </a:r>
+            <a:r>
+              <a:rPr lang="en-US" u="sng" dirty="0" err="1">
+                <a:latin typeface="Times New Roman" panose="02020603050405020304" pitchFamily="18" charset="0"/>
+                <a:cs typeface="Times New Roman" panose="02020603050405020304" pitchFamily="18" charset="0"/>
+              </a:rPr>
+              <a:t>lặp</a:t>
+            </a:r>
+            <a:r>
+              <a:rPr lang="en-US" u="sng" dirty="0">
+                <a:latin typeface="Times New Roman" panose="02020603050405020304" pitchFamily="18" charset="0"/>
+                <a:cs typeface="Times New Roman" panose="02020603050405020304" pitchFamily="18" charset="0"/>
+              </a:rPr>
+              <a:t> for </a:t>
+            </a:r>
+            <a:r>
+              <a:rPr lang="en-US" u="sng" dirty="0" err="1">
+                <a:latin typeface="Times New Roman" panose="02020603050405020304" pitchFamily="18" charset="0"/>
+                <a:cs typeface="Times New Roman" panose="02020603050405020304" pitchFamily="18" charset="0"/>
+              </a:rPr>
+              <a:t>trong</a:t>
+            </a:r>
+            <a:r>
+              <a:rPr lang="en-US" u="sng" dirty="0">
+                <a:latin typeface="Times New Roman" panose="02020603050405020304" pitchFamily="18" charset="0"/>
+                <a:cs typeface="Times New Roman" panose="02020603050405020304" pitchFamily="18" charset="0"/>
+              </a:rPr>
+              <a:t> Kotlin</a:t>
+            </a:r>
+          </a:p>
+        </p:txBody>
+      </p:sp>
+      <p:sp>
+        <p:nvSpPr>
+          <p:cNvPr id="11" name="Hình chữ nhật 10">
+            <a:extLst>
+              <a:ext uri="{FF2B5EF4-FFF2-40B4-BE49-F238E27FC236}">
+                <a16:creationId xmlns:a16="http://schemas.microsoft.com/office/drawing/2014/main" id="{B55138DE-630E-40FD-8D9D-13FF6FAA4E6A}"/>
+              </a:ext>
+            </a:extLst>
+          </p:cNvPr>
+          <p:cNvSpPr/>
+          <p:nvPr/>
+        </p:nvSpPr>
+        <p:spPr>
+          <a:xfrm>
+            <a:off x="4231849" y="6467435"/>
+            <a:ext cx="3612034" cy="262499"/>
+          </a:xfrm>
+          <a:prstGeom prst="rect">
+            <a:avLst/>
+          </a:prstGeom>
+          <a:noFill/>
+          <a:ln>
+            <a:noFill/>
+          </a:ln>
+        </p:spPr>
+        <p:style>
+          <a:lnRef idx="0">
+            <a:scrgbClr r="0" g="0" b="0"/>
+          </a:lnRef>
+          <a:fillRef idx="0">
+            <a:scrgbClr r="0" g="0" b="0"/>
+          </a:fillRef>
+          <a:effectRef idx="0">
+            <a:scrgbClr r="0" g="0" b="0"/>
+          </a:effectRef>
+          <a:fontRef idx="minor">
+            <a:schemeClr val="dk1"/>
+          </a:fontRef>
+        </p:style>
+        <p:txBody>
+          <a:bodyPr rtlCol="0" anchor="ctr"/>
+          <a:lstStyle/>
+          <a:p>
+            <a:pPr algn="ctr"/>
+            <a:r>
+              <a:rPr lang="en-US" u="sng" dirty="0">
+                <a:latin typeface="Times New Roman" panose="02020603050405020304" pitchFamily="18" charset="0"/>
+                <a:cs typeface="Times New Roman" panose="02020603050405020304" pitchFamily="18" charset="0"/>
+              </a:rPr>
+              <a:t>Demo </a:t>
+            </a:r>
+            <a:r>
+              <a:rPr lang="en-US" u="sng" dirty="0" err="1">
+                <a:latin typeface="Times New Roman" panose="02020603050405020304" pitchFamily="18" charset="0"/>
+                <a:cs typeface="Times New Roman" panose="02020603050405020304" pitchFamily="18" charset="0"/>
+              </a:rPr>
+              <a:t>vòng</a:t>
+            </a:r>
+            <a:r>
+              <a:rPr lang="en-US" u="sng" dirty="0">
+                <a:latin typeface="Times New Roman" panose="02020603050405020304" pitchFamily="18" charset="0"/>
+                <a:cs typeface="Times New Roman" panose="02020603050405020304" pitchFamily="18" charset="0"/>
+              </a:rPr>
+              <a:t> </a:t>
+            </a:r>
+            <a:r>
+              <a:rPr lang="en-US" u="sng" dirty="0" err="1">
+                <a:latin typeface="Times New Roman" panose="02020603050405020304" pitchFamily="18" charset="0"/>
+                <a:cs typeface="Times New Roman" panose="02020603050405020304" pitchFamily="18" charset="0"/>
+              </a:rPr>
+              <a:t>lặp</a:t>
+            </a:r>
+            <a:r>
+              <a:rPr lang="en-US" u="sng" dirty="0">
+                <a:latin typeface="Times New Roman" panose="02020603050405020304" pitchFamily="18" charset="0"/>
+                <a:cs typeface="Times New Roman" panose="02020603050405020304" pitchFamily="18" charset="0"/>
+              </a:rPr>
+              <a:t> while </a:t>
+            </a:r>
+            <a:r>
+              <a:rPr lang="en-US" u="sng" dirty="0" err="1">
+                <a:latin typeface="Times New Roman" panose="02020603050405020304" pitchFamily="18" charset="0"/>
+                <a:cs typeface="Times New Roman" panose="02020603050405020304" pitchFamily="18" charset="0"/>
+              </a:rPr>
+              <a:t>trong</a:t>
+            </a:r>
+            <a:r>
+              <a:rPr lang="en-US" u="sng" dirty="0">
+                <a:latin typeface="Times New Roman" panose="02020603050405020304" pitchFamily="18" charset="0"/>
+                <a:cs typeface="Times New Roman" panose="02020603050405020304" pitchFamily="18" charset="0"/>
+              </a:rPr>
+              <a:t> Kotlin</a:t>
+            </a:r>
+          </a:p>
+        </p:txBody>
+      </p:sp>
     </p:spTree>
     <p:extLst>
       <p:ext uri="{BB962C8B-B14F-4D97-AF65-F5344CB8AC3E}">
@@ -19117,6 +23377,14 @@
 <file path=ppt/slides/slide8.xml><?xml version="1.0" encoding="utf-8"?>
 <p:sld xmlns:a="http://schemas.openxmlformats.org/drawingml/2006/main" xmlns:r="http://schemas.openxmlformats.org/officeDocument/2006/relationships" xmlns:p="http://schemas.openxmlformats.org/presentationml/2006/main">
   <p:cSld>
+    <p:bg>
+      <p:bgPr>
+        <a:solidFill>
+          <a:schemeClr val="bg1"/>
+        </a:solidFill>
+        <a:effectLst/>
+      </p:bgPr>
+    </p:bg>
     <p:spTree>
       <p:nvGrpSpPr>
         <p:cNvPr id="1" name=""/>
@@ -19131,6 +23399,200 @@
           <a:chExt cx="0" cy="0"/>
         </a:xfrm>
       </p:grpSpPr>
+      <p:sp useBgFill="1">
+        <p:nvSpPr>
+          <p:cNvPr id="8" name="Rectangle 7">
+            <a:extLst>
+              <a:ext uri="{FF2B5EF4-FFF2-40B4-BE49-F238E27FC236}">
+                <a16:creationId xmlns:a16="http://schemas.microsoft.com/office/drawing/2014/main" id="{907EF6B7-1338-4443-8C46-6A318D952DFD}"/>
+              </a:ext>
+              <a:ext uri="{C183D7F6-B498-43B3-948B-1728B52AA6E4}">
+                <adec:decorative xmlns:adec="http://schemas.microsoft.com/office/drawing/2017/decorative" val="1"/>
+              </a:ext>
+            </a:extLst>
+          </p:cNvPr>
+          <p:cNvSpPr>
+            <a:spLocks noGrp="1" noRot="1" noChangeAspect="1" noMove="1" noResize="1" noEditPoints="1" noAdjustHandles="1" noChangeArrowheads="1" noChangeShapeType="1" noTextEdit="1"/>
+          </p:cNvSpPr>
+          <p:nvPr>
+            <p:extLst>
+              <p:ext uri="{386F3935-93C4-4BCD-93E2-E3B085C9AB24}">
+                <p16:designElem xmlns:p16="http://schemas.microsoft.com/office/powerpoint/2015/main" val="1"/>
+              </p:ext>
+            </p:extLst>
+          </p:nvPr>
+        </p:nvSpPr>
+        <p:spPr>
+          <a:xfrm>
+            <a:off x="3048" y="0"/>
+            <a:ext cx="12188952" cy="6858000"/>
+          </a:xfrm>
+          <a:prstGeom prst="rect">
+            <a:avLst/>
+          </a:prstGeom>
+          <a:ln>
+            <a:noFill/>
+          </a:ln>
+        </p:spPr>
+        <p:style>
+          <a:lnRef idx="2">
+            <a:schemeClr val="accent1">
+              <a:shade val="50000"/>
+            </a:schemeClr>
+          </a:lnRef>
+          <a:fillRef idx="1">
+            <a:schemeClr val="accent1"/>
+          </a:fillRef>
+          <a:effectRef idx="0">
+            <a:schemeClr val="accent1"/>
+          </a:effectRef>
+          <a:fontRef idx="minor">
+            <a:schemeClr val="lt1"/>
+          </a:fontRef>
+        </p:style>
+        <p:txBody>
+          <a:bodyPr rtlCol="0" anchor="ctr"/>
+          <a:lstStyle/>
+          <a:p>
+            <a:pPr algn="ctr"/>
+            <a:endParaRPr lang="en-US"/>
+          </a:p>
+        </p:txBody>
+      </p:sp>
+      <p:sp>
+        <p:nvSpPr>
+          <p:cNvPr id="10" name="Freeform: Shape 9">
+            <a:extLst>
+              <a:ext uri="{FF2B5EF4-FFF2-40B4-BE49-F238E27FC236}">
+                <a16:creationId xmlns:a16="http://schemas.microsoft.com/office/drawing/2014/main" id="{DAAE4CDD-124C-4DCF-9584-B6033B545DD5}"/>
+              </a:ext>
+              <a:ext uri="{C183D7F6-B498-43B3-948B-1728B52AA6E4}">
+                <adec:decorative xmlns:adec="http://schemas.microsoft.com/office/drawing/2017/decorative" val="1"/>
+              </a:ext>
+            </a:extLst>
+          </p:cNvPr>
+          <p:cNvSpPr>
+            <a:spLocks noGrp="1" noRot="1" noChangeAspect="1" noMove="1" noResize="1" noEditPoints="1" noAdjustHandles="1" noChangeArrowheads="1" noChangeShapeType="1" noTextEdit="1"/>
+          </p:cNvSpPr>
+          <p:nvPr>
+            <p:extLst>
+              <p:ext uri="{386F3935-93C4-4BCD-93E2-E3B085C9AB24}">
+                <p16:designElem xmlns:p16="http://schemas.microsoft.com/office/powerpoint/2015/main" val="1"/>
+              </p:ext>
+            </p:extLst>
+          </p:nvPr>
+        </p:nvSpPr>
+        <p:spPr>
+          <a:xfrm>
+            <a:off x="1" y="0"/>
+            <a:ext cx="4167271" cy="6858000"/>
+          </a:xfrm>
+          <a:custGeom>
+            <a:avLst/>
+            <a:gdLst>
+              <a:gd name="connsiteX0" fmla="*/ 0 w 4167271"/>
+              <a:gd name="connsiteY0" fmla="*/ 0 h 6858000"/>
+              <a:gd name="connsiteX1" fmla="*/ 2259550 w 4167271"/>
+              <a:gd name="connsiteY1" fmla="*/ 0 h 6858000"/>
+              <a:gd name="connsiteX2" fmla="*/ 2387803 w 4167271"/>
+              <a:gd name="connsiteY2" fmla="*/ 82222 h 6858000"/>
+              <a:gd name="connsiteX3" fmla="*/ 4167271 w 4167271"/>
+              <a:gd name="connsiteY3" fmla="*/ 3429000 h 6858000"/>
+              <a:gd name="connsiteX4" fmla="*/ 2387803 w 4167271"/>
+              <a:gd name="connsiteY4" fmla="*/ 6775779 h 6858000"/>
+              <a:gd name="connsiteX5" fmla="*/ 2259550 w 4167271"/>
+              <a:gd name="connsiteY5" fmla="*/ 6858000 h 6858000"/>
+              <a:gd name="connsiteX6" fmla="*/ 0 w 4167271"/>
+              <a:gd name="connsiteY6" fmla="*/ 6858000 h 6858000"/>
+            </a:gdLst>
+            <a:ahLst/>
+            <a:cxnLst>
+              <a:cxn ang="0">
+                <a:pos x="connsiteX0" y="connsiteY0"/>
+              </a:cxn>
+              <a:cxn ang="0">
+                <a:pos x="connsiteX1" y="connsiteY1"/>
+              </a:cxn>
+              <a:cxn ang="0">
+                <a:pos x="connsiteX2" y="connsiteY2"/>
+              </a:cxn>
+              <a:cxn ang="0">
+                <a:pos x="connsiteX3" y="connsiteY3"/>
+              </a:cxn>
+              <a:cxn ang="0">
+                <a:pos x="connsiteX4" y="connsiteY4"/>
+              </a:cxn>
+              <a:cxn ang="0">
+                <a:pos x="connsiteX5" y="connsiteY5"/>
+              </a:cxn>
+              <a:cxn ang="0">
+                <a:pos x="connsiteX6" y="connsiteY6"/>
+              </a:cxn>
+            </a:cxnLst>
+            <a:rect l="l" t="t" r="r" b="b"/>
+            <a:pathLst>
+              <a:path w="4167271" h="6858000">
+                <a:moveTo>
+                  <a:pt x="0" y="0"/>
+                </a:moveTo>
+                <a:lnTo>
+                  <a:pt x="2259550" y="0"/>
+                </a:lnTo>
+                <a:lnTo>
+                  <a:pt x="2387803" y="82222"/>
+                </a:lnTo>
+                <a:cubicBezTo>
+                  <a:pt x="3461407" y="807534"/>
+                  <a:pt x="4167271" y="2035835"/>
+                  <a:pt x="4167271" y="3429000"/>
+                </a:cubicBezTo>
+                <a:cubicBezTo>
+                  <a:pt x="4167271" y="4822165"/>
+                  <a:pt x="3461407" y="6050467"/>
+                  <a:pt x="2387803" y="6775779"/>
+                </a:cubicBezTo>
+                <a:lnTo>
+                  <a:pt x="2259550" y="6858000"/>
+                </a:lnTo>
+                <a:lnTo>
+                  <a:pt x="0" y="6858000"/>
+                </a:lnTo>
+                <a:close/>
+              </a:path>
+            </a:pathLst>
+          </a:custGeom>
+          <a:solidFill>
+            <a:schemeClr val="accent2"/>
+          </a:solidFill>
+          <a:ln>
+            <a:noFill/>
+          </a:ln>
+        </p:spPr>
+        <p:style>
+          <a:lnRef idx="2">
+            <a:schemeClr val="accent1">
+              <a:shade val="50000"/>
+            </a:schemeClr>
+          </a:lnRef>
+          <a:fillRef idx="1">
+            <a:schemeClr val="accent1"/>
+          </a:fillRef>
+          <a:effectRef idx="0">
+            <a:schemeClr val="accent1"/>
+          </a:effectRef>
+          <a:fontRef idx="minor">
+            <a:schemeClr val="lt1"/>
+          </a:fontRef>
+        </p:style>
+        <p:txBody>
+          <a:bodyPr rtlCol="0" anchor="ctr"/>
+          <a:lstStyle/>
+          <a:p>
+            <a:pPr algn="ctr"/>
+            <a:endParaRPr lang="en-US"/>
+          </a:p>
+        </p:txBody>
+      </p:sp>
       <p:sp>
         <p:nvSpPr>
           <p:cNvPr id="2" name="Tiêu đề 1">
@@ -19147,18 +23609,102 @@
             <p:ph type="title"/>
           </p:nvPr>
         </p:nvSpPr>
-        <p:spPr/>
+        <p:spPr>
+          <a:xfrm>
+            <a:off x="686834" y="1153572"/>
+            <a:ext cx="3200400" cy="4461163"/>
+          </a:xfrm>
+        </p:spPr>
         <p:txBody>
-          <a:bodyPr/>
+          <a:bodyPr>
+            <a:normAutofit/>
+          </a:bodyPr>
           <a:lstStyle/>
           <a:p>
-            <a:endParaRPr lang="en-US"/>
+            <a:r>
+              <a:rPr lang="en-US">
+                <a:solidFill>
+                  <a:srgbClr val="FFFFFF"/>
+                </a:solidFill>
+                <a:latin typeface="Times New Roman" panose="02020603050405020304" pitchFamily="18" charset="0"/>
+                <a:cs typeface="Times New Roman" panose="02020603050405020304" pitchFamily="18" charset="0"/>
+              </a:rPr>
+              <a:t>Lesson 3: Exception &amp; Các thư viện</a:t>
+            </a:r>
+            <a:endParaRPr lang="en-US" dirty="0">
+              <a:solidFill>
+                <a:srgbClr val="FFFFFF"/>
+              </a:solidFill>
+              <a:latin typeface="Times New Roman" panose="02020603050405020304" pitchFamily="18" charset="0"/>
+              <a:cs typeface="Times New Roman" panose="02020603050405020304" pitchFamily="18" charset="0"/>
+            </a:endParaRPr>
           </a:p>
         </p:txBody>
       </p:sp>
       <p:sp>
         <p:nvSpPr>
-          <p:cNvPr id="3" name="Chỗ dành sẵn cho Nội dung 2">
+          <p:cNvPr id="12" name="Arc 11">
+            <a:extLst>
+              <a:ext uri="{FF2B5EF4-FFF2-40B4-BE49-F238E27FC236}">
+                <a16:creationId xmlns:a16="http://schemas.microsoft.com/office/drawing/2014/main" id="{081E4A58-353D-44AE-B2FC-2A74E2E400F7}"/>
+              </a:ext>
+              <a:ext uri="{C183D7F6-B498-43B3-948B-1728B52AA6E4}">
+                <adec:decorative xmlns:adec="http://schemas.microsoft.com/office/drawing/2017/decorative" val="1"/>
+              </a:ext>
+            </a:extLst>
+          </p:cNvPr>
+          <p:cNvSpPr>
+            <a:spLocks noGrp="1" noRot="1" noChangeAspect="1" noMove="1" noResize="1" noEditPoints="1" noAdjustHandles="1" noChangeArrowheads="1" noChangeShapeType="1" noTextEdit="1"/>
+          </p:cNvSpPr>
+          <p:nvPr>
+            <p:extLst>
+              <p:ext uri="{386F3935-93C4-4BCD-93E2-E3B085C9AB24}">
+                <p16:designElem xmlns:p16="http://schemas.microsoft.com/office/powerpoint/2015/main" val="1"/>
+              </p:ext>
+            </p:extLst>
+          </p:nvPr>
+        </p:nvSpPr>
+        <p:spPr>
+          <a:xfrm flipV="1">
+            <a:off x="7550402" y="2455479"/>
+            <a:ext cx="4083433" cy="4083433"/>
+          </a:xfrm>
+          <a:prstGeom prst="arc">
+            <a:avLst/>
+          </a:prstGeom>
+          <a:ln w="127000" cap="rnd">
+            <a:solidFill>
+              <a:schemeClr val="accent4"/>
+            </a:solidFill>
+            <a:prstDash val="dash"/>
+          </a:ln>
+        </p:spPr>
+        <p:style>
+          <a:lnRef idx="1">
+            <a:schemeClr val="accent1"/>
+          </a:lnRef>
+          <a:fillRef idx="0">
+            <a:schemeClr val="accent1"/>
+          </a:fillRef>
+          <a:effectRef idx="0">
+            <a:schemeClr val="accent1"/>
+          </a:effectRef>
+          <a:fontRef idx="minor">
+            <a:schemeClr val="tx1"/>
+          </a:fontRef>
+        </p:style>
+        <p:txBody>
+          <a:bodyPr rtlCol="0" anchor="ctr"/>
+          <a:lstStyle/>
+          <a:p>
+            <a:pPr algn="ctr"/>
+            <a:endParaRPr lang="en-US" dirty="0"/>
+          </a:p>
+        </p:txBody>
+      </p:sp>
+      <p:sp>
+        <p:nvSpPr>
+          <p:cNvPr id="13" name="Chỗ dành sẵn cho Nội dung 2">
             <a:extLst>
               <a:ext uri="{FF2B5EF4-FFF2-40B4-BE49-F238E27FC236}">
                 <a16:creationId xmlns:a16="http://schemas.microsoft.com/office/drawing/2014/main" id="{F3D6E035-6A16-41C1-8C22-9DA858F634C9}"/>
@@ -19172,12 +23718,415 @@
             <p:ph idx="1"/>
           </p:nvPr>
         </p:nvSpPr>
-        <p:spPr/>
+        <p:spPr>
+          <a:xfrm>
+            <a:off x="4851058" y="591344"/>
+            <a:ext cx="6502741" cy="5585619"/>
+          </a:xfrm>
+        </p:spPr>
         <p:txBody>
-          <a:bodyPr/>
+          <a:bodyPr anchor="ctr">
+            <a:normAutofit/>
+          </a:bodyPr>
           <a:lstStyle/>
           <a:p>
-            <a:endParaRPr lang="en-US"/>
+            <a:r>
+              <a:rPr lang="en-US" sz="3600" dirty="0">
+                <a:latin typeface="Times New Roman" panose="02020603050405020304" pitchFamily="18" charset="0"/>
+                <a:cs typeface="Times New Roman" panose="02020603050405020304" pitchFamily="18" charset="0"/>
+              </a:rPr>
+              <a:t>Try…catch, Debug</a:t>
+            </a:r>
+          </a:p>
+          <a:p>
+            <a:r>
+              <a:rPr lang="en-US" sz="3600" dirty="0" err="1">
+                <a:latin typeface="Times New Roman" panose="02020603050405020304" pitchFamily="18" charset="0"/>
+                <a:cs typeface="Times New Roman" panose="02020603050405020304" pitchFamily="18" charset="0"/>
+              </a:rPr>
+              <a:t>Thư</a:t>
+            </a:r>
+            <a:r>
+              <a:rPr lang="en-US" sz="3600" dirty="0">
+                <a:latin typeface="Times New Roman" panose="02020603050405020304" pitchFamily="18" charset="0"/>
+                <a:cs typeface="Times New Roman" panose="02020603050405020304" pitchFamily="18" charset="0"/>
+              </a:rPr>
+              <a:t> </a:t>
+            </a:r>
+            <a:r>
+              <a:rPr lang="en-US" sz="3600" dirty="0" err="1">
+                <a:latin typeface="Times New Roman" panose="02020603050405020304" pitchFamily="18" charset="0"/>
+                <a:cs typeface="Times New Roman" panose="02020603050405020304" pitchFamily="18" charset="0"/>
+              </a:rPr>
+              <a:t>viện</a:t>
+            </a:r>
+            <a:r>
+              <a:rPr lang="en-US" sz="3600" dirty="0">
+                <a:latin typeface="Times New Roman" panose="02020603050405020304" pitchFamily="18" charset="0"/>
+                <a:cs typeface="Times New Roman" panose="02020603050405020304" pitchFamily="18" charset="0"/>
+              </a:rPr>
+              <a:t> </a:t>
+            </a:r>
+            <a:r>
+              <a:rPr lang="en-US" sz="3600" dirty="0" err="1">
+                <a:latin typeface="Times New Roman" panose="02020603050405020304" pitchFamily="18" charset="0"/>
+                <a:cs typeface="Times New Roman" panose="02020603050405020304" pitchFamily="18" charset="0"/>
+              </a:rPr>
+              <a:t>xử</a:t>
+            </a:r>
+            <a:r>
+              <a:rPr lang="en-US" sz="3600" dirty="0">
+                <a:latin typeface="Times New Roman" panose="02020603050405020304" pitchFamily="18" charset="0"/>
+                <a:cs typeface="Times New Roman" panose="02020603050405020304" pitchFamily="18" charset="0"/>
+              </a:rPr>
+              <a:t> </a:t>
+            </a:r>
+            <a:r>
+              <a:rPr lang="en-US" sz="3600" dirty="0" err="1">
+                <a:latin typeface="Times New Roman" panose="02020603050405020304" pitchFamily="18" charset="0"/>
+                <a:cs typeface="Times New Roman" panose="02020603050405020304" pitchFamily="18" charset="0"/>
+              </a:rPr>
+              <a:t>lý</a:t>
+            </a:r>
+            <a:r>
+              <a:rPr lang="en-US" sz="3600" dirty="0">
+                <a:latin typeface="Times New Roman" panose="02020603050405020304" pitchFamily="18" charset="0"/>
+                <a:cs typeface="Times New Roman" panose="02020603050405020304" pitchFamily="18" charset="0"/>
+              </a:rPr>
+              <a:t> </a:t>
+            </a:r>
+            <a:r>
+              <a:rPr lang="en-US" sz="3600" dirty="0" err="1">
+                <a:latin typeface="Times New Roman" panose="02020603050405020304" pitchFamily="18" charset="0"/>
+                <a:cs typeface="Times New Roman" panose="02020603050405020304" pitchFamily="18" charset="0"/>
+              </a:rPr>
+              <a:t>dữ</a:t>
+            </a:r>
+            <a:r>
+              <a:rPr lang="en-US" sz="3600" dirty="0">
+                <a:latin typeface="Times New Roman" panose="02020603050405020304" pitchFamily="18" charset="0"/>
+                <a:cs typeface="Times New Roman" panose="02020603050405020304" pitchFamily="18" charset="0"/>
+              </a:rPr>
+              <a:t> </a:t>
+            </a:r>
+            <a:r>
+              <a:rPr lang="en-US" sz="3600" dirty="0" err="1">
+                <a:latin typeface="Times New Roman" panose="02020603050405020304" pitchFamily="18" charset="0"/>
+                <a:cs typeface="Times New Roman" panose="02020603050405020304" pitchFamily="18" charset="0"/>
+              </a:rPr>
+              <a:t>liệu</a:t>
+            </a:r>
+            <a:r>
+              <a:rPr lang="en-US" sz="3600" dirty="0">
+                <a:latin typeface="Times New Roman" panose="02020603050405020304" pitchFamily="18" charset="0"/>
+                <a:cs typeface="Times New Roman" panose="02020603050405020304" pitchFamily="18" charset="0"/>
+              </a:rPr>
+              <a:t> </a:t>
+            </a:r>
+            <a:r>
+              <a:rPr lang="en-US" sz="3600" dirty="0" err="1">
+                <a:latin typeface="Times New Roman" panose="02020603050405020304" pitchFamily="18" charset="0"/>
+                <a:cs typeface="Times New Roman" panose="02020603050405020304" pitchFamily="18" charset="0"/>
+              </a:rPr>
+              <a:t>số</a:t>
+            </a:r>
+            <a:endParaRPr lang="en-US" sz="3600" dirty="0">
+              <a:latin typeface="Times New Roman" panose="02020603050405020304" pitchFamily="18" charset="0"/>
+              <a:cs typeface="Times New Roman" panose="02020603050405020304" pitchFamily="18" charset="0"/>
+            </a:endParaRPr>
+          </a:p>
+          <a:p>
+            <a:r>
+              <a:rPr lang="en-US" sz="3600" dirty="0" err="1">
+                <a:latin typeface="Times New Roman" panose="02020603050405020304" pitchFamily="18" charset="0"/>
+                <a:cs typeface="Times New Roman" panose="02020603050405020304" pitchFamily="18" charset="0"/>
+              </a:rPr>
+              <a:t>Thư</a:t>
+            </a:r>
+            <a:r>
+              <a:rPr lang="en-US" sz="3600" dirty="0">
+                <a:latin typeface="Times New Roman" panose="02020603050405020304" pitchFamily="18" charset="0"/>
+                <a:cs typeface="Times New Roman" panose="02020603050405020304" pitchFamily="18" charset="0"/>
+              </a:rPr>
+              <a:t> </a:t>
+            </a:r>
+            <a:r>
+              <a:rPr lang="en-US" sz="3600" dirty="0" err="1">
+                <a:latin typeface="Times New Roman" panose="02020603050405020304" pitchFamily="18" charset="0"/>
+                <a:cs typeface="Times New Roman" panose="02020603050405020304" pitchFamily="18" charset="0"/>
+              </a:rPr>
+              <a:t>viện</a:t>
+            </a:r>
+            <a:r>
+              <a:rPr lang="en-US" sz="3600" dirty="0">
+                <a:latin typeface="Times New Roman" panose="02020603050405020304" pitchFamily="18" charset="0"/>
+                <a:cs typeface="Times New Roman" panose="02020603050405020304" pitchFamily="18" charset="0"/>
+              </a:rPr>
+              <a:t> </a:t>
+            </a:r>
+            <a:r>
+              <a:rPr lang="en-US" sz="3600" dirty="0" err="1">
+                <a:latin typeface="Times New Roman" panose="02020603050405020304" pitchFamily="18" charset="0"/>
+                <a:cs typeface="Times New Roman" panose="02020603050405020304" pitchFamily="18" charset="0"/>
+              </a:rPr>
+              <a:t>xử</a:t>
+            </a:r>
+            <a:r>
+              <a:rPr lang="en-US" sz="3600" dirty="0">
+                <a:latin typeface="Times New Roman" panose="02020603050405020304" pitchFamily="18" charset="0"/>
+                <a:cs typeface="Times New Roman" panose="02020603050405020304" pitchFamily="18" charset="0"/>
+              </a:rPr>
+              <a:t> </a:t>
+            </a:r>
+            <a:r>
+              <a:rPr lang="en-US" sz="3600" dirty="0" err="1">
+                <a:latin typeface="Times New Roman" panose="02020603050405020304" pitchFamily="18" charset="0"/>
+                <a:cs typeface="Times New Roman" panose="02020603050405020304" pitchFamily="18" charset="0"/>
+              </a:rPr>
+              <a:t>lý</a:t>
+            </a:r>
+            <a:r>
+              <a:rPr lang="en-US" sz="3600" dirty="0">
+                <a:latin typeface="Times New Roman" panose="02020603050405020304" pitchFamily="18" charset="0"/>
+                <a:cs typeface="Times New Roman" panose="02020603050405020304" pitchFamily="18" charset="0"/>
+              </a:rPr>
+              <a:t> </a:t>
+            </a:r>
+            <a:r>
+              <a:rPr lang="en-US" sz="3600" dirty="0" err="1">
+                <a:latin typeface="Times New Roman" panose="02020603050405020304" pitchFamily="18" charset="0"/>
+                <a:cs typeface="Times New Roman" panose="02020603050405020304" pitchFamily="18" charset="0"/>
+              </a:rPr>
+              <a:t>ngày</a:t>
+            </a:r>
+            <a:r>
+              <a:rPr lang="en-US" sz="3600" dirty="0">
+                <a:latin typeface="Times New Roman" panose="02020603050405020304" pitchFamily="18" charset="0"/>
+                <a:cs typeface="Times New Roman" panose="02020603050405020304" pitchFamily="18" charset="0"/>
+              </a:rPr>
+              <a:t> </a:t>
+            </a:r>
+            <a:r>
+              <a:rPr lang="en-US" sz="3600" dirty="0" err="1">
+                <a:latin typeface="Times New Roman" panose="02020603050405020304" pitchFamily="18" charset="0"/>
+                <a:cs typeface="Times New Roman" panose="02020603050405020304" pitchFamily="18" charset="0"/>
+              </a:rPr>
+              <a:t>tháng</a:t>
+            </a:r>
+            <a:endParaRPr lang="en-US" sz="3600" dirty="0">
+              <a:latin typeface="Times New Roman" panose="02020603050405020304" pitchFamily="18" charset="0"/>
+              <a:cs typeface="Times New Roman" panose="02020603050405020304" pitchFamily="18" charset="0"/>
+            </a:endParaRPr>
+          </a:p>
+          <a:p>
+            <a:r>
+              <a:rPr lang="en-US" sz="3600" dirty="0" err="1">
+                <a:latin typeface="Times New Roman" panose="02020603050405020304" pitchFamily="18" charset="0"/>
+                <a:cs typeface="Times New Roman" panose="02020603050405020304" pitchFamily="18" charset="0"/>
+              </a:rPr>
+              <a:t>Thư</a:t>
+            </a:r>
+            <a:r>
+              <a:rPr lang="en-US" sz="3600" dirty="0">
+                <a:latin typeface="Times New Roman" panose="02020603050405020304" pitchFamily="18" charset="0"/>
+                <a:cs typeface="Times New Roman" panose="02020603050405020304" pitchFamily="18" charset="0"/>
+              </a:rPr>
+              <a:t> </a:t>
+            </a:r>
+            <a:r>
+              <a:rPr lang="en-US" sz="3600" dirty="0" err="1">
+                <a:latin typeface="Times New Roman" panose="02020603050405020304" pitchFamily="18" charset="0"/>
+                <a:cs typeface="Times New Roman" panose="02020603050405020304" pitchFamily="18" charset="0"/>
+              </a:rPr>
+              <a:t>viện</a:t>
+            </a:r>
+            <a:r>
+              <a:rPr lang="en-US" sz="3600" dirty="0">
+                <a:latin typeface="Times New Roman" panose="02020603050405020304" pitchFamily="18" charset="0"/>
+                <a:cs typeface="Times New Roman" panose="02020603050405020304" pitchFamily="18" charset="0"/>
+              </a:rPr>
+              <a:t> </a:t>
+            </a:r>
+            <a:r>
+              <a:rPr lang="en-US" sz="3600" dirty="0" err="1">
+                <a:latin typeface="Times New Roman" panose="02020603050405020304" pitchFamily="18" charset="0"/>
+                <a:cs typeface="Times New Roman" panose="02020603050405020304" pitchFamily="18" charset="0"/>
+              </a:rPr>
+              <a:t>toán</a:t>
+            </a:r>
+            <a:r>
+              <a:rPr lang="en-US" sz="3600" dirty="0">
+                <a:latin typeface="Times New Roman" panose="02020603050405020304" pitchFamily="18" charset="0"/>
+                <a:cs typeface="Times New Roman" panose="02020603050405020304" pitchFamily="18" charset="0"/>
+              </a:rPr>
+              <a:t> </a:t>
+            </a:r>
+            <a:r>
+              <a:rPr lang="en-US" sz="3600" dirty="0" err="1">
+                <a:latin typeface="Times New Roman" panose="02020603050405020304" pitchFamily="18" charset="0"/>
+                <a:cs typeface="Times New Roman" panose="02020603050405020304" pitchFamily="18" charset="0"/>
+              </a:rPr>
+              <a:t>học</a:t>
+            </a:r>
+            <a:endParaRPr lang="en-US" sz="3600" dirty="0">
+              <a:latin typeface="Times New Roman" panose="02020603050405020304" pitchFamily="18" charset="0"/>
+              <a:cs typeface="Times New Roman" panose="02020603050405020304" pitchFamily="18" charset="0"/>
+            </a:endParaRPr>
+          </a:p>
+          <a:p>
+            <a:r>
+              <a:rPr lang="en-US" sz="3600" dirty="0" err="1">
+                <a:latin typeface="Times New Roman" panose="02020603050405020304" pitchFamily="18" charset="0"/>
+                <a:cs typeface="Times New Roman" panose="02020603050405020304" pitchFamily="18" charset="0"/>
+              </a:rPr>
+              <a:t>Thư</a:t>
+            </a:r>
+            <a:r>
+              <a:rPr lang="en-US" sz="3600" dirty="0">
+                <a:latin typeface="Times New Roman" panose="02020603050405020304" pitchFamily="18" charset="0"/>
+                <a:cs typeface="Times New Roman" panose="02020603050405020304" pitchFamily="18" charset="0"/>
+              </a:rPr>
+              <a:t> </a:t>
+            </a:r>
+            <a:r>
+              <a:rPr lang="en-US" sz="3600" dirty="0" err="1">
+                <a:latin typeface="Times New Roman" panose="02020603050405020304" pitchFamily="18" charset="0"/>
+                <a:cs typeface="Times New Roman" panose="02020603050405020304" pitchFamily="18" charset="0"/>
+              </a:rPr>
+              <a:t>viện</a:t>
+            </a:r>
+            <a:r>
+              <a:rPr lang="en-US" sz="3600" dirty="0">
+                <a:latin typeface="Times New Roman" panose="02020603050405020304" pitchFamily="18" charset="0"/>
+                <a:cs typeface="Times New Roman" panose="02020603050405020304" pitchFamily="18" charset="0"/>
+              </a:rPr>
+              <a:t> </a:t>
+            </a:r>
+            <a:r>
+              <a:rPr lang="en-US" sz="3600" dirty="0" err="1">
+                <a:latin typeface="Times New Roman" panose="02020603050405020304" pitchFamily="18" charset="0"/>
+                <a:cs typeface="Times New Roman" panose="02020603050405020304" pitchFamily="18" charset="0"/>
+              </a:rPr>
+              <a:t>xử</a:t>
+            </a:r>
+            <a:r>
+              <a:rPr lang="en-US" sz="3600" dirty="0">
+                <a:latin typeface="Times New Roman" panose="02020603050405020304" pitchFamily="18" charset="0"/>
+                <a:cs typeface="Times New Roman" panose="02020603050405020304" pitchFamily="18" charset="0"/>
+              </a:rPr>
+              <a:t> </a:t>
+            </a:r>
+            <a:r>
+              <a:rPr lang="en-US" sz="3600" dirty="0" err="1">
+                <a:latin typeface="Times New Roman" panose="02020603050405020304" pitchFamily="18" charset="0"/>
+                <a:cs typeface="Times New Roman" panose="02020603050405020304" pitchFamily="18" charset="0"/>
+              </a:rPr>
+              <a:t>lý</a:t>
+            </a:r>
+            <a:r>
+              <a:rPr lang="en-US" sz="3600" dirty="0">
+                <a:latin typeface="Times New Roman" panose="02020603050405020304" pitchFamily="18" charset="0"/>
+                <a:cs typeface="Times New Roman" panose="02020603050405020304" pitchFamily="18" charset="0"/>
+              </a:rPr>
+              <a:t> </a:t>
+            </a:r>
+            <a:r>
+              <a:rPr lang="en-US" sz="3600" dirty="0" err="1">
+                <a:latin typeface="Times New Roman" panose="02020603050405020304" pitchFamily="18" charset="0"/>
+                <a:cs typeface="Times New Roman" panose="02020603050405020304" pitchFamily="18" charset="0"/>
+              </a:rPr>
+              <a:t>số</a:t>
+            </a:r>
+            <a:r>
+              <a:rPr lang="en-US" sz="3600" dirty="0">
+                <a:latin typeface="Times New Roman" panose="02020603050405020304" pitchFamily="18" charset="0"/>
+                <a:cs typeface="Times New Roman" panose="02020603050405020304" pitchFamily="18" charset="0"/>
+              </a:rPr>
+              <a:t> </a:t>
+            </a:r>
+            <a:r>
+              <a:rPr lang="en-US" sz="3600" dirty="0" err="1">
+                <a:latin typeface="Times New Roman" panose="02020603050405020304" pitchFamily="18" charset="0"/>
+                <a:cs typeface="Times New Roman" panose="02020603050405020304" pitchFamily="18" charset="0"/>
+              </a:rPr>
+              <a:t>ngẫu</a:t>
+            </a:r>
+            <a:r>
+              <a:rPr lang="en-US" sz="3600" dirty="0">
+                <a:latin typeface="Times New Roman" panose="02020603050405020304" pitchFamily="18" charset="0"/>
+                <a:cs typeface="Times New Roman" panose="02020603050405020304" pitchFamily="18" charset="0"/>
+              </a:rPr>
+              <a:t> </a:t>
+            </a:r>
+            <a:r>
+              <a:rPr lang="en-US" sz="3600" dirty="0" err="1">
+                <a:latin typeface="Times New Roman" panose="02020603050405020304" pitchFamily="18" charset="0"/>
+                <a:cs typeface="Times New Roman" panose="02020603050405020304" pitchFamily="18" charset="0"/>
+              </a:rPr>
+              <a:t>nhiên</a:t>
+            </a:r>
+            <a:endParaRPr lang="en-US" sz="3600" dirty="0">
+              <a:latin typeface="Times New Roman" panose="02020603050405020304" pitchFamily="18" charset="0"/>
+              <a:cs typeface="Times New Roman" panose="02020603050405020304" pitchFamily="18" charset="0"/>
+            </a:endParaRPr>
+          </a:p>
+          <a:p>
+            <a:r>
+              <a:rPr lang="en-US" sz="3600" dirty="0" err="1">
+                <a:latin typeface="Times New Roman" panose="02020603050405020304" pitchFamily="18" charset="0"/>
+                <a:cs typeface="Times New Roman" panose="02020603050405020304" pitchFamily="18" charset="0"/>
+              </a:rPr>
+              <a:t>Thư</a:t>
+            </a:r>
+            <a:r>
+              <a:rPr lang="en-US" sz="3600" dirty="0">
+                <a:latin typeface="Times New Roman" panose="02020603050405020304" pitchFamily="18" charset="0"/>
+                <a:cs typeface="Times New Roman" panose="02020603050405020304" pitchFamily="18" charset="0"/>
+              </a:rPr>
+              <a:t> </a:t>
+            </a:r>
+            <a:r>
+              <a:rPr lang="en-US" sz="3600" dirty="0" err="1">
+                <a:latin typeface="Times New Roman" panose="02020603050405020304" pitchFamily="18" charset="0"/>
+                <a:cs typeface="Times New Roman" panose="02020603050405020304" pitchFamily="18" charset="0"/>
+              </a:rPr>
+              <a:t>viện</a:t>
+            </a:r>
+            <a:r>
+              <a:rPr lang="en-US" sz="3600" dirty="0">
+                <a:latin typeface="Times New Roman" panose="02020603050405020304" pitchFamily="18" charset="0"/>
+                <a:cs typeface="Times New Roman" panose="02020603050405020304" pitchFamily="18" charset="0"/>
+              </a:rPr>
+              <a:t> </a:t>
+            </a:r>
+            <a:r>
+              <a:rPr lang="en-US" sz="3600" dirty="0" err="1">
+                <a:latin typeface="Times New Roman" panose="02020603050405020304" pitchFamily="18" charset="0"/>
+                <a:cs typeface="Times New Roman" panose="02020603050405020304" pitchFamily="18" charset="0"/>
+              </a:rPr>
+              <a:t>xử</a:t>
+            </a:r>
+            <a:r>
+              <a:rPr lang="en-US" sz="3600" dirty="0">
+                <a:latin typeface="Times New Roman" panose="02020603050405020304" pitchFamily="18" charset="0"/>
+                <a:cs typeface="Times New Roman" panose="02020603050405020304" pitchFamily="18" charset="0"/>
+              </a:rPr>
+              <a:t> </a:t>
+            </a:r>
+            <a:r>
+              <a:rPr lang="en-US" sz="3600" dirty="0" err="1">
+                <a:latin typeface="Times New Roman" panose="02020603050405020304" pitchFamily="18" charset="0"/>
+                <a:cs typeface="Times New Roman" panose="02020603050405020304" pitchFamily="18" charset="0"/>
+              </a:rPr>
+              <a:t>lý</a:t>
+            </a:r>
+            <a:r>
+              <a:rPr lang="en-US" sz="3600" dirty="0">
+                <a:latin typeface="Times New Roman" panose="02020603050405020304" pitchFamily="18" charset="0"/>
+                <a:cs typeface="Times New Roman" panose="02020603050405020304" pitchFamily="18" charset="0"/>
+              </a:rPr>
+              <a:t> string</a:t>
+            </a:r>
           </a:p>
         </p:txBody>
       </p:sp>
@@ -19213,51 +24162,2276 @@
       </p:grpSpPr>
       <p:sp>
         <p:nvSpPr>
-          <p:cNvPr id="2" name="Tiêu đề 1">
+          <p:cNvPr id="6" name="Rectangle 1">
             <a:extLst>
               <a:ext uri="{FF2B5EF4-FFF2-40B4-BE49-F238E27FC236}">
-                <a16:creationId xmlns:a16="http://schemas.microsoft.com/office/drawing/2014/main" id="{7E31F0B1-7974-4F5B-AABE-45AE9270EC46}"/>
+                <a16:creationId xmlns:a16="http://schemas.microsoft.com/office/drawing/2014/main" id="{F3C27701-0139-4075-968B-CA448A3FB342}"/>
               </a:ext>
             </a:extLst>
           </p:cNvPr>
           <p:cNvSpPr>
-            <a:spLocks noGrp="1"/>
+            <a:spLocks noChangeArrowheads="1"/>
           </p:cNvSpPr>
-          <p:nvPr>
-            <p:ph type="title"/>
-          </p:nvPr>
+          <p:nvPr/>
         </p:nvSpPr>
-        <p:spPr/>
+        <p:spPr bwMode="auto">
+          <a:xfrm>
+            <a:off x="4502870" y="291917"/>
+            <a:ext cx="2158738" cy="1169551"/>
+          </a:xfrm>
+          <a:prstGeom prst="rect">
+            <a:avLst/>
+          </a:prstGeom>
+          <a:solidFill>
+            <a:srgbClr val="2B2B2B"/>
+          </a:solidFill>
+          <a:ln>
+            <a:noFill/>
+          </a:ln>
+          <a:effectLst/>
+          <a:extLst>
+            <a:ext uri="{91240B29-F687-4F45-9708-019B960494DF}">
+              <a14:hiddenLine xmlns:a14="http://schemas.microsoft.com/office/drawing/2010/main" w="9525">
+                <a:solidFill>
+                  <a:schemeClr val="tx1"/>
+                </a:solidFill>
+                <a:miter lim="800000"/>
+                <a:headEnd/>
+                <a:tailEnd/>
+              </a14:hiddenLine>
+            </a:ext>
+            <a:ext uri="{AF507438-7753-43E0-B8FC-AC1667EBCBE1}">
+              <a14:hiddenEffects xmlns:a14="http://schemas.microsoft.com/office/drawing/2010/main">
+                <a:effectLst>
+                  <a:outerShdw dist="35921" dir="2700000" algn="ctr" rotWithShape="0">
+                    <a:schemeClr val="bg2"/>
+                  </a:outerShdw>
+                </a:effectLst>
+              </a14:hiddenEffects>
+            </a:ext>
+          </a:extLst>
+        </p:spPr>
         <p:txBody>
-          <a:bodyPr/>
+          <a:bodyPr vert="horz" wrap="square" lIns="91440" tIns="45720" rIns="91440" bIns="45720" numCol="1" anchor="ctr" anchorCtr="0" compatLnSpc="1">
+            <a:prstTxWarp prst="textNoShape">
+              <a:avLst/>
+            </a:prstTxWarp>
+            <a:spAutoFit/>
+          </a:bodyPr>
           <a:lstStyle/>
           <a:p>
-            <a:endParaRPr lang="en-US"/>
+            <a:pPr marL="0" marR="0" lvl="0" indent="0" algn="l" defTabSz="914400" rtl="0" eaLnBrk="0" fontAlgn="base" latinLnBrk="0" hangingPunct="0">
+              <a:lnSpc>
+                <a:spcPct val="100000"/>
+              </a:lnSpc>
+              <a:spcBef>
+                <a:spcPct val="0"/>
+              </a:spcBef>
+              <a:spcAft>
+                <a:spcPct val="0"/>
+              </a:spcAft>
+              <a:buClrTx/>
+              <a:buSzTx/>
+              <a:buFontTx/>
+              <a:buNone/>
+              <a:tabLst/>
+            </a:pPr>
+            <a:r>
+              <a:rPr kumimoji="0" lang="en-US" altLang="en-US" sz="1000" b="0" i="0" u="none" strike="noStrike" cap="none" normalizeH="0" baseline="0" dirty="0">
+                <a:ln>
+                  <a:noFill/>
+                </a:ln>
+                <a:solidFill>
+                  <a:srgbClr val="CC7832"/>
+                </a:solidFill>
+                <a:effectLst/>
+                <a:latin typeface="JetBrains Mono"/>
+              </a:rPr>
+              <a:t>try </a:t>
+            </a:r>
+            <a:r>
+              <a:rPr kumimoji="0" lang="en-US" altLang="en-US" sz="1000" b="0" i="0" u="none" strike="noStrike" cap="none" normalizeH="0" baseline="0" dirty="0">
+                <a:ln>
+                  <a:noFill/>
+                </a:ln>
+                <a:solidFill>
+                  <a:srgbClr val="A9B7C6"/>
+                </a:solidFill>
+                <a:effectLst/>
+                <a:latin typeface="JetBrains Mono"/>
+              </a:rPr>
+              <a:t>{</a:t>
+            </a:r>
+            <a:br>
+              <a:rPr kumimoji="0" lang="en-US" altLang="en-US" sz="1000" b="0" i="0" u="none" strike="noStrike" cap="none" normalizeH="0" baseline="0" dirty="0">
+                <a:ln>
+                  <a:noFill/>
+                </a:ln>
+                <a:solidFill>
+                  <a:srgbClr val="A9B7C6"/>
+                </a:solidFill>
+                <a:effectLst/>
+                <a:latin typeface="JetBrains Mono"/>
+              </a:rPr>
+            </a:br>
+            <a:r>
+              <a:rPr kumimoji="0" lang="en-US" altLang="en-US" sz="1000" b="0" i="0" u="none" strike="noStrike" cap="none" normalizeH="0" baseline="0" dirty="0">
+                <a:ln>
+                  <a:noFill/>
+                </a:ln>
+                <a:solidFill>
+                  <a:srgbClr val="A9B7C6"/>
+                </a:solidFill>
+                <a:effectLst/>
+                <a:latin typeface="JetBrains Mono"/>
+              </a:rPr>
+              <a:t>    </a:t>
+            </a:r>
+            <a:r>
+              <a:rPr kumimoji="0" lang="en-US" altLang="en-US" sz="1000" b="0" i="0" u="none" strike="noStrike" cap="none" normalizeH="0" baseline="0" dirty="0">
+                <a:ln>
+                  <a:noFill/>
+                </a:ln>
+                <a:solidFill>
+                  <a:srgbClr val="808080"/>
+                </a:solidFill>
+                <a:effectLst/>
+                <a:latin typeface="JetBrains Mono"/>
+              </a:rPr>
+              <a:t>//some code</a:t>
+            </a:r>
+            <a:br>
+              <a:rPr kumimoji="0" lang="en-US" altLang="en-US" sz="1000" b="0" i="0" u="none" strike="noStrike" cap="none" normalizeH="0" baseline="0" dirty="0">
+                <a:ln>
+                  <a:noFill/>
+                </a:ln>
+                <a:solidFill>
+                  <a:srgbClr val="808080"/>
+                </a:solidFill>
+                <a:effectLst/>
+                <a:latin typeface="JetBrains Mono"/>
+              </a:rPr>
+            </a:br>
+            <a:r>
+              <a:rPr kumimoji="0" lang="en-US" altLang="en-US" sz="1000" b="0" i="0" u="none" strike="noStrike" cap="none" normalizeH="0" baseline="0" dirty="0">
+                <a:ln>
+                  <a:noFill/>
+                </a:ln>
+                <a:solidFill>
+                  <a:srgbClr val="A9B7C6"/>
+                </a:solidFill>
+                <a:effectLst/>
+                <a:latin typeface="JetBrains Mono"/>
+              </a:rPr>
+              <a:t>}</a:t>
+            </a:r>
+            <a:r>
+              <a:rPr kumimoji="0" lang="en-US" altLang="en-US" sz="1000" b="0" i="0" u="none" strike="noStrike" cap="none" normalizeH="0" baseline="0" dirty="0">
+                <a:ln>
+                  <a:noFill/>
+                </a:ln>
+                <a:solidFill>
+                  <a:srgbClr val="CC7832"/>
+                </a:solidFill>
+                <a:effectLst/>
+                <a:latin typeface="JetBrains Mono"/>
+              </a:rPr>
+              <a:t>catch </a:t>
+            </a:r>
+            <a:r>
+              <a:rPr kumimoji="0" lang="en-US" altLang="en-US" sz="1000" b="0" i="0" u="none" strike="noStrike" cap="none" normalizeH="0" baseline="0" dirty="0">
+                <a:ln>
+                  <a:noFill/>
+                </a:ln>
+                <a:solidFill>
+                  <a:srgbClr val="A9B7C6"/>
+                </a:solidFill>
+                <a:effectLst/>
+                <a:latin typeface="JetBrains Mono"/>
+              </a:rPr>
+              <a:t>(</a:t>
+            </a:r>
+            <a:r>
+              <a:rPr kumimoji="0" lang="en-US" altLang="en-US" sz="1000" b="0" i="0" u="none" strike="noStrike" cap="none" normalizeH="0" baseline="0" dirty="0" err="1">
+                <a:ln>
+                  <a:noFill/>
+                </a:ln>
+                <a:solidFill>
+                  <a:srgbClr val="A9B7C6"/>
+                </a:solidFill>
+                <a:effectLst/>
+                <a:latin typeface="JetBrains Mono"/>
+              </a:rPr>
+              <a:t>e:Exception</a:t>
+            </a:r>
+            <a:r>
+              <a:rPr kumimoji="0" lang="en-US" altLang="en-US" sz="1000" b="0" i="0" u="none" strike="noStrike" cap="none" normalizeH="0" baseline="0" dirty="0">
+                <a:ln>
+                  <a:noFill/>
+                </a:ln>
+                <a:solidFill>
+                  <a:srgbClr val="A9B7C6"/>
+                </a:solidFill>
+                <a:effectLst/>
+                <a:latin typeface="JetBrains Mono"/>
+              </a:rPr>
+              <a:t>){</a:t>
+            </a:r>
+            <a:br>
+              <a:rPr kumimoji="0" lang="en-US" altLang="en-US" sz="1000" b="0" i="0" u="none" strike="noStrike" cap="none" normalizeH="0" baseline="0" dirty="0">
+                <a:ln>
+                  <a:noFill/>
+                </a:ln>
+                <a:solidFill>
+                  <a:srgbClr val="A9B7C6"/>
+                </a:solidFill>
+                <a:effectLst/>
+                <a:latin typeface="JetBrains Mono"/>
+              </a:rPr>
+            </a:br>
+            <a:r>
+              <a:rPr kumimoji="0" lang="en-US" altLang="en-US" sz="1000" b="0" i="0" u="none" strike="noStrike" cap="none" normalizeH="0" baseline="0" dirty="0">
+                <a:ln>
+                  <a:noFill/>
+                </a:ln>
+                <a:solidFill>
+                  <a:srgbClr val="A9B7C6"/>
+                </a:solidFill>
+                <a:effectLst/>
+                <a:latin typeface="JetBrains Mono"/>
+              </a:rPr>
+              <a:t>    </a:t>
+            </a:r>
+            <a:r>
+              <a:rPr kumimoji="0" lang="en-US" altLang="en-US" sz="1000" b="0" i="0" u="none" strike="noStrike" cap="none" normalizeH="0" baseline="0" dirty="0">
+                <a:ln>
+                  <a:noFill/>
+                </a:ln>
+                <a:solidFill>
+                  <a:srgbClr val="808080"/>
+                </a:solidFill>
+                <a:effectLst/>
+                <a:latin typeface="JetBrains Mono"/>
+              </a:rPr>
+              <a:t>//handler</a:t>
+            </a:r>
+            <a:br>
+              <a:rPr kumimoji="0" lang="en-US" altLang="en-US" sz="1000" b="0" i="0" u="none" strike="noStrike" cap="none" normalizeH="0" baseline="0" dirty="0">
+                <a:ln>
+                  <a:noFill/>
+                </a:ln>
+                <a:solidFill>
+                  <a:srgbClr val="808080"/>
+                </a:solidFill>
+                <a:effectLst/>
+                <a:latin typeface="JetBrains Mono"/>
+              </a:rPr>
+            </a:br>
+            <a:r>
+              <a:rPr kumimoji="0" lang="en-US" altLang="en-US" sz="1000" b="0" i="0" u="none" strike="noStrike" cap="none" normalizeH="0" baseline="0" dirty="0">
+                <a:ln>
+                  <a:noFill/>
+                </a:ln>
+                <a:solidFill>
+                  <a:srgbClr val="A9B7C6"/>
+                </a:solidFill>
+                <a:effectLst/>
+                <a:latin typeface="JetBrains Mono"/>
+              </a:rPr>
+              <a:t>}</a:t>
+            </a:r>
+            <a:r>
+              <a:rPr kumimoji="0" lang="en-US" altLang="en-US" sz="1000" b="0" i="0" u="none" strike="noStrike" cap="none" normalizeH="0" baseline="0" dirty="0">
+                <a:ln>
+                  <a:noFill/>
+                </a:ln>
+                <a:solidFill>
+                  <a:srgbClr val="CC7832"/>
+                </a:solidFill>
+                <a:effectLst/>
+                <a:latin typeface="JetBrains Mono"/>
+              </a:rPr>
+              <a:t>finally </a:t>
+            </a:r>
+            <a:r>
+              <a:rPr kumimoji="0" lang="en-US" altLang="en-US" sz="1000" b="0" i="0" u="none" strike="noStrike" cap="none" normalizeH="0" baseline="0" dirty="0">
+                <a:ln>
+                  <a:noFill/>
+                </a:ln>
+                <a:solidFill>
+                  <a:srgbClr val="A9B7C6"/>
+                </a:solidFill>
+                <a:effectLst/>
+                <a:latin typeface="JetBrains Mono"/>
+              </a:rPr>
+              <a:t>{</a:t>
+            </a:r>
+            <a:br>
+              <a:rPr kumimoji="0" lang="en-US" altLang="en-US" sz="1000" b="0" i="0" u="none" strike="noStrike" cap="none" normalizeH="0" baseline="0" dirty="0">
+                <a:ln>
+                  <a:noFill/>
+                </a:ln>
+                <a:solidFill>
+                  <a:srgbClr val="A9B7C6"/>
+                </a:solidFill>
+                <a:effectLst/>
+                <a:latin typeface="JetBrains Mono"/>
+              </a:rPr>
+            </a:br>
+            <a:r>
+              <a:rPr kumimoji="0" lang="en-US" altLang="en-US" sz="1000" b="0" i="0" u="none" strike="noStrike" cap="none" normalizeH="0" baseline="0" dirty="0">
+                <a:ln>
+                  <a:noFill/>
+                </a:ln>
+                <a:solidFill>
+                  <a:srgbClr val="A9B7C6"/>
+                </a:solidFill>
+                <a:effectLst/>
+                <a:latin typeface="JetBrains Mono"/>
+              </a:rPr>
+              <a:t>    </a:t>
+            </a:r>
+            <a:r>
+              <a:rPr kumimoji="0" lang="en-US" altLang="en-US" sz="1000" b="0" i="0" u="none" strike="noStrike" cap="none" normalizeH="0" baseline="0" dirty="0">
+                <a:ln>
+                  <a:noFill/>
+                </a:ln>
+                <a:solidFill>
+                  <a:srgbClr val="808080"/>
+                </a:solidFill>
+                <a:effectLst/>
+                <a:latin typeface="JetBrains Mono"/>
+              </a:rPr>
+              <a:t>//option finally block</a:t>
+            </a:r>
+            <a:br>
+              <a:rPr kumimoji="0" lang="en-US" altLang="en-US" sz="1000" b="0" i="0" u="none" strike="noStrike" cap="none" normalizeH="0" baseline="0" dirty="0">
+                <a:ln>
+                  <a:noFill/>
+                </a:ln>
+                <a:solidFill>
+                  <a:srgbClr val="808080"/>
+                </a:solidFill>
+                <a:effectLst/>
+                <a:latin typeface="JetBrains Mono"/>
+              </a:rPr>
+            </a:br>
+            <a:r>
+              <a:rPr kumimoji="0" lang="en-US" altLang="en-US" sz="1000" b="0" i="0" u="none" strike="noStrike" cap="none" normalizeH="0" baseline="0" dirty="0">
+                <a:ln>
+                  <a:noFill/>
+                </a:ln>
+                <a:solidFill>
+                  <a:srgbClr val="A9B7C6"/>
+                </a:solidFill>
+                <a:effectLst/>
+                <a:latin typeface="JetBrains Mono"/>
+              </a:rPr>
+              <a:t>}</a:t>
+            </a:r>
+            <a:endParaRPr kumimoji="0" lang="en-US" altLang="en-US" sz="1800" b="0" i="0" u="none" strike="noStrike" cap="none" normalizeH="0" baseline="0" dirty="0">
+              <a:ln>
+                <a:noFill/>
+              </a:ln>
+              <a:solidFill>
+                <a:schemeClr val="tx1"/>
+              </a:solidFill>
+              <a:effectLst/>
+              <a:latin typeface="Arial" panose="020B0604020202020204" pitchFamily="34" charset="0"/>
+            </a:endParaRPr>
           </a:p>
         </p:txBody>
       </p:sp>
       <p:sp>
         <p:nvSpPr>
-          <p:cNvPr id="3" name="Chỗ dành sẵn cho Nội dung 2">
+          <p:cNvPr id="7" name="Hình chữ nhật 6">
             <a:extLst>
               <a:ext uri="{FF2B5EF4-FFF2-40B4-BE49-F238E27FC236}">
-                <a16:creationId xmlns:a16="http://schemas.microsoft.com/office/drawing/2014/main" id="{09C6E6F4-C3FF-4E03-BF40-D48E36CDBA3F}"/>
+                <a16:creationId xmlns:a16="http://schemas.microsoft.com/office/drawing/2014/main" id="{3E310039-CDE0-40D3-BAFE-E1C7B9C7DD40}"/>
               </a:ext>
             </a:extLst>
           </p:cNvPr>
-          <p:cNvSpPr>
-            <a:spLocks noGrp="1"/>
-          </p:cNvSpPr>
-          <p:nvPr>
-            <p:ph idx="1"/>
-          </p:nvPr>
+          <p:cNvSpPr/>
+          <p:nvPr/>
         </p:nvSpPr>
-        <p:spPr/>
+        <p:spPr>
+          <a:xfrm>
+            <a:off x="197964" y="235671"/>
+            <a:ext cx="3381079" cy="1282044"/>
+          </a:xfrm>
+          <a:prstGeom prst="rect">
+            <a:avLst/>
+          </a:prstGeom>
+        </p:spPr>
+        <p:style>
+          <a:lnRef idx="1">
+            <a:schemeClr val="accent3"/>
+          </a:lnRef>
+          <a:fillRef idx="2">
+            <a:schemeClr val="accent3"/>
+          </a:fillRef>
+          <a:effectRef idx="1">
+            <a:schemeClr val="accent3"/>
+          </a:effectRef>
+          <a:fontRef idx="minor">
+            <a:schemeClr val="dk1"/>
+          </a:fontRef>
+        </p:style>
         <p:txBody>
-          <a:bodyPr/>
+          <a:bodyPr rtlCol="0" anchor="ctr"/>
           <a:lstStyle/>
           <a:p>
-            <a:endParaRPr lang="en-US"/>
+            <a:r>
+              <a:rPr lang="en-US" sz="1200" dirty="0" err="1">
+                <a:latin typeface="Times New Roman" panose="02020603050405020304" pitchFamily="18" charset="0"/>
+                <a:cs typeface="Times New Roman" panose="02020603050405020304" pitchFamily="18" charset="0"/>
+              </a:rPr>
+              <a:t>Với</a:t>
+            </a:r>
+            <a:r>
+              <a:rPr lang="en-US" sz="1200" dirty="0">
+                <a:latin typeface="Times New Roman" panose="02020603050405020304" pitchFamily="18" charset="0"/>
+                <a:cs typeface="Times New Roman" panose="02020603050405020304" pitchFamily="18" charset="0"/>
+              </a:rPr>
+              <a:t> </a:t>
+            </a:r>
+            <a:r>
+              <a:rPr lang="en-US" sz="1200" dirty="0" err="1">
+                <a:latin typeface="Times New Roman" panose="02020603050405020304" pitchFamily="18" charset="0"/>
+                <a:cs typeface="Times New Roman" panose="02020603050405020304" pitchFamily="18" charset="0"/>
+              </a:rPr>
+              <a:t>một</a:t>
+            </a:r>
+            <a:r>
+              <a:rPr lang="en-US" sz="1200" dirty="0">
+                <a:latin typeface="Times New Roman" panose="02020603050405020304" pitchFamily="18" charset="0"/>
+                <a:cs typeface="Times New Roman" panose="02020603050405020304" pitchFamily="18" charset="0"/>
+              </a:rPr>
+              <a:t> </a:t>
+            </a:r>
+            <a:r>
+              <a:rPr lang="en-US" sz="1200" dirty="0" err="1">
+                <a:latin typeface="Times New Roman" panose="02020603050405020304" pitchFamily="18" charset="0"/>
+                <a:cs typeface="Times New Roman" panose="02020603050405020304" pitchFamily="18" charset="0"/>
+              </a:rPr>
+              <a:t>đoạn</a:t>
+            </a:r>
+            <a:r>
+              <a:rPr lang="en-US" sz="1200" dirty="0">
+                <a:latin typeface="Times New Roman" panose="02020603050405020304" pitchFamily="18" charset="0"/>
+                <a:cs typeface="Times New Roman" panose="02020603050405020304" pitchFamily="18" charset="0"/>
+              </a:rPr>
+              <a:t> code </a:t>
+            </a:r>
+            <a:r>
+              <a:rPr lang="en-US" sz="1200" dirty="0" err="1">
+                <a:latin typeface="Times New Roman" panose="02020603050405020304" pitchFamily="18" charset="0"/>
+                <a:cs typeface="Times New Roman" panose="02020603050405020304" pitchFamily="18" charset="0"/>
+              </a:rPr>
+              <a:t>có</a:t>
+            </a:r>
+            <a:r>
+              <a:rPr lang="en-US" sz="1200" dirty="0">
+                <a:latin typeface="Times New Roman" panose="02020603050405020304" pitchFamily="18" charset="0"/>
+                <a:cs typeface="Times New Roman" panose="02020603050405020304" pitchFamily="18" charset="0"/>
+              </a:rPr>
+              <a:t> </a:t>
+            </a:r>
+            <a:r>
+              <a:rPr lang="en-US" sz="1200" dirty="0" err="1">
+                <a:latin typeface="Times New Roman" panose="02020603050405020304" pitchFamily="18" charset="0"/>
+                <a:cs typeface="Times New Roman" panose="02020603050405020304" pitchFamily="18" charset="0"/>
+              </a:rPr>
+              <a:t>lỗi</a:t>
+            </a:r>
+            <a:r>
+              <a:rPr lang="en-US" sz="1200" dirty="0">
+                <a:latin typeface="Times New Roman" panose="02020603050405020304" pitchFamily="18" charset="0"/>
+                <a:cs typeface="Times New Roman" panose="02020603050405020304" pitchFamily="18" charset="0"/>
+              </a:rPr>
+              <a:t> </a:t>
+            </a:r>
+            <a:r>
+              <a:rPr lang="en-US" sz="1200" dirty="0" err="1">
+                <a:latin typeface="Times New Roman" panose="02020603050405020304" pitchFamily="18" charset="0"/>
+                <a:cs typeface="Times New Roman" panose="02020603050405020304" pitchFamily="18" charset="0"/>
+              </a:rPr>
+              <a:t>ra</a:t>
+            </a:r>
+            <a:r>
+              <a:rPr lang="en-US" sz="1200" dirty="0">
+                <a:latin typeface="Times New Roman" panose="02020603050405020304" pitchFamily="18" charset="0"/>
+                <a:cs typeface="Times New Roman" panose="02020603050405020304" pitchFamily="18" charset="0"/>
+              </a:rPr>
+              <a:t> </a:t>
+            </a:r>
+            <a:r>
+              <a:rPr lang="en-US" sz="1200" dirty="0" err="1">
+                <a:latin typeface="Times New Roman" panose="02020603050405020304" pitchFamily="18" charset="0"/>
+                <a:cs typeface="Times New Roman" panose="02020603050405020304" pitchFamily="18" charset="0"/>
+              </a:rPr>
+              <a:t>được</a:t>
+            </a:r>
+            <a:r>
+              <a:rPr lang="en-US" sz="1200" dirty="0">
+                <a:latin typeface="Times New Roman" panose="02020603050405020304" pitchFamily="18" charset="0"/>
+                <a:cs typeface="Times New Roman" panose="02020603050405020304" pitchFamily="18" charset="0"/>
+              </a:rPr>
+              <a:t> </a:t>
+            </a:r>
+            <a:r>
+              <a:rPr lang="en-US" sz="1200" dirty="0" err="1">
+                <a:latin typeface="Times New Roman" panose="02020603050405020304" pitchFamily="18" charset="0"/>
+                <a:cs typeface="Times New Roman" panose="02020603050405020304" pitchFamily="18" charset="0"/>
+              </a:rPr>
+              <a:t>đặt</a:t>
+            </a:r>
+            <a:r>
+              <a:rPr lang="en-US" sz="1200" dirty="0">
+                <a:latin typeface="Times New Roman" panose="02020603050405020304" pitchFamily="18" charset="0"/>
+                <a:cs typeface="Times New Roman" panose="02020603050405020304" pitchFamily="18" charset="0"/>
+              </a:rPr>
+              <a:t> </a:t>
+            </a:r>
+            <a:r>
+              <a:rPr lang="en-US" sz="1200" dirty="0" err="1">
+                <a:latin typeface="Times New Roman" panose="02020603050405020304" pitchFamily="18" charset="0"/>
+                <a:cs typeface="Times New Roman" panose="02020603050405020304" pitchFamily="18" charset="0"/>
+              </a:rPr>
+              <a:t>vào</a:t>
+            </a:r>
+            <a:r>
+              <a:rPr lang="en-US" sz="1200" dirty="0">
+                <a:latin typeface="Times New Roman" panose="02020603050405020304" pitchFamily="18" charset="0"/>
+                <a:cs typeface="Times New Roman" panose="02020603050405020304" pitchFamily="18" charset="0"/>
+              </a:rPr>
+              <a:t> </a:t>
+            </a:r>
+            <a:r>
+              <a:rPr lang="en-US" sz="1400" b="1" dirty="0">
+                <a:latin typeface="Times New Roman" panose="02020603050405020304" pitchFamily="18" charset="0"/>
+                <a:cs typeface="Times New Roman" panose="02020603050405020304" pitchFamily="18" charset="0"/>
+              </a:rPr>
+              <a:t>try</a:t>
+            </a:r>
+            <a:r>
+              <a:rPr lang="en-US" sz="1200" dirty="0">
+                <a:latin typeface="Times New Roman" panose="02020603050405020304" pitchFamily="18" charset="0"/>
+                <a:cs typeface="Times New Roman" panose="02020603050405020304" pitchFamily="18" charset="0"/>
+              </a:rPr>
+              <a:t> </a:t>
+            </a:r>
+            <a:r>
+              <a:rPr lang="en-US" sz="1200" dirty="0" err="1">
+                <a:latin typeface="Times New Roman" panose="02020603050405020304" pitchFamily="18" charset="0"/>
+                <a:cs typeface="Times New Roman" panose="02020603050405020304" pitchFamily="18" charset="0"/>
+              </a:rPr>
+              <a:t>thì</a:t>
+            </a:r>
+            <a:r>
+              <a:rPr lang="en-US" sz="1200" dirty="0">
+                <a:latin typeface="Times New Roman" panose="02020603050405020304" pitchFamily="18" charset="0"/>
+                <a:cs typeface="Times New Roman" panose="02020603050405020304" pitchFamily="18" charset="0"/>
+              </a:rPr>
+              <a:t> </a:t>
+            </a:r>
+            <a:r>
+              <a:rPr lang="en-US" sz="1200" dirty="0" err="1">
+                <a:latin typeface="Times New Roman" panose="02020603050405020304" pitchFamily="18" charset="0"/>
+                <a:cs typeface="Times New Roman" panose="02020603050405020304" pitchFamily="18" charset="0"/>
+              </a:rPr>
+              <a:t>chương</a:t>
+            </a:r>
+            <a:r>
+              <a:rPr lang="en-US" sz="1200" dirty="0">
+                <a:latin typeface="Times New Roman" panose="02020603050405020304" pitchFamily="18" charset="0"/>
+                <a:cs typeface="Times New Roman" panose="02020603050405020304" pitchFamily="18" charset="0"/>
+              </a:rPr>
+              <a:t> </a:t>
+            </a:r>
+            <a:r>
+              <a:rPr lang="en-US" sz="1200" dirty="0" err="1">
+                <a:latin typeface="Times New Roman" panose="02020603050405020304" pitchFamily="18" charset="0"/>
+                <a:cs typeface="Times New Roman" panose="02020603050405020304" pitchFamily="18" charset="0"/>
+              </a:rPr>
+              <a:t>trình</a:t>
+            </a:r>
+            <a:r>
+              <a:rPr lang="en-US" sz="1200" dirty="0">
+                <a:latin typeface="Times New Roman" panose="02020603050405020304" pitchFamily="18" charset="0"/>
+                <a:cs typeface="Times New Roman" panose="02020603050405020304" pitchFamily="18" charset="0"/>
+              </a:rPr>
+              <a:t> </a:t>
+            </a:r>
+            <a:r>
+              <a:rPr lang="en-US" sz="1200" dirty="0" err="1">
+                <a:latin typeface="Times New Roman" panose="02020603050405020304" pitchFamily="18" charset="0"/>
+                <a:cs typeface="Times New Roman" panose="02020603050405020304" pitchFamily="18" charset="0"/>
+              </a:rPr>
+              <a:t>sẽ</a:t>
+            </a:r>
+            <a:r>
+              <a:rPr lang="en-US" sz="1200" dirty="0">
+                <a:latin typeface="Times New Roman" panose="02020603050405020304" pitchFamily="18" charset="0"/>
+                <a:cs typeface="Times New Roman" panose="02020603050405020304" pitchFamily="18" charset="0"/>
+              </a:rPr>
+              <a:t> </a:t>
+            </a:r>
+            <a:r>
+              <a:rPr lang="en-US" sz="1200" dirty="0" err="1">
+                <a:latin typeface="Times New Roman" panose="02020603050405020304" pitchFamily="18" charset="0"/>
+                <a:cs typeface="Times New Roman" panose="02020603050405020304" pitchFamily="18" charset="0"/>
+              </a:rPr>
+              <a:t>tiếp</a:t>
+            </a:r>
+            <a:r>
+              <a:rPr lang="en-US" sz="1200" dirty="0">
+                <a:latin typeface="Times New Roman" panose="02020603050405020304" pitchFamily="18" charset="0"/>
+                <a:cs typeface="Times New Roman" panose="02020603050405020304" pitchFamily="18" charset="0"/>
+              </a:rPr>
+              <a:t> </a:t>
+            </a:r>
+            <a:r>
+              <a:rPr lang="en-US" sz="1200" dirty="0" err="1">
+                <a:latin typeface="Times New Roman" panose="02020603050405020304" pitchFamily="18" charset="0"/>
+                <a:cs typeface="Times New Roman" panose="02020603050405020304" pitchFamily="18" charset="0"/>
+              </a:rPr>
+              <a:t>tục</a:t>
+            </a:r>
+            <a:r>
+              <a:rPr lang="en-US" sz="1200" dirty="0">
+                <a:latin typeface="Times New Roman" panose="02020603050405020304" pitchFamily="18" charset="0"/>
+                <a:cs typeface="Times New Roman" panose="02020603050405020304" pitchFamily="18" charset="0"/>
+              </a:rPr>
+              <a:t> </a:t>
+            </a:r>
+            <a:r>
+              <a:rPr lang="en-US" sz="1200" dirty="0" err="1">
+                <a:latin typeface="Times New Roman" panose="02020603050405020304" pitchFamily="18" charset="0"/>
+                <a:cs typeface="Times New Roman" panose="02020603050405020304" pitchFamily="18" charset="0"/>
+              </a:rPr>
+              <a:t>chạy</a:t>
+            </a:r>
+            <a:r>
+              <a:rPr lang="en-US" sz="1200" dirty="0">
+                <a:latin typeface="Times New Roman" panose="02020603050405020304" pitchFamily="18" charset="0"/>
+                <a:cs typeface="Times New Roman" panose="02020603050405020304" pitchFamily="18" charset="0"/>
+              </a:rPr>
+              <a:t> </a:t>
+            </a:r>
+            <a:r>
+              <a:rPr lang="en-US" sz="1200" dirty="0" err="1">
+                <a:latin typeface="Times New Roman" panose="02020603050405020304" pitchFamily="18" charset="0"/>
+                <a:cs typeface="Times New Roman" panose="02020603050405020304" pitchFamily="18" charset="0"/>
+              </a:rPr>
+              <a:t>và</a:t>
+            </a:r>
+            <a:r>
+              <a:rPr lang="en-US" sz="1200" dirty="0">
+                <a:latin typeface="Times New Roman" panose="02020603050405020304" pitchFamily="18" charset="0"/>
+                <a:cs typeface="Times New Roman" panose="02020603050405020304" pitchFamily="18" charset="0"/>
+              </a:rPr>
+              <a:t> </a:t>
+            </a:r>
+            <a:r>
+              <a:rPr lang="en-US" sz="1200" dirty="0" err="1">
+                <a:latin typeface="Times New Roman" panose="02020603050405020304" pitchFamily="18" charset="0"/>
+                <a:cs typeface="Times New Roman" panose="02020603050405020304" pitchFamily="18" charset="0"/>
+              </a:rPr>
+              <a:t>lỗi</a:t>
+            </a:r>
+            <a:r>
+              <a:rPr lang="en-US" sz="1200" dirty="0">
+                <a:latin typeface="Times New Roman" panose="02020603050405020304" pitchFamily="18" charset="0"/>
+                <a:cs typeface="Times New Roman" panose="02020603050405020304" pitchFamily="18" charset="0"/>
+              </a:rPr>
+              <a:t> </a:t>
+            </a:r>
+            <a:r>
+              <a:rPr lang="en-US" sz="1200" dirty="0" err="1">
+                <a:latin typeface="Times New Roman" panose="02020603050405020304" pitchFamily="18" charset="0"/>
+                <a:cs typeface="Times New Roman" panose="02020603050405020304" pitchFamily="18" charset="0"/>
+              </a:rPr>
+              <a:t>đó</a:t>
+            </a:r>
+            <a:r>
+              <a:rPr lang="en-US" sz="1200" dirty="0">
+                <a:latin typeface="Times New Roman" panose="02020603050405020304" pitchFamily="18" charset="0"/>
+                <a:cs typeface="Times New Roman" panose="02020603050405020304" pitchFamily="18" charset="0"/>
+              </a:rPr>
+              <a:t> dc </a:t>
+            </a:r>
+            <a:r>
+              <a:rPr lang="en-US" sz="1400" b="1" dirty="0">
+                <a:latin typeface="Times New Roman" panose="02020603050405020304" pitchFamily="18" charset="0"/>
+                <a:cs typeface="Times New Roman" panose="02020603050405020304" pitchFamily="18" charset="0"/>
+              </a:rPr>
+              <a:t>catch</a:t>
+            </a:r>
+            <a:r>
+              <a:rPr lang="en-US" sz="1200" dirty="0">
+                <a:latin typeface="Times New Roman" panose="02020603050405020304" pitchFamily="18" charset="0"/>
+                <a:cs typeface="Times New Roman" panose="02020603050405020304" pitchFamily="18" charset="0"/>
+              </a:rPr>
+              <a:t> </a:t>
+            </a:r>
+            <a:r>
+              <a:rPr lang="en-US" sz="1200" dirty="0" err="1">
+                <a:latin typeface="Times New Roman" panose="02020603050405020304" pitchFamily="18" charset="0"/>
+                <a:cs typeface="Times New Roman" panose="02020603050405020304" pitchFamily="18" charset="0"/>
+              </a:rPr>
+              <a:t>lại</a:t>
+            </a:r>
+            <a:r>
+              <a:rPr lang="en-US" sz="1200" dirty="0">
+                <a:latin typeface="Times New Roman" panose="02020603050405020304" pitchFamily="18" charset="0"/>
+                <a:cs typeface="Times New Roman" panose="02020603050405020304" pitchFamily="18" charset="0"/>
+              </a:rPr>
+              <a:t> </a:t>
+            </a:r>
+            <a:r>
+              <a:rPr lang="en-US" sz="1200" dirty="0" err="1">
+                <a:latin typeface="Times New Roman" panose="02020603050405020304" pitchFamily="18" charset="0"/>
+                <a:cs typeface="Times New Roman" panose="02020603050405020304" pitchFamily="18" charset="0"/>
+              </a:rPr>
+              <a:t>và</a:t>
+            </a:r>
+            <a:r>
+              <a:rPr lang="en-US" sz="1200" dirty="0">
+                <a:latin typeface="Times New Roman" panose="02020603050405020304" pitchFamily="18" charset="0"/>
+                <a:cs typeface="Times New Roman" panose="02020603050405020304" pitchFamily="18" charset="0"/>
+              </a:rPr>
+              <a:t> </a:t>
+            </a:r>
+            <a:r>
+              <a:rPr lang="en-US" sz="1200" dirty="0" err="1">
+                <a:latin typeface="Times New Roman" panose="02020603050405020304" pitchFamily="18" charset="0"/>
+                <a:cs typeface="Times New Roman" panose="02020603050405020304" pitchFamily="18" charset="0"/>
+              </a:rPr>
+              <a:t>đưa</a:t>
+            </a:r>
+            <a:r>
+              <a:rPr lang="en-US" sz="1200" dirty="0">
+                <a:latin typeface="Times New Roman" panose="02020603050405020304" pitchFamily="18" charset="0"/>
+                <a:cs typeface="Times New Roman" panose="02020603050405020304" pitchFamily="18" charset="0"/>
+              </a:rPr>
+              <a:t> </a:t>
+            </a:r>
+            <a:r>
+              <a:rPr lang="en-US" sz="1200" dirty="0" err="1">
+                <a:latin typeface="Times New Roman" panose="02020603050405020304" pitchFamily="18" charset="0"/>
+                <a:cs typeface="Times New Roman" panose="02020603050405020304" pitchFamily="18" charset="0"/>
+              </a:rPr>
+              <a:t>ra</a:t>
+            </a:r>
+            <a:r>
+              <a:rPr lang="en-US" sz="1200" dirty="0">
+                <a:latin typeface="Times New Roman" panose="02020603050405020304" pitchFamily="18" charset="0"/>
+                <a:cs typeface="Times New Roman" panose="02020603050405020304" pitchFamily="18" charset="0"/>
+              </a:rPr>
+              <a:t> </a:t>
+            </a:r>
+            <a:r>
+              <a:rPr lang="en-US" sz="1200" dirty="0" err="1">
+                <a:latin typeface="Times New Roman" panose="02020603050405020304" pitchFamily="18" charset="0"/>
+                <a:cs typeface="Times New Roman" panose="02020603050405020304" pitchFamily="18" charset="0"/>
+              </a:rPr>
+              <a:t>thông</a:t>
+            </a:r>
+            <a:r>
+              <a:rPr lang="en-US" sz="1200" dirty="0">
+                <a:latin typeface="Times New Roman" panose="02020603050405020304" pitchFamily="18" charset="0"/>
+                <a:cs typeface="Times New Roman" panose="02020603050405020304" pitchFamily="18" charset="0"/>
+              </a:rPr>
+              <a:t> </a:t>
+            </a:r>
+            <a:r>
+              <a:rPr lang="en-US" sz="1200" dirty="0" err="1">
+                <a:latin typeface="Times New Roman" panose="02020603050405020304" pitchFamily="18" charset="0"/>
+                <a:cs typeface="Times New Roman" panose="02020603050405020304" pitchFamily="18" charset="0"/>
+              </a:rPr>
+              <a:t>báo</a:t>
+            </a:r>
+            <a:r>
+              <a:rPr lang="en-US" sz="1200" dirty="0">
+                <a:latin typeface="Times New Roman" panose="02020603050405020304" pitchFamily="18" charset="0"/>
+                <a:cs typeface="Times New Roman" panose="02020603050405020304" pitchFamily="18" charset="0"/>
+              </a:rPr>
+              <a:t> </a:t>
+            </a:r>
+            <a:r>
+              <a:rPr lang="en-US" sz="1200" dirty="0" err="1">
+                <a:latin typeface="Times New Roman" panose="02020603050405020304" pitchFamily="18" charset="0"/>
+                <a:cs typeface="Times New Roman" panose="02020603050405020304" pitchFamily="18" charset="0"/>
+              </a:rPr>
+              <a:t>cho</a:t>
+            </a:r>
+            <a:r>
+              <a:rPr lang="en-US" sz="1200" dirty="0">
+                <a:latin typeface="Times New Roman" panose="02020603050405020304" pitchFamily="18" charset="0"/>
+                <a:cs typeface="Times New Roman" panose="02020603050405020304" pitchFamily="18" charset="0"/>
+              </a:rPr>
+              <a:t> dev/test or dev </a:t>
+            </a:r>
+            <a:r>
+              <a:rPr lang="en-US" sz="1200" dirty="0" err="1">
+                <a:latin typeface="Times New Roman" panose="02020603050405020304" pitchFamily="18" charset="0"/>
+                <a:cs typeface="Times New Roman" panose="02020603050405020304" pitchFamily="18" charset="0"/>
+              </a:rPr>
+              <a:t>có</a:t>
+            </a:r>
+            <a:r>
+              <a:rPr lang="en-US" sz="1200" dirty="0">
+                <a:latin typeface="Times New Roman" panose="02020603050405020304" pitchFamily="18" charset="0"/>
+                <a:cs typeface="Times New Roman" panose="02020603050405020304" pitchFamily="18" charset="0"/>
+              </a:rPr>
+              <a:t> </a:t>
+            </a:r>
+            <a:r>
+              <a:rPr lang="en-US" sz="1200" dirty="0" err="1">
+                <a:latin typeface="Times New Roman" panose="02020603050405020304" pitchFamily="18" charset="0"/>
+                <a:cs typeface="Times New Roman" panose="02020603050405020304" pitchFamily="18" charset="0"/>
+              </a:rPr>
+              <a:t>thể</a:t>
+            </a:r>
+            <a:r>
+              <a:rPr lang="en-US" sz="1200" dirty="0">
+                <a:latin typeface="Times New Roman" panose="02020603050405020304" pitchFamily="18" charset="0"/>
+                <a:cs typeface="Times New Roman" panose="02020603050405020304" pitchFamily="18" charset="0"/>
+              </a:rPr>
+              <a:t> </a:t>
+            </a:r>
+            <a:r>
+              <a:rPr lang="en-US" sz="1200" dirty="0" err="1">
+                <a:latin typeface="Times New Roman" panose="02020603050405020304" pitchFamily="18" charset="0"/>
+                <a:cs typeface="Times New Roman" panose="02020603050405020304" pitchFamily="18" charset="0"/>
+              </a:rPr>
+              <a:t>viết</a:t>
+            </a:r>
+            <a:r>
+              <a:rPr lang="en-US" sz="1200" dirty="0">
+                <a:latin typeface="Times New Roman" panose="02020603050405020304" pitchFamily="18" charset="0"/>
+                <a:cs typeface="Times New Roman" panose="02020603050405020304" pitchFamily="18" charset="0"/>
+              </a:rPr>
+              <a:t> </a:t>
+            </a:r>
+            <a:r>
+              <a:rPr lang="en-US" sz="1200" dirty="0" err="1">
+                <a:latin typeface="Times New Roman" panose="02020603050405020304" pitchFamily="18" charset="0"/>
+                <a:cs typeface="Times New Roman" panose="02020603050405020304" pitchFamily="18" charset="0"/>
+              </a:rPr>
+              <a:t>ra</a:t>
+            </a:r>
+            <a:r>
+              <a:rPr lang="en-US" sz="1200" dirty="0">
+                <a:latin typeface="Times New Roman" panose="02020603050405020304" pitchFamily="18" charset="0"/>
+                <a:cs typeface="Times New Roman" panose="02020603050405020304" pitchFamily="18" charset="0"/>
+              </a:rPr>
+              <a:t> </a:t>
+            </a:r>
+            <a:r>
+              <a:rPr lang="en-US" sz="1200" dirty="0" err="1">
+                <a:latin typeface="Times New Roman" panose="02020603050405020304" pitchFamily="18" charset="0"/>
+                <a:cs typeface="Times New Roman" panose="02020603050405020304" pitchFamily="18" charset="0"/>
+              </a:rPr>
+              <a:t>đoạn</a:t>
+            </a:r>
+            <a:r>
+              <a:rPr lang="en-US" sz="1200" dirty="0">
+                <a:latin typeface="Times New Roman" panose="02020603050405020304" pitchFamily="18" charset="0"/>
+                <a:cs typeface="Times New Roman" panose="02020603050405020304" pitchFamily="18" charset="0"/>
+              </a:rPr>
+              <a:t> </a:t>
+            </a:r>
+            <a:r>
+              <a:rPr lang="en-US" sz="1200" dirty="0" err="1">
+                <a:latin typeface="Times New Roman" panose="02020603050405020304" pitchFamily="18" charset="0"/>
+                <a:cs typeface="Times New Roman" panose="02020603050405020304" pitchFamily="18" charset="0"/>
+              </a:rPr>
+              <a:t>xử</a:t>
+            </a:r>
+            <a:r>
+              <a:rPr lang="en-US" sz="1200" dirty="0">
+                <a:latin typeface="Times New Roman" panose="02020603050405020304" pitchFamily="18" charset="0"/>
+                <a:cs typeface="Times New Roman" panose="02020603050405020304" pitchFamily="18" charset="0"/>
+              </a:rPr>
+              <a:t> </a:t>
+            </a:r>
+            <a:r>
+              <a:rPr lang="en-US" sz="1200" dirty="0" err="1">
+                <a:latin typeface="Times New Roman" panose="02020603050405020304" pitchFamily="18" charset="0"/>
+                <a:cs typeface="Times New Roman" panose="02020603050405020304" pitchFamily="18" charset="0"/>
+              </a:rPr>
+              <a:t>lý</a:t>
+            </a:r>
+            <a:r>
+              <a:rPr lang="en-US" sz="1200" dirty="0">
+                <a:latin typeface="Times New Roman" panose="02020603050405020304" pitchFamily="18" charset="0"/>
+                <a:cs typeface="Times New Roman" panose="02020603050405020304" pitchFamily="18" charset="0"/>
+              </a:rPr>
+              <a:t> </a:t>
+            </a:r>
+            <a:r>
+              <a:rPr lang="en-US" sz="1200" dirty="0" err="1">
+                <a:latin typeface="Times New Roman" panose="02020603050405020304" pitchFamily="18" charset="0"/>
+                <a:cs typeface="Times New Roman" panose="02020603050405020304" pitchFamily="18" charset="0"/>
+              </a:rPr>
+              <a:t>lỗi</a:t>
+            </a:r>
+            <a:r>
+              <a:rPr lang="en-US" sz="1200" dirty="0">
+                <a:latin typeface="Times New Roman" panose="02020603050405020304" pitchFamily="18" charset="0"/>
+                <a:cs typeface="Times New Roman" panose="02020603050405020304" pitchFamily="18" charset="0"/>
+              </a:rPr>
+              <a:t> </a:t>
+            </a:r>
+            <a:r>
+              <a:rPr lang="en-US" sz="1200" dirty="0" err="1">
+                <a:latin typeface="Times New Roman" panose="02020603050405020304" pitchFamily="18" charset="0"/>
+                <a:cs typeface="Times New Roman" panose="02020603050405020304" pitchFamily="18" charset="0"/>
+              </a:rPr>
+              <a:t>cho</a:t>
+            </a:r>
+            <a:r>
+              <a:rPr lang="en-US" sz="1200" dirty="0">
+                <a:latin typeface="Times New Roman" panose="02020603050405020304" pitchFamily="18" charset="0"/>
+                <a:cs typeface="Times New Roman" panose="02020603050405020304" pitchFamily="18" charset="0"/>
+              </a:rPr>
+              <a:t> </a:t>
+            </a:r>
+            <a:r>
+              <a:rPr lang="en-US" sz="1200" dirty="0" err="1">
+                <a:latin typeface="Times New Roman" panose="02020603050405020304" pitchFamily="18" charset="0"/>
+                <a:cs typeface="Times New Roman" panose="02020603050405020304" pitchFamily="18" charset="0"/>
+              </a:rPr>
+              <a:t>phần</a:t>
+            </a:r>
+            <a:r>
+              <a:rPr lang="en-US" sz="1200" dirty="0">
+                <a:latin typeface="Times New Roman" panose="02020603050405020304" pitchFamily="18" charset="0"/>
+                <a:cs typeface="Times New Roman" panose="02020603050405020304" pitchFamily="18" charset="0"/>
+              </a:rPr>
+              <a:t> </a:t>
+            </a:r>
+            <a:r>
+              <a:rPr lang="en-US" sz="1200" dirty="0" err="1">
+                <a:latin typeface="Times New Roman" panose="02020603050405020304" pitchFamily="18" charset="0"/>
+                <a:cs typeface="Times New Roman" panose="02020603050405020304" pitchFamily="18" charset="0"/>
+              </a:rPr>
+              <a:t>codeblock</a:t>
+            </a:r>
+            <a:r>
+              <a:rPr lang="en-US" sz="1200" dirty="0">
+                <a:latin typeface="Times New Roman" panose="02020603050405020304" pitchFamily="18" charset="0"/>
+                <a:cs typeface="Times New Roman" panose="02020603050405020304" pitchFamily="18" charset="0"/>
+              </a:rPr>
+              <a:t> </a:t>
+            </a:r>
+            <a:r>
+              <a:rPr lang="en-US" sz="1200" dirty="0" err="1">
+                <a:latin typeface="Times New Roman" panose="02020603050405020304" pitchFamily="18" charset="0"/>
+                <a:cs typeface="Times New Roman" panose="02020603050405020304" pitchFamily="18" charset="0"/>
+              </a:rPr>
+              <a:t>trong</a:t>
+            </a:r>
+            <a:r>
+              <a:rPr lang="en-US" sz="1200" dirty="0">
+                <a:latin typeface="Times New Roman" panose="02020603050405020304" pitchFamily="18" charset="0"/>
+                <a:cs typeface="Times New Roman" panose="02020603050405020304" pitchFamily="18" charset="0"/>
+              </a:rPr>
+              <a:t> Try </a:t>
+            </a:r>
+            <a:r>
+              <a:rPr lang="en-US" sz="1200" dirty="0" err="1">
+                <a:latin typeface="Times New Roman" panose="02020603050405020304" pitchFamily="18" charset="0"/>
+                <a:cs typeface="Times New Roman" panose="02020603050405020304" pitchFamily="18" charset="0"/>
+              </a:rPr>
+              <a:t>khi</a:t>
+            </a:r>
+            <a:r>
+              <a:rPr lang="en-US" sz="1200" dirty="0">
+                <a:latin typeface="Times New Roman" panose="02020603050405020304" pitchFamily="18" charset="0"/>
+                <a:cs typeface="Times New Roman" panose="02020603050405020304" pitchFamily="18" charset="0"/>
+              </a:rPr>
+              <a:t> </a:t>
+            </a:r>
+            <a:r>
+              <a:rPr lang="en-US" sz="1200" dirty="0" err="1">
+                <a:latin typeface="Times New Roman" panose="02020603050405020304" pitchFamily="18" charset="0"/>
+                <a:cs typeface="Times New Roman" panose="02020603050405020304" pitchFamily="18" charset="0"/>
+              </a:rPr>
+              <a:t>nó</a:t>
+            </a:r>
+            <a:r>
+              <a:rPr lang="en-US" sz="1200" dirty="0">
+                <a:latin typeface="Times New Roman" panose="02020603050405020304" pitchFamily="18" charset="0"/>
+                <a:cs typeface="Times New Roman" panose="02020603050405020304" pitchFamily="18" charset="0"/>
+              </a:rPr>
+              <a:t> </a:t>
+            </a:r>
+            <a:r>
+              <a:rPr lang="en-US" sz="1200" dirty="0" err="1">
+                <a:latin typeface="Times New Roman" panose="02020603050405020304" pitchFamily="18" charset="0"/>
+                <a:cs typeface="Times New Roman" panose="02020603050405020304" pitchFamily="18" charset="0"/>
+              </a:rPr>
+              <a:t>gặp</a:t>
+            </a:r>
+            <a:r>
+              <a:rPr lang="en-US" sz="1200" dirty="0">
+                <a:latin typeface="Times New Roman" panose="02020603050405020304" pitchFamily="18" charset="0"/>
+                <a:cs typeface="Times New Roman" panose="02020603050405020304" pitchFamily="18" charset="0"/>
+              </a:rPr>
+              <a:t> </a:t>
+            </a:r>
+            <a:r>
+              <a:rPr lang="en-US" sz="1200" dirty="0" err="1">
+                <a:latin typeface="Times New Roman" panose="02020603050405020304" pitchFamily="18" charset="0"/>
+                <a:cs typeface="Times New Roman" panose="02020603050405020304" pitchFamily="18" charset="0"/>
+              </a:rPr>
+              <a:t>lỗi</a:t>
+            </a:r>
+            <a:r>
+              <a:rPr lang="en-US" sz="1200" dirty="0">
+                <a:latin typeface="Times New Roman" panose="02020603050405020304" pitchFamily="18" charset="0"/>
+                <a:cs typeface="Times New Roman" panose="02020603050405020304" pitchFamily="18" charset="0"/>
+              </a:rPr>
+              <a:t>; </a:t>
+            </a:r>
+            <a:r>
+              <a:rPr lang="en-US" sz="1200" dirty="0" err="1">
+                <a:latin typeface="Times New Roman" panose="02020603050405020304" pitchFamily="18" charset="0"/>
+                <a:cs typeface="Times New Roman" panose="02020603050405020304" pitchFamily="18" charset="0"/>
+              </a:rPr>
+              <a:t>trong</a:t>
+            </a:r>
+            <a:r>
+              <a:rPr lang="en-US" sz="1200" dirty="0">
+                <a:latin typeface="Times New Roman" panose="02020603050405020304" pitchFamily="18" charset="0"/>
+                <a:cs typeface="Times New Roman" panose="02020603050405020304" pitchFamily="18" charset="0"/>
+              </a:rPr>
+              <a:t> </a:t>
+            </a:r>
+            <a:r>
+              <a:rPr lang="en-US" sz="1200" dirty="0" err="1">
+                <a:latin typeface="Times New Roman" panose="02020603050405020304" pitchFamily="18" charset="0"/>
+                <a:cs typeface="Times New Roman" panose="02020603050405020304" pitchFamily="18" charset="0"/>
+              </a:rPr>
+              <a:t>trường</a:t>
+            </a:r>
+            <a:r>
+              <a:rPr lang="en-US" sz="1200" dirty="0">
+                <a:latin typeface="Times New Roman" panose="02020603050405020304" pitchFamily="18" charset="0"/>
+                <a:cs typeface="Times New Roman" panose="02020603050405020304" pitchFamily="18" charset="0"/>
+              </a:rPr>
+              <a:t> </a:t>
+            </a:r>
+            <a:r>
+              <a:rPr lang="en-US" sz="1200" dirty="0" err="1">
+                <a:latin typeface="Times New Roman" panose="02020603050405020304" pitchFamily="18" charset="0"/>
+                <a:cs typeface="Times New Roman" panose="02020603050405020304" pitchFamily="18" charset="0"/>
+              </a:rPr>
+              <a:t>hợp</a:t>
+            </a:r>
+            <a:r>
+              <a:rPr lang="en-US" sz="1200" dirty="0">
+                <a:latin typeface="Times New Roman" panose="02020603050405020304" pitchFamily="18" charset="0"/>
+                <a:cs typeface="Times New Roman" panose="02020603050405020304" pitchFamily="18" charset="0"/>
+              </a:rPr>
+              <a:t> ko </a:t>
+            </a:r>
+            <a:r>
+              <a:rPr lang="en-US" sz="1200" dirty="0" err="1">
+                <a:latin typeface="Times New Roman" panose="02020603050405020304" pitchFamily="18" charset="0"/>
+                <a:cs typeface="Times New Roman" panose="02020603050405020304" pitchFamily="18" charset="0"/>
+              </a:rPr>
+              <a:t>sử</a:t>
+            </a:r>
+            <a:r>
+              <a:rPr lang="en-US" sz="1200" dirty="0">
+                <a:latin typeface="Times New Roman" panose="02020603050405020304" pitchFamily="18" charset="0"/>
+                <a:cs typeface="Times New Roman" panose="02020603050405020304" pitchFamily="18" charset="0"/>
+              </a:rPr>
+              <a:t> </a:t>
+            </a:r>
+            <a:r>
+              <a:rPr lang="en-US" sz="1200" dirty="0" err="1">
+                <a:latin typeface="Times New Roman" panose="02020603050405020304" pitchFamily="18" charset="0"/>
+                <a:cs typeface="Times New Roman" panose="02020603050405020304" pitchFamily="18" charset="0"/>
+              </a:rPr>
+              <a:t>dụng</a:t>
+            </a:r>
+            <a:r>
+              <a:rPr lang="en-US" sz="1200" dirty="0">
+                <a:latin typeface="Times New Roman" panose="02020603050405020304" pitchFamily="18" charset="0"/>
+                <a:cs typeface="Times New Roman" panose="02020603050405020304" pitchFamily="18" charset="0"/>
+              </a:rPr>
+              <a:t> try </a:t>
+            </a:r>
+            <a:r>
+              <a:rPr lang="en-US" sz="1200" dirty="0" err="1">
+                <a:latin typeface="Times New Roman" panose="02020603050405020304" pitchFamily="18" charset="0"/>
+                <a:cs typeface="Times New Roman" panose="02020603050405020304" pitchFamily="18" charset="0"/>
+              </a:rPr>
+              <a:t>thì</a:t>
+            </a:r>
+            <a:r>
+              <a:rPr lang="en-US" sz="1200" dirty="0">
+                <a:latin typeface="Times New Roman" panose="02020603050405020304" pitchFamily="18" charset="0"/>
+                <a:cs typeface="Times New Roman" panose="02020603050405020304" pitchFamily="18" charset="0"/>
+              </a:rPr>
+              <a:t> </a:t>
+            </a:r>
+            <a:r>
+              <a:rPr lang="en-US" sz="1200" dirty="0" err="1">
+                <a:latin typeface="Times New Roman" panose="02020603050405020304" pitchFamily="18" charset="0"/>
+                <a:cs typeface="Times New Roman" panose="02020603050405020304" pitchFamily="18" charset="0"/>
+              </a:rPr>
+              <a:t>khi</a:t>
+            </a:r>
+            <a:r>
+              <a:rPr lang="en-US" sz="1200" dirty="0">
+                <a:latin typeface="Times New Roman" panose="02020603050405020304" pitchFamily="18" charset="0"/>
+                <a:cs typeface="Times New Roman" panose="02020603050405020304" pitchFamily="18" charset="0"/>
+              </a:rPr>
+              <a:t> </a:t>
+            </a:r>
+            <a:r>
+              <a:rPr lang="en-US" sz="1200" dirty="0" err="1">
+                <a:latin typeface="Times New Roman" panose="02020603050405020304" pitchFamily="18" charset="0"/>
+                <a:cs typeface="Times New Roman" panose="02020603050405020304" pitchFamily="18" charset="0"/>
+              </a:rPr>
+              <a:t>gặp</a:t>
+            </a:r>
+            <a:r>
+              <a:rPr lang="en-US" sz="1200" dirty="0">
+                <a:latin typeface="Times New Roman" panose="02020603050405020304" pitchFamily="18" charset="0"/>
+                <a:cs typeface="Times New Roman" panose="02020603050405020304" pitchFamily="18" charset="0"/>
+              </a:rPr>
+              <a:t> </a:t>
+            </a:r>
+            <a:r>
+              <a:rPr lang="en-US" sz="1200" dirty="0" err="1">
+                <a:latin typeface="Times New Roman" panose="02020603050405020304" pitchFamily="18" charset="0"/>
+                <a:cs typeface="Times New Roman" panose="02020603050405020304" pitchFamily="18" charset="0"/>
+              </a:rPr>
+              <a:t>đoạn</a:t>
+            </a:r>
+            <a:r>
+              <a:rPr lang="en-US" sz="1200" dirty="0">
+                <a:latin typeface="Times New Roman" panose="02020603050405020304" pitchFamily="18" charset="0"/>
+                <a:cs typeface="Times New Roman" panose="02020603050405020304" pitchFamily="18" charset="0"/>
+              </a:rPr>
+              <a:t> code </a:t>
+            </a:r>
+            <a:r>
+              <a:rPr lang="en-US" sz="1200" dirty="0" err="1">
+                <a:latin typeface="Times New Roman" panose="02020603050405020304" pitchFamily="18" charset="0"/>
+                <a:cs typeface="Times New Roman" panose="02020603050405020304" pitchFamily="18" charset="0"/>
+              </a:rPr>
+              <a:t>bị</a:t>
+            </a:r>
+            <a:r>
+              <a:rPr lang="en-US" sz="1200" dirty="0">
+                <a:latin typeface="Times New Roman" panose="02020603050405020304" pitchFamily="18" charset="0"/>
+                <a:cs typeface="Times New Roman" panose="02020603050405020304" pitchFamily="18" charset="0"/>
+              </a:rPr>
+              <a:t> </a:t>
+            </a:r>
+            <a:r>
+              <a:rPr lang="en-US" sz="1200" dirty="0" err="1">
+                <a:latin typeface="Times New Roman" panose="02020603050405020304" pitchFamily="18" charset="0"/>
+                <a:cs typeface="Times New Roman" panose="02020603050405020304" pitchFamily="18" charset="0"/>
+              </a:rPr>
+              <a:t>lỗi</a:t>
+            </a:r>
+            <a:r>
+              <a:rPr lang="en-US" sz="1200" dirty="0">
+                <a:latin typeface="Times New Roman" panose="02020603050405020304" pitchFamily="18" charset="0"/>
+                <a:cs typeface="Times New Roman" panose="02020603050405020304" pitchFamily="18" charset="0"/>
+              </a:rPr>
+              <a:t> </a:t>
+            </a:r>
+            <a:r>
+              <a:rPr lang="en-US" sz="1200" dirty="0" err="1">
+                <a:latin typeface="Times New Roman" panose="02020603050405020304" pitchFamily="18" charset="0"/>
+                <a:cs typeface="Times New Roman" panose="02020603050405020304" pitchFamily="18" charset="0"/>
+              </a:rPr>
+              <a:t>ứng</a:t>
+            </a:r>
+            <a:r>
+              <a:rPr lang="en-US" sz="1200" dirty="0">
+                <a:latin typeface="Times New Roman" panose="02020603050405020304" pitchFamily="18" charset="0"/>
+                <a:cs typeface="Times New Roman" panose="02020603050405020304" pitchFamily="18" charset="0"/>
+              </a:rPr>
+              <a:t> </a:t>
+            </a:r>
+            <a:r>
+              <a:rPr lang="en-US" sz="1200" dirty="0" err="1">
+                <a:latin typeface="Times New Roman" panose="02020603050405020304" pitchFamily="18" charset="0"/>
+                <a:cs typeface="Times New Roman" panose="02020603050405020304" pitchFamily="18" charset="0"/>
+              </a:rPr>
+              <a:t>dụng</a:t>
+            </a:r>
+            <a:r>
+              <a:rPr lang="en-US" sz="1200" dirty="0">
+                <a:latin typeface="Times New Roman" panose="02020603050405020304" pitchFamily="18" charset="0"/>
+                <a:cs typeface="Times New Roman" panose="02020603050405020304" pitchFamily="18" charset="0"/>
+              </a:rPr>
+              <a:t> </a:t>
+            </a:r>
+            <a:r>
+              <a:rPr lang="en-US" sz="1200" dirty="0" err="1">
+                <a:latin typeface="Times New Roman" panose="02020603050405020304" pitchFamily="18" charset="0"/>
+                <a:cs typeface="Times New Roman" panose="02020603050405020304" pitchFamily="18" charset="0"/>
+              </a:rPr>
+              <a:t>sẽ</a:t>
+            </a:r>
+            <a:r>
+              <a:rPr lang="en-US" sz="1200" dirty="0">
+                <a:latin typeface="Times New Roman" panose="02020603050405020304" pitchFamily="18" charset="0"/>
+                <a:cs typeface="Times New Roman" panose="02020603050405020304" pitchFamily="18" charset="0"/>
+              </a:rPr>
+              <a:t> </a:t>
+            </a:r>
+            <a:r>
+              <a:rPr lang="en-US" sz="1200" dirty="0" err="1">
+                <a:latin typeface="Times New Roman" panose="02020603050405020304" pitchFamily="18" charset="0"/>
+                <a:cs typeface="Times New Roman" panose="02020603050405020304" pitchFamily="18" charset="0"/>
+              </a:rPr>
+              <a:t>bị</a:t>
+            </a:r>
+            <a:r>
+              <a:rPr lang="en-US" sz="1200" dirty="0">
+                <a:latin typeface="Times New Roman" panose="02020603050405020304" pitchFamily="18" charset="0"/>
+                <a:cs typeface="Times New Roman" panose="02020603050405020304" pitchFamily="18" charset="0"/>
+              </a:rPr>
+              <a:t> crash</a:t>
+            </a:r>
+          </a:p>
+        </p:txBody>
+      </p:sp>
+      <p:sp>
+        <p:nvSpPr>
+          <p:cNvPr id="8" name="Mũi tên: Phải 7">
+            <a:extLst>
+              <a:ext uri="{FF2B5EF4-FFF2-40B4-BE49-F238E27FC236}">
+                <a16:creationId xmlns:a16="http://schemas.microsoft.com/office/drawing/2014/main" id="{7FC3AF0F-EEBE-4168-A2DF-F50691C51EBC}"/>
+              </a:ext>
+            </a:extLst>
+          </p:cNvPr>
+          <p:cNvSpPr/>
+          <p:nvPr/>
+        </p:nvSpPr>
+        <p:spPr>
+          <a:xfrm>
+            <a:off x="3579043" y="617455"/>
+            <a:ext cx="923827" cy="518476"/>
+          </a:xfrm>
+          <a:prstGeom prst="rightArrow">
+            <a:avLst/>
+          </a:prstGeom>
+        </p:spPr>
+        <p:style>
+          <a:lnRef idx="1">
+            <a:schemeClr val="accent3"/>
+          </a:lnRef>
+          <a:fillRef idx="2">
+            <a:schemeClr val="accent3"/>
+          </a:fillRef>
+          <a:effectRef idx="1">
+            <a:schemeClr val="accent3"/>
+          </a:effectRef>
+          <a:fontRef idx="minor">
+            <a:schemeClr val="dk1"/>
+          </a:fontRef>
+        </p:style>
+        <p:txBody>
+          <a:bodyPr rtlCol="0" anchor="ctr"/>
+          <a:lstStyle/>
+          <a:p>
+            <a:pPr algn="ctr"/>
+            <a:r>
+              <a:rPr lang="en-US" sz="1100" dirty="0"/>
+              <a:t>Syntax</a:t>
+            </a:r>
+          </a:p>
+        </p:txBody>
+      </p:sp>
+      <p:sp>
+        <p:nvSpPr>
+          <p:cNvPr id="9" name="Hình chữ nhật 8">
+            <a:extLst>
+              <a:ext uri="{FF2B5EF4-FFF2-40B4-BE49-F238E27FC236}">
+                <a16:creationId xmlns:a16="http://schemas.microsoft.com/office/drawing/2014/main" id="{881F05DA-86EE-4210-939F-887827BE1A19}"/>
+              </a:ext>
+            </a:extLst>
+          </p:cNvPr>
+          <p:cNvSpPr/>
+          <p:nvPr/>
+        </p:nvSpPr>
+        <p:spPr>
+          <a:xfrm>
+            <a:off x="6843860" y="306682"/>
+            <a:ext cx="4826524" cy="1211033"/>
+          </a:xfrm>
+          <a:prstGeom prst="rect">
+            <a:avLst/>
+          </a:prstGeom>
+        </p:spPr>
+        <p:style>
+          <a:lnRef idx="1">
+            <a:schemeClr val="accent3"/>
+          </a:lnRef>
+          <a:fillRef idx="2">
+            <a:schemeClr val="accent3"/>
+          </a:fillRef>
+          <a:effectRef idx="1">
+            <a:schemeClr val="accent3"/>
+          </a:effectRef>
+          <a:fontRef idx="minor">
+            <a:schemeClr val="dk1"/>
+          </a:fontRef>
+        </p:style>
+        <p:txBody>
+          <a:bodyPr rtlCol="0" anchor="ctr"/>
+          <a:lstStyle/>
+          <a:p>
+            <a:pPr algn="ctr"/>
+            <a:r>
+              <a:rPr lang="en-US" sz="1200" dirty="0" err="1">
+                <a:latin typeface="Times New Roman" panose="02020603050405020304" pitchFamily="18" charset="0"/>
+                <a:cs typeface="Times New Roman" panose="02020603050405020304" pitchFamily="18" charset="0"/>
+              </a:rPr>
+              <a:t>Trong</a:t>
+            </a:r>
+            <a:r>
+              <a:rPr lang="en-US" sz="1200" dirty="0">
+                <a:latin typeface="Times New Roman" panose="02020603050405020304" pitchFamily="18" charset="0"/>
+                <a:cs typeface="Times New Roman" panose="02020603050405020304" pitchFamily="18" charset="0"/>
+              </a:rPr>
+              <a:t> </a:t>
+            </a:r>
+            <a:r>
+              <a:rPr lang="en-US" sz="1200" dirty="0" err="1">
+                <a:latin typeface="Times New Roman" panose="02020603050405020304" pitchFamily="18" charset="0"/>
+                <a:cs typeface="Times New Roman" panose="02020603050405020304" pitchFamily="18" charset="0"/>
+              </a:rPr>
+              <a:t>thực</a:t>
+            </a:r>
+            <a:r>
+              <a:rPr lang="en-US" sz="1200" dirty="0">
+                <a:latin typeface="Times New Roman" panose="02020603050405020304" pitchFamily="18" charset="0"/>
+                <a:cs typeface="Times New Roman" panose="02020603050405020304" pitchFamily="18" charset="0"/>
+              </a:rPr>
+              <a:t> </a:t>
+            </a:r>
+            <a:r>
+              <a:rPr lang="en-US" sz="1200" dirty="0" err="1">
+                <a:latin typeface="Times New Roman" panose="02020603050405020304" pitchFamily="18" charset="0"/>
+                <a:cs typeface="Times New Roman" panose="02020603050405020304" pitchFamily="18" charset="0"/>
+              </a:rPr>
+              <a:t>tế</a:t>
+            </a:r>
+            <a:r>
+              <a:rPr lang="en-US" sz="1200" dirty="0">
+                <a:latin typeface="Times New Roman" panose="02020603050405020304" pitchFamily="18" charset="0"/>
+                <a:cs typeface="Times New Roman" panose="02020603050405020304" pitchFamily="18" charset="0"/>
+              </a:rPr>
+              <a:t>, </a:t>
+            </a:r>
+            <a:r>
+              <a:rPr lang="en-US" sz="1200" dirty="0" err="1">
+                <a:latin typeface="Times New Roman" panose="02020603050405020304" pitchFamily="18" charset="0"/>
+                <a:cs typeface="Times New Roman" panose="02020603050405020304" pitchFamily="18" charset="0"/>
+              </a:rPr>
+              <a:t>chúng</a:t>
+            </a:r>
+            <a:r>
+              <a:rPr lang="en-US" sz="1200" dirty="0">
+                <a:latin typeface="Times New Roman" panose="02020603050405020304" pitchFamily="18" charset="0"/>
+                <a:cs typeface="Times New Roman" panose="02020603050405020304" pitchFamily="18" charset="0"/>
+              </a:rPr>
+              <a:t> ta </a:t>
+            </a:r>
+            <a:r>
+              <a:rPr lang="en-US" sz="1200" dirty="0" err="1">
+                <a:latin typeface="Times New Roman" panose="02020603050405020304" pitchFamily="18" charset="0"/>
+                <a:cs typeface="Times New Roman" panose="02020603050405020304" pitchFamily="18" charset="0"/>
+              </a:rPr>
+              <a:t>có</a:t>
+            </a:r>
+            <a:r>
+              <a:rPr lang="en-US" sz="1200" dirty="0">
+                <a:latin typeface="Times New Roman" panose="02020603050405020304" pitchFamily="18" charset="0"/>
+                <a:cs typeface="Times New Roman" panose="02020603050405020304" pitchFamily="18" charset="0"/>
+              </a:rPr>
+              <a:t> </a:t>
+            </a:r>
+            <a:r>
+              <a:rPr lang="en-US" sz="1200" dirty="0" err="1">
+                <a:latin typeface="Times New Roman" panose="02020603050405020304" pitchFamily="18" charset="0"/>
+                <a:cs typeface="Times New Roman" panose="02020603050405020304" pitchFamily="18" charset="0"/>
+              </a:rPr>
+              <a:t>thể</a:t>
+            </a:r>
+            <a:r>
+              <a:rPr lang="en-US" sz="1200" dirty="0">
+                <a:latin typeface="Times New Roman" panose="02020603050405020304" pitchFamily="18" charset="0"/>
+                <a:cs typeface="Times New Roman" panose="02020603050405020304" pitchFamily="18" charset="0"/>
+              </a:rPr>
+              <a:t> </a:t>
+            </a:r>
+            <a:r>
+              <a:rPr lang="en-US" sz="1200" dirty="0" err="1">
+                <a:latin typeface="Times New Roman" panose="02020603050405020304" pitchFamily="18" charset="0"/>
+                <a:cs typeface="Times New Roman" panose="02020603050405020304" pitchFamily="18" charset="0"/>
+              </a:rPr>
+              <a:t>dự</a:t>
+            </a:r>
+            <a:r>
+              <a:rPr lang="en-US" sz="1200" dirty="0">
+                <a:latin typeface="Times New Roman" panose="02020603050405020304" pitchFamily="18" charset="0"/>
+                <a:cs typeface="Times New Roman" panose="02020603050405020304" pitchFamily="18" charset="0"/>
+              </a:rPr>
+              <a:t> </a:t>
+            </a:r>
+            <a:r>
+              <a:rPr lang="en-US" sz="1200" dirty="0" err="1">
+                <a:latin typeface="Times New Roman" panose="02020603050405020304" pitchFamily="18" charset="0"/>
+                <a:cs typeface="Times New Roman" panose="02020603050405020304" pitchFamily="18" charset="0"/>
+              </a:rPr>
+              <a:t>đoán</a:t>
+            </a:r>
+            <a:r>
+              <a:rPr lang="en-US" sz="1200" dirty="0">
+                <a:latin typeface="Times New Roman" panose="02020603050405020304" pitchFamily="18" charset="0"/>
+                <a:cs typeface="Times New Roman" panose="02020603050405020304" pitchFamily="18" charset="0"/>
+              </a:rPr>
+              <a:t> </a:t>
+            </a:r>
+            <a:r>
+              <a:rPr lang="en-US" sz="1200" dirty="0" err="1">
+                <a:latin typeface="Times New Roman" panose="02020603050405020304" pitchFamily="18" charset="0"/>
+                <a:cs typeface="Times New Roman" panose="02020603050405020304" pitchFamily="18" charset="0"/>
+              </a:rPr>
+              <a:t>ra</a:t>
+            </a:r>
+            <a:r>
+              <a:rPr lang="en-US" sz="1200" dirty="0">
+                <a:latin typeface="Times New Roman" panose="02020603050405020304" pitchFamily="18" charset="0"/>
+                <a:cs typeface="Times New Roman" panose="02020603050405020304" pitchFamily="18" charset="0"/>
+              </a:rPr>
+              <a:t> </a:t>
+            </a:r>
+            <a:r>
+              <a:rPr lang="en-US" sz="1200" dirty="0" err="1">
+                <a:latin typeface="Times New Roman" panose="02020603050405020304" pitchFamily="18" charset="0"/>
+                <a:cs typeface="Times New Roman" panose="02020603050405020304" pitchFamily="18" charset="0"/>
+              </a:rPr>
+              <a:t>được</a:t>
+            </a:r>
+            <a:r>
+              <a:rPr lang="en-US" sz="1200" dirty="0">
+                <a:latin typeface="Times New Roman" panose="02020603050405020304" pitchFamily="18" charset="0"/>
+                <a:cs typeface="Times New Roman" panose="02020603050405020304" pitchFamily="18" charset="0"/>
+              </a:rPr>
+              <a:t> </a:t>
+            </a:r>
+            <a:r>
+              <a:rPr lang="en-US" sz="1200" dirty="0" err="1">
+                <a:latin typeface="Times New Roman" panose="02020603050405020304" pitchFamily="18" charset="0"/>
+                <a:cs typeface="Times New Roman" panose="02020603050405020304" pitchFamily="18" charset="0"/>
+              </a:rPr>
+              <a:t>trước</a:t>
+            </a:r>
+            <a:r>
+              <a:rPr lang="en-US" sz="1200" dirty="0">
+                <a:latin typeface="Times New Roman" panose="02020603050405020304" pitchFamily="18" charset="0"/>
+                <a:cs typeface="Times New Roman" panose="02020603050405020304" pitchFamily="18" charset="0"/>
+              </a:rPr>
+              <a:t> </a:t>
+            </a:r>
+            <a:r>
+              <a:rPr lang="en-US" sz="1200" dirty="0" err="1">
+                <a:latin typeface="Times New Roman" panose="02020603050405020304" pitchFamily="18" charset="0"/>
+                <a:cs typeface="Times New Roman" panose="02020603050405020304" pitchFamily="18" charset="0"/>
+              </a:rPr>
+              <a:t>đoạn</a:t>
+            </a:r>
+            <a:r>
+              <a:rPr lang="en-US" sz="1200" dirty="0">
+                <a:latin typeface="Times New Roman" panose="02020603050405020304" pitchFamily="18" charset="0"/>
+                <a:cs typeface="Times New Roman" panose="02020603050405020304" pitchFamily="18" charset="0"/>
+              </a:rPr>
+              <a:t> code </a:t>
+            </a:r>
+            <a:r>
+              <a:rPr lang="en-US" sz="1200" dirty="0" err="1">
+                <a:latin typeface="Times New Roman" panose="02020603050405020304" pitchFamily="18" charset="0"/>
+                <a:cs typeface="Times New Roman" panose="02020603050405020304" pitchFamily="18" charset="0"/>
+              </a:rPr>
+              <a:t>ấy</a:t>
+            </a:r>
+            <a:r>
+              <a:rPr lang="en-US" sz="1200" dirty="0">
+                <a:latin typeface="Times New Roman" panose="02020603050405020304" pitchFamily="18" charset="0"/>
+                <a:cs typeface="Times New Roman" panose="02020603050405020304" pitchFamily="18" charset="0"/>
+              </a:rPr>
+              <a:t> </a:t>
+            </a:r>
+            <a:r>
+              <a:rPr lang="en-US" sz="1200" dirty="0" err="1">
+                <a:latin typeface="Times New Roman" panose="02020603050405020304" pitchFamily="18" charset="0"/>
+                <a:cs typeface="Times New Roman" panose="02020603050405020304" pitchFamily="18" charset="0"/>
+              </a:rPr>
+              <a:t>có</a:t>
+            </a:r>
+            <a:r>
+              <a:rPr lang="en-US" sz="1200" dirty="0">
+                <a:latin typeface="Times New Roman" panose="02020603050405020304" pitchFamily="18" charset="0"/>
+                <a:cs typeface="Times New Roman" panose="02020603050405020304" pitchFamily="18" charset="0"/>
+              </a:rPr>
+              <a:t> </a:t>
+            </a:r>
+            <a:r>
+              <a:rPr lang="en-US" sz="1200" dirty="0" err="1">
+                <a:latin typeface="Times New Roman" panose="02020603050405020304" pitchFamily="18" charset="0"/>
+                <a:cs typeface="Times New Roman" panose="02020603050405020304" pitchFamily="18" charset="0"/>
+              </a:rPr>
+              <a:t>thể</a:t>
+            </a:r>
+            <a:r>
+              <a:rPr lang="en-US" sz="1200" dirty="0">
+                <a:latin typeface="Times New Roman" panose="02020603050405020304" pitchFamily="18" charset="0"/>
+                <a:cs typeface="Times New Roman" panose="02020603050405020304" pitchFamily="18" charset="0"/>
+              </a:rPr>
+              <a:t> </a:t>
+            </a:r>
+            <a:r>
+              <a:rPr lang="en-US" sz="1200" dirty="0" err="1">
+                <a:latin typeface="Times New Roman" panose="02020603050405020304" pitchFamily="18" charset="0"/>
+                <a:cs typeface="Times New Roman" panose="02020603050405020304" pitchFamily="18" charset="0"/>
+              </a:rPr>
+              <a:t>gặp</a:t>
+            </a:r>
+            <a:r>
+              <a:rPr lang="en-US" sz="1200" dirty="0">
+                <a:latin typeface="Times New Roman" panose="02020603050405020304" pitchFamily="18" charset="0"/>
+                <a:cs typeface="Times New Roman" panose="02020603050405020304" pitchFamily="18" charset="0"/>
+              </a:rPr>
+              <a:t> </a:t>
+            </a:r>
+            <a:r>
+              <a:rPr lang="en-US" sz="1200" dirty="0" err="1">
+                <a:latin typeface="Times New Roman" panose="02020603050405020304" pitchFamily="18" charset="0"/>
+                <a:cs typeface="Times New Roman" panose="02020603050405020304" pitchFamily="18" charset="0"/>
+              </a:rPr>
+              <a:t>lỗi</a:t>
+            </a:r>
+            <a:r>
+              <a:rPr lang="en-US" sz="1200" dirty="0">
+                <a:latin typeface="Times New Roman" panose="02020603050405020304" pitchFamily="18" charset="0"/>
+                <a:cs typeface="Times New Roman" panose="02020603050405020304" pitchFamily="18" charset="0"/>
+              </a:rPr>
+              <a:t> </a:t>
+            </a:r>
+            <a:r>
+              <a:rPr lang="en-US" sz="1200" dirty="0" err="1">
+                <a:latin typeface="Times New Roman" panose="02020603050405020304" pitchFamily="18" charset="0"/>
+                <a:cs typeface="Times New Roman" panose="02020603050405020304" pitchFamily="18" charset="0"/>
+              </a:rPr>
+              <a:t>và</a:t>
+            </a:r>
+            <a:r>
+              <a:rPr lang="en-US" sz="1200" dirty="0">
+                <a:latin typeface="Times New Roman" panose="02020603050405020304" pitchFamily="18" charset="0"/>
+                <a:cs typeface="Times New Roman" panose="02020603050405020304" pitchFamily="18" charset="0"/>
+              </a:rPr>
+              <a:t> </a:t>
+            </a:r>
+            <a:r>
+              <a:rPr lang="en-US" sz="1200" dirty="0" err="1">
+                <a:latin typeface="Times New Roman" panose="02020603050405020304" pitchFamily="18" charset="0"/>
+                <a:cs typeface="Times New Roman" panose="02020603050405020304" pitchFamily="18" charset="0"/>
+              </a:rPr>
+              <a:t>đã</a:t>
+            </a:r>
+            <a:r>
+              <a:rPr lang="en-US" sz="1200" dirty="0">
+                <a:latin typeface="Times New Roman" panose="02020603050405020304" pitchFamily="18" charset="0"/>
+                <a:cs typeface="Times New Roman" panose="02020603050405020304" pitchFamily="18" charset="0"/>
+              </a:rPr>
+              <a:t> </a:t>
+            </a:r>
+            <a:r>
+              <a:rPr lang="en-US" sz="1200" dirty="0" err="1">
+                <a:latin typeface="Times New Roman" panose="02020603050405020304" pitchFamily="18" charset="0"/>
+                <a:cs typeface="Times New Roman" panose="02020603050405020304" pitchFamily="18" charset="0"/>
+              </a:rPr>
+              <a:t>có</a:t>
+            </a:r>
+            <a:r>
+              <a:rPr lang="en-US" sz="1200" dirty="0">
+                <a:latin typeface="Times New Roman" panose="02020603050405020304" pitchFamily="18" charset="0"/>
+                <a:cs typeface="Times New Roman" panose="02020603050405020304" pitchFamily="18" charset="0"/>
+              </a:rPr>
+              <a:t> </a:t>
+            </a:r>
+            <a:r>
+              <a:rPr lang="en-US" sz="1200" dirty="0" err="1">
+                <a:latin typeface="Times New Roman" panose="02020603050405020304" pitchFamily="18" charset="0"/>
+                <a:cs typeface="Times New Roman" panose="02020603050405020304" pitchFamily="18" charset="0"/>
+              </a:rPr>
+              <a:t>cách</a:t>
+            </a:r>
+            <a:r>
+              <a:rPr lang="en-US" sz="1200" dirty="0">
+                <a:latin typeface="Times New Roman" panose="02020603050405020304" pitchFamily="18" charset="0"/>
+                <a:cs typeface="Times New Roman" panose="02020603050405020304" pitchFamily="18" charset="0"/>
+              </a:rPr>
+              <a:t> </a:t>
+            </a:r>
+            <a:r>
+              <a:rPr lang="en-US" sz="1200" dirty="0" err="1">
+                <a:latin typeface="Times New Roman" panose="02020603050405020304" pitchFamily="18" charset="0"/>
+                <a:cs typeface="Times New Roman" panose="02020603050405020304" pitchFamily="18" charset="0"/>
+              </a:rPr>
+              <a:t>xử</a:t>
+            </a:r>
+            <a:r>
+              <a:rPr lang="en-US" sz="1200" dirty="0">
+                <a:latin typeface="Times New Roman" panose="02020603050405020304" pitchFamily="18" charset="0"/>
+                <a:cs typeface="Times New Roman" panose="02020603050405020304" pitchFamily="18" charset="0"/>
+              </a:rPr>
+              <a:t> </a:t>
+            </a:r>
+            <a:r>
+              <a:rPr lang="en-US" sz="1200" dirty="0" err="1">
+                <a:latin typeface="Times New Roman" panose="02020603050405020304" pitchFamily="18" charset="0"/>
+                <a:cs typeface="Times New Roman" panose="02020603050405020304" pitchFamily="18" charset="0"/>
+              </a:rPr>
+              <a:t>lý</a:t>
+            </a:r>
+            <a:r>
+              <a:rPr lang="en-US" sz="1200" dirty="0">
+                <a:latin typeface="Times New Roman" panose="02020603050405020304" pitchFamily="18" charset="0"/>
+                <a:cs typeface="Times New Roman" panose="02020603050405020304" pitchFamily="18" charset="0"/>
+              </a:rPr>
+              <a:t> </a:t>
+            </a:r>
+            <a:r>
+              <a:rPr lang="en-US" sz="1200" dirty="0" err="1">
+                <a:latin typeface="Times New Roman" panose="02020603050405020304" pitchFamily="18" charset="0"/>
+                <a:cs typeface="Times New Roman" panose="02020603050405020304" pitchFamily="18" charset="0"/>
+              </a:rPr>
+              <a:t>nhưng</a:t>
+            </a:r>
+            <a:r>
+              <a:rPr lang="en-US" sz="1200" dirty="0">
+                <a:latin typeface="Times New Roman" panose="02020603050405020304" pitchFamily="18" charset="0"/>
+                <a:cs typeface="Times New Roman" panose="02020603050405020304" pitchFamily="18" charset="0"/>
+              </a:rPr>
+              <a:t> TH </a:t>
+            </a:r>
+            <a:r>
+              <a:rPr lang="en-US" sz="1200" dirty="0" err="1">
+                <a:latin typeface="Times New Roman" panose="02020603050405020304" pitchFamily="18" charset="0"/>
+                <a:cs typeface="Times New Roman" panose="02020603050405020304" pitchFamily="18" charset="0"/>
+              </a:rPr>
+              <a:t>ấy</a:t>
+            </a:r>
+            <a:r>
+              <a:rPr lang="en-US" sz="1200" dirty="0">
+                <a:latin typeface="Times New Roman" panose="02020603050405020304" pitchFamily="18" charset="0"/>
+                <a:cs typeface="Times New Roman" panose="02020603050405020304" pitchFamily="18" charset="0"/>
+              </a:rPr>
+              <a:t> </a:t>
+            </a:r>
+            <a:r>
+              <a:rPr lang="en-US" sz="1200" dirty="0" err="1">
+                <a:latin typeface="Times New Roman" panose="02020603050405020304" pitchFamily="18" charset="0"/>
+                <a:cs typeface="Times New Roman" panose="02020603050405020304" pitchFamily="18" charset="0"/>
+              </a:rPr>
+              <a:t>chỉ</a:t>
+            </a:r>
+            <a:r>
+              <a:rPr lang="en-US" sz="1200" dirty="0">
+                <a:latin typeface="Times New Roman" panose="02020603050405020304" pitchFamily="18" charset="0"/>
+                <a:cs typeface="Times New Roman" panose="02020603050405020304" pitchFamily="18" charset="0"/>
+              </a:rPr>
+              <a:t> </a:t>
+            </a:r>
+            <a:r>
+              <a:rPr lang="en-US" sz="1200" dirty="0" err="1">
+                <a:latin typeface="Times New Roman" panose="02020603050405020304" pitchFamily="18" charset="0"/>
+                <a:cs typeface="Times New Roman" panose="02020603050405020304" pitchFamily="18" charset="0"/>
+              </a:rPr>
+              <a:t>chiếm</a:t>
+            </a:r>
+            <a:r>
+              <a:rPr lang="en-US" sz="1200" dirty="0">
+                <a:latin typeface="Times New Roman" panose="02020603050405020304" pitchFamily="18" charset="0"/>
+                <a:cs typeface="Times New Roman" panose="02020603050405020304" pitchFamily="18" charset="0"/>
+              </a:rPr>
+              <a:t> 0.1%-1%, </a:t>
+            </a:r>
+            <a:r>
+              <a:rPr lang="en-US" sz="1200" dirty="0" err="1">
+                <a:latin typeface="Times New Roman" panose="02020603050405020304" pitchFamily="18" charset="0"/>
+                <a:cs typeface="Times New Roman" panose="02020603050405020304" pitchFamily="18" charset="0"/>
+              </a:rPr>
+              <a:t>đồng</a:t>
+            </a:r>
+            <a:r>
+              <a:rPr lang="en-US" sz="1200" dirty="0">
+                <a:latin typeface="Times New Roman" panose="02020603050405020304" pitchFamily="18" charset="0"/>
+                <a:cs typeface="Times New Roman" panose="02020603050405020304" pitchFamily="18" charset="0"/>
+              </a:rPr>
+              <a:t> </a:t>
+            </a:r>
+            <a:r>
+              <a:rPr lang="en-US" sz="1200" dirty="0" err="1">
+                <a:latin typeface="Times New Roman" panose="02020603050405020304" pitchFamily="18" charset="0"/>
+                <a:cs typeface="Times New Roman" panose="02020603050405020304" pitchFamily="18" charset="0"/>
+              </a:rPr>
+              <a:t>thời</a:t>
+            </a:r>
+            <a:r>
+              <a:rPr lang="en-US" sz="1200" dirty="0">
+                <a:latin typeface="Times New Roman" panose="02020603050405020304" pitchFamily="18" charset="0"/>
+                <a:cs typeface="Times New Roman" panose="02020603050405020304" pitchFamily="18" charset="0"/>
+              </a:rPr>
+              <a:t> </a:t>
+            </a:r>
+            <a:r>
+              <a:rPr lang="en-US" sz="1200" dirty="0" err="1">
+                <a:latin typeface="Times New Roman" panose="02020603050405020304" pitchFamily="18" charset="0"/>
+                <a:cs typeface="Times New Roman" panose="02020603050405020304" pitchFamily="18" charset="0"/>
+              </a:rPr>
+              <a:t>để</a:t>
+            </a:r>
+            <a:r>
+              <a:rPr lang="en-US" sz="1200" dirty="0">
+                <a:latin typeface="Times New Roman" panose="02020603050405020304" pitchFamily="18" charset="0"/>
+                <a:cs typeface="Times New Roman" panose="02020603050405020304" pitchFamily="18" charset="0"/>
+              </a:rPr>
+              <a:t> </a:t>
+            </a:r>
+            <a:r>
+              <a:rPr lang="en-US" sz="1200" dirty="0" err="1">
+                <a:latin typeface="Times New Roman" panose="02020603050405020304" pitchFamily="18" charset="0"/>
+                <a:cs typeface="Times New Roman" panose="02020603050405020304" pitchFamily="18" charset="0"/>
+              </a:rPr>
+              <a:t>xử</a:t>
+            </a:r>
+            <a:r>
+              <a:rPr lang="en-US" sz="1200" dirty="0">
+                <a:latin typeface="Times New Roman" panose="02020603050405020304" pitchFamily="18" charset="0"/>
+                <a:cs typeface="Times New Roman" panose="02020603050405020304" pitchFamily="18" charset="0"/>
+              </a:rPr>
+              <a:t> </a:t>
+            </a:r>
+            <a:r>
+              <a:rPr lang="en-US" sz="1200" dirty="0" err="1">
+                <a:latin typeface="Times New Roman" panose="02020603050405020304" pitchFamily="18" charset="0"/>
+                <a:cs typeface="Times New Roman" panose="02020603050405020304" pitchFamily="18" charset="0"/>
+              </a:rPr>
+              <a:t>lý</a:t>
+            </a:r>
+            <a:r>
+              <a:rPr lang="en-US" sz="1200" dirty="0">
+                <a:latin typeface="Times New Roman" panose="02020603050405020304" pitchFamily="18" charset="0"/>
+                <a:cs typeface="Times New Roman" panose="02020603050405020304" pitchFamily="18" charset="0"/>
+              </a:rPr>
+              <a:t> </a:t>
+            </a:r>
+            <a:r>
+              <a:rPr lang="en-US" sz="1200" dirty="0" err="1">
+                <a:latin typeface="Times New Roman" panose="02020603050405020304" pitchFamily="18" charset="0"/>
+                <a:cs typeface="Times New Roman" panose="02020603050405020304" pitchFamily="18" charset="0"/>
+              </a:rPr>
+              <a:t>đoạn</a:t>
+            </a:r>
+            <a:r>
+              <a:rPr lang="en-US" sz="1200" dirty="0">
+                <a:latin typeface="Times New Roman" panose="02020603050405020304" pitchFamily="18" charset="0"/>
+                <a:cs typeface="Times New Roman" panose="02020603050405020304" pitchFamily="18" charset="0"/>
+              </a:rPr>
+              <a:t> code </a:t>
+            </a:r>
+            <a:r>
+              <a:rPr lang="en-US" sz="1200" dirty="0" err="1">
+                <a:latin typeface="Times New Roman" panose="02020603050405020304" pitchFamily="18" charset="0"/>
+                <a:cs typeface="Times New Roman" panose="02020603050405020304" pitchFamily="18" charset="0"/>
+              </a:rPr>
+              <a:t>đó</a:t>
+            </a:r>
+            <a:r>
+              <a:rPr lang="en-US" sz="1200" dirty="0">
+                <a:latin typeface="Times New Roman" panose="02020603050405020304" pitchFamily="18" charset="0"/>
+                <a:cs typeface="Times New Roman" panose="02020603050405020304" pitchFamily="18" charset="0"/>
+              </a:rPr>
+              <a:t> </a:t>
+            </a:r>
+            <a:r>
+              <a:rPr lang="en-US" sz="1200" dirty="0" err="1">
+                <a:latin typeface="Times New Roman" panose="02020603050405020304" pitchFamily="18" charset="0"/>
+                <a:cs typeface="Times New Roman" panose="02020603050405020304" pitchFamily="18" charset="0"/>
+              </a:rPr>
+              <a:t>có</a:t>
+            </a:r>
+            <a:r>
+              <a:rPr lang="en-US" sz="1200" dirty="0">
+                <a:latin typeface="Times New Roman" panose="02020603050405020304" pitchFamily="18" charset="0"/>
+                <a:cs typeface="Times New Roman" panose="02020603050405020304" pitchFamily="18" charset="0"/>
+              </a:rPr>
+              <a:t> </a:t>
+            </a:r>
+            <a:r>
+              <a:rPr lang="en-US" sz="1200" dirty="0" err="1">
+                <a:latin typeface="Times New Roman" panose="02020603050405020304" pitchFamily="18" charset="0"/>
+                <a:cs typeface="Times New Roman" panose="02020603050405020304" pitchFamily="18" charset="0"/>
+              </a:rPr>
+              <a:t>thể</a:t>
+            </a:r>
+            <a:r>
+              <a:rPr lang="en-US" sz="1200" dirty="0">
+                <a:latin typeface="Times New Roman" panose="02020603050405020304" pitchFamily="18" charset="0"/>
+                <a:cs typeface="Times New Roman" panose="02020603050405020304" pitchFamily="18" charset="0"/>
+              </a:rPr>
+              <a:t> </a:t>
+            </a:r>
+            <a:r>
+              <a:rPr lang="en-US" sz="1200" dirty="0" err="1">
+                <a:latin typeface="Times New Roman" panose="02020603050405020304" pitchFamily="18" charset="0"/>
+                <a:cs typeface="Times New Roman" panose="02020603050405020304" pitchFamily="18" charset="0"/>
+              </a:rPr>
+              <a:t>gây</a:t>
+            </a:r>
+            <a:r>
+              <a:rPr lang="en-US" sz="1200" dirty="0">
+                <a:latin typeface="Times New Roman" panose="02020603050405020304" pitchFamily="18" charset="0"/>
+                <a:cs typeface="Times New Roman" panose="02020603050405020304" pitchFamily="18" charset="0"/>
+              </a:rPr>
+              <a:t> </a:t>
+            </a:r>
+            <a:r>
+              <a:rPr lang="en-US" sz="1200" dirty="0" err="1">
+                <a:latin typeface="Times New Roman" panose="02020603050405020304" pitchFamily="18" charset="0"/>
+                <a:cs typeface="Times New Roman" panose="02020603050405020304" pitchFamily="18" charset="0"/>
+              </a:rPr>
+              <a:t>chậm</a:t>
+            </a:r>
+            <a:r>
+              <a:rPr lang="en-US" sz="1200" dirty="0">
+                <a:latin typeface="Times New Roman" panose="02020603050405020304" pitchFamily="18" charset="0"/>
+                <a:cs typeface="Times New Roman" panose="02020603050405020304" pitchFamily="18" charset="0"/>
+              </a:rPr>
+              <a:t> app, </a:t>
+            </a:r>
+            <a:r>
+              <a:rPr lang="en-US" sz="1200" dirty="0" err="1">
+                <a:latin typeface="Times New Roman" panose="02020603050405020304" pitchFamily="18" charset="0"/>
+                <a:cs typeface="Times New Roman" panose="02020603050405020304" pitchFamily="18" charset="0"/>
+              </a:rPr>
+              <a:t>tốn</a:t>
+            </a:r>
+            <a:r>
+              <a:rPr lang="en-US" sz="1200" dirty="0">
+                <a:latin typeface="Times New Roman" panose="02020603050405020304" pitchFamily="18" charset="0"/>
+                <a:cs typeface="Times New Roman" panose="02020603050405020304" pitchFamily="18" charset="0"/>
+              </a:rPr>
+              <a:t> performance. Do </a:t>
+            </a:r>
+            <a:r>
+              <a:rPr lang="en-US" sz="1200" dirty="0" err="1">
+                <a:latin typeface="Times New Roman" panose="02020603050405020304" pitchFamily="18" charset="0"/>
+                <a:cs typeface="Times New Roman" panose="02020603050405020304" pitchFamily="18" charset="0"/>
+              </a:rPr>
+              <a:t>đó</a:t>
+            </a:r>
+            <a:r>
+              <a:rPr lang="en-US" sz="1200" dirty="0">
+                <a:latin typeface="Times New Roman" panose="02020603050405020304" pitchFamily="18" charset="0"/>
+                <a:cs typeface="Times New Roman" panose="02020603050405020304" pitchFamily="18" charset="0"/>
+              </a:rPr>
+              <a:t> </a:t>
+            </a:r>
+            <a:r>
+              <a:rPr lang="en-US" sz="1200" dirty="0" err="1">
+                <a:latin typeface="Times New Roman" panose="02020603050405020304" pitchFamily="18" charset="0"/>
+                <a:cs typeface="Times New Roman" panose="02020603050405020304" pitchFamily="18" charset="0"/>
+              </a:rPr>
+              <a:t>thay</a:t>
+            </a:r>
+            <a:r>
+              <a:rPr lang="en-US" sz="1200" dirty="0">
+                <a:latin typeface="Times New Roman" panose="02020603050405020304" pitchFamily="18" charset="0"/>
+                <a:cs typeface="Times New Roman" panose="02020603050405020304" pitchFamily="18" charset="0"/>
+              </a:rPr>
+              <a:t> </a:t>
+            </a:r>
+            <a:r>
+              <a:rPr lang="en-US" sz="1200" dirty="0" err="1">
+                <a:latin typeface="Times New Roman" panose="02020603050405020304" pitchFamily="18" charset="0"/>
+                <a:cs typeface="Times New Roman" panose="02020603050405020304" pitchFamily="18" charset="0"/>
+              </a:rPr>
+              <a:t>vì</a:t>
+            </a:r>
+            <a:r>
+              <a:rPr lang="en-US" sz="1200" dirty="0">
+                <a:latin typeface="Times New Roman" panose="02020603050405020304" pitchFamily="18" charset="0"/>
+                <a:cs typeface="Times New Roman" panose="02020603050405020304" pitchFamily="18" charset="0"/>
+              </a:rPr>
+              <a:t> </a:t>
+            </a:r>
+            <a:r>
+              <a:rPr lang="en-US" sz="1200" dirty="0" err="1">
+                <a:latin typeface="Times New Roman" panose="02020603050405020304" pitchFamily="18" charset="0"/>
+                <a:cs typeface="Times New Roman" panose="02020603050405020304" pitchFamily="18" charset="0"/>
+              </a:rPr>
+              <a:t>chúng</a:t>
+            </a:r>
+            <a:r>
+              <a:rPr lang="en-US" sz="1200" dirty="0">
+                <a:latin typeface="Times New Roman" panose="02020603050405020304" pitchFamily="18" charset="0"/>
+                <a:cs typeface="Times New Roman" panose="02020603050405020304" pitchFamily="18" charset="0"/>
+              </a:rPr>
+              <a:t> ta </a:t>
+            </a:r>
+            <a:r>
+              <a:rPr lang="en-US" sz="1200" dirty="0" err="1">
+                <a:latin typeface="Times New Roman" panose="02020603050405020304" pitchFamily="18" charset="0"/>
+                <a:cs typeface="Times New Roman" panose="02020603050405020304" pitchFamily="18" charset="0"/>
+              </a:rPr>
+              <a:t>xử</a:t>
+            </a:r>
+            <a:r>
+              <a:rPr lang="en-US" sz="1200" dirty="0">
+                <a:latin typeface="Times New Roman" panose="02020603050405020304" pitchFamily="18" charset="0"/>
+                <a:cs typeface="Times New Roman" panose="02020603050405020304" pitchFamily="18" charset="0"/>
+              </a:rPr>
+              <a:t> </a:t>
+            </a:r>
+            <a:r>
+              <a:rPr lang="en-US" sz="1200" dirty="0" err="1">
+                <a:latin typeface="Times New Roman" panose="02020603050405020304" pitchFamily="18" charset="0"/>
+                <a:cs typeface="Times New Roman" panose="02020603050405020304" pitchFamily="18" charset="0"/>
+              </a:rPr>
+              <a:t>lý</a:t>
+            </a:r>
+            <a:r>
+              <a:rPr lang="en-US" sz="1200" dirty="0">
+                <a:latin typeface="Times New Roman" panose="02020603050405020304" pitchFamily="18" charset="0"/>
+                <a:cs typeface="Times New Roman" panose="02020603050405020304" pitchFamily="18" charset="0"/>
+              </a:rPr>
+              <a:t> </a:t>
+            </a:r>
+            <a:r>
+              <a:rPr lang="en-US" sz="1200" dirty="0" err="1">
+                <a:latin typeface="Times New Roman" panose="02020603050405020304" pitchFamily="18" charset="0"/>
+                <a:cs typeface="Times New Roman" panose="02020603050405020304" pitchFamily="18" charset="0"/>
+              </a:rPr>
+              <a:t>trực</a:t>
+            </a:r>
+            <a:r>
+              <a:rPr lang="en-US" sz="1200" dirty="0">
+                <a:latin typeface="Times New Roman" panose="02020603050405020304" pitchFamily="18" charset="0"/>
+                <a:cs typeface="Times New Roman" panose="02020603050405020304" pitchFamily="18" charset="0"/>
+              </a:rPr>
+              <a:t> </a:t>
+            </a:r>
+            <a:r>
+              <a:rPr lang="en-US" sz="1200" dirty="0" err="1">
+                <a:latin typeface="Times New Roman" panose="02020603050405020304" pitchFamily="18" charset="0"/>
+                <a:cs typeface="Times New Roman" panose="02020603050405020304" pitchFamily="18" charset="0"/>
+              </a:rPr>
+              <a:t>tiếp</a:t>
+            </a:r>
+            <a:r>
+              <a:rPr lang="en-US" sz="1200" dirty="0">
+                <a:latin typeface="Times New Roman" panose="02020603050405020304" pitchFamily="18" charset="0"/>
+                <a:cs typeface="Times New Roman" panose="02020603050405020304" pitchFamily="18" charset="0"/>
+              </a:rPr>
+              <a:t> </a:t>
+            </a:r>
+            <a:r>
+              <a:rPr lang="en-US" sz="1200" dirty="0" err="1">
+                <a:latin typeface="Times New Roman" panose="02020603050405020304" pitchFamily="18" charset="0"/>
+                <a:cs typeface="Times New Roman" panose="02020603050405020304" pitchFamily="18" charset="0"/>
+              </a:rPr>
+              <a:t>thì</a:t>
+            </a:r>
+            <a:r>
+              <a:rPr lang="en-US" sz="1200" dirty="0">
+                <a:latin typeface="Times New Roman" panose="02020603050405020304" pitchFamily="18" charset="0"/>
+                <a:cs typeface="Times New Roman" panose="02020603050405020304" pitchFamily="18" charset="0"/>
+              </a:rPr>
+              <a:t> </a:t>
+            </a:r>
+            <a:r>
+              <a:rPr lang="en-US" sz="1200" dirty="0" err="1">
+                <a:latin typeface="Times New Roman" panose="02020603050405020304" pitchFamily="18" charset="0"/>
+                <a:cs typeface="Times New Roman" panose="02020603050405020304" pitchFamily="18" charset="0"/>
+              </a:rPr>
+              <a:t>chúng</a:t>
+            </a:r>
+            <a:r>
+              <a:rPr lang="en-US" sz="1200" dirty="0">
+                <a:latin typeface="Times New Roman" panose="02020603050405020304" pitchFamily="18" charset="0"/>
+                <a:cs typeface="Times New Roman" panose="02020603050405020304" pitchFamily="18" charset="0"/>
+              </a:rPr>
+              <a:t> ta </a:t>
+            </a:r>
+            <a:r>
+              <a:rPr lang="en-US" sz="1200" dirty="0" err="1">
+                <a:latin typeface="Times New Roman" panose="02020603050405020304" pitchFamily="18" charset="0"/>
+                <a:cs typeface="Times New Roman" panose="02020603050405020304" pitchFamily="18" charset="0"/>
+              </a:rPr>
+              <a:t>vẫn</a:t>
+            </a:r>
+            <a:r>
+              <a:rPr lang="en-US" sz="1200" dirty="0">
+                <a:latin typeface="Times New Roman" panose="02020603050405020304" pitchFamily="18" charset="0"/>
+                <a:cs typeface="Times New Roman" panose="02020603050405020304" pitchFamily="18" charset="0"/>
+              </a:rPr>
+              <a:t> </a:t>
+            </a:r>
+            <a:r>
+              <a:rPr lang="en-US" sz="1200" dirty="0" err="1">
+                <a:latin typeface="Times New Roman" panose="02020603050405020304" pitchFamily="18" charset="0"/>
+                <a:cs typeface="Times New Roman" panose="02020603050405020304" pitchFamily="18" charset="0"/>
+              </a:rPr>
+              <a:t>giữ</a:t>
+            </a:r>
+            <a:r>
+              <a:rPr lang="en-US" sz="1200" dirty="0">
+                <a:latin typeface="Times New Roman" panose="02020603050405020304" pitchFamily="18" charset="0"/>
+                <a:cs typeface="Times New Roman" panose="02020603050405020304" pitchFamily="18" charset="0"/>
+              </a:rPr>
+              <a:t> </a:t>
+            </a:r>
+            <a:r>
+              <a:rPr lang="en-US" sz="1200" dirty="0" err="1">
+                <a:latin typeface="Times New Roman" panose="02020603050405020304" pitchFamily="18" charset="0"/>
+                <a:cs typeface="Times New Roman" panose="02020603050405020304" pitchFamily="18" charset="0"/>
+              </a:rPr>
+              <a:t>nguyên</a:t>
+            </a:r>
+            <a:r>
+              <a:rPr lang="en-US" sz="1200" dirty="0">
+                <a:latin typeface="Times New Roman" panose="02020603050405020304" pitchFamily="18" charset="0"/>
+                <a:cs typeface="Times New Roman" panose="02020603050405020304" pitchFamily="18" charset="0"/>
+              </a:rPr>
+              <a:t> </a:t>
+            </a:r>
+            <a:r>
+              <a:rPr lang="en-US" sz="1200" dirty="0" err="1">
+                <a:latin typeface="Times New Roman" panose="02020603050405020304" pitchFamily="18" charset="0"/>
+                <a:cs typeface="Times New Roman" panose="02020603050405020304" pitchFamily="18" charset="0"/>
+              </a:rPr>
+              <a:t>đoạn</a:t>
+            </a:r>
+            <a:r>
+              <a:rPr lang="en-US" sz="1200" dirty="0">
+                <a:latin typeface="Times New Roman" panose="02020603050405020304" pitchFamily="18" charset="0"/>
+                <a:cs typeface="Times New Roman" panose="02020603050405020304" pitchFamily="18" charset="0"/>
+              </a:rPr>
+              <a:t> code </a:t>
+            </a:r>
+            <a:r>
+              <a:rPr lang="en-US" sz="1200" dirty="0" err="1">
+                <a:latin typeface="Times New Roman" panose="02020603050405020304" pitchFamily="18" charset="0"/>
+                <a:cs typeface="Times New Roman" panose="02020603050405020304" pitchFamily="18" charset="0"/>
+              </a:rPr>
+              <a:t>ấy</a:t>
+            </a:r>
+            <a:r>
+              <a:rPr lang="en-US" sz="1200" dirty="0">
+                <a:latin typeface="Times New Roman" panose="02020603050405020304" pitchFamily="18" charset="0"/>
+                <a:cs typeface="Times New Roman" panose="02020603050405020304" pitchFamily="18" charset="0"/>
+              </a:rPr>
+              <a:t> </a:t>
+            </a:r>
+            <a:r>
+              <a:rPr lang="en-US" sz="1200" dirty="0" err="1">
+                <a:latin typeface="Times New Roman" panose="02020603050405020304" pitchFamily="18" charset="0"/>
+                <a:cs typeface="Times New Roman" panose="02020603050405020304" pitchFamily="18" charset="0"/>
+              </a:rPr>
+              <a:t>trong</a:t>
+            </a:r>
+            <a:r>
+              <a:rPr lang="en-US" sz="1200" dirty="0">
+                <a:latin typeface="Times New Roman" panose="02020603050405020304" pitchFamily="18" charset="0"/>
+                <a:cs typeface="Times New Roman" panose="02020603050405020304" pitchFamily="18" charset="0"/>
+              </a:rPr>
+              <a:t> try </a:t>
+            </a:r>
+            <a:r>
+              <a:rPr lang="en-US" sz="1200" dirty="0" err="1">
+                <a:latin typeface="Times New Roman" panose="02020603050405020304" pitchFamily="18" charset="0"/>
+                <a:cs typeface="Times New Roman" panose="02020603050405020304" pitchFamily="18" charset="0"/>
+              </a:rPr>
+              <a:t>và</a:t>
+            </a:r>
+            <a:r>
+              <a:rPr lang="en-US" sz="1200" dirty="0">
+                <a:latin typeface="Times New Roman" panose="02020603050405020304" pitchFamily="18" charset="0"/>
+                <a:cs typeface="Times New Roman" panose="02020603050405020304" pitchFamily="18" charset="0"/>
+              </a:rPr>
+              <a:t> </a:t>
+            </a:r>
+            <a:r>
+              <a:rPr lang="en-US" sz="1200" dirty="0" err="1">
+                <a:latin typeface="Times New Roman" panose="02020603050405020304" pitchFamily="18" charset="0"/>
+                <a:cs typeface="Times New Roman" panose="02020603050405020304" pitchFamily="18" charset="0"/>
+              </a:rPr>
+              <a:t>đưa</a:t>
+            </a:r>
+            <a:r>
+              <a:rPr lang="en-US" sz="1200" dirty="0">
+                <a:latin typeface="Times New Roman" panose="02020603050405020304" pitchFamily="18" charset="0"/>
+                <a:cs typeface="Times New Roman" panose="02020603050405020304" pitchFamily="18" charset="0"/>
+              </a:rPr>
+              <a:t> </a:t>
+            </a:r>
+            <a:r>
+              <a:rPr lang="en-US" sz="1200" dirty="0" err="1">
+                <a:latin typeface="Times New Roman" panose="02020603050405020304" pitchFamily="18" charset="0"/>
+                <a:cs typeface="Times New Roman" panose="02020603050405020304" pitchFamily="18" charset="0"/>
+              </a:rPr>
+              <a:t>đoạn</a:t>
+            </a:r>
+            <a:r>
+              <a:rPr lang="en-US" sz="1200" dirty="0">
+                <a:latin typeface="Times New Roman" panose="02020603050405020304" pitchFamily="18" charset="0"/>
+                <a:cs typeface="Times New Roman" panose="02020603050405020304" pitchFamily="18" charset="0"/>
+              </a:rPr>
+              <a:t> code </a:t>
+            </a:r>
+            <a:r>
+              <a:rPr lang="en-US" sz="1200" dirty="0" err="1">
+                <a:latin typeface="Times New Roman" panose="02020603050405020304" pitchFamily="18" charset="0"/>
+                <a:cs typeface="Times New Roman" panose="02020603050405020304" pitchFamily="18" charset="0"/>
+              </a:rPr>
+              <a:t>xử</a:t>
+            </a:r>
+            <a:r>
+              <a:rPr lang="en-US" sz="1200" dirty="0">
+                <a:latin typeface="Times New Roman" panose="02020603050405020304" pitchFamily="18" charset="0"/>
+                <a:cs typeface="Times New Roman" panose="02020603050405020304" pitchFamily="18" charset="0"/>
+              </a:rPr>
+              <a:t> </a:t>
+            </a:r>
+            <a:r>
+              <a:rPr lang="en-US" sz="1200" dirty="0" err="1">
+                <a:latin typeface="Times New Roman" panose="02020603050405020304" pitchFamily="18" charset="0"/>
+                <a:cs typeface="Times New Roman" panose="02020603050405020304" pitchFamily="18" charset="0"/>
+              </a:rPr>
+              <a:t>lý</a:t>
+            </a:r>
+            <a:r>
+              <a:rPr lang="en-US" sz="1200" dirty="0">
+                <a:latin typeface="Times New Roman" panose="02020603050405020304" pitchFamily="18" charset="0"/>
+                <a:cs typeface="Times New Roman" panose="02020603050405020304" pitchFamily="18" charset="0"/>
+              </a:rPr>
+              <a:t> </a:t>
+            </a:r>
+            <a:r>
+              <a:rPr lang="en-US" sz="1200" dirty="0" err="1">
+                <a:latin typeface="Times New Roman" panose="02020603050405020304" pitchFamily="18" charset="0"/>
+                <a:cs typeface="Times New Roman" panose="02020603050405020304" pitchFamily="18" charset="0"/>
+              </a:rPr>
+              <a:t>vào</a:t>
+            </a:r>
+            <a:r>
+              <a:rPr lang="en-US" sz="1200" dirty="0">
+                <a:latin typeface="Times New Roman" panose="02020603050405020304" pitchFamily="18" charset="0"/>
+                <a:cs typeface="Times New Roman" panose="02020603050405020304" pitchFamily="18" charset="0"/>
+              </a:rPr>
+              <a:t> </a:t>
+            </a:r>
+            <a:r>
+              <a:rPr lang="en-US" sz="1200" dirty="0" err="1">
+                <a:latin typeface="Times New Roman" panose="02020603050405020304" pitchFamily="18" charset="0"/>
+                <a:cs typeface="Times New Roman" panose="02020603050405020304" pitchFamily="18" charset="0"/>
+              </a:rPr>
+              <a:t>trong</a:t>
+            </a:r>
+            <a:r>
+              <a:rPr lang="en-US" sz="1200" dirty="0">
+                <a:latin typeface="Times New Roman" panose="02020603050405020304" pitchFamily="18" charset="0"/>
+                <a:cs typeface="Times New Roman" panose="02020603050405020304" pitchFamily="18" charset="0"/>
+              </a:rPr>
+              <a:t> Catch </a:t>
+            </a:r>
+            <a:r>
+              <a:rPr lang="en-US" sz="1200" dirty="0" err="1">
+                <a:latin typeface="Times New Roman" panose="02020603050405020304" pitchFamily="18" charset="0"/>
+                <a:cs typeface="Times New Roman" panose="02020603050405020304" pitchFamily="18" charset="0"/>
+              </a:rPr>
+              <a:t>thì</a:t>
+            </a:r>
+            <a:r>
+              <a:rPr lang="en-US" sz="1200" dirty="0">
+                <a:latin typeface="Times New Roman" panose="02020603050405020304" pitchFamily="18" charset="0"/>
+                <a:cs typeface="Times New Roman" panose="02020603050405020304" pitchFamily="18" charset="0"/>
+              </a:rPr>
+              <a:t> </a:t>
+            </a:r>
+            <a:r>
+              <a:rPr lang="en-US" sz="1200" dirty="0" err="1">
+                <a:latin typeface="Times New Roman" panose="02020603050405020304" pitchFamily="18" charset="0"/>
+                <a:cs typeface="Times New Roman" panose="02020603050405020304" pitchFamily="18" charset="0"/>
+              </a:rPr>
+              <a:t>sẽ</a:t>
+            </a:r>
+            <a:r>
+              <a:rPr lang="en-US" sz="1200" dirty="0">
+                <a:latin typeface="Times New Roman" panose="02020603050405020304" pitchFamily="18" charset="0"/>
+                <a:cs typeface="Times New Roman" panose="02020603050405020304" pitchFamily="18" charset="0"/>
+              </a:rPr>
+              <a:t> </a:t>
+            </a:r>
+            <a:r>
+              <a:rPr lang="en-US" sz="1200" dirty="0" err="1">
+                <a:latin typeface="Times New Roman" panose="02020603050405020304" pitchFamily="18" charset="0"/>
+                <a:cs typeface="Times New Roman" panose="02020603050405020304" pitchFamily="18" charset="0"/>
+              </a:rPr>
+              <a:t>tiết</a:t>
+            </a:r>
+            <a:r>
+              <a:rPr lang="en-US" sz="1200" dirty="0">
+                <a:latin typeface="Times New Roman" panose="02020603050405020304" pitchFamily="18" charset="0"/>
+                <a:cs typeface="Times New Roman" panose="02020603050405020304" pitchFamily="18" charset="0"/>
+              </a:rPr>
+              <a:t> </a:t>
+            </a:r>
+            <a:r>
+              <a:rPr lang="en-US" sz="1200" dirty="0" err="1">
+                <a:latin typeface="Times New Roman" panose="02020603050405020304" pitchFamily="18" charset="0"/>
+                <a:cs typeface="Times New Roman" panose="02020603050405020304" pitchFamily="18" charset="0"/>
+              </a:rPr>
+              <a:t>kiếm</a:t>
+            </a:r>
+            <a:r>
+              <a:rPr lang="en-US" sz="1200" dirty="0">
+                <a:latin typeface="Times New Roman" panose="02020603050405020304" pitchFamily="18" charset="0"/>
+                <a:cs typeface="Times New Roman" panose="02020603050405020304" pitchFamily="18" charset="0"/>
+              </a:rPr>
+              <a:t> performance </a:t>
+            </a:r>
+            <a:r>
+              <a:rPr lang="en-US" sz="1200" dirty="0" err="1">
+                <a:latin typeface="Times New Roman" panose="02020603050405020304" pitchFamily="18" charset="0"/>
+                <a:cs typeface="Times New Roman" panose="02020603050405020304" pitchFamily="18" charset="0"/>
+              </a:rPr>
+              <a:t>hơn</a:t>
+            </a:r>
+            <a:endParaRPr lang="en-US" sz="1200" dirty="0">
+              <a:latin typeface="Times New Roman" panose="02020603050405020304" pitchFamily="18" charset="0"/>
+              <a:cs typeface="Times New Roman" panose="02020603050405020304" pitchFamily="18" charset="0"/>
+            </a:endParaRPr>
           </a:p>
         </p:txBody>
       </p:sp>

--- a/kotlin-basic-2022/kotlin-basic.pptx
+++ b/kotlin-basic-2022/kotlin-basic.pptx
@@ -5,7 +5,7 @@
     <p:sldMasterId id="2147483648" r:id="rId1"/>
   </p:sldMasterIdLst>
   <p:notesMasterIdLst>
-    <p:notesMasterId r:id="rId11"/>
+    <p:notesMasterId r:id="rId12"/>
   </p:notesMasterIdLst>
   <p:sldIdLst>
     <p:sldId id="256" r:id="rId2"/>
@@ -17,6 +17,7 @@
     <p:sldId id="262" r:id="rId8"/>
     <p:sldId id="263" r:id="rId9"/>
     <p:sldId id="264" r:id="rId10"/>
+    <p:sldId id="265" r:id="rId11"/>
   </p:sldIdLst>
   <p:sldSz cx="12192000" cy="6858000"/>
   <p:notesSz cx="6858000" cy="9144000"/>
@@ -205,7 +206,7 @@
           <a:p>
             <a:fld id="{632ED697-F779-4B55-8699-6008BDEBE6E8}" type="datetimeFigureOut">
               <a:rPr lang="en-US" smtClean="0"/>
-              <a:t>3/18/2022</a:t>
+              <a:t>3/19/2022</a:t>
             </a:fld>
             <a:endParaRPr lang="en-US"/>
           </a:p>
@@ -706,7 +707,7 @@
           <a:p>
             <a:fld id="{C169E7F0-550E-4DD8-9A82-5D5ABB171DFA}" type="datetimeFigureOut">
               <a:rPr lang="en-US" smtClean="0"/>
-              <a:t>3/18/2022</a:t>
+              <a:t>3/19/2022</a:t>
             </a:fld>
             <a:endParaRPr lang="en-US"/>
           </a:p>
@@ -906,7 +907,7 @@
           <a:p>
             <a:fld id="{C169E7F0-550E-4DD8-9A82-5D5ABB171DFA}" type="datetimeFigureOut">
               <a:rPr lang="en-US" smtClean="0"/>
-              <a:t>3/18/2022</a:t>
+              <a:t>3/19/2022</a:t>
             </a:fld>
             <a:endParaRPr lang="en-US"/>
           </a:p>
@@ -1116,7 +1117,7 @@
           <a:p>
             <a:fld id="{C169E7F0-550E-4DD8-9A82-5D5ABB171DFA}" type="datetimeFigureOut">
               <a:rPr lang="en-US" smtClean="0"/>
-              <a:t>3/18/2022</a:t>
+              <a:t>3/19/2022</a:t>
             </a:fld>
             <a:endParaRPr lang="en-US"/>
           </a:p>
@@ -1316,7 +1317,7 @@
           <a:p>
             <a:fld id="{C169E7F0-550E-4DD8-9A82-5D5ABB171DFA}" type="datetimeFigureOut">
               <a:rPr lang="en-US" smtClean="0"/>
-              <a:t>3/18/2022</a:t>
+              <a:t>3/19/2022</a:t>
             </a:fld>
             <a:endParaRPr lang="en-US"/>
           </a:p>
@@ -1592,7 +1593,7 @@
           <a:p>
             <a:fld id="{C169E7F0-550E-4DD8-9A82-5D5ABB171DFA}" type="datetimeFigureOut">
               <a:rPr lang="en-US" smtClean="0"/>
-              <a:t>3/18/2022</a:t>
+              <a:t>3/19/2022</a:t>
             </a:fld>
             <a:endParaRPr lang="en-US"/>
           </a:p>
@@ -1860,7 +1861,7 @@
           <a:p>
             <a:fld id="{C169E7F0-550E-4DD8-9A82-5D5ABB171DFA}" type="datetimeFigureOut">
               <a:rPr lang="en-US" smtClean="0"/>
-              <a:t>3/18/2022</a:t>
+              <a:t>3/19/2022</a:t>
             </a:fld>
             <a:endParaRPr lang="en-US"/>
           </a:p>
@@ -2275,7 +2276,7 @@
           <a:p>
             <a:fld id="{C169E7F0-550E-4DD8-9A82-5D5ABB171DFA}" type="datetimeFigureOut">
               <a:rPr lang="en-US" smtClean="0"/>
-              <a:t>3/18/2022</a:t>
+              <a:t>3/19/2022</a:t>
             </a:fld>
             <a:endParaRPr lang="en-US"/>
           </a:p>
@@ -2417,7 +2418,7 @@
           <a:p>
             <a:fld id="{C169E7F0-550E-4DD8-9A82-5D5ABB171DFA}" type="datetimeFigureOut">
               <a:rPr lang="en-US" smtClean="0"/>
-              <a:t>3/18/2022</a:t>
+              <a:t>3/19/2022</a:t>
             </a:fld>
             <a:endParaRPr lang="en-US"/>
           </a:p>
@@ -2530,7 +2531,7 @@
           <a:p>
             <a:fld id="{C169E7F0-550E-4DD8-9A82-5D5ABB171DFA}" type="datetimeFigureOut">
               <a:rPr lang="en-US" smtClean="0"/>
-              <a:t>3/18/2022</a:t>
+              <a:t>3/19/2022</a:t>
             </a:fld>
             <a:endParaRPr lang="en-US"/>
           </a:p>
@@ -2843,7 +2844,7 @@
           <a:p>
             <a:fld id="{C169E7F0-550E-4DD8-9A82-5D5ABB171DFA}" type="datetimeFigureOut">
               <a:rPr lang="en-US" smtClean="0"/>
-              <a:t>3/18/2022</a:t>
+              <a:t>3/19/2022</a:t>
             </a:fld>
             <a:endParaRPr lang="en-US"/>
           </a:p>
@@ -3132,7 +3133,7 @@
           <a:p>
             <a:fld id="{C169E7F0-550E-4DD8-9A82-5D5ABB171DFA}" type="datetimeFigureOut">
               <a:rPr lang="en-US" smtClean="0"/>
-              <a:t>3/18/2022</a:t>
+              <a:t>3/19/2022</a:t>
             </a:fld>
             <a:endParaRPr lang="en-US"/>
           </a:p>
@@ -3375,7 +3376,7 @@
           <a:p>
             <a:fld id="{C169E7F0-550E-4DD8-9A82-5D5ABB171DFA}" type="datetimeFigureOut">
               <a:rPr lang="en-US" smtClean="0"/>
-              <a:t>3/18/2022</a:t>
+              <a:t>3/19/2022</a:t>
             </a:fld>
             <a:endParaRPr lang="en-US"/>
           </a:p>
@@ -4258,6 +4259,86 @@
 </p:sld>
 </file>
 
+<file path=ppt/slides/slide10.xml><?xml version="1.0" encoding="utf-8"?>
+<p:sld xmlns:a="http://schemas.openxmlformats.org/drawingml/2006/main" xmlns:r="http://schemas.openxmlformats.org/officeDocument/2006/relationships" xmlns:p="http://schemas.openxmlformats.org/presentationml/2006/main">
+  <p:cSld>
+    <p:spTree>
+      <p:nvGrpSpPr>
+        <p:cNvPr id="1" name=""/>
+        <p:cNvGrpSpPr/>
+        <p:nvPr/>
+      </p:nvGrpSpPr>
+      <p:grpSpPr>
+        <a:xfrm>
+          <a:off x="0" y="0"/>
+          <a:ext cx="0" cy="0"/>
+          <a:chOff x="0" y="0"/>
+          <a:chExt cx="0" cy="0"/>
+        </a:xfrm>
+      </p:grpSpPr>
+      <p:sp>
+        <p:nvSpPr>
+          <p:cNvPr id="2" name="Tiêu đề 1">
+            <a:extLst>
+              <a:ext uri="{FF2B5EF4-FFF2-40B4-BE49-F238E27FC236}">
+                <a16:creationId xmlns:a16="http://schemas.microsoft.com/office/drawing/2014/main" id="{23F123A8-3F23-4F05-88D3-0BF1714B919C}"/>
+              </a:ext>
+            </a:extLst>
+          </p:cNvPr>
+          <p:cNvSpPr>
+            <a:spLocks noGrp="1"/>
+          </p:cNvSpPr>
+          <p:nvPr>
+            <p:ph type="title"/>
+          </p:nvPr>
+        </p:nvSpPr>
+        <p:spPr/>
+        <p:txBody>
+          <a:bodyPr/>
+          <a:lstStyle/>
+          <a:p>
+            <a:endParaRPr lang="en-US"/>
+          </a:p>
+        </p:txBody>
+      </p:sp>
+      <p:sp>
+        <p:nvSpPr>
+          <p:cNvPr id="3" name="Chỗ dành sẵn cho Nội dung 2">
+            <a:extLst>
+              <a:ext uri="{FF2B5EF4-FFF2-40B4-BE49-F238E27FC236}">
+                <a16:creationId xmlns:a16="http://schemas.microsoft.com/office/drawing/2014/main" id="{B30F05DD-96AF-49FF-9BC6-11EDCC582A41}"/>
+              </a:ext>
+            </a:extLst>
+          </p:cNvPr>
+          <p:cNvSpPr>
+            <a:spLocks noGrp="1"/>
+          </p:cNvSpPr>
+          <p:nvPr>
+            <p:ph idx="1"/>
+          </p:nvPr>
+        </p:nvSpPr>
+        <p:spPr/>
+        <p:txBody>
+          <a:bodyPr/>
+          <a:lstStyle/>
+          <a:p>
+            <a:endParaRPr lang="en-US"/>
+          </a:p>
+        </p:txBody>
+      </p:sp>
+    </p:spTree>
+    <p:extLst>
+      <p:ext uri="{BB962C8B-B14F-4D97-AF65-F5344CB8AC3E}">
+        <p14:creationId xmlns:p14="http://schemas.microsoft.com/office/powerpoint/2010/main" val="2268766441"/>
+      </p:ext>
+    </p:extLst>
+  </p:cSld>
+  <p:clrMapOvr>
+    <a:masterClrMapping/>
+  </p:clrMapOvr>
+</p:sld>
+</file>
+
 <file path=ppt/slides/slide2.xml><?xml version="1.0" encoding="utf-8"?>
 <p:sld xmlns:a="http://schemas.openxmlformats.org/drawingml/2006/main" xmlns:r="http://schemas.openxmlformats.org/officeDocument/2006/relationships" xmlns:p="http://schemas.openxmlformats.org/presentationml/2006/main">
   <p:cSld>
@@ -16857,10 +16938,24 @@
         </p:nvSpPr>
         <p:spPr>
           <a:xfrm>
-            <a:off x="838200" y="339365"/>
-            <a:ext cx="10515600" cy="5837598"/>
+            <a:off x="1741599" y="128066"/>
+            <a:ext cx="8548543" cy="829558"/>
           </a:xfrm>
         </p:spPr>
+        <p:style>
+          <a:lnRef idx="2">
+            <a:schemeClr val="dk1"/>
+          </a:lnRef>
+          <a:fillRef idx="1">
+            <a:schemeClr val="lt1"/>
+          </a:fillRef>
+          <a:effectRef idx="0">
+            <a:schemeClr val="dk1"/>
+          </a:effectRef>
+          <a:fontRef idx="minor">
+            <a:schemeClr val="dk1"/>
+          </a:fontRef>
+        </p:style>
         <p:txBody>
           <a:bodyPr>
             <a:normAutofit/>
@@ -17095,7 +17190,7 @@
         </p:nvSpPr>
         <p:spPr bwMode="auto">
           <a:xfrm>
-            <a:off x="518474" y="1183499"/>
+            <a:off x="826416" y="1107254"/>
             <a:ext cx="3450210" cy="1446550"/>
           </a:xfrm>
           <a:prstGeom prst="rect">
@@ -17775,7 +17870,7 @@
         </p:nvSpPr>
         <p:spPr bwMode="auto">
           <a:xfrm>
-            <a:off x="4597138" y="1183499"/>
+            <a:off x="4597138" y="1107254"/>
             <a:ext cx="2997723" cy="1615827"/>
           </a:xfrm>
           <a:prstGeom prst="rect">
@@ -19101,6 +19196,4252 @@
           </a:p>
         </p:txBody>
       </p:sp>
+      <p:sp>
+        <p:nvSpPr>
+          <p:cNvPr id="2" name="Rectangle 1">
+            <a:extLst>
+              <a:ext uri="{FF2B5EF4-FFF2-40B4-BE49-F238E27FC236}">
+                <a16:creationId xmlns:a16="http://schemas.microsoft.com/office/drawing/2014/main" id="{A3A39019-82A6-4E62-A322-F19E97D8BDC7}"/>
+              </a:ext>
+            </a:extLst>
+          </p:cNvPr>
+          <p:cNvSpPr>
+            <a:spLocks noChangeArrowheads="1"/>
+          </p:cNvSpPr>
+          <p:nvPr/>
+        </p:nvSpPr>
+        <p:spPr bwMode="auto">
+          <a:xfrm>
+            <a:off x="199920" y="2748619"/>
+            <a:ext cx="2601801" cy="1477328"/>
+          </a:xfrm>
+          <a:prstGeom prst="rect">
+            <a:avLst/>
+          </a:prstGeom>
+          <a:solidFill>
+            <a:srgbClr val="2B2B2B"/>
+          </a:solidFill>
+          <a:ln>
+            <a:noFill/>
+          </a:ln>
+          <a:effectLst/>
+          <a:extLst>
+            <a:ext uri="{91240B29-F687-4F45-9708-019B960494DF}">
+              <a14:hiddenLine xmlns:a14="http://schemas.microsoft.com/office/drawing/2010/main" w="9525">
+                <a:solidFill>
+                  <a:schemeClr val="tx1"/>
+                </a:solidFill>
+                <a:miter lim="800000"/>
+                <a:headEnd/>
+                <a:tailEnd/>
+              </a14:hiddenLine>
+            </a:ext>
+            <a:ext uri="{AF507438-7753-43E0-B8FC-AC1667EBCBE1}">
+              <a14:hiddenEffects xmlns:a14="http://schemas.microsoft.com/office/drawing/2010/main">
+                <a:effectLst>
+                  <a:outerShdw dist="35921" dir="2700000" algn="ctr" rotWithShape="0">
+                    <a:schemeClr val="bg2"/>
+                  </a:outerShdw>
+                </a:effectLst>
+              </a14:hiddenEffects>
+            </a:ext>
+          </a:extLst>
+        </p:spPr>
+        <p:txBody>
+          <a:bodyPr vert="horz" wrap="square" lIns="91440" tIns="45720" rIns="91440" bIns="45720" numCol="1" anchor="ctr" anchorCtr="0" compatLnSpc="1">
+            <a:prstTxWarp prst="textNoShape">
+              <a:avLst/>
+            </a:prstTxWarp>
+            <a:spAutoFit/>
+          </a:bodyPr>
+          <a:lstStyle/>
+          <a:p>
+            <a:pPr marL="0" marR="0" lvl="0" indent="0" algn="l" defTabSz="914400" rtl="0" eaLnBrk="0" fontAlgn="base" latinLnBrk="0" hangingPunct="0">
+              <a:lnSpc>
+                <a:spcPct val="100000"/>
+              </a:lnSpc>
+              <a:spcBef>
+                <a:spcPct val="0"/>
+              </a:spcBef>
+              <a:spcAft>
+                <a:spcPct val="0"/>
+              </a:spcAft>
+              <a:buClrTx/>
+              <a:buSzTx/>
+              <a:buFontTx/>
+              <a:buNone/>
+              <a:tabLst/>
+            </a:pPr>
+            <a:r>
+              <a:rPr lang="en-US" altLang="en-US" sz="1000" dirty="0">
+                <a:solidFill>
+                  <a:srgbClr val="808080"/>
+                </a:solidFill>
+                <a:latin typeface="JetBrains Mono"/>
+              </a:rPr>
+              <a:t>/</a:t>
+            </a:r>
+            <a:r>
+              <a:rPr kumimoji="0" lang="en-US" altLang="en-US" sz="1000" b="0" i="0" u="none" strike="noStrike" cap="none" normalizeH="0" baseline="0" dirty="0">
+                <a:ln>
+                  <a:noFill/>
+                </a:ln>
+                <a:solidFill>
+                  <a:srgbClr val="808080"/>
+                </a:solidFill>
+                <a:effectLst/>
+                <a:latin typeface="JetBrains Mono"/>
+              </a:rPr>
+              <a:t>* </a:t>
+            </a:r>
+            <a:r>
+              <a:rPr kumimoji="0" lang="en-US" altLang="en-US" sz="1000" b="0" i="0" u="none" strike="noStrike" cap="none" normalizeH="0" baseline="0" dirty="0" err="1">
+                <a:ln>
+                  <a:noFill/>
+                </a:ln>
+                <a:solidFill>
+                  <a:srgbClr val="808080"/>
+                </a:solidFill>
+                <a:effectLst/>
+                <a:latin typeface="JetBrains Mono"/>
+              </a:rPr>
+              <a:t>Vòng</a:t>
+            </a:r>
+            <a:r>
+              <a:rPr kumimoji="0" lang="en-US" altLang="en-US" sz="1000" b="0" i="0" u="none" strike="noStrike" cap="none" normalizeH="0" baseline="0" dirty="0">
+                <a:ln>
+                  <a:noFill/>
+                </a:ln>
+                <a:solidFill>
+                  <a:srgbClr val="808080"/>
+                </a:solidFill>
+                <a:effectLst/>
+                <a:latin typeface="JetBrains Mono"/>
+              </a:rPr>
+              <a:t> </a:t>
+            </a:r>
+            <a:r>
+              <a:rPr kumimoji="0" lang="en-US" altLang="en-US" sz="1000" b="0" i="0" u="none" strike="noStrike" cap="none" normalizeH="0" baseline="0" dirty="0" err="1">
+                <a:ln>
+                  <a:noFill/>
+                </a:ln>
+                <a:solidFill>
+                  <a:srgbClr val="808080"/>
+                </a:solidFill>
+                <a:effectLst/>
+                <a:latin typeface="JetBrains Mono"/>
+              </a:rPr>
+              <a:t>lặp</a:t>
+            </a:r>
+            <a:r>
+              <a:rPr kumimoji="0" lang="en-US" altLang="en-US" sz="1000" b="0" i="0" u="none" strike="noStrike" cap="none" normalizeH="0" baseline="0" dirty="0">
+                <a:ln>
+                  <a:noFill/>
+                </a:ln>
+                <a:solidFill>
+                  <a:srgbClr val="808080"/>
+                </a:solidFill>
+                <a:effectLst/>
+                <a:latin typeface="JetBrains Mono"/>
+              </a:rPr>
+              <a:t> for </a:t>
+            </a:r>
+            <a:r>
+              <a:rPr kumimoji="0" lang="en-US" altLang="en-US" sz="1000" b="0" i="0" u="none" strike="noStrike" cap="none" normalizeH="0" baseline="0" dirty="0" err="1">
+                <a:ln>
+                  <a:noFill/>
+                </a:ln>
+                <a:solidFill>
+                  <a:srgbClr val="808080"/>
+                </a:solidFill>
+                <a:effectLst/>
+                <a:latin typeface="JetBrains Mono"/>
+              </a:rPr>
+              <a:t>kiểu</a:t>
+            </a:r>
+            <a:r>
+              <a:rPr kumimoji="0" lang="en-US" altLang="en-US" sz="1000" b="0" i="0" u="none" strike="noStrike" cap="none" normalizeH="0" baseline="0" dirty="0">
+                <a:ln>
+                  <a:noFill/>
+                </a:ln>
+                <a:solidFill>
+                  <a:srgbClr val="808080"/>
+                </a:solidFill>
+                <a:effectLst/>
+                <a:latin typeface="JetBrains Mono"/>
+              </a:rPr>
+              <a:t> Closed Range</a:t>
+            </a:r>
+            <a:br>
+              <a:rPr kumimoji="0" lang="en-US" altLang="en-US" sz="1000" b="0" i="0" u="none" strike="noStrike" cap="none" normalizeH="0" baseline="0" dirty="0">
+                <a:ln>
+                  <a:noFill/>
+                </a:ln>
+                <a:solidFill>
+                  <a:srgbClr val="808080"/>
+                </a:solidFill>
+                <a:effectLst/>
+                <a:latin typeface="JetBrains Mono"/>
+              </a:rPr>
+            </a:br>
+            <a:r>
+              <a:rPr kumimoji="0" lang="en-US" altLang="en-US" sz="1000" b="0" i="0" u="none" strike="noStrike" cap="none" normalizeH="0" baseline="0" dirty="0">
+                <a:ln>
+                  <a:noFill/>
+                </a:ln>
+                <a:solidFill>
+                  <a:srgbClr val="808080"/>
+                </a:solidFill>
+                <a:effectLst/>
+                <a:latin typeface="JetBrains Mono"/>
+              </a:rPr>
+              <a:t>* </a:t>
+            </a:r>
+            <a:r>
+              <a:rPr kumimoji="0" lang="en-US" altLang="en-US" sz="1000" b="0" i="0" u="none" strike="noStrike" cap="none" normalizeH="0" baseline="0" dirty="0" err="1">
+                <a:ln>
+                  <a:noFill/>
+                </a:ln>
+                <a:solidFill>
+                  <a:srgbClr val="808080"/>
+                </a:solidFill>
+                <a:effectLst/>
+                <a:latin typeface="JetBrains Mono"/>
+              </a:rPr>
+              <a:t>cho</a:t>
+            </a:r>
+            <a:r>
+              <a:rPr kumimoji="0" lang="en-US" altLang="en-US" sz="1000" b="0" i="0" u="none" strike="noStrike" cap="none" normalizeH="0" baseline="0" dirty="0">
+                <a:ln>
+                  <a:noFill/>
+                </a:ln>
+                <a:solidFill>
+                  <a:srgbClr val="808080"/>
+                </a:solidFill>
+                <a:effectLst/>
+                <a:latin typeface="JetBrains Mono"/>
+              </a:rPr>
+              <a:t> </a:t>
+            </a:r>
+            <a:r>
+              <a:rPr kumimoji="0" lang="en-US" altLang="en-US" sz="1000" b="0" i="0" u="none" strike="noStrike" cap="none" normalizeH="0" baseline="0" dirty="0" err="1">
+                <a:ln>
+                  <a:noFill/>
+                </a:ln>
+                <a:solidFill>
+                  <a:srgbClr val="808080"/>
+                </a:solidFill>
+                <a:effectLst/>
+                <a:latin typeface="JetBrains Mono"/>
+              </a:rPr>
+              <a:t>chúng</a:t>
+            </a:r>
+            <a:r>
+              <a:rPr kumimoji="0" lang="en-US" altLang="en-US" sz="1000" b="0" i="0" u="none" strike="noStrike" cap="none" normalizeH="0" baseline="0" dirty="0">
+                <a:ln>
+                  <a:noFill/>
+                </a:ln>
+                <a:solidFill>
+                  <a:srgbClr val="808080"/>
+                </a:solidFill>
+                <a:effectLst/>
+                <a:latin typeface="JetBrains Mono"/>
+              </a:rPr>
+              <a:t> ta </a:t>
+            </a:r>
+            <a:r>
+              <a:rPr kumimoji="0" lang="en-US" altLang="en-US" sz="1000" b="0" i="0" u="none" strike="noStrike" cap="none" normalizeH="0" baseline="0" dirty="0" err="1">
+                <a:ln>
+                  <a:noFill/>
+                </a:ln>
+                <a:solidFill>
+                  <a:srgbClr val="808080"/>
+                </a:solidFill>
+                <a:effectLst/>
+                <a:latin typeface="JetBrains Mono"/>
+              </a:rPr>
+              <a:t>duyệt</a:t>
+            </a:r>
+            <a:r>
+              <a:rPr kumimoji="0" lang="en-US" altLang="en-US" sz="1000" b="0" i="0" u="none" strike="noStrike" cap="none" normalizeH="0" baseline="0" dirty="0">
+                <a:ln>
+                  <a:noFill/>
+                </a:ln>
+                <a:solidFill>
+                  <a:srgbClr val="808080"/>
+                </a:solidFill>
+                <a:effectLst/>
+                <a:latin typeface="JetBrains Mono"/>
+              </a:rPr>
+              <a:t> </a:t>
+            </a:r>
+            <a:r>
+              <a:rPr kumimoji="0" lang="en-US" altLang="en-US" sz="1000" b="0" i="0" u="none" strike="noStrike" cap="none" normalizeH="0" baseline="0" dirty="0" err="1">
+                <a:ln>
+                  <a:noFill/>
+                </a:ln>
+                <a:solidFill>
+                  <a:srgbClr val="808080"/>
+                </a:solidFill>
+                <a:effectLst/>
+                <a:latin typeface="JetBrains Mono"/>
+              </a:rPr>
+              <a:t>trong</a:t>
+            </a:r>
+            <a:r>
+              <a:rPr kumimoji="0" lang="en-US" altLang="en-US" sz="1000" b="0" i="0" u="none" strike="noStrike" cap="none" normalizeH="0" baseline="0" dirty="0">
+                <a:ln>
+                  <a:noFill/>
+                </a:ln>
+                <a:solidFill>
+                  <a:srgbClr val="808080"/>
+                </a:solidFill>
+                <a:effectLst/>
+                <a:latin typeface="JetBrains Mono"/>
+              </a:rPr>
+              <a:t> </a:t>
+            </a:r>
+            <a:r>
+              <a:rPr kumimoji="0" lang="en-US" altLang="en-US" sz="1000" b="0" i="0" u="none" strike="noStrike" cap="none" normalizeH="0" baseline="0" dirty="0" err="1">
+                <a:ln>
+                  <a:noFill/>
+                </a:ln>
+                <a:solidFill>
+                  <a:srgbClr val="808080"/>
+                </a:solidFill>
+                <a:effectLst/>
+                <a:latin typeface="JetBrains Mono"/>
+              </a:rPr>
+              <a:t>đoạn</a:t>
+            </a:r>
+            <a:r>
+              <a:rPr kumimoji="0" lang="en-US" altLang="en-US" sz="1000" b="0" i="0" u="none" strike="noStrike" cap="none" normalizeH="0" baseline="0" dirty="0">
+                <a:ln>
+                  <a:noFill/>
+                </a:ln>
+                <a:solidFill>
+                  <a:srgbClr val="808080"/>
+                </a:solidFill>
+                <a:effectLst/>
+                <a:latin typeface="JetBrains Mono"/>
+              </a:rPr>
+              <a:t> [</a:t>
+            </a:r>
+            <a:r>
+              <a:rPr kumimoji="0" lang="en-US" altLang="en-US" sz="1000" b="0" i="0" u="none" strike="noStrike" cap="none" normalizeH="0" baseline="0" dirty="0" err="1">
+                <a:ln>
+                  <a:noFill/>
+                </a:ln>
+                <a:solidFill>
+                  <a:srgbClr val="808080"/>
+                </a:solidFill>
+                <a:effectLst/>
+                <a:latin typeface="JetBrains Mono"/>
+              </a:rPr>
+              <a:t>a;b</a:t>
+            </a:r>
+            <a:r>
+              <a:rPr kumimoji="0" lang="en-US" altLang="en-US" sz="1000" b="0" i="0" u="none" strike="noStrike" cap="none" normalizeH="0" baseline="0" dirty="0">
+                <a:ln>
+                  <a:noFill/>
+                </a:ln>
+                <a:solidFill>
+                  <a:srgbClr val="808080"/>
+                </a:solidFill>
+                <a:effectLst/>
+                <a:latin typeface="JetBrains Mono"/>
+              </a:rPr>
+              <a:t>]</a:t>
+            </a:r>
+            <a:br>
+              <a:rPr kumimoji="0" lang="en-US" altLang="en-US" sz="1000" b="0" i="0" u="none" strike="noStrike" cap="none" normalizeH="0" baseline="0" dirty="0">
+                <a:ln>
+                  <a:noFill/>
+                </a:ln>
+                <a:solidFill>
+                  <a:srgbClr val="808080"/>
+                </a:solidFill>
+                <a:effectLst/>
+                <a:latin typeface="JetBrains Mono"/>
+              </a:rPr>
+            </a:br>
+            <a:r>
+              <a:rPr kumimoji="0" lang="en-US" altLang="en-US" sz="1000" b="0" i="0" u="none" strike="noStrike" cap="none" normalizeH="0" baseline="0" dirty="0">
+                <a:ln>
+                  <a:noFill/>
+                </a:ln>
+                <a:solidFill>
+                  <a:srgbClr val="808080"/>
+                </a:solidFill>
+                <a:effectLst/>
+                <a:latin typeface="JetBrains Mono"/>
+              </a:rPr>
+              <a:t>* */</a:t>
+            </a:r>
+            <a:br>
+              <a:rPr kumimoji="0" lang="en-US" altLang="en-US" sz="1000" b="0" i="0" u="none" strike="noStrike" cap="none" normalizeH="0" baseline="0" dirty="0">
+                <a:ln>
+                  <a:noFill/>
+                </a:ln>
+                <a:solidFill>
+                  <a:srgbClr val="808080"/>
+                </a:solidFill>
+                <a:effectLst/>
+                <a:latin typeface="JetBrains Mono"/>
+              </a:rPr>
+            </a:br>
+            <a:r>
+              <a:rPr kumimoji="0" lang="en-US" altLang="en-US" sz="1000" b="0" i="0" u="none" strike="noStrike" cap="none" normalizeH="0" baseline="0" dirty="0">
+                <a:ln>
+                  <a:noFill/>
+                </a:ln>
+                <a:solidFill>
+                  <a:srgbClr val="CC7832"/>
+                </a:solidFill>
+                <a:effectLst/>
+                <a:latin typeface="JetBrains Mono"/>
+              </a:rPr>
+              <a:t>fun </a:t>
+            </a:r>
+            <a:r>
+              <a:rPr kumimoji="0" lang="en-US" altLang="en-US" sz="1000" b="0" i="0" u="none" strike="noStrike" cap="none" normalizeH="0" baseline="0" dirty="0" err="1">
+                <a:ln>
+                  <a:noFill/>
+                </a:ln>
+                <a:solidFill>
+                  <a:srgbClr val="FFC66D"/>
+                </a:solidFill>
+                <a:effectLst/>
+                <a:latin typeface="JetBrains Mono"/>
+              </a:rPr>
+              <a:t>demoForInKtCloseRangeType</a:t>
+            </a:r>
+            <a:r>
+              <a:rPr kumimoji="0" lang="en-US" altLang="en-US" sz="1000" b="0" i="0" u="none" strike="noStrike" cap="none" normalizeH="0" baseline="0" dirty="0">
+                <a:ln>
+                  <a:noFill/>
+                </a:ln>
+                <a:solidFill>
+                  <a:srgbClr val="A9B7C6"/>
+                </a:solidFill>
+                <a:effectLst/>
+                <a:latin typeface="JetBrains Mono"/>
+              </a:rPr>
+              <a:t>(n: Int){</a:t>
+            </a:r>
+            <a:br>
+              <a:rPr kumimoji="0" lang="en-US" altLang="en-US" sz="1000" b="0" i="0" u="none" strike="noStrike" cap="none" normalizeH="0" baseline="0" dirty="0">
+                <a:ln>
+                  <a:noFill/>
+                </a:ln>
+                <a:solidFill>
+                  <a:srgbClr val="A9B7C6"/>
+                </a:solidFill>
+                <a:effectLst/>
+                <a:latin typeface="JetBrains Mono"/>
+              </a:rPr>
+            </a:br>
+            <a:r>
+              <a:rPr kumimoji="0" lang="en-US" altLang="en-US" sz="1000" b="0" i="0" u="none" strike="noStrike" cap="none" normalizeH="0" baseline="0" dirty="0">
+                <a:ln>
+                  <a:noFill/>
+                </a:ln>
+                <a:solidFill>
+                  <a:srgbClr val="A9B7C6"/>
+                </a:solidFill>
+                <a:effectLst/>
+                <a:latin typeface="JetBrains Mono"/>
+              </a:rPr>
+              <a:t>    </a:t>
+            </a:r>
+            <a:r>
+              <a:rPr kumimoji="0" lang="en-US" altLang="en-US" sz="1000" b="0" i="1" u="none" strike="noStrike" cap="none" normalizeH="0" baseline="0" dirty="0" err="1">
+                <a:ln>
+                  <a:noFill/>
+                </a:ln>
+                <a:solidFill>
+                  <a:srgbClr val="A9B7C6"/>
+                </a:solidFill>
+                <a:effectLst/>
+                <a:latin typeface="JetBrains Mono"/>
+              </a:rPr>
+              <a:t>println</a:t>
+            </a:r>
+            <a:r>
+              <a:rPr kumimoji="0" lang="en-US" altLang="en-US" sz="1000" b="0" i="0" u="none" strike="noStrike" cap="none" normalizeH="0" baseline="0" dirty="0">
+                <a:ln>
+                  <a:noFill/>
+                </a:ln>
+                <a:solidFill>
+                  <a:srgbClr val="A9B7C6"/>
+                </a:solidFill>
+                <a:effectLst/>
+                <a:latin typeface="JetBrains Mono"/>
+              </a:rPr>
+              <a:t>(</a:t>
+            </a:r>
+            <a:r>
+              <a:rPr kumimoji="0" lang="en-US" altLang="en-US" sz="1000" b="0" i="0" u="none" strike="noStrike" cap="none" normalizeH="0" baseline="0" dirty="0">
+                <a:ln>
+                  <a:noFill/>
+                </a:ln>
+                <a:solidFill>
+                  <a:srgbClr val="6A8759"/>
+                </a:solidFill>
+                <a:effectLst/>
+                <a:latin typeface="JetBrains Mono"/>
+              </a:rPr>
+              <a:t>"Log: </a:t>
+            </a:r>
+            <a:r>
+              <a:rPr kumimoji="0" lang="en-US" altLang="en-US" sz="1000" b="0" i="0" u="none" strike="noStrike" cap="none" normalizeH="0" baseline="0" dirty="0" err="1">
+                <a:ln>
+                  <a:noFill/>
+                </a:ln>
+                <a:solidFill>
+                  <a:srgbClr val="6A8759"/>
+                </a:solidFill>
+                <a:effectLst/>
+                <a:latin typeface="JetBrains Mono"/>
+              </a:rPr>
+              <a:t>demoForInKotlinCloseRange</a:t>
+            </a:r>
+            <a:r>
+              <a:rPr kumimoji="0" lang="en-US" altLang="en-US" sz="1000" b="0" i="0" u="none" strike="noStrike" cap="none" normalizeH="0" baseline="0" dirty="0">
+                <a:ln>
+                  <a:noFill/>
+                </a:ln>
+                <a:solidFill>
+                  <a:srgbClr val="6A8759"/>
+                </a:solidFill>
+                <a:effectLst/>
+                <a:latin typeface="JetBrains Mono"/>
+              </a:rPr>
+              <a:t>: "</a:t>
+            </a:r>
+            <a:r>
+              <a:rPr kumimoji="0" lang="en-US" altLang="en-US" sz="1000" b="0" i="0" u="none" strike="noStrike" cap="none" normalizeH="0" baseline="0" dirty="0">
+                <a:ln>
+                  <a:noFill/>
+                </a:ln>
+                <a:solidFill>
+                  <a:srgbClr val="A9B7C6"/>
+                </a:solidFill>
+                <a:effectLst/>
+                <a:latin typeface="JetBrains Mono"/>
+              </a:rPr>
+              <a:t>)</a:t>
+            </a:r>
+            <a:br>
+              <a:rPr kumimoji="0" lang="en-US" altLang="en-US" sz="1000" b="0" i="0" u="none" strike="noStrike" cap="none" normalizeH="0" baseline="0" dirty="0">
+                <a:ln>
+                  <a:noFill/>
+                </a:ln>
+                <a:solidFill>
+                  <a:srgbClr val="A9B7C6"/>
+                </a:solidFill>
+                <a:effectLst/>
+                <a:latin typeface="JetBrains Mono"/>
+              </a:rPr>
+            </a:br>
+            <a:r>
+              <a:rPr kumimoji="0" lang="en-US" altLang="en-US" sz="1000" b="0" i="0" u="none" strike="noStrike" cap="none" normalizeH="0" baseline="0" dirty="0">
+                <a:ln>
+                  <a:noFill/>
+                </a:ln>
+                <a:solidFill>
+                  <a:srgbClr val="A9B7C6"/>
+                </a:solidFill>
+                <a:effectLst/>
+                <a:latin typeface="JetBrains Mono"/>
+              </a:rPr>
+              <a:t>    </a:t>
+            </a:r>
+            <a:r>
+              <a:rPr kumimoji="0" lang="en-US" altLang="en-US" sz="1000" b="0" i="0" u="none" strike="noStrike" cap="none" normalizeH="0" baseline="0" dirty="0">
+                <a:ln>
+                  <a:noFill/>
+                </a:ln>
+                <a:solidFill>
+                  <a:srgbClr val="CC7832"/>
+                </a:solidFill>
+                <a:effectLst/>
+                <a:latin typeface="JetBrains Mono"/>
+              </a:rPr>
+              <a:t>for</a:t>
+            </a:r>
+            <a:r>
+              <a:rPr kumimoji="0" lang="en-US" altLang="en-US" sz="1000" b="0" i="0" u="none" strike="noStrike" cap="none" normalizeH="0" baseline="0" dirty="0">
+                <a:ln>
+                  <a:noFill/>
+                </a:ln>
+                <a:solidFill>
+                  <a:srgbClr val="A9B7C6"/>
+                </a:solidFill>
+                <a:effectLst/>
+                <a:latin typeface="JetBrains Mono"/>
+              </a:rPr>
+              <a:t>(</a:t>
+            </a:r>
+            <a:r>
+              <a:rPr kumimoji="0" lang="en-US" altLang="en-US" sz="1000" b="0" i="0" u="none" strike="noStrike" cap="none" normalizeH="0" baseline="0" dirty="0" err="1">
+                <a:ln>
+                  <a:noFill/>
+                </a:ln>
+                <a:solidFill>
+                  <a:srgbClr val="A9B7C6"/>
+                </a:solidFill>
+                <a:effectLst/>
+                <a:latin typeface="JetBrains Mono"/>
+              </a:rPr>
+              <a:t>i</a:t>
+            </a:r>
+            <a:r>
+              <a:rPr kumimoji="0" lang="en-US" altLang="en-US" sz="1000" b="0" i="0" u="none" strike="noStrike" cap="none" normalizeH="0" baseline="0" dirty="0">
+                <a:ln>
+                  <a:noFill/>
+                </a:ln>
+                <a:solidFill>
+                  <a:srgbClr val="A9B7C6"/>
+                </a:solidFill>
+                <a:effectLst/>
+                <a:latin typeface="JetBrains Mono"/>
+              </a:rPr>
+              <a:t> </a:t>
+            </a:r>
+            <a:r>
+              <a:rPr kumimoji="0" lang="en-US" altLang="en-US" sz="1000" b="0" i="0" u="none" strike="noStrike" cap="none" normalizeH="0" baseline="0" dirty="0">
+                <a:ln>
+                  <a:noFill/>
+                </a:ln>
+                <a:solidFill>
+                  <a:srgbClr val="CC7832"/>
+                </a:solidFill>
+                <a:effectLst/>
+                <a:latin typeface="JetBrains Mono"/>
+              </a:rPr>
+              <a:t>in </a:t>
+            </a:r>
+            <a:r>
+              <a:rPr kumimoji="0" lang="en-US" altLang="en-US" sz="1000" b="0" i="0" u="none" strike="noStrike" cap="none" normalizeH="0" baseline="0" dirty="0">
+                <a:ln>
+                  <a:noFill/>
+                </a:ln>
+                <a:solidFill>
+                  <a:srgbClr val="6897BB"/>
+                </a:solidFill>
+                <a:effectLst/>
+                <a:latin typeface="JetBrains Mono"/>
+              </a:rPr>
+              <a:t>1</a:t>
+            </a:r>
+            <a:r>
+              <a:rPr kumimoji="0" lang="en-US" altLang="en-US" sz="1000" b="0" i="0" u="none" strike="noStrike" cap="none" normalizeH="0" baseline="0" dirty="0">
+                <a:ln>
+                  <a:noFill/>
+                </a:ln>
+                <a:solidFill>
+                  <a:srgbClr val="A9B7C6"/>
+                </a:solidFill>
+                <a:effectLst/>
+                <a:latin typeface="JetBrains Mono"/>
+              </a:rPr>
+              <a:t>..n){</a:t>
+            </a:r>
+            <a:br>
+              <a:rPr kumimoji="0" lang="en-US" altLang="en-US" sz="1000" b="0" i="0" u="none" strike="noStrike" cap="none" normalizeH="0" baseline="0" dirty="0">
+                <a:ln>
+                  <a:noFill/>
+                </a:ln>
+                <a:solidFill>
+                  <a:srgbClr val="A9B7C6"/>
+                </a:solidFill>
+                <a:effectLst/>
+                <a:latin typeface="JetBrains Mono"/>
+              </a:rPr>
+            </a:br>
+            <a:r>
+              <a:rPr kumimoji="0" lang="en-US" altLang="en-US" sz="1000" b="0" i="0" u="none" strike="noStrike" cap="none" normalizeH="0" baseline="0" dirty="0">
+                <a:ln>
+                  <a:noFill/>
+                </a:ln>
+                <a:solidFill>
+                  <a:srgbClr val="A9B7C6"/>
+                </a:solidFill>
+                <a:effectLst/>
+                <a:latin typeface="JetBrains Mono"/>
+              </a:rPr>
+              <a:t>      </a:t>
+            </a:r>
+            <a:r>
+              <a:rPr kumimoji="0" lang="en-US" altLang="en-US" sz="1000" b="0" i="1" u="none" strike="noStrike" cap="none" normalizeH="0" baseline="0" dirty="0" err="1">
+                <a:ln>
+                  <a:noFill/>
+                </a:ln>
+                <a:solidFill>
+                  <a:srgbClr val="A9B7C6"/>
+                </a:solidFill>
+                <a:effectLst/>
+                <a:latin typeface="JetBrains Mono"/>
+              </a:rPr>
+              <a:t>println</a:t>
+            </a:r>
+            <a:r>
+              <a:rPr kumimoji="0" lang="en-US" altLang="en-US" sz="1000" b="0" i="0" u="none" strike="noStrike" cap="none" normalizeH="0" baseline="0" dirty="0">
+                <a:ln>
+                  <a:noFill/>
+                </a:ln>
+                <a:solidFill>
+                  <a:srgbClr val="A9B7C6"/>
+                </a:solidFill>
+                <a:effectLst/>
+                <a:latin typeface="JetBrains Mono"/>
+              </a:rPr>
+              <a:t>(</a:t>
+            </a:r>
+            <a:r>
+              <a:rPr kumimoji="0" lang="en-US" altLang="en-US" sz="1000" b="0" i="0" u="none" strike="noStrike" cap="none" normalizeH="0" baseline="0" dirty="0" err="1">
+                <a:ln>
+                  <a:noFill/>
+                </a:ln>
+                <a:solidFill>
+                  <a:srgbClr val="A9B7C6"/>
+                </a:solidFill>
+                <a:effectLst/>
+                <a:latin typeface="JetBrains Mono"/>
+              </a:rPr>
+              <a:t>i</a:t>
+            </a:r>
+            <a:r>
+              <a:rPr kumimoji="0" lang="en-US" altLang="en-US" sz="1000" b="0" i="0" u="none" strike="noStrike" cap="none" normalizeH="0" baseline="0" dirty="0">
+                <a:ln>
+                  <a:noFill/>
+                </a:ln>
+                <a:solidFill>
+                  <a:srgbClr val="A9B7C6"/>
+                </a:solidFill>
+                <a:effectLst/>
+                <a:latin typeface="JetBrains Mono"/>
+              </a:rPr>
+              <a:t>)</a:t>
+            </a:r>
+            <a:br>
+              <a:rPr kumimoji="0" lang="en-US" altLang="en-US" sz="1000" b="0" i="0" u="none" strike="noStrike" cap="none" normalizeH="0" baseline="0" dirty="0">
+                <a:ln>
+                  <a:noFill/>
+                </a:ln>
+                <a:solidFill>
+                  <a:srgbClr val="A9B7C6"/>
+                </a:solidFill>
+                <a:effectLst/>
+                <a:latin typeface="JetBrains Mono"/>
+              </a:rPr>
+            </a:br>
+            <a:r>
+              <a:rPr kumimoji="0" lang="en-US" altLang="en-US" sz="1000" b="0" i="0" u="none" strike="noStrike" cap="none" normalizeH="0" baseline="0" dirty="0">
+                <a:ln>
+                  <a:noFill/>
+                </a:ln>
+                <a:solidFill>
+                  <a:srgbClr val="A9B7C6"/>
+                </a:solidFill>
+                <a:effectLst/>
+                <a:latin typeface="JetBrains Mono"/>
+              </a:rPr>
+              <a:t>    }</a:t>
+            </a:r>
+            <a:br>
+              <a:rPr kumimoji="0" lang="en-US" altLang="en-US" sz="1000" b="0" i="0" u="none" strike="noStrike" cap="none" normalizeH="0" baseline="0" dirty="0">
+                <a:ln>
+                  <a:noFill/>
+                </a:ln>
+                <a:solidFill>
+                  <a:srgbClr val="A9B7C6"/>
+                </a:solidFill>
+                <a:effectLst/>
+                <a:latin typeface="JetBrains Mono"/>
+              </a:rPr>
+            </a:br>
+            <a:r>
+              <a:rPr kumimoji="0" lang="en-US" altLang="en-US" sz="1000" b="0" i="0" u="none" strike="noStrike" cap="none" normalizeH="0" baseline="0" dirty="0">
+                <a:ln>
+                  <a:noFill/>
+                </a:ln>
+                <a:solidFill>
+                  <a:srgbClr val="A9B7C6"/>
+                </a:solidFill>
+                <a:effectLst/>
+                <a:latin typeface="JetBrains Mono"/>
+              </a:rPr>
+              <a:t>}</a:t>
+            </a:r>
+            <a:endParaRPr kumimoji="0" lang="en-US" altLang="en-US" sz="1800" b="0" i="0" u="none" strike="noStrike" cap="none" normalizeH="0" baseline="0" dirty="0">
+              <a:ln>
+                <a:noFill/>
+              </a:ln>
+              <a:solidFill>
+                <a:schemeClr val="tx1"/>
+              </a:solidFill>
+              <a:effectLst/>
+              <a:latin typeface="Arial" panose="020B0604020202020204" pitchFamily="34" charset="0"/>
+            </a:endParaRPr>
+          </a:p>
+        </p:txBody>
+      </p:sp>
+      <p:sp>
+        <p:nvSpPr>
+          <p:cNvPr id="6" name="Rectangle 2">
+            <a:extLst>
+              <a:ext uri="{FF2B5EF4-FFF2-40B4-BE49-F238E27FC236}">
+                <a16:creationId xmlns:a16="http://schemas.microsoft.com/office/drawing/2014/main" id="{55CA71FB-9026-4F9B-A5F0-64D265CECDCC}"/>
+              </a:ext>
+            </a:extLst>
+          </p:cNvPr>
+          <p:cNvSpPr>
+            <a:spLocks noChangeArrowheads="1"/>
+          </p:cNvSpPr>
+          <p:nvPr/>
+        </p:nvSpPr>
+        <p:spPr bwMode="auto">
+          <a:xfrm>
+            <a:off x="3200398" y="2764875"/>
+            <a:ext cx="2837468" cy="1477328"/>
+          </a:xfrm>
+          <a:prstGeom prst="rect">
+            <a:avLst/>
+          </a:prstGeom>
+          <a:solidFill>
+            <a:srgbClr val="2B2B2B"/>
+          </a:solidFill>
+          <a:ln>
+            <a:noFill/>
+          </a:ln>
+          <a:effectLst/>
+          <a:extLst>
+            <a:ext uri="{91240B29-F687-4F45-9708-019B960494DF}">
+              <a14:hiddenLine xmlns:a14="http://schemas.microsoft.com/office/drawing/2010/main" w="9525">
+                <a:solidFill>
+                  <a:schemeClr val="tx1"/>
+                </a:solidFill>
+                <a:miter lim="800000"/>
+                <a:headEnd/>
+                <a:tailEnd/>
+              </a14:hiddenLine>
+            </a:ext>
+            <a:ext uri="{AF507438-7753-43E0-B8FC-AC1667EBCBE1}">
+              <a14:hiddenEffects xmlns:a14="http://schemas.microsoft.com/office/drawing/2010/main">
+                <a:effectLst>
+                  <a:outerShdw dist="35921" dir="2700000" algn="ctr" rotWithShape="0">
+                    <a:schemeClr val="bg2"/>
+                  </a:outerShdw>
+                </a:effectLst>
+              </a14:hiddenEffects>
+            </a:ext>
+          </a:extLst>
+        </p:spPr>
+        <p:txBody>
+          <a:bodyPr vert="horz" wrap="square" lIns="91440" tIns="45720" rIns="91440" bIns="45720" numCol="1" anchor="ctr" anchorCtr="0" compatLnSpc="1">
+            <a:prstTxWarp prst="textNoShape">
+              <a:avLst/>
+            </a:prstTxWarp>
+            <a:spAutoFit/>
+          </a:bodyPr>
+          <a:lstStyle/>
+          <a:p>
+            <a:pPr marL="0" marR="0" lvl="0" indent="0" algn="l" defTabSz="914400" rtl="0" eaLnBrk="0" fontAlgn="base" latinLnBrk="0" hangingPunct="0">
+              <a:lnSpc>
+                <a:spcPct val="100000"/>
+              </a:lnSpc>
+              <a:spcBef>
+                <a:spcPct val="0"/>
+              </a:spcBef>
+              <a:spcAft>
+                <a:spcPct val="0"/>
+              </a:spcAft>
+              <a:buClrTx/>
+              <a:buSzTx/>
+              <a:buFontTx/>
+              <a:buNone/>
+              <a:tabLst/>
+            </a:pPr>
+            <a:r>
+              <a:rPr kumimoji="0" lang="en-US" altLang="en-US" sz="1000" b="0" i="0" u="none" strike="noStrike" cap="none" normalizeH="0" baseline="0" dirty="0">
+                <a:ln>
+                  <a:noFill/>
+                </a:ln>
+                <a:solidFill>
+                  <a:srgbClr val="808080"/>
+                </a:solidFill>
+                <a:effectLst/>
+                <a:latin typeface="JetBrains Mono"/>
+              </a:rPr>
+              <a:t>*  </a:t>
+            </a:r>
+            <a:r>
+              <a:rPr kumimoji="0" lang="en-US" altLang="en-US" sz="1000" b="0" i="0" u="none" strike="noStrike" cap="none" normalizeH="0" baseline="0" dirty="0" err="1">
+                <a:ln>
+                  <a:noFill/>
+                </a:ln>
+                <a:solidFill>
+                  <a:srgbClr val="808080"/>
+                </a:solidFill>
+                <a:effectLst/>
+                <a:latin typeface="JetBrains Mono"/>
+              </a:rPr>
+              <a:t>Vòng</a:t>
+            </a:r>
+            <a:r>
+              <a:rPr kumimoji="0" lang="en-US" altLang="en-US" sz="1000" b="0" i="0" u="none" strike="noStrike" cap="none" normalizeH="0" baseline="0" dirty="0">
+                <a:ln>
+                  <a:noFill/>
+                </a:ln>
+                <a:solidFill>
+                  <a:srgbClr val="808080"/>
+                </a:solidFill>
+                <a:effectLst/>
+                <a:latin typeface="JetBrains Mono"/>
+              </a:rPr>
+              <a:t> </a:t>
+            </a:r>
+            <a:r>
+              <a:rPr kumimoji="0" lang="en-US" altLang="en-US" sz="1000" b="0" i="0" u="none" strike="noStrike" cap="none" normalizeH="0" baseline="0" dirty="0" err="1">
+                <a:ln>
+                  <a:noFill/>
+                </a:ln>
+                <a:solidFill>
+                  <a:srgbClr val="808080"/>
+                </a:solidFill>
+                <a:effectLst/>
+                <a:latin typeface="JetBrains Mono"/>
+              </a:rPr>
+              <a:t>lặp</a:t>
+            </a:r>
+            <a:r>
+              <a:rPr kumimoji="0" lang="en-US" altLang="en-US" sz="1000" b="0" i="0" u="none" strike="noStrike" cap="none" normalizeH="0" baseline="0" dirty="0">
+                <a:ln>
+                  <a:noFill/>
+                </a:ln>
+                <a:solidFill>
+                  <a:srgbClr val="808080"/>
+                </a:solidFill>
+                <a:effectLst/>
+                <a:latin typeface="JetBrains Mono"/>
+              </a:rPr>
+              <a:t> for </a:t>
+            </a:r>
+            <a:r>
+              <a:rPr kumimoji="0" lang="en-US" altLang="en-US" sz="1000" b="0" i="0" u="none" strike="noStrike" cap="none" normalizeH="0" baseline="0" dirty="0" err="1">
+                <a:ln>
+                  <a:noFill/>
+                </a:ln>
+                <a:solidFill>
+                  <a:srgbClr val="808080"/>
+                </a:solidFill>
+                <a:effectLst/>
+                <a:latin typeface="JetBrains Mono"/>
+              </a:rPr>
+              <a:t>kiểu</a:t>
+            </a:r>
+            <a:r>
+              <a:rPr kumimoji="0" lang="en-US" altLang="en-US" sz="1000" b="0" i="0" u="none" strike="noStrike" cap="none" normalizeH="0" baseline="0" dirty="0">
+                <a:ln>
+                  <a:noFill/>
+                </a:ln>
+                <a:solidFill>
+                  <a:srgbClr val="808080"/>
+                </a:solidFill>
+                <a:effectLst/>
+                <a:latin typeface="JetBrains Mono"/>
+              </a:rPr>
+              <a:t> half open range</a:t>
+            </a:r>
+            <a:br>
+              <a:rPr kumimoji="0" lang="en-US" altLang="en-US" sz="1000" b="0" i="0" u="none" strike="noStrike" cap="none" normalizeH="0" baseline="0" dirty="0">
+                <a:ln>
+                  <a:noFill/>
+                </a:ln>
+                <a:solidFill>
+                  <a:srgbClr val="808080"/>
+                </a:solidFill>
+                <a:effectLst/>
+                <a:latin typeface="JetBrains Mono"/>
+              </a:rPr>
+            </a:br>
+            <a:r>
+              <a:rPr kumimoji="0" lang="en-US" altLang="en-US" sz="1000" b="0" i="0" u="none" strike="noStrike" cap="none" normalizeH="0" baseline="0" dirty="0">
+                <a:ln>
+                  <a:noFill/>
+                </a:ln>
+                <a:solidFill>
+                  <a:srgbClr val="808080"/>
+                </a:solidFill>
+                <a:effectLst/>
+                <a:latin typeface="JetBrains Mono"/>
+              </a:rPr>
+              <a:t>*  </a:t>
+            </a:r>
+            <a:r>
+              <a:rPr kumimoji="0" lang="en-US" altLang="en-US" sz="1000" b="0" i="0" u="none" strike="noStrike" cap="none" normalizeH="0" baseline="0" dirty="0" err="1">
+                <a:ln>
+                  <a:noFill/>
+                </a:ln>
+                <a:solidFill>
+                  <a:srgbClr val="808080"/>
+                </a:solidFill>
+                <a:effectLst/>
+                <a:latin typeface="JetBrains Mono"/>
+              </a:rPr>
+              <a:t>cho</a:t>
+            </a:r>
+            <a:r>
+              <a:rPr kumimoji="0" lang="en-US" altLang="en-US" sz="1000" b="0" i="0" u="none" strike="noStrike" cap="none" normalizeH="0" baseline="0" dirty="0">
+                <a:ln>
+                  <a:noFill/>
+                </a:ln>
+                <a:solidFill>
+                  <a:srgbClr val="808080"/>
+                </a:solidFill>
+                <a:effectLst/>
+                <a:latin typeface="JetBrains Mono"/>
+              </a:rPr>
+              <a:t> </a:t>
+            </a:r>
+            <a:r>
+              <a:rPr kumimoji="0" lang="en-US" altLang="en-US" sz="1000" b="0" i="0" u="none" strike="noStrike" cap="none" normalizeH="0" baseline="0" dirty="0" err="1">
+                <a:ln>
+                  <a:noFill/>
+                </a:ln>
+                <a:solidFill>
+                  <a:srgbClr val="808080"/>
+                </a:solidFill>
+                <a:effectLst/>
+                <a:latin typeface="JetBrains Mono"/>
+              </a:rPr>
+              <a:t>chúng</a:t>
+            </a:r>
+            <a:r>
+              <a:rPr kumimoji="0" lang="en-US" altLang="en-US" sz="1000" b="0" i="0" u="none" strike="noStrike" cap="none" normalizeH="0" baseline="0" dirty="0">
+                <a:ln>
+                  <a:noFill/>
+                </a:ln>
+                <a:solidFill>
+                  <a:srgbClr val="808080"/>
+                </a:solidFill>
+                <a:effectLst/>
+                <a:latin typeface="JetBrains Mono"/>
+              </a:rPr>
+              <a:t> ta </a:t>
+            </a:r>
+            <a:r>
+              <a:rPr kumimoji="0" lang="en-US" altLang="en-US" sz="1000" b="0" i="0" u="none" strike="noStrike" cap="none" normalizeH="0" baseline="0" dirty="0" err="1">
+                <a:ln>
+                  <a:noFill/>
+                </a:ln>
+                <a:solidFill>
+                  <a:srgbClr val="808080"/>
+                </a:solidFill>
+                <a:effectLst/>
+                <a:latin typeface="JetBrains Mono"/>
+              </a:rPr>
+              <a:t>duyệt</a:t>
+            </a:r>
+            <a:r>
+              <a:rPr kumimoji="0" lang="en-US" altLang="en-US" sz="1000" b="0" i="0" u="none" strike="noStrike" cap="none" normalizeH="0" baseline="0" dirty="0">
+                <a:ln>
+                  <a:noFill/>
+                </a:ln>
+                <a:solidFill>
+                  <a:srgbClr val="808080"/>
+                </a:solidFill>
+                <a:effectLst/>
+                <a:latin typeface="JetBrains Mono"/>
+              </a:rPr>
+              <a:t> </a:t>
+            </a:r>
+            <a:r>
+              <a:rPr kumimoji="0" lang="en-US" altLang="en-US" sz="1000" b="0" i="0" u="none" strike="noStrike" cap="none" normalizeH="0" baseline="0" dirty="0" err="1">
+                <a:ln>
+                  <a:noFill/>
+                </a:ln>
+                <a:solidFill>
+                  <a:srgbClr val="808080"/>
+                </a:solidFill>
+                <a:effectLst/>
+                <a:latin typeface="JetBrains Mono"/>
+              </a:rPr>
+              <a:t>trong</a:t>
+            </a:r>
+            <a:r>
+              <a:rPr kumimoji="0" lang="en-US" altLang="en-US" sz="1000" b="0" i="0" u="none" strike="noStrike" cap="none" normalizeH="0" baseline="0" dirty="0">
+                <a:ln>
+                  <a:noFill/>
+                </a:ln>
+                <a:solidFill>
+                  <a:srgbClr val="808080"/>
+                </a:solidFill>
+                <a:effectLst/>
+                <a:latin typeface="JetBrains Mono"/>
+              </a:rPr>
+              <a:t> </a:t>
+            </a:r>
+            <a:r>
+              <a:rPr kumimoji="0" lang="en-US" altLang="en-US" sz="1000" b="0" i="0" u="none" strike="noStrike" cap="none" normalizeH="0" baseline="0" dirty="0" err="1">
+                <a:ln>
+                  <a:noFill/>
+                </a:ln>
+                <a:solidFill>
+                  <a:srgbClr val="808080"/>
+                </a:solidFill>
+                <a:effectLst/>
+                <a:latin typeface="JetBrains Mono"/>
+              </a:rPr>
+              <a:t>nửa</a:t>
+            </a:r>
+            <a:r>
+              <a:rPr kumimoji="0" lang="en-US" altLang="en-US" sz="1000" b="0" i="0" u="none" strike="noStrike" cap="none" normalizeH="0" baseline="0" dirty="0">
+                <a:ln>
+                  <a:noFill/>
+                </a:ln>
+                <a:solidFill>
+                  <a:srgbClr val="808080"/>
+                </a:solidFill>
+                <a:effectLst/>
+                <a:latin typeface="JetBrains Mono"/>
+              </a:rPr>
+              <a:t> </a:t>
+            </a:r>
+            <a:r>
+              <a:rPr kumimoji="0" lang="en-US" altLang="en-US" sz="1000" b="0" i="0" u="none" strike="noStrike" cap="none" normalizeH="0" baseline="0" dirty="0" err="1">
+                <a:ln>
+                  <a:noFill/>
+                </a:ln>
+                <a:solidFill>
+                  <a:srgbClr val="808080"/>
+                </a:solidFill>
+                <a:effectLst/>
+                <a:latin typeface="JetBrains Mono"/>
+              </a:rPr>
+              <a:t>đoạn</a:t>
+            </a:r>
+            <a:r>
+              <a:rPr kumimoji="0" lang="en-US" altLang="en-US" sz="1000" b="0" i="0" u="none" strike="noStrike" cap="none" normalizeH="0" baseline="0" dirty="0">
+                <a:ln>
+                  <a:noFill/>
+                </a:ln>
+                <a:solidFill>
+                  <a:srgbClr val="808080"/>
+                </a:solidFill>
+                <a:effectLst/>
+                <a:latin typeface="JetBrains Mono"/>
+              </a:rPr>
+              <a:t> [</a:t>
+            </a:r>
+            <a:r>
+              <a:rPr kumimoji="0" lang="en-US" altLang="en-US" sz="1000" b="0" i="0" u="none" strike="noStrike" cap="none" normalizeH="0" baseline="0" dirty="0" err="1">
+                <a:ln>
+                  <a:noFill/>
+                </a:ln>
+                <a:solidFill>
+                  <a:srgbClr val="808080"/>
+                </a:solidFill>
+                <a:effectLst/>
+                <a:latin typeface="JetBrains Mono"/>
+              </a:rPr>
+              <a:t>a;b</a:t>
+            </a:r>
+            <a:r>
+              <a:rPr kumimoji="0" lang="en-US" altLang="en-US" sz="1000" b="0" i="0" u="none" strike="noStrike" cap="none" normalizeH="0" baseline="0" dirty="0">
+                <a:ln>
+                  <a:noFill/>
+                </a:ln>
+                <a:solidFill>
+                  <a:srgbClr val="808080"/>
+                </a:solidFill>
+                <a:effectLst/>
+                <a:latin typeface="JetBrains Mono"/>
+              </a:rPr>
+              <a:t>)</a:t>
+            </a:r>
+            <a:br>
+              <a:rPr kumimoji="0" lang="en-US" altLang="en-US" sz="1000" b="0" i="0" u="none" strike="noStrike" cap="none" normalizeH="0" baseline="0" dirty="0">
+                <a:ln>
+                  <a:noFill/>
+                </a:ln>
+                <a:solidFill>
+                  <a:srgbClr val="808080"/>
+                </a:solidFill>
+                <a:effectLst/>
+                <a:latin typeface="JetBrains Mono"/>
+              </a:rPr>
+            </a:br>
+            <a:r>
+              <a:rPr kumimoji="0" lang="en-US" altLang="en-US" sz="1000" b="0" i="0" u="none" strike="noStrike" cap="none" normalizeH="0" baseline="0" dirty="0">
+                <a:ln>
+                  <a:noFill/>
+                </a:ln>
+                <a:solidFill>
+                  <a:srgbClr val="808080"/>
+                </a:solidFill>
+                <a:effectLst/>
+                <a:latin typeface="JetBrains Mono"/>
+              </a:rPr>
+              <a:t>* */</a:t>
+            </a:r>
+            <a:br>
+              <a:rPr kumimoji="0" lang="en-US" altLang="en-US" sz="1000" b="0" i="0" u="none" strike="noStrike" cap="none" normalizeH="0" baseline="0" dirty="0">
+                <a:ln>
+                  <a:noFill/>
+                </a:ln>
+                <a:solidFill>
+                  <a:srgbClr val="808080"/>
+                </a:solidFill>
+                <a:effectLst/>
+                <a:latin typeface="JetBrains Mono"/>
+              </a:rPr>
+            </a:br>
+            <a:r>
+              <a:rPr kumimoji="0" lang="en-US" altLang="en-US" sz="1000" b="0" i="0" u="none" strike="noStrike" cap="none" normalizeH="0" baseline="0" dirty="0">
+                <a:ln>
+                  <a:noFill/>
+                </a:ln>
+                <a:solidFill>
+                  <a:srgbClr val="CC7832"/>
+                </a:solidFill>
+                <a:effectLst/>
+                <a:latin typeface="JetBrains Mono"/>
+              </a:rPr>
+              <a:t>fun </a:t>
+            </a:r>
+            <a:r>
+              <a:rPr kumimoji="0" lang="en-US" altLang="en-US" sz="1000" b="0" i="0" u="none" strike="noStrike" cap="none" normalizeH="0" baseline="0" dirty="0" err="1">
+                <a:ln>
+                  <a:noFill/>
+                </a:ln>
+                <a:solidFill>
+                  <a:srgbClr val="FFC66D"/>
+                </a:solidFill>
+                <a:effectLst/>
+                <a:latin typeface="JetBrains Mono"/>
+              </a:rPr>
+              <a:t>demoForInKtHalfOpenRangeType</a:t>
+            </a:r>
+            <a:r>
+              <a:rPr kumimoji="0" lang="en-US" altLang="en-US" sz="1000" b="0" i="0" u="none" strike="noStrike" cap="none" normalizeH="0" baseline="0" dirty="0">
+                <a:ln>
+                  <a:noFill/>
+                </a:ln>
+                <a:solidFill>
+                  <a:srgbClr val="A9B7C6"/>
+                </a:solidFill>
+                <a:effectLst/>
+                <a:latin typeface="JetBrains Mono"/>
+              </a:rPr>
+              <a:t>(n: Int){</a:t>
+            </a:r>
+            <a:br>
+              <a:rPr kumimoji="0" lang="en-US" altLang="en-US" sz="1000" b="0" i="0" u="none" strike="noStrike" cap="none" normalizeH="0" baseline="0" dirty="0">
+                <a:ln>
+                  <a:noFill/>
+                </a:ln>
+                <a:solidFill>
+                  <a:srgbClr val="A9B7C6"/>
+                </a:solidFill>
+                <a:effectLst/>
+                <a:latin typeface="JetBrains Mono"/>
+              </a:rPr>
+            </a:br>
+            <a:r>
+              <a:rPr kumimoji="0" lang="en-US" altLang="en-US" sz="1000" b="0" i="0" u="none" strike="noStrike" cap="none" normalizeH="0" baseline="0" dirty="0">
+                <a:ln>
+                  <a:noFill/>
+                </a:ln>
+                <a:solidFill>
+                  <a:srgbClr val="A9B7C6"/>
+                </a:solidFill>
+                <a:effectLst/>
+                <a:latin typeface="JetBrains Mono"/>
+              </a:rPr>
+              <a:t>    </a:t>
+            </a:r>
+            <a:r>
+              <a:rPr kumimoji="0" lang="en-US" altLang="en-US" sz="1000" b="0" i="1" u="none" strike="noStrike" cap="none" normalizeH="0" baseline="0" dirty="0" err="1">
+                <a:ln>
+                  <a:noFill/>
+                </a:ln>
+                <a:solidFill>
+                  <a:srgbClr val="A9B7C6"/>
+                </a:solidFill>
+                <a:effectLst/>
+                <a:latin typeface="JetBrains Mono"/>
+              </a:rPr>
+              <a:t>println</a:t>
+            </a:r>
+            <a:r>
+              <a:rPr kumimoji="0" lang="en-US" altLang="en-US" sz="1000" b="0" i="0" u="none" strike="noStrike" cap="none" normalizeH="0" baseline="0" dirty="0">
+                <a:ln>
+                  <a:noFill/>
+                </a:ln>
+                <a:solidFill>
+                  <a:srgbClr val="A9B7C6"/>
+                </a:solidFill>
+                <a:effectLst/>
+                <a:latin typeface="JetBrains Mono"/>
+              </a:rPr>
+              <a:t>(</a:t>
+            </a:r>
+            <a:r>
+              <a:rPr kumimoji="0" lang="en-US" altLang="en-US" sz="1000" b="0" i="0" u="none" strike="noStrike" cap="none" normalizeH="0" baseline="0" dirty="0">
+                <a:ln>
+                  <a:noFill/>
+                </a:ln>
+                <a:solidFill>
+                  <a:srgbClr val="6A8759"/>
+                </a:solidFill>
+                <a:effectLst/>
+                <a:latin typeface="JetBrains Mono"/>
+              </a:rPr>
+              <a:t>"Log: </a:t>
+            </a:r>
+            <a:r>
+              <a:rPr kumimoji="0" lang="en-US" altLang="en-US" sz="1000" b="0" i="0" u="none" strike="noStrike" cap="none" normalizeH="0" baseline="0" dirty="0" err="1">
+                <a:ln>
+                  <a:noFill/>
+                </a:ln>
+                <a:solidFill>
+                  <a:srgbClr val="6A8759"/>
+                </a:solidFill>
+                <a:effectLst/>
+                <a:latin typeface="JetBrains Mono"/>
+              </a:rPr>
+              <a:t>demoForInKotlinHalfOpenRange</a:t>
+            </a:r>
+            <a:r>
+              <a:rPr kumimoji="0" lang="en-US" altLang="en-US" sz="1000" b="0" i="0" u="none" strike="noStrike" cap="none" normalizeH="0" baseline="0" dirty="0">
+                <a:ln>
+                  <a:noFill/>
+                </a:ln>
+                <a:solidFill>
+                  <a:srgbClr val="6A8759"/>
+                </a:solidFill>
+                <a:effectLst/>
+                <a:latin typeface="JetBrains Mono"/>
+              </a:rPr>
+              <a:t>: "</a:t>
+            </a:r>
+            <a:r>
+              <a:rPr kumimoji="0" lang="en-US" altLang="en-US" sz="1000" b="0" i="0" u="none" strike="noStrike" cap="none" normalizeH="0" baseline="0" dirty="0">
+                <a:ln>
+                  <a:noFill/>
+                </a:ln>
+                <a:solidFill>
+                  <a:srgbClr val="A9B7C6"/>
+                </a:solidFill>
+                <a:effectLst/>
+                <a:latin typeface="JetBrains Mono"/>
+              </a:rPr>
+              <a:t>)</a:t>
+            </a:r>
+            <a:br>
+              <a:rPr kumimoji="0" lang="en-US" altLang="en-US" sz="1000" b="0" i="0" u="none" strike="noStrike" cap="none" normalizeH="0" baseline="0" dirty="0">
+                <a:ln>
+                  <a:noFill/>
+                </a:ln>
+                <a:solidFill>
+                  <a:srgbClr val="A9B7C6"/>
+                </a:solidFill>
+                <a:effectLst/>
+                <a:latin typeface="JetBrains Mono"/>
+              </a:rPr>
+            </a:br>
+            <a:r>
+              <a:rPr kumimoji="0" lang="en-US" altLang="en-US" sz="1000" b="0" i="0" u="none" strike="noStrike" cap="none" normalizeH="0" baseline="0" dirty="0">
+                <a:ln>
+                  <a:noFill/>
+                </a:ln>
+                <a:solidFill>
+                  <a:srgbClr val="A9B7C6"/>
+                </a:solidFill>
+                <a:effectLst/>
+                <a:latin typeface="JetBrains Mono"/>
+              </a:rPr>
+              <a:t>    </a:t>
+            </a:r>
+            <a:r>
+              <a:rPr kumimoji="0" lang="en-US" altLang="en-US" sz="1000" b="0" i="0" u="none" strike="noStrike" cap="none" normalizeH="0" baseline="0" dirty="0">
+                <a:ln>
+                  <a:noFill/>
+                </a:ln>
+                <a:solidFill>
+                  <a:srgbClr val="CC7832"/>
+                </a:solidFill>
+                <a:effectLst/>
+                <a:latin typeface="JetBrains Mono"/>
+              </a:rPr>
+              <a:t>for</a:t>
+            </a:r>
+            <a:r>
+              <a:rPr kumimoji="0" lang="en-US" altLang="en-US" sz="1000" b="0" i="0" u="none" strike="noStrike" cap="none" normalizeH="0" baseline="0" dirty="0">
+                <a:ln>
+                  <a:noFill/>
+                </a:ln>
+                <a:solidFill>
+                  <a:srgbClr val="A9B7C6"/>
+                </a:solidFill>
+                <a:effectLst/>
+                <a:latin typeface="JetBrains Mono"/>
+              </a:rPr>
+              <a:t>(</a:t>
+            </a:r>
+            <a:r>
+              <a:rPr kumimoji="0" lang="en-US" altLang="en-US" sz="1000" b="0" i="0" u="none" strike="noStrike" cap="none" normalizeH="0" baseline="0" dirty="0" err="1">
+                <a:ln>
+                  <a:noFill/>
+                </a:ln>
+                <a:solidFill>
+                  <a:srgbClr val="A9B7C6"/>
+                </a:solidFill>
+                <a:effectLst/>
+                <a:latin typeface="JetBrains Mono"/>
+              </a:rPr>
+              <a:t>i</a:t>
+            </a:r>
+            <a:r>
+              <a:rPr kumimoji="0" lang="en-US" altLang="en-US" sz="1000" b="0" i="0" u="none" strike="noStrike" cap="none" normalizeH="0" baseline="0" dirty="0">
+                <a:ln>
+                  <a:noFill/>
+                </a:ln>
+                <a:solidFill>
+                  <a:srgbClr val="A9B7C6"/>
+                </a:solidFill>
+                <a:effectLst/>
+                <a:latin typeface="JetBrains Mono"/>
+              </a:rPr>
+              <a:t> </a:t>
+            </a:r>
+            <a:r>
+              <a:rPr kumimoji="0" lang="en-US" altLang="en-US" sz="1000" b="0" i="0" u="none" strike="noStrike" cap="none" normalizeH="0" baseline="0" dirty="0">
+                <a:ln>
+                  <a:noFill/>
+                </a:ln>
+                <a:solidFill>
+                  <a:srgbClr val="CC7832"/>
+                </a:solidFill>
+                <a:effectLst/>
+                <a:latin typeface="JetBrains Mono"/>
+              </a:rPr>
+              <a:t>in </a:t>
+            </a:r>
+            <a:r>
+              <a:rPr kumimoji="0" lang="en-US" altLang="en-US" sz="1000" b="0" i="0" u="none" strike="noStrike" cap="none" normalizeH="0" baseline="0" dirty="0">
+                <a:ln>
+                  <a:noFill/>
+                </a:ln>
+                <a:solidFill>
+                  <a:srgbClr val="6897BB"/>
+                </a:solidFill>
+                <a:effectLst/>
+                <a:latin typeface="JetBrains Mono"/>
+              </a:rPr>
+              <a:t>1 </a:t>
+            </a:r>
+            <a:r>
+              <a:rPr kumimoji="0" lang="en-US" altLang="en-US" sz="1000" b="0" i="1" u="none" strike="noStrike" cap="none" normalizeH="0" baseline="0" dirty="0">
+                <a:ln>
+                  <a:noFill/>
+                </a:ln>
+                <a:solidFill>
+                  <a:srgbClr val="FFC66D"/>
+                </a:solidFill>
+                <a:effectLst/>
+                <a:latin typeface="JetBrains Mono"/>
+              </a:rPr>
+              <a:t>until </a:t>
+            </a:r>
+            <a:r>
+              <a:rPr kumimoji="0" lang="en-US" altLang="en-US" sz="1000" b="0" i="0" u="none" strike="noStrike" cap="none" normalizeH="0" baseline="0" dirty="0">
+                <a:ln>
+                  <a:noFill/>
+                </a:ln>
+                <a:solidFill>
+                  <a:srgbClr val="A9B7C6"/>
+                </a:solidFill>
+                <a:effectLst/>
+                <a:latin typeface="JetBrains Mono"/>
+              </a:rPr>
+              <a:t>n  ){</a:t>
+            </a:r>
+            <a:br>
+              <a:rPr kumimoji="0" lang="en-US" altLang="en-US" sz="1000" b="0" i="0" u="none" strike="noStrike" cap="none" normalizeH="0" baseline="0" dirty="0">
+                <a:ln>
+                  <a:noFill/>
+                </a:ln>
+                <a:solidFill>
+                  <a:srgbClr val="A9B7C6"/>
+                </a:solidFill>
+                <a:effectLst/>
+                <a:latin typeface="JetBrains Mono"/>
+              </a:rPr>
+            </a:br>
+            <a:r>
+              <a:rPr kumimoji="0" lang="en-US" altLang="en-US" sz="1000" b="0" i="0" u="none" strike="noStrike" cap="none" normalizeH="0" baseline="0" dirty="0">
+                <a:ln>
+                  <a:noFill/>
+                </a:ln>
+                <a:solidFill>
+                  <a:srgbClr val="A9B7C6"/>
+                </a:solidFill>
+                <a:effectLst/>
+                <a:latin typeface="JetBrains Mono"/>
+              </a:rPr>
+              <a:t>        </a:t>
+            </a:r>
+            <a:r>
+              <a:rPr kumimoji="0" lang="en-US" altLang="en-US" sz="1000" b="0" i="1" u="none" strike="noStrike" cap="none" normalizeH="0" baseline="0" dirty="0" err="1">
+                <a:ln>
+                  <a:noFill/>
+                </a:ln>
+                <a:solidFill>
+                  <a:srgbClr val="A9B7C6"/>
+                </a:solidFill>
+                <a:effectLst/>
+                <a:latin typeface="JetBrains Mono"/>
+              </a:rPr>
+              <a:t>println</a:t>
+            </a:r>
+            <a:r>
+              <a:rPr kumimoji="0" lang="en-US" altLang="en-US" sz="1000" b="0" i="0" u="none" strike="noStrike" cap="none" normalizeH="0" baseline="0" dirty="0">
+                <a:ln>
+                  <a:noFill/>
+                </a:ln>
+                <a:solidFill>
+                  <a:srgbClr val="A9B7C6"/>
+                </a:solidFill>
+                <a:effectLst/>
+                <a:latin typeface="JetBrains Mono"/>
+              </a:rPr>
+              <a:t>(</a:t>
+            </a:r>
+            <a:r>
+              <a:rPr kumimoji="0" lang="en-US" altLang="en-US" sz="1000" b="0" i="0" u="none" strike="noStrike" cap="none" normalizeH="0" baseline="0" dirty="0" err="1">
+                <a:ln>
+                  <a:noFill/>
+                </a:ln>
+                <a:solidFill>
+                  <a:srgbClr val="A9B7C6"/>
+                </a:solidFill>
+                <a:effectLst/>
+                <a:latin typeface="JetBrains Mono"/>
+              </a:rPr>
+              <a:t>i</a:t>
+            </a:r>
+            <a:r>
+              <a:rPr kumimoji="0" lang="en-US" altLang="en-US" sz="1000" b="0" i="0" u="none" strike="noStrike" cap="none" normalizeH="0" baseline="0" dirty="0">
+                <a:ln>
+                  <a:noFill/>
+                </a:ln>
+                <a:solidFill>
+                  <a:srgbClr val="A9B7C6"/>
+                </a:solidFill>
+                <a:effectLst/>
+                <a:latin typeface="JetBrains Mono"/>
+              </a:rPr>
+              <a:t>)</a:t>
+            </a:r>
+            <a:br>
+              <a:rPr kumimoji="0" lang="en-US" altLang="en-US" sz="1000" b="0" i="0" u="none" strike="noStrike" cap="none" normalizeH="0" baseline="0" dirty="0">
+                <a:ln>
+                  <a:noFill/>
+                </a:ln>
+                <a:solidFill>
+                  <a:srgbClr val="A9B7C6"/>
+                </a:solidFill>
+                <a:effectLst/>
+                <a:latin typeface="JetBrains Mono"/>
+              </a:rPr>
+            </a:br>
+            <a:r>
+              <a:rPr kumimoji="0" lang="en-US" altLang="en-US" sz="1000" b="0" i="0" u="none" strike="noStrike" cap="none" normalizeH="0" baseline="0" dirty="0">
+                <a:ln>
+                  <a:noFill/>
+                </a:ln>
+                <a:solidFill>
+                  <a:srgbClr val="A9B7C6"/>
+                </a:solidFill>
+                <a:effectLst/>
+                <a:latin typeface="JetBrains Mono"/>
+              </a:rPr>
+              <a:t>    }</a:t>
+            </a:r>
+            <a:br>
+              <a:rPr kumimoji="0" lang="en-US" altLang="en-US" sz="1000" b="0" i="0" u="none" strike="noStrike" cap="none" normalizeH="0" baseline="0" dirty="0">
+                <a:ln>
+                  <a:noFill/>
+                </a:ln>
+                <a:solidFill>
+                  <a:srgbClr val="A9B7C6"/>
+                </a:solidFill>
+                <a:effectLst/>
+                <a:latin typeface="JetBrains Mono"/>
+              </a:rPr>
+            </a:br>
+            <a:r>
+              <a:rPr kumimoji="0" lang="en-US" altLang="en-US" sz="1000" b="0" i="0" u="none" strike="noStrike" cap="none" normalizeH="0" baseline="0" dirty="0">
+                <a:ln>
+                  <a:noFill/>
+                </a:ln>
+                <a:solidFill>
+                  <a:srgbClr val="A9B7C6"/>
+                </a:solidFill>
+                <a:effectLst/>
+                <a:latin typeface="JetBrains Mono"/>
+              </a:rPr>
+              <a:t>}</a:t>
+            </a:r>
+            <a:endParaRPr kumimoji="0" lang="en-US" altLang="en-US" sz="1800" b="0" i="0" u="none" strike="noStrike" cap="none" normalizeH="0" baseline="0" dirty="0">
+              <a:ln>
+                <a:noFill/>
+              </a:ln>
+              <a:solidFill>
+                <a:schemeClr val="tx1"/>
+              </a:solidFill>
+              <a:effectLst/>
+              <a:latin typeface="Arial" panose="020B0604020202020204" pitchFamily="34" charset="0"/>
+            </a:endParaRPr>
+          </a:p>
+        </p:txBody>
+      </p:sp>
+      <p:sp>
+        <p:nvSpPr>
+          <p:cNvPr id="7" name="Rectangle 3">
+            <a:extLst>
+              <a:ext uri="{FF2B5EF4-FFF2-40B4-BE49-F238E27FC236}">
+                <a16:creationId xmlns:a16="http://schemas.microsoft.com/office/drawing/2014/main" id="{A641115C-D0AB-45F4-865E-231C467FC278}"/>
+              </a:ext>
+            </a:extLst>
+          </p:cNvPr>
+          <p:cNvSpPr>
+            <a:spLocks noChangeArrowheads="1"/>
+          </p:cNvSpPr>
+          <p:nvPr/>
+        </p:nvSpPr>
+        <p:spPr bwMode="auto">
+          <a:xfrm>
+            <a:off x="6436543" y="2780987"/>
+            <a:ext cx="2529526" cy="1477328"/>
+          </a:xfrm>
+          <a:prstGeom prst="rect">
+            <a:avLst/>
+          </a:prstGeom>
+          <a:solidFill>
+            <a:srgbClr val="2B2B2B"/>
+          </a:solidFill>
+          <a:ln>
+            <a:noFill/>
+          </a:ln>
+          <a:effectLst/>
+          <a:extLst>
+            <a:ext uri="{91240B29-F687-4F45-9708-019B960494DF}">
+              <a14:hiddenLine xmlns:a14="http://schemas.microsoft.com/office/drawing/2010/main" w="9525">
+                <a:solidFill>
+                  <a:schemeClr val="tx1"/>
+                </a:solidFill>
+                <a:miter lim="800000"/>
+                <a:headEnd/>
+                <a:tailEnd/>
+              </a14:hiddenLine>
+            </a:ext>
+            <a:ext uri="{AF507438-7753-43E0-B8FC-AC1667EBCBE1}">
+              <a14:hiddenEffects xmlns:a14="http://schemas.microsoft.com/office/drawing/2010/main">
+                <a:effectLst>
+                  <a:outerShdw dist="35921" dir="2700000" algn="ctr" rotWithShape="0">
+                    <a:schemeClr val="bg2"/>
+                  </a:outerShdw>
+                </a:effectLst>
+              </a14:hiddenEffects>
+            </a:ext>
+          </a:extLst>
+        </p:spPr>
+        <p:txBody>
+          <a:bodyPr vert="horz" wrap="square" lIns="91440" tIns="45720" rIns="91440" bIns="45720" numCol="1" anchor="ctr" anchorCtr="0" compatLnSpc="1">
+            <a:prstTxWarp prst="textNoShape">
+              <a:avLst/>
+            </a:prstTxWarp>
+            <a:spAutoFit/>
+          </a:bodyPr>
+          <a:lstStyle/>
+          <a:p>
+            <a:pPr marL="0" marR="0" lvl="0" indent="0" algn="l" defTabSz="914400" rtl="0" eaLnBrk="0" fontAlgn="base" latinLnBrk="0" hangingPunct="0">
+              <a:lnSpc>
+                <a:spcPct val="100000"/>
+              </a:lnSpc>
+              <a:spcBef>
+                <a:spcPct val="0"/>
+              </a:spcBef>
+              <a:spcAft>
+                <a:spcPct val="0"/>
+              </a:spcAft>
+              <a:buClrTx/>
+              <a:buSzTx/>
+              <a:buFontTx/>
+              <a:buNone/>
+              <a:tabLst/>
+            </a:pPr>
+            <a:r>
+              <a:rPr kumimoji="0" lang="en-US" altLang="en-US" sz="1000" b="0" i="0" u="none" strike="noStrike" cap="none" normalizeH="0" baseline="0" dirty="0">
+                <a:ln>
+                  <a:noFill/>
+                </a:ln>
+                <a:solidFill>
+                  <a:srgbClr val="808080"/>
+                </a:solidFill>
+                <a:effectLst/>
+                <a:latin typeface="JetBrains Mono"/>
+              </a:rPr>
+              <a:t>* </a:t>
+            </a:r>
+            <a:r>
+              <a:rPr kumimoji="0" lang="en-US" altLang="en-US" sz="1000" b="0" i="0" u="none" strike="noStrike" cap="none" normalizeH="0" baseline="0" dirty="0" err="1">
+                <a:ln>
+                  <a:noFill/>
+                </a:ln>
+                <a:solidFill>
+                  <a:srgbClr val="808080"/>
+                </a:solidFill>
+                <a:effectLst/>
+                <a:latin typeface="JetBrains Mono"/>
+              </a:rPr>
+              <a:t>Vòng</a:t>
+            </a:r>
+            <a:r>
+              <a:rPr kumimoji="0" lang="en-US" altLang="en-US" sz="1000" b="0" i="0" u="none" strike="noStrike" cap="none" normalizeH="0" baseline="0" dirty="0">
+                <a:ln>
+                  <a:noFill/>
+                </a:ln>
+                <a:solidFill>
+                  <a:srgbClr val="808080"/>
+                </a:solidFill>
+                <a:effectLst/>
+                <a:latin typeface="JetBrains Mono"/>
+              </a:rPr>
+              <a:t> </a:t>
+            </a:r>
+            <a:r>
+              <a:rPr kumimoji="0" lang="en-US" altLang="en-US" sz="1000" b="0" i="0" u="none" strike="noStrike" cap="none" normalizeH="0" baseline="0" dirty="0" err="1">
+                <a:ln>
+                  <a:noFill/>
+                </a:ln>
+                <a:solidFill>
+                  <a:srgbClr val="808080"/>
+                </a:solidFill>
+                <a:effectLst/>
+                <a:latin typeface="JetBrains Mono"/>
+              </a:rPr>
+              <a:t>lặp</a:t>
+            </a:r>
+            <a:r>
+              <a:rPr kumimoji="0" lang="en-US" altLang="en-US" sz="1000" b="0" i="0" u="none" strike="noStrike" cap="none" normalizeH="0" baseline="0" dirty="0">
+                <a:ln>
+                  <a:noFill/>
+                </a:ln>
+                <a:solidFill>
+                  <a:srgbClr val="808080"/>
+                </a:solidFill>
+                <a:effectLst/>
+                <a:latin typeface="JetBrains Mono"/>
+              </a:rPr>
+              <a:t> for </a:t>
+            </a:r>
+            <a:r>
+              <a:rPr kumimoji="0" lang="en-US" altLang="en-US" sz="1000" b="0" i="0" u="none" strike="noStrike" cap="none" normalizeH="0" baseline="0" dirty="0" err="1">
+                <a:ln>
+                  <a:noFill/>
+                </a:ln>
+                <a:solidFill>
+                  <a:srgbClr val="808080"/>
+                </a:solidFill>
+                <a:effectLst/>
+                <a:latin typeface="JetBrains Mono"/>
+              </a:rPr>
+              <a:t>kiểu</a:t>
+            </a:r>
+            <a:r>
+              <a:rPr kumimoji="0" lang="en-US" altLang="en-US" sz="1000" b="0" i="0" u="none" strike="noStrike" cap="none" normalizeH="0" baseline="0" dirty="0">
+                <a:ln>
+                  <a:noFill/>
+                </a:ln>
+                <a:solidFill>
+                  <a:srgbClr val="808080"/>
+                </a:solidFill>
+                <a:effectLst/>
+                <a:latin typeface="JetBrains Mono"/>
+              </a:rPr>
+              <a:t> step &lt;--&gt;</a:t>
+            </a:r>
+            <a:br>
+              <a:rPr kumimoji="0" lang="en-US" altLang="en-US" sz="1000" b="0" i="0" u="none" strike="noStrike" cap="none" normalizeH="0" baseline="0" dirty="0">
+                <a:ln>
+                  <a:noFill/>
+                </a:ln>
+                <a:solidFill>
+                  <a:srgbClr val="808080"/>
+                </a:solidFill>
+                <a:effectLst/>
+                <a:latin typeface="JetBrains Mono"/>
+              </a:rPr>
+            </a:br>
+            <a:r>
+              <a:rPr kumimoji="0" lang="en-US" altLang="en-US" sz="1000" b="0" i="0" u="none" strike="noStrike" cap="none" normalizeH="0" baseline="0" dirty="0" err="1">
+                <a:ln>
+                  <a:noFill/>
+                </a:ln>
+                <a:solidFill>
+                  <a:srgbClr val="808080"/>
+                </a:solidFill>
+                <a:effectLst/>
+                <a:latin typeface="JetBrains Mono"/>
+              </a:rPr>
+              <a:t>vònglặp</a:t>
+            </a:r>
+            <a:r>
+              <a:rPr kumimoji="0" lang="en-US" altLang="en-US" sz="1000" b="0" i="0" u="none" strike="noStrike" cap="none" normalizeH="0" baseline="0" dirty="0">
+                <a:ln>
+                  <a:noFill/>
+                </a:ln>
+                <a:solidFill>
+                  <a:srgbClr val="808080"/>
+                </a:solidFill>
+                <a:effectLst/>
+                <a:latin typeface="JetBrains Mono"/>
+              </a:rPr>
+              <a:t> for(</a:t>
+            </a:r>
+            <a:r>
+              <a:rPr kumimoji="0" lang="en-US" altLang="en-US" sz="1000" b="0" i="0" u="none" strike="noStrike" cap="none" normalizeH="0" baseline="0" dirty="0" err="1">
+                <a:ln>
+                  <a:noFill/>
+                </a:ln>
+                <a:solidFill>
+                  <a:srgbClr val="808080"/>
+                </a:solidFill>
+                <a:effectLst/>
+                <a:latin typeface="JetBrains Mono"/>
+              </a:rPr>
+              <a:t>i</a:t>
+            </a:r>
+            <a:r>
+              <a:rPr kumimoji="0" lang="en-US" altLang="en-US" sz="1000" b="0" i="0" u="none" strike="noStrike" cap="none" normalizeH="0" baseline="0" dirty="0">
+                <a:ln>
+                  <a:noFill/>
+                </a:ln>
+                <a:solidFill>
+                  <a:srgbClr val="808080"/>
+                </a:solidFill>
+                <a:effectLst/>
+                <a:latin typeface="JetBrains Mono"/>
+              </a:rPr>
+              <a:t>=0;i&lt;</a:t>
+            </a:r>
+            <a:r>
+              <a:rPr kumimoji="0" lang="en-US" altLang="en-US" sz="1000" b="0" i="0" u="none" strike="noStrike" cap="none" normalizeH="0" baseline="0" dirty="0" err="1">
+                <a:ln>
+                  <a:noFill/>
+                </a:ln>
+                <a:solidFill>
+                  <a:srgbClr val="808080"/>
+                </a:solidFill>
+                <a:effectLst/>
+                <a:latin typeface="JetBrains Mono"/>
+              </a:rPr>
+              <a:t>n;i</a:t>
+            </a:r>
+            <a:r>
+              <a:rPr kumimoji="0" lang="en-US" altLang="en-US" sz="1000" b="0" i="0" u="none" strike="noStrike" cap="none" normalizeH="0" baseline="0" dirty="0">
+                <a:ln>
+                  <a:noFill/>
+                </a:ln>
+                <a:solidFill>
+                  <a:srgbClr val="808080"/>
+                </a:solidFill>
+                <a:effectLst/>
+                <a:latin typeface="JetBrains Mono"/>
+              </a:rPr>
+              <a:t>++)in java/</a:t>
+            </a:r>
+            <a:r>
+              <a:rPr kumimoji="0" lang="en-US" altLang="en-US" sz="1000" b="0" i="0" u="none" strike="noStrike" cap="none" normalizeH="0" baseline="0" dirty="0" err="1">
+                <a:ln>
+                  <a:noFill/>
+                </a:ln>
+                <a:solidFill>
+                  <a:srgbClr val="808080"/>
+                </a:solidFill>
+                <a:effectLst/>
+                <a:latin typeface="JetBrains Mono"/>
+              </a:rPr>
+              <a:t>c++</a:t>
+            </a:r>
+            <a:br>
+              <a:rPr kumimoji="0" lang="en-US" altLang="en-US" sz="1000" b="0" i="0" u="none" strike="noStrike" cap="none" normalizeH="0" baseline="0" dirty="0">
+                <a:ln>
+                  <a:noFill/>
+                </a:ln>
+                <a:solidFill>
+                  <a:srgbClr val="808080"/>
+                </a:solidFill>
+                <a:effectLst/>
+                <a:latin typeface="JetBrains Mono"/>
+              </a:rPr>
+            </a:br>
+            <a:r>
+              <a:rPr kumimoji="0" lang="en-US" altLang="en-US" sz="1000" b="0" i="0" u="none" strike="noStrike" cap="none" normalizeH="0" baseline="0" dirty="0">
+                <a:ln>
+                  <a:noFill/>
+                </a:ln>
+                <a:solidFill>
+                  <a:srgbClr val="808080"/>
+                </a:solidFill>
+                <a:effectLst/>
+                <a:latin typeface="JetBrains Mono"/>
+              </a:rPr>
+              <a:t>* */</a:t>
+            </a:r>
+            <a:br>
+              <a:rPr kumimoji="0" lang="en-US" altLang="en-US" sz="1000" b="0" i="0" u="none" strike="noStrike" cap="none" normalizeH="0" baseline="0" dirty="0">
+                <a:ln>
+                  <a:noFill/>
+                </a:ln>
+                <a:solidFill>
+                  <a:srgbClr val="808080"/>
+                </a:solidFill>
+                <a:effectLst/>
+                <a:latin typeface="JetBrains Mono"/>
+              </a:rPr>
+            </a:br>
+            <a:r>
+              <a:rPr kumimoji="0" lang="en-US" altLang="en-US" sz="1000" b="0" i="0" u="none" strike="noStrike" cap="none" normalizeH="0" baseline="0" dirty="0">
+                <a:ln>
+                  <a:noFill/>
+                </a:ln>
+                <a:solidFill>
+                  <a:srgbClr val="CC7832"/>
+                </a:solidFill>
+                <a:effectLst/>
+                <a:latin typeface="JetBrains Mono"/>
+              </a:rPr>
+              <a:t>fun </a:t>
+            </a:r>
+            <a:r>
+              <a:rPr kumimoji="0" lang="en-US" altLang="en-US" sz="1000" b="0" i="0" u="none" strike="noStrike" cap="none" normalizeH="0" baseline="0" dirty="0" err="1">
+                <a:ln>
+                  <a:noFill/>
+                </a:ln>
+                <a:solidFill>
+                  <a:srgbClr val="FFC66D"/>
+                </a:solidFill>
+                <a:effectLst/>
+                <a:latin typeface="JetBrains Mono"/>
+              </a:rPr>
+              <a:t>demoForInKtStepType</a:t>
+            </a:r>
+            <a:r>
+              <a:rPr kumimoji="0" lang="en-US" altLang="en-US" sz="1000" b="0" i="0" u="none" strike="noStrike" cap="none" normalizeH="0" baseline="0" dirty="0">
+                <a:ln>
+                  <a:noFill/>
+                </a:ln>
+                <a:solidFill>
+                  <a:srgbClr val="A9B7C6"/>
+                </a:solidFill>
+                <a:effectLst/>
+                <a:latin typeface="JetBrains Mono"/>
+              </a:rPr>
+              <a:t>(n: Int</a:t>
+            </a:r>
+            <a:r>
+              <a:rPr kumimoji="0" lang="en-US" altLang="en-US" sz="1000" b="0" i="0" u="none" strike="noStrike" cap="none" normalizeH="0" baseline="0" dirty="0">
+                <a:ln>
+                  <a:noFill/>
+                </a:ln>
+                <a:solidFill>
+                  <a:srgbClr val="CC7832"/>
+                </a:solidFill>
+                <a:effectLst/>
+                <a:latin typeface="JetBrains Mono"/>
+              </a:rPr>
+              <a:t>, </a:t>
+            </a:r>
+            <a:r>
+              <a:rPr kumimoji="0" lang="en-US" altLang="en-US" sz="1000" b="0" i="0" u="none" strike="noStrike" cap="none" normalizeH="0" baseline="0" dirty="0">
+                <a:ln>
+                  <a:noFill/>
+                </a:ln>
+                <a:solidFill>
+                  <a:srgbClr val="A9B7C6"/>
+                </a:solidFill>
+                <a:effectLst/>
+                <a:latin typeface="JetBrains Mono"/>
+              </a:rPr>
+              <a:t>x: Int){</a:t>
+            </a:r>
+            <a:br>
+              <a:rPr kumimoji="0" lang="en-US" altLang="en-US" sz="1000" b="0" i="0" u="none" strike="noStrike" cap="none" normalizeH="0" baseline="0" dirty="0">
+                <a:ln>
+                  <a:noFill/>
+                </a:ln>
+                <a:solidFill>
+                  <a:srgbClr val="A9B7C6"/>
+                </a:solidFill>
+                <a:effectLst/>
+                <a:latin typeface="JetBrains Mono"/>
+              </a:rPr>
+            </a:br>
+            <a:r>
+              <a:rPr kumimoji="0" lang="en-US" altLang="en-US" sz="1000" b="0" i="0" u="none" strike="noStrike" cap="none" normalizeH="0" baseline="0" dirty="0">
+                <a:ln>
+                  <a:noFill/>
+                </a:ln>
+                <a:solidFill>
+                  <a:srgbClr val="A9B7C6"/>
+                </a:solidFill>
+                <a:effectLst/>
+                <a:latin typeface="JetBrains Mono"/>
+              </a:rPr>
+              <a:t>    </a:t>
+            </a:r>
+            <a:r>
+              <a:rPr kumimoji="0" lang="en-US" altLang="en-US" sz="1000" b="0" i="1" u="none" strike="noStrike" cap="none" normalizeH="0" baseline="0" dirty="0" err="1">
+                <a:ln>
+                  <a:noFill/>
+                </a:ln>
+                <a:solidFill>
+                  <a:srgbClr val="A9B7C6"/>
+                </a:solidFill>
+                <a:effectLst/>
+                <a:latin typeface="JetBrains Mono"/>
+              </a:rPr>
+              <a:t>println</a:t>
+            </a:r>
+            <a:r>
+              <a:rPr kumimoji="0" lang="en-US" altLang="en-US" sz="1000" b="0" i="0" u="none" strike="noStrike" cap="none" normalizeH="0" baseline="0" dirty="0">
+                <a:ln>
+                  <a:noFill/>
+                </a:ln>
+                <a:solidFill>
+                  <a:srgbClr val="A9B7C6"/>
+                </a:solidFill>
+                <a:effectLst/>
+                <a:latin typeface="JetBrains Mono"/>
+              </a:rPr>
+              <a:t>(</a:t>
+            </a:r>
+            <a:r>
+              <a:rPr kumimoji="0" lang="en-US" altLang="en-US" sz="1000" b="0" i="0" u="none" strike="noStrike" cap="none" normalizeH="0" baseline="0" dirty="0">
+                <a:ln>
+                  <a:noFill/>
+                </a:ln>
+                <a:solidFill>
+                  <a:srgbClr val="6A8759"/>
+                </a:solidFill>
+                <a:effectLst/>
+                <a:latin typeface="JetBrains Mono"/>
+              </a:rPr>
+              <a:t>"Log: </a:t>
+            </a:r>
+            <a:r>
+              <a:rPr kumimoji="0" lang="en-US" altLang="en-US" sz="1000" b="0" i="0" u="none" strike="noStrike" cap="none" normalizeH="0" baseline="0" dirty="0" err="1">
+                <a:ln>
+                  <a:noFill/>
+                </a:ln>
+                <a:solidFill>
+                  <a:srgbClr val="6A8759"/>
+                </a:solidFill>
+                <a:effectLst/>
+                <a:latin typeface="JetBrains Mono"/>
+              </a:rPr>
+              <a:t>demoForInKotlinStepType</a:t>
+            </a:r>
+            <a:r>
+              <a:rPr kumimoji="0" lang="en-US" altLang="en-US" sz="1000" b="0" i="0" u="none" strike="noStrike" cap="none" normalizeH="0" baseline="0" dirty="0">
+                <a:ln>
+                  <a:noFill/>
+                </a:ln>
+                <a:solidFill>
+                  <a:srgbClr val="6A8759"/>
+                </a:solidFill>
+                <a:effectLst/>
+                <a:latin typeface="JetBrains Mono"/>
+              </a:rPr>
+              <a:t>: "</a:t>
+            </a:r>
+            <a:r>
+              <a:rPr kumimoji="0" lang="en-US" altLang="en-US" sz="1000" b="0" i="0" u="none" strike="noStrike" cap="none" normalizeH="0" baseline="0" dirty="0">
+                <a:ln>
+                  <a:noFill/>
+                </a:ln>
+                <a:solidFill>
+                  <a:srgbClr val="A9B7C6"/>
+                </a:solidFill>
+                <a:effectLst/>
+                <a:latin typeface="JetBrains Mono"/>
+              </a:rPr>
+              <a:t>)</a:t>
+            </a:r>
+            <a:br>
+              <a:rPr kumimoji="0" lang="en-US" altLang="en-US" sz="1000" b="0" i="0" u="none" strike="noStrike" cap="none" normalizeH="0" baseline="0" dirty="0">
+                <a:ln>
+                  <a:noFill/>
+                </a:ln>
+                <a:solidFill>
+                  <a:srgbClr val="A9B7C6"/>
+                </a:solidFill>
+                <a:effectLst/>
+                <a:latin typeface="JetBrains Mono"/>
+              </a:rPr>
+            </a:br>
+            <a:r>
+              <a:rPr kumimoji="0" lang="en-US" altLang="en-US" sz="1000" b="0" i="0" u="none" strike="noStrike" cap="none" normalizeH="0" baseline="0" dirty="0">
+                <a:ln>
+                  <a:noFill/>
+                </a:ln>
+                <a:solidFill>
+                  <a:srgbClr val="A9B7C6"/>
+                </a:solidFill>
+                <a:effectLst/>
+                <a:latin typeface="JetBrains Mono"/>
+              </a:rPr>
+              <a:t>    </a:t>
+            </a:r>
+            <a:r>
+              <a:rPr kumimoji="0" lang="en-US" altLang="en-US" sz="1000" b="0" i="0" u="none" strike="noStrike" cap="none" normalizeH="0" baseline="0" dirty="0">
+                <a:ln>
+                  <a:noFill/>
+                </a:ln>
+                <a:solidFill>
+                  <a:srgbClr val="CC7832"/>
+                </a:solidFill>
+                <a:effectLst/>
+                <a:latin typeface="JetBrains Mono"/>
+              </a:rPr>
+              <a:t>for </a:t>
+            </a:r>
+            <a:r>
+              <a:rPr kumimoji="0" lang="en-US" altLang="en-US" sz="1000" b="0" i="0" u="none" strike="noStrike" cap="none" normalizeH="0" baseline="0" dirty="0">
+                <a:ln>
+                  <a:noFill/>
+                </a:ln>
+                <a:solidFill>
+                  <a:srgbClr val="A9B7C6"/>
+                </a:solidFill>
+                <a:effectLst/>
+                <a:latin typeface="JetBrains Mono"/>
+              </a:rPr>
+              <a:t>(</a:t>
+            </a:r>
+            <a:r>
+              <a:rPr kumimoji="0" lang="en-US" altLang="en-US" sz="1000" b="0" i="0" u="none" strike="noStrike" cap="none" normalizeH="0" baseline="0" dirty="0" err="1">
+                <a:ln>
+                  <a:noFill/>
+                </a:ln>
+                <a:solidFill>
+                  <a:srgbClr val="A9B7C6"/>
+                </a:solidFill>
+                <a:effectLst/>
+                <a:latin typeface="JetBrains Mono"/>
+              </a:rPr>
+              <a:t>i</a:t>
+            </a:r>
+            <a:r>
+              <a:rPr kumimoji="0" lang="en-US" altLang="en-US" sz="1000" b="0" i="0" u="none" strike="noStrike" cap="none" normalizeH="0" baseline="0" dirty="0">
+                <a:ln>
+                  <a:noFill/>
+                </a:ln>
+                <a:solidFill>
+                  <a:srgbClr val="A9B7C6"/>
+                </a:solidFill>
+                <a:effectLst/>
+                <a:latin typeface="JetBrains Mono"/>
+              </a:rPr>
+              <a:t> </a:t>
+            </a:r>
+            <a:r>
+              <a:rPr kumimoji="0" lang="en-US" altLang="en-US" sz="1000" b="0" i="0" u="none" strike="noStrike" cap="none" normalizeH="0" baseline="0" dirty="0">
+                <a:ln>
+                  <a:noFill/>
+                </a:ln>
+                <a:solidFill>
+                  <a:srgbClr val="CC7832"/>
+                </a:solidFill>
+                <a:effectLst/>
+                <a:latin typeface="JetBrains Mono"/>
+              </a:rPr>
+              <a:t>in </a:t>
+            </a:r>
+            <a:r>
+              <a:rPr kumimoji="0" lang="en-US" altLang="en-US" sz="1000" b="0" i="0" u="none" strike="noStrike" cap="none" normalizeH="0" baseline="0" dirty="0">
+                <a:ln>
+                  <a:noFill/>
+                </a:ln>
+                <a:solidFill>
+                  <a:srgbClr val="6897BB"/>
+                </a:solidFill>
+                <a:effectLst/>
+                <a:latin typeface="JetBrains Mono"/>
+              </a:rPr>
+              <a:t>1</a:t>
+            </a:r>
+            <a:r>
+              <a:rPr kumimoji="0" lang="en-US" altLang="en-US" sz="1000" b="0" i="0" u="none" strike="noStrike" cap="none" normalizeH="0" baseline="0" dirty="0">
+                <a:ln>
+                  <a:noFill/>
+                </a:ln>
+                <a:solidFill>
+                  <a:srgbClr val="A9B7C6"/>
+                </a:solidFill>
+                <a:effectLst/>
+                <a:latin typeface="JetBrains Mono"/>
+              </a:rPr>
+              <a:t>..n </a:t>
+            </a:r>
+            <a:r>
+              <a:rPr kumimoji="0" lang="en-US" altLang="en-US" sz="1000" b="0" i="1" u="none" strike="noStrike" cap="none" normalizeH="0" baseline="0" dirty="0">
+                <a:ln>
+                  <a:noFill/>
+                </a:ln>
+                <a:solidFill>
+                  <a:srgbClr val="FFC66D"/>
+                </a:solidFill>
+                <a:effectLst/>
+                <a:latin typeface="JetBrains Mono"/>
+              </a:rPr>
+              <a:t>step </a:t>
+            </a:r>
+            <a:r>
+              <a:rPr kumimoji="0" lang="en-US" altLang="en-US" sz="1000" b="0" i="0" u="none" strike="noStrike" cap="none" normalizeH="0" baseline="0" dirty="0">
+                <a:ln>
+                  <a:noFill/>
+                </a:ln>
+                <a:solidFill>
+                  <a:srgbClr val="A9B7C6"/>
+                </a:solidFill>
+                <a:effectLst/>
+                <a:latin typeface="JetBrains Mono"/>
+              </a:rPr>
+              <a:t>x){</a:t>
+            </a:r>
+            <a:br>
+              <a:rPr kumimoji="0" lang="en-US" altLang="en-US" sz="1000" b="0" i="0" u="none" strike="noStrike" cap="none" normalizeH="0" baseline="0" dirty="0">
+                <a:ln>
+                  <a:noFill/>
+                </a:ln>
+                <a:solidFill>
+                  <a:srgbClr val="A9B7C6"/>
+                </a:solidFill>
+                <a:effectLst/>
+                <a:latin typeface="JetBrains Mono"/>
+              </a:rPr>
+            </a:br>
+            <a:r>
+              <a:rPr kumimoji="0" lang="en-US" altLang="en-US" sz="1000" b="0" i="0" u="none" strike="noStrike" cap="none" normalizeH="0" baseline="0" dirty="0">
+                <a:ln>
+                  <a:noFill/>
+                </a:ln>
+                <a:solidFill>
+                  <a:srgbClr val="A9B7C6"/>
+                </a:solidFill>
+                <a:effectLst/>
+                <a:latin typeface="JetBrains Mono"/>
+              </a:rPr>
+              <a:t>        </a:t>
+            </a:r>
+            <a:r>
+              <a:rPr kumimoji="0" lang="en-US" altLang="en-US" sz="1000" b="0" i="1" u="none" strike="noStrike" cap="none" normalizeH="0" baseline="0" dirty="0" err="1">
+                <a:ln>
+                  <a:noFill/>
+                </a:ln>
+                <a:solidFill>
+                  <a:srgbClr val="A9B7C6"/>
+                </a:solidFill>
+                <a:effectLst/>
+                <a:latin typeface="JetBrains Mono"/>
+              </a:rPr>
+              <a:t>println</a:t>
+            </a:r>
+            <a:r>
+              <a:rPr kumimoji="0" lang="en-US" altLang="en-US" sz="1000" b="0" i="0" u="none" strike="noStrike" cap="none" normalizeH="0" baseline="0" dirty="0">
+                <a:ln>
+                  <a:noFill/>
+                </a:ln>
+                <a:solidFill>
+                  <a:srgbClr val="A9B7C6"/>
+                </a:solidFill>
+                <a:effectLst/>
+                <a:latin typeface="JetBrains Mono"/>
+              </a:rPr>
+              <a:t>(</a:t>
+            </a:r>
+            <a:r>
+              <a:rPr kumimoji="0" lang="en-US" altLang="en-US" sz="1000" b="0" i="0" u="none" strike="noStrike" cap="none" normalizeH="0" baseline="0" dirty="0" err="1">
+                <a:ln>
+                  <a:noFill/>
+                </a:ln>
+                <a:solidFill>
+                  <a:srgbClr val="A9B7C6"/>
+                </a:solidFill>
+                <a:effectLst/>
+                <a:latin typeface="JetBrains Mono"/>
+              </a:rPr>
+              <a:t>i</a:t>
+            </a:r>
+            <a:r>
+              <a:rPr kumimoji="0" lang="en-US" altLang="en-US" sz="1000" b="0" i="0" u="none" strike="noStrike" cap="none" normalizeH="0" baseline="0" dirty="0">
+                <a:ln>
+                  <a:noFill/>
+                </a:ln>
+                <a:solidFill>
+                  <a:srgbClr val="A9B7C6"/>
+                </a:solidFill>
+                <a:effectLst/>
+                <a:latin typeface="JetBrains Mono"/>
+              </a:rPr>
+              <a:t>)</a:t>
+            </a:r>
+            <a:br>
+              <a:rPr kumimoji="0" lang="en-US" altLang="en-US" sz="1000" b="0" i="0" u="none" strike="noStrike" cap="none" normalizeH="0" baseline="0" dirty="0">
+                <a:ln>
+                  <a:noFill/>
+                </a:ln>
+                <a:solidFill>
+                  <a:srgbClr val="A9B7C6"/>
+                </a:solidFill>
+                <a:effectLst/>
+                <a:latin typeface="JetBrains Mono"/>
+              </a:rPr>
+            </a:br>
+            <a:r>
+              <a:rPr kumimoji="0" lang="en-US" altLang="en-US" sz="1000" b="0" i="0" u="none" strike="noStrike" cap="none" normalizeH="0" baseline="0" dirty="0">
+                <a:ln>
+                  <a:noFill/>
+                </a:ln>
+                <a:solidFill>
+                  <a:srgbClr val="A9B7C6"/>
+                </a:solidFill>
+                <a:effectLst/>
+                <a:latin typeface="JetBrains Mono"/>
+              </a:rPr>
+              <a:t>    }</a:t>
+            </a:r>
+            <a:br>
+              <a:rPr kumimoji="0" lang="en-US" altLang="en-US" sz="1000" b="0" i="0" u="none" strike="noStrike" cap="none" normalizeH="0" baseline="0" dirty="0">
+                <a:ln>
+                  <a:noFill/>
+                </a:ln>
+                <a:solidFill>
+                  <a:srgbClr val="A9B7C6"/>
+                </a:solidFill>
+                <a:effectLst/>
+                <a:latin typeface="JetBrains Mono"/>
+              </a:rPr>
+            </a:br>
+            <a:r>
+              <a:rPr kumimoji="0" lang="en-US" altLang="en-US" sz="1000" b="0" i="0" u="none" strike="noStrike" cap="none" normalizeH="0" baseline="0" dirty="0">
+                <a:ln>
+                  <a:noFill/>
+                </a:ln>
+                <a:solidFill>
+                  <a:srgbClr val="A9B7C6"/>
+                </a:solidFill>
+                <a:effectLst/>
+                <a:latin typeface="JetBrains Mono"/>
+              </a:rPr>
+              <a:t>}</a:t>
+            </a:r>
+            <a:endParaRPr kumimoji="0" lang="en-US" altLang="en-US" sz="1800" b="0" i="0" u="none" strike="noStrike" cap="none" normalizeH="0" baseline="0" dirty="0">
+              <a:ln>
+                <a:noFill/>
+              </a:ln>
+              <a:solidFill>
+                <a:schemeClr val="tx1"/>
+              </a:solidFill>
+              <a:effectLst/>
+              <a:latin typeface="Arial" panose="020B0604020202020204" pitchFamily="34" charset="0"/>
+            </a:endParaRPr>
+          </a:p>
+        </p:txBody>
+      </p:sp>
+      <p:sp>
+        <p:nvSpPr>
+          <p:cNvPr id="8" name="Rectangle 4">
+            <a:extLst>
+              <a:ext uri="{FF2B5EF4-FFF2-40B4-BE49-F238E27FC236}">
+                <a16:creationId xmlns:a16="http://schemas.microsoft.com/office/drawing/2014/main" id="{73FB03A8-D81E-49DE-9796-31127321CCE5}"/>
+              </a:ext>
+            </a:extLst>
+          </p:cNvPr>
+          <p:cNvSpPr>
+            <a:spLocks noChangeArrowheads="1"/>
+          </p:cNvSpPr>
+          <p:nvPr/>
+        </p:nvSpPr>
+        <p:spPr bwMode="auto">
+          <a:xfrm>
+            <a:off x="9364746" y="2780987"/>
+            <a:ext cx="2529527" cy="1477328"/>
+          </a:xfrm>
+          <a:prstGeom prst="rect">
+            <a:avLst/>
+          </a:prstGeom>
+          <a:solidFill>
+            <a:srgbClr val="2B2B2B"/>
+          </a:solidFill>
+          <a:ln>
+            <a:noFill/>
+          </a:ln>
+          <a:effectLst/>
+          <a:extLst>
+            <a:ext uri="{91240B29-F687-4F45-9708-019B960494DF}">
+              <a14:hiddenLine xmlns:a14="http://schemas.microsoft.com/office/drawing/2010/main" w="9525">
+                <a:solidFill>
+                  <a:schemeClr val="tx1"/>
+                </a:solidFill>
+                <a:miter lim="800000"/>
+                <a:headEnd/>
+                <a:tailEnd/>
+              </a14:hiddenLine>
+            </a:ext>
+            <a:ext uri="{AF507438-7753-43E0-B8FC-AC1667EBCBE1}">
+              <a14:hiddenEffects xmlns:a14="http://schemas.microsoft.com/office/drawing/2010/main">
+                <a:effectLst>
+                  <a:outerShdw dist="35921" dir="2700000" algn="ctr" rotWithShape="0">
+                    <a:schemeClr val="bg2"/>
+                  </a:outerShdw>
+                </a:effectLst>
+              </a14:hiddenEffects>
+            </a:ext>
+          </a:extLst>
+        </p:spPr>
+        <p:txBody>
+          <a:bodyPr vert="horz" wrap="square" lIns="91440" tIns="45720" rIns="91440" bIns="45720" numCol="1" anchor="ctr" anchorCtr="0" compatLnSpc="1">
+            <a:prstTxWarp prst="textNoShape">
+              <a:avLst/>
+            </a:prstTxWarp>
+            <a:spAutoFit/>
+          </a:bodyPr>
+          <a:lstStyle/>
+          <a:p>
+            <a:pPr marL="0" marR="0" lvl="0" indent="0" algn="l" defTabSz="914400" rtl="0" eaLnBrk="0" fontAlgn="base" latinLnBrk="0" hangingPunct="0">
+              <a:lnSpc>
+                <a:spcPct val="100000"/>
+              </a:lnSpc>
+              <a:spcBef>
+                <a:spcPct val="0"/>
+              </a:spcBef>
+              <a:spcAft>
+                <a:spcPct val="0"/>
+              </a:spcAft>
+              <a:buClrTx/>
+              <a:buSzTx/>
+              <a:buFontTx/>
+              <a:buNone/>
+              <a:tabLst/>
+            </a:pPr>
+            <a:r>
+              <a:rPr kumimoji="0" lang="en-US" altLang="en-US" sz="1000" b="0" i="0" u="none" strike="noStrike" cap="none" normalizeH="0" baseline="0" dirty="0">
+                <a:ln>
+                  <a:noFill/>
+                </a:ln>
+                <a:solidFill>
+                  <a:srgbClr val="808080"/>
+                </a:solidFill>
+                <a:effectLst/>
+                <a:latin typeface="JetBrains Mono"/>
+              </a:rPr>
+              <a:t>* </a:t>
+            </a:r>
+            <a:r>
+              <a:rPr kumimoji="0" lang="en-US" altLang="en-US" sz="1000" b="0" i="0" u="none" strike="noStrike" cap="none" normalizeH="0" baseline="0" dirty="0" err="1">
+                <a:ln>
+                  <a:noFill/>
+                </a:ln>
+                <a:solidFill>
+                  <a:srgbClr val="808080"/>
+                </a:solidFill>
+                <a:effectLst/>
+                <a:latin typeface="JetBrains Mono"/>
+              </a:rPr>
+              <a:t>Vòng</a:t>
+            </a:r>
+            <a:r>
+              <a:rPr kumimoji="0" lang="en-US" altLang="en-US" sz="1000" b="0" i="0" u="none" strike="noStrike" cap="none" normalizeH="0" baseline="0" dirty="0">
+                <a:ln>
+                  <a:noFill/>
+                </a:ln>
+                <a:solidFill>
+                  <a:srgbClr val="808080"/>
+                </a:solidFill>
+                <a:effectLst/>
+                <a:latin typeface="JetBrains Mono"/>
+              </a:rPr>
+              <a:t> </a:t>
+            </a:r>
+            <a:r>
+              <a:rPr kumimoji="0" lang="en-US" altLang="en-US" sz="1000" b="0" i="0" u="none" strike="noStrike" cap="none" normalizeH="0" baseline="0" dirty="0" err="1">
+                <a:ln>
+                  <a:noFill/>
+                </a:ln>
+                <a:solidFill>
+                  <a:srgbClr val="808080"/>
+                </a:solidFill>
+                <a:effectLst/>
+                <a:latin typeface="JetBrains Mono"/>
+              </a:rPr>
+              <a:t>lặp</a:t>
+            </a:r>
+            <a:r>
+              <a:rPr kumimoji="0" lang="en-US" altLang="en-US" sz="1000" b="0" i="0" u="none" strike="noStrike" cap="none" normalizeH="0" baseline="0" dirty="0">
+                <a:ln>
+                  <a:noFill/>
+                </a:ln>
+                <a:solidFill>
+                  <a:srgbClr val="808080"/>
+                </a:solidFill>
+                <a:effectLst/>
+                <a:latin typeface="JetBrains Mono"/>
+              </a:rPr>
+              <a:t> for </a:t>
+            </a:r>
+            <a:r>
+              <a:rPr kumimoji="0" lang="en-US" altLang="en-US" sz="1000" b="0" i="0" u="none" strike="noStrike" cap="none" normalizeH="0" baseline="0" dirty="0" err="1">
+                <a:ln>
+                  <a:noFill/>
+                </a:ln>
+                <a:solidFill>
+                  <a:srgbClr val="808080"/>
+                </a:solidFill>
+                <a:effectLst/>
+                <a:latin typeface="JetBrains Mono"/>
+              </a:rPr>
+              <a:t>kiểu</a:t>
+            </a:r>
+            <a:r>
+              <a:rPr kumimoji="0" lang="en-US" altLang="en-US" sz="1000" b="0" i="0" u="none" strike="noStrike" cap="none" normalizeH="0" baseline="0" dirty="0">
+                <a:ln>
+                  <a:noFill/>
+                </a:ln>
+                <a:solidFill>
+                  <a:srgbClr val="808080"/>
+                </a:solidFill>
+                <a:effectLst/>
+                <a:latin typeface="JetBrains Mono"/>
+              </a:rPr>
+              <a:t> </a:t>
+            </a:r>
+            <a:r>
+              <a:rPr kumimoji="0" lang="en-US" altLang="en-US" sz="1000" b="0" i="0" u="none" strike="noStrike" cap="none" normalizeH="0" baseline="0" dirty="0" err="1">
+                <a:ln>
+                  <a:noFill/>
+                </a:ln>
+                <a:solidFill>
+                  <a:srgbClr val="808080"/>
+                </a:solidFill>
+                <a:effectLst/>
+                <a:latin typeface="JetBrains Mono"/>
+              </a:rPr>
+              <a:t>downTo</a:t>
+            </a:r>
+            <a:r>
+              <a:rPr kumimoji="0" lang="en-US" altLang="en-US" sz="1000" b="0" i="0" u="none" strike="noStrike" cap="none" normalizeH="0" baseline="0" dirty="0">
+                <a:ln>
+                  <a:noFill/>
+                </a:ln>
+                <a:solidFill>
+                  <a:srgbClr val="808080"/>
+                </a:solidFill>
+                <a:effectLst/>
+                <a:latin typeface="JetBrains Mono"/>
+              </a:rPr>
+              <a:t> &lt;--&gt;</a:t>
+            </a:r>
+            <a:br>
+              <a:rPr kumimoji="0" lang="en-US" altLang="en-US" sz="1000" b="0" i="0" u="none" strike="noStrike" cap="none" normalizeH="0" baseline="0" dirty="0">
+                <a:ln>
+                  <a:noFill/>
+                </a:ln>
+                <a:solidFill>
+                  <a:srgbClr val="808080"/>
+                </a:solidFill>
+                <a:effectLst/>
+                <a:latin typeface="JetBrains Mono"/>
+              </a:rPr>
+            </a:br>
+            <a:r>
+              <a:rPr kumimoji="0" lang="en-US" altLang="en-US" sz="1000" b="0" i="0" u="none" strike="noStrike" cap="none" normalizeH="0" baseline="0" dirty="0" err="1">
+                <a:ln>
+                  <a:noFill/>
+                </a:ln>
+                <a:solidFill>
+                  <a:srgbClr val="808080"/>
+                </a:solidFill>
+                <a:effectLst/>
+                <a:latin typeface="JetBrains Mono"/>
+              </a:rPr>
+              <a:t>vòng</a:t>
+            </a:r>
+            <a:r>
+              <a:rPr kumimoji="0" lang="en-US" altLang="en-US" sz="1000" b="0" i="0" u="none" strike="noStrike" cap="none" normalizeH="0" baseline="0" dirty="0">
+                <a:ln>
+                  <a:noFill/>
+                </a:ln>
+                <a:solidFill>
+                  <a:srgbClr val="808080"/>
+                </a:solidFill>
+                <a:effectLst/>
+                <a:latin typeface="JetBrains Mono"/>
+              </a:rPr>
+              <a:t> </a:t>
+            </a:r>
+            <a:r>
+              <a:rPr kumimoji="0" lang="en-US" altLang="en-US" sz="1000" b="0" i="0" u="none" strike="noStrike" cap="none" normalizeH="0" baseline="0" dirty="0" err="1">
+                <a:ln>
+                  <a:noFill/>
+                </a:ln>
+                <a:solidFill>
+                  <a:srgbClr val="808080"/>
+                </a:solidFill>
+                <a:effectLst/>
+                <a:latin typeface="JetBrains Mono"/>
+              </a:rPr>
+              <a:t>lặp</a:t>
+            </a:r>
+            <a:r>
+              <a:rPr kumimoji="0" lang="en-US" altLang="en-US" sz="1000" b="0" i="0" u="none" strike="noStrike" cap="none" normalizeH="0" baseline="0" dirty="0">
+                <a:ln>
+                  <a:noFill/>
+                </a:ln>
+                <a:solidFill>
+                  <a:srgbClr val="808080"/>
+                </a:solidFill>
+                <a:effectLst/>
+                <a:latin typeface="JetBrains Mono"/>
+              </a:rPr>
+              <a:t> for(</a:t>
+            </a:r>
+            <a:r>
+              <a:rPr kumimoji="0" lang="en-US" altLang="en-US" sz="1000" b="0" i="0" u="none" strike="noStrike" cap="none" normalizeH="0" baseline="0" dirty="0" err="1">
+                <a:ln>
+                  <a:noFill/>
+                </a:ln>
+                <a:solidFill>
+                  <a:srgbClr val="808080"/>
+                </a:solidFill>
+                <a:effectLst/>
+                <a:latin typeface="JetBrains Mono"/>
+              </a:rPr>
+              <a:t>i</a:t>
+            </a:r>
+            <a:r>
+              <a:rPr kumimoji="0" lang="en-US" altLang="en-US" sz="1000" b="0" i="0" u="none" strike="noStrike" cap="none" normalizeH="0" baseline="0" dirty="0">
+                <a:ln>
+                  <a:noFill/>
+                </a:ln>
+                <a:solidFill>
+                  <a:srgbClr val="808080"/>
+                </a:solidFill>
+                <a:effectLst/>
+                <a:latin typeface="JetBrains Mono"/>
+              </a:rPr>
+              <a:t>=</a:t>
+            </a:r>
+            <a:r>
+              <a:rPr kumimoji="0" lang="en-US" altLang="en-US" sz="1000" b="0" i="0" u="none" strike="noStrike" cap="none" normalizeH="0" baseline="0" dirty="0" err="1">
+                <a:ln>
+                  <a:noFill/>
+                </a:ln>
+                <a:solidFill>
+                  <a:srgbClr val="808080"/>
+                </a:solidFill>
+                <a:effectLst/>
+                <a:latin typeface="JetBrains Mono"/>
+              </a:rPr>
+              <a:t>n;i</a:t>
+            </a:r>
+            <a:r>
+              <a:rPr kumimoji="0" lang="en-US" altLang="en-US" sz="1000" b="0" i="0" u="none" strike="noStrike" cap="none" normalizeH="0" baseline="0" dirty="0">
+                <a:ln>
+                  <a:noFill/>
+                </a:ln>
+                <a:solidFill>
+                  <a:srgbClr val="808080"/>
+                </a:solidFill>
+                <a:effectLst/>
+                <a:latin typeface="JetBrains Mono"/>
+              </a:rPr>
+              <a:t>&gt;0;i--)in java/</a:t>
+            </a:r>
+            <a:r>
+              <a:rPr kumimoji="0" lang="en-US" altLang="en-US" sz="1000" b="0" i="0" u="none" strike="noStrike" cap="none" normalizeH="0" baseline="0" dirty="0" err="1">
+                <a:ln>
+                  <a:noFill/>
+                </a:ln>
+                <a:solidFill>
+                  <a:srgbClr val="808080"/>
+                </a:solidFill>
+                <a:effectLst/>
+                <a:latin typeface="JetBrains Mono"/>
+              </a:rPr>
+              <a:t>c++</a:t>
+            </a:r>
+            <a:br>
+              <a:rPr kumimoji="0" lang="en-US" altLang="en-US" sz="1000" b="0" i="0" u="none" strike="noStrike" cap="none" normalizeH="0" baseline="0" dirty="0">
+                <a:ln>
+                  <a:noFill/>
+                </a:ln>
+                <a:solidFill>
+                  <a:srgbClr val="808080"/>
+                </a:solidFill>
+                <a:effectLst/>
+                <a:latin typeface="JetBrains Mono"/>
+              </a:rPr>
+            </a:br>
+            <a:r>
+              <a:rPr kumimoji="0" lang="en-US" altLang="en-US" sz="1000" b="0" i="0" u="none" strike="noStrike" cap="none" normalizeH="0" baseline="0" dirty="0">
+                <a:ln>
+                  <a:noFill/>
+                </a:ln>
+                <a:solidFill>
+                  <a:srgbClr val="808080"/>
+                </a:solidFill>
+                <a:effectLst/>
+                <a:latin typeface="JetBrains Mono"/>
+              </a:rPr>
+              <a:t>* */</a:t>
+            </a:r>
+            <a:br>
+              <a:rPr kumimoji="0" lang="en-US" altLang="en-US" sz="1000" b="0" i="0" u="none" strike="noStrike" cap="none" normalizeH="0" baseline="0" dirty="0">
+                <a:ln>
+                  <a:noFill/>
+                </a:ln>
+                <a:solidFill>
+                  <a:srgbClr val="808080"/>
+                </a:solidFill>
+                <a:effectLst/>
+                <a:latin typeface="JetBrains Mono"/>
+              </a:rPr>
+            </a:br>
+            <a:r>
+              <a:rPr kumimoji="0" lang="en-US" altLang="en-US" sz="1000" b="0" i="0" u="none" strike="noStrike" cap="none" normalizeH="0" baseline="0" dirty="0">
+                <a:ln>
+                  <a:noFill/>
+                </a:ln>
+                <a:solidFill>
+                  <a:srgbClr val="CC7832"/>
+                </a:solidFill>
+                <a:effectLst/>
+                <a:latin typeface="JetBrains Mono"/>
+              </a:rPr>
+              <a:t>fun </a:t>
+            </a:r>
+            <a:r>
+              <a:rPr kumimoji="0" lang="en-US" altLang="en-US" sz="1000" b="0" i="0" u="none" strike="noStrike" cap="none" normalizeH="0" baseline="0" dirty="0" err="1">
+                <a:ln>
+                  <a:noFill/>
+                </a:ln>
+                <a:solidFill>
+                  <a:srgbClr val="FFC66D"/>
+                </a:solidFill>
+                <a:effectLst/>
+                <a:latin typeface="JetBrains Mono"/>
+              </a:rPr>
+              <a:t>demoForInKtDownToType</a:t>
+            </a:r>
+            <a:r>
+              <a:rPr kumimoji="0" lang="en-US" altLang="en-US" sz="1000" b="0" i="0" u="none" strike="noStrike" cap="none" normalizeH="0" baseline="0" dirty="0">
+                <a:ln>
+                  <a:noFill/>
+                </a:ln>
+                <a:solidFill>
+                  <a:srgbClr val="A9B7C6"/>
+                </a:solidFill>
+                <a:effectLst/>
+                <a:latin typeface="JetBrains Mono"/>
+              </a:rPr>
+              <a:t>(n: Int){</a:t>
+            </a:r>
+            <a:br>
+              <a:rPr kumimoji="0" lang="en-US" altLang="en-US" sz="1000" b="0" i="0" u="none" strike="noStrike" cap="none" normalizeH="0" baseline="0" dirty="0">
+                <a:ln>
+                  <a:noFill/>
+                </a:ln>
+                <a:solidFill>
+                  <a:srgbClr val="A9B7C6"/>
+                </a:solidFill>
+                <a:effectLst/>
+                <a:latin typeface="JetBrains Mono"/>
+              </a:rPr>
+            </a:br>
+            <a:r>
+              <a:rPr kumimoji="0" lang="en-US" altLang="en-US" sz="1000" b="0" i="0" u="none" strike="noStrike" cap="none" normalizeH="0" baseline="0" dirty="0">
+                <a:ln>
+                  <a:noFill/>
+                </a:ln>
+                <a:solidFill>
+                  <a:srgbClr val="A9B7C6"/>
+                </a:solidFill>
+                <a:effectLst/>
+                <a:latin typeface="JetBrains Mono"/>
+              </a:rPr>
+              <a:t>    </a:t>
+            </a:r>
+            <a:r>
+              <a:rPr kumimoji="0" lang="en-US" altLang="en-US" sz="1000" b="0" i="1" u="none" strike="noStrike" cap="none" normalizeH="0" baseline="0" dirty="0" err="1">
+                <a:ln>
+                  <a:noFill/>
+                </a:ln>
+                <a:solidFill>
+                  <a:srgbClr val="A9B7C6"/>
+                </a:solidFill>
+                <a:effectLst/>
+                <a:latin typeface="JetBrains Mono"/>
+              </a:rPr>
+              <a:t>println</a:t>
+            </a:r>
+            <a:r>
+              <a:rPr kumimoji="0" lang="en-US" altLang="en-US" sz="1000" b="0" i="0" u="none" strike="noStrike" cap="none" normalizeH="0" baseline="0" dirty="0">
+                <a:ln>
+                  <a:noFill/>
+                </a:ln>
+                <a:solidFill>
+                  <a:srgbClr val="A9B7C6"/>
+                </a:solidFill>
+                <a:effectLst/>
+                <a:latin typeface="JetBrains Mono"/>
+              </a:rPr>
+              <a:t>(</a:t>
+            </a:r>
+            <a:r>
+              <a:rPr kumimoji="0" lang="en-US" altLang="en-US" sz="1000" b="0" i="0" u="none" strike="noStrike" cap="none" normalizeH="0" baseline="0" dirty="0">
+                <a:ln>
+                  <a:noFill/>
+                </a:ln>
+                <a:solidFill>
+                  <a:srgbClr val="6A8759"/>
+                </a:solidFill>
+                <a:effectLst/>
+                <a:latin typeface="JetBrains Mono"/>
+              </a:rPr>
+              <a:t>"Log: </a:t>
+            </a:r>
+            <a:r>
+              <a:rPr kumimoji="0" lang="en-US" altLang="en-US" sz="1000" b="0" i="0" u="none" strike="noStrike" cap="none" normalizeH="0" baseline="0" dirty="0" err="1">
+                <a:ln>
+                  <a:noFill/>
+                </a:ln>
+                <a:solidFill>
+                  <a:srgbClr val="6A8759"/>
+                </a:solidFill>
+                <a:effectLst/>
+                <a:latin typeface="JetBrains Mono"/>
+              </a:rPr>
+              <a:t>demoForInKtDownToType</a:t>
+            </a:r>
+            <a:r>
+              <a:rPr kumimoji="0" lang="en-US" altLang="en-US" sz="1000" b="0" i="0" u="none" strike="noStrike" cap="none" normalizeH="0" baseline="0" dirty="0">
+                <a:ln>
+                  <a:noFill/>
+                </a:ln>
+                <a:solidFill>
+                  <a:srgbClr val="6A8759"/>
+                </a:solidFill>
+                <a:effectLst/>
+                <a:latin typeface="JetBrains Mono"/>
+              </a:rPr>
+              <a:t>: "</a:t>
+            </a:r>
+            <a:r>
+              <a:rPr kumimoji="0" lang="en-US" altLang="en-US" sz="1000" b="0" i="0" u="none" strike="noStrike" cap="none" normalizeH="0" baseline="0" dirty="0">
+                <a:ln>
+                  <a:noFill/>
+                </a:ln>
+                <a:solidFill>
+                  <a:srgbClr val="A9B7C6"/>
+                </a:solidFill>
+                <a:effectLst/>
+                <a:latin typeface="JetBrains Mono"/>
+              </a:rPr>
+              <a:t>)</a:t>
+            </a:r>
+            <a:br>
+              <a:rPr kumimoji="0" lang="en-US" altLang="en-US" sz="1000" b="0" i="0" u="none" strike="noStrike" cap="none" normalizeH="0" baseline="0" dirty="0">
+                <a:ln>
+                  <a:noFill/>
+                </a:ln>
+                <a:solidFill>
+                  <a:srgbClr val="A9B7C6"/>
+                </a:solidFill>
+                <a:effectLst/>
+                <a:latin typeface="JetBrains Mono"/>
+              </a:rPr>
+            </a:br>
+            <a:r>
+              <a:rPr kumimoji="0" lang="en-US" altLang="en-US" sz="1000" b="0" i="0" u="none" strike="noStrike" cap="none" normalizeH="0" baseline="0" dirty="0">
+                <a:ln>
+                  <a:noFill/>
+                </a:ln>
+                <a:solidFill>
+                  <a:srgbClr val="A9B7C6"/>
+                </a:solidFill>
+                <a:effectLst/>
+                <a:latin typeface="JetBrains Mono"/>
+              </a:rPr>
+              <a:t>    </a:t>
+            </a:r>
+            <a:r>
+              <a:rPr kumimoji="0" lang="en-US" altLang="en-US" sz="1000" b="0" i="0" u="none" strike="noStrike" cap="none" normalizeH="0" baseline="0" dirty="0">
+                <a:ln>
+                  <a:noFill/>
+                </a:ln>
+                <a:solidFill>
+                  <a:srgbClr val="CC7832"/>
+                </a:solidFill>
+                <a:effectLst/>
+                <a:latin typeface="JetBrains Mono"/>
+              </a:rPr>
+              <a:t>for </a:t>
+            </a:r>
+            <a:r>
+              <a:rPr kumimoji="0" lang="en-US" altLang="en-US" sz="1000" b="0" i="0" u="none" strike="noStrike" cap="none" normalizeH="0" baseline="0" dirty="0">
+                <a:ln>
+                  <a:noFill/>
+                </a:ln>
+                <a:solidFill>
+                  <a:srgbClr val="A9B7C6"/>
+                </a:solidFill>
+                <a:effectLst/>
+                <a:latin typeface="JetBrains Mono"/>
+              </a:rPr>
+              <a:t>(</a:t>
+            </a:r>
+            <a:r>
+              <a:rPr kumimoji="0" lang="en-US" altLang="en-US" sz="1000" b="0" i="0" u="none" strike="noStrike" cap="none" normalizeH="0" baseline="0" dirty="0" err="1">
+                <a:ln>
+                  <a:noFill/>
+                </a:ln>
+                <a:solidFill>
+                  <a:srgbClr val="A9B7C6"/>
+                </a:solidFill>
+                <a:effectLst/>
+                <a:latin typeface="JetBrains Mono"/>
+              </a:rPr>
+              <a:t>i</a:t>
+            </a:r>
+            <a:r>
+              <a:rPr kumimoji="0" lang="en-US" altLang="en-US" sz="1000" b="0" i="0" u="none" strike="noStrike" cap="none" normalizeH="0" baseline="0" dirty="0">
+                <a:ln>
+                  <a:noFill/>
+                </a:ln>
+                <a:solidFill>
+                  <a:srgbClr val="A9B7C6"/>
+                </a:solidFill>
+                <a:effectLst/>
+                <a:latin typeface="JetBrains Mono"/>
+              </a:rPr>
+              <a:t> </a:t>
+            </a:r>
+            <a:r>
+              <a:rPr kumimoji="0" lang="en-US" altLang="en-US" sz="1000" b="0" i="0" u="none" strike="noStrike" cap="none" normalizeH="0" baseline="0" dirty="0">
+                <a:ln>
+                  <a:noFill/>
+                </a:ln>
+                <a:solidFill>
+                  <a:srgbClr val="CC7832"/>
+                </a:solidFill>
+                <a:effectLst/>
+                <a:latin typeface="JetBrains Mono"/>
+              </a:rPr>
+              <a:t>in </a:t>
+            </a:r>
+            <a:r>
+              <a:rPr kumimoji="0" lang="en-US" altLang="en-US" sz="1000" b="0" i="0" u="none" strike="noStrike" cap="none" normalizeH="0" baseline="0" dirty="0">
+                <a:ln>
+                  <a:noFill/>
+                </a:ln>
+                <a:solidFill>
+                  <a:srgbClr val="A9B7C6"/>
+                </a:solidFill>
+                <a:effectLst/>
+                <a:latin typeface="JetBrains Mono"/>
+              </a:rPr>
+              <a:t>n </a:t>
+            </a:r>
+            <a:r>
+              <a:rPr kumimoji="0" lang="en-US" altLang="en-US" sz="1000" b="0" i="1" u="none" strike="noStrike" cap="none" normalizeH="0" baseline="0" dirty="0" err="1">
+                <a:ln>
+                  <a:noFill/>
+                </a:ln>
+                <a:solidFill>
+                  <a:srgbClr val="FFC66D"/>
+                </a:solidFill>
+                <a:effectLst/>
+                <a:latin typeface="JetBrains Mono"/>
+              </a:rPr>
+              <a:t>downTo</a:t>
+            </a:r>
+            <a:r>
+              <a:rPr kumimoji="0" lang="en-US" altLang="en-US" sz="1000" b="0" i="1" u="none" strike="noStrike" cap="none" normalizeH="0" baseline="0" dirty="0">
+                <a:ln>
+                  <a:noFill/>
+                </a:ln>
+                <a:solidFill>
+                  <a:srgbClr val="FFC66D"/>
+                </a:solidFill>
+                <a:effectLst/>
+                <a:latin typeface="JetBrains Mono"/>
+              </a:rPr>
+              <a:t> </a:t>
+            </a:r>
+            <a:r>
+              <a:rPr kumimoji="0" lang="en-US" altLang="en-US" sz="1000" b="0" i="0" u="none" strike="noStrike" cap="none" normalizeH="0" baseline="0" dirty="0">
+                <a:ln>
+                  <a:noFill/>
+                </a:ln>
+                <a:solidFill>
+                  <a:srgbClr val="6897BB"/>
+                </a:solidFill>
+                <a:effectLst/>
+                <a:latin typeface="JetBrains Mono"/>
+              </a:rPr>
+              <a:t>1</a:t>
+            </a:r>
+            <a:r>
+              <a:rPr kumimoji="0" lang="en-US" altLang="en-US" sz="1000" b="0" i="0" u="none" strike="noStrike" cap="none" normalizeH="0" baseline="0" dirty="0">
+                <a:ln>
+                  <a:noFill/>
+                </a:ln>
+                <a:solidFill>
+                  <a:srgbClr val="A9B7C6"/>
+                </a:solidFill>
+                <a:effectLst/>
+                <a:latin typeface="JetBrains Mono"/>
+              </a:rPr>
+              <a:t>){</a:t>
+            </a:r>
+            <a:br>
+              <a:rPr kumimoji="0" lang="en-US" altLang="en-US" sz="1000" b="0" i="0" u="none" strike="noStrike" cap="none" normalizeH="0" baseline="0" dirty="0">
+                <a:ln>
+                  <a:noFill/>
+                </a:ln>
+                <a:solidFill>
+                  <a:srgbClr val="A9B7C6"/>
+                </a:solidFill>
+                <a:effectLst/>
+                <a:latin typeface="JetBrains Mono"/>
+              </a:rPr>
+            </a:br>
+            <a:r>
+              <a:rPr kumimoji="0" lang="en-US" altLang="en-US" sz="1000" b="0" i="0" u="none" strike="noStrike" cap="none" normalizeH="0" baseline="0" dirty="0">
+                <a:ln>
+                  <a:noFill/>
+                </a:ln>
+                <a:solidFill>
+                  <a:srgbClr val="A9B7C6"/>
+                </a:solidFill>
+                <a:effectLst/>
+                <a:latin typeface="JetBrains Mono"/>
+              </a:rPr>
+              <a:t>        </a:t>
+            </a:r>
+            <a:r>
+              <a:rPr kumimoji="0" lang="en-US" altLang="en-US" sz="1000" b="0" i="1" u="none" strike="noStrike" cap="none" normalizeH="0" baseline="0" dirty="0" err="1">
+                <a:ln>
+                  <a:noFill/>
+                </a:ln>
+                <a:solidFill>
+                  <a:srgbClr val="A9B7C6"/>
+                </a:solidFill>
+                <a:effectLst/>
+                <a:latin typeface="JetBrains Mono"/>
+              </a:rPr>
+              <a:t>println</a:t>
+            </a:r>
+            <a:r>
+              <a:rPr kumimoji="0" lang="en-US" altLang="en-US" sz="1000" b="0" i="0" u="none" strike="noStrike" cap="none" normalizeH="0" baseline="0" dirty="0">
+                <a:ln>
+                  <a:noFill/>
+                </a:ln>
+                <a:solidFill>
+                  <a:srgbClr val="A9B7C6"/>
+                </a:solidFill>
+                <a:effectLst/>
+                <a:latin typeface="JetBrains Mono"/>
+              </a:rPr>
+              <a:t>(</a:t>
+            </a:r>
+            <a:r>
+              <a:rPr kumimoji="0" lang="en-US" altLang="en-US" sz="1000" b="0" i="0" u="none" strike="noStrike" cap="none" normalizeH="0" baseline="0" dirty="0" err="1">
+                <a:ln>
+                  <a:noFill/>
+                </a:ln>
+                <a:solidFill>
+                  <a:srgbClr val="A9B7C6"/>
+                </a:solidFill>
+                <a:effectLst/>
+                <a:latin typeface="JetBrains Mono"/>
+              </a:rPr>
+              <a:t>i</a:t>
+            </a:r>
+            <a:r>
+              <a:rPr kumimoji="0" lang="en-US" altLang="en-US" sz="1000" b="0" i="0" u="none" strike="noStrike" cap="none" normalizeH="0" baseline="0" dirty="0">
+                <a:ln>
+                  <a:noFill/>
+                </a:ln>
+                <a:solidFill>
+                  <a:srgbClr val="A9B7C6"/>
+                </a:solidFill>
+                <a:effectLst/>
+                <a:latin typeface="JetBrains Mono"/>
+              </a:rPr>
+              <a:t>)</a:t>
+            </a:r>
+            <a:br>
+              <a:rPr kumimoji="0" lang="en-US" altLang="en-US" sz="1000" b="0" i="0" u="none" strike="noStrike" cap="none" normalizeH="0" baseline="0" dirty="0">
+                <a:ln>
+                  <a:noFill/>
+                </a:ln>
+                <a:solidFill>
+                  <a:srgbClr val="A9B7C6"/>
+                </a:solidFill>
+                <a:effectLst/>
+                <a:latin typeface="JetBrains Mono"/>
+              </a:rPr>
+            </a:br>
+            <a:r>
+              <a:rPr kumimoji="0" lang="en-US" altLang="en-US" sz="1000" b="0" i="0" u="none" strike="noStrike" cap="none" normalizeH="0" baseline="0" dirty="0">
+                <a:ln>
+                  <a:noFill/>
+                </a:ln>
+                <a:solidFill>
+                  <a:srgbClr val="A9B7C6"/>
+                </a:solidFill>
+                <a:effectLst/>
+                <a:latin typeface="JetBrains Mono"/>
+              </a:rPr>
+              <a:t>    }</a:t>
+            </a:r>
+            <a:br>
+              <a:rPr kumimoji="0" lang="en-US" altLang="en-US" sz="1000" b="0" i="0" u="none" strike="noStrike" cap="none" normalizeH="0" baseline="0" dirty="0">
+                <a:ln>
+                  <a:noFill/>
+                </a:ln>
+                <a:solidFill>
+                  <a:srgbClr val="A9B7C6"/>
+                </a:solidFill>
+                <a:effectLst/>
+                <a:latin typeface="JetBrains Mono"/>
+              </a:rPr>
+            </a:br>
+            <a:r>
+              <a:rPr kumimoji="0" lang="en-US" altLang="en-US" sz="1000" b="0" i="0" u="none" strike="noStrike" cap="none" normalizeH="0" baseline="0" dirty="0">
+                <a:ln>
+                  <a:noFill/>
+                </a:ln>
+                <a:solidFill>
+                  <a:srgbClr val="A9B7C6"/>
+                </a:solidFill>
+                <a:effectLst/>
+                <a:latin typeface="JetBrains Mono"/>
+              </a:rPr>
+              <a:t>}</a:t>
+            </a:r>
+            <a:endParaRPr kumimoji="0" lang="en-US" altLang="en-US" sz="1800" b="0" i="0" u="none" strike="noStrike" cap="none" normalizeH="0" baseline="0" dirty="0">
+              <a:ln>
+                <a:noFill/>
+              </a:ln>
+              <a:solidFill>
+                <a:schemeClr val="tx1"/>
+              </a:solidFill>
+              <a:effectLst/>
+              <a:latin typeface="Arial" panose="020B0604020202020204" pitchFamily="34" charset="0"/>
+            </a:endParaRPr>
+          </a:p>
+        </p:txBody>
+      </p:sp>
+      <p:sp>
+        <p:nvSpPr>
+          <p:cNvPr id="9" name="Rectangle 5">
+            <a:extLst>
+              <a:ext uri="{FF2B5EF4-FFF2-40B4-BE49-F238E27FC236}">
+                <a16:creationId xmlns:a16="http://schemas.microsoft.com/office/drawing/2014/main" id="{DCDC9430-FAEB-413F-8BC5-4FE68D5FA4BC}"/>
+              </a:ext>
+            </a:extLst>
+          </p:cNvPr>
+          <p:cNvSpPr>
+            <a:spLocks noChangeArrowheads="1"/>
+          </p:cNvSpPr>
+          <p:nvPr/>
+        </p:nvSpPr>
+        <p:spPr bwMode="auto">
+          <a:xfrm>
+            <a:off x="7915373" y="1107254"/>
+            <a:ext cx="3178407" cy="1477328"/>
+          </a:xfrm>
+          <a:prstGeom prst="rect">
+            <a:avLst/>
+          </a:prstGeom>
+          <a:solidFill>
+            <a:srgbClr val="2B2B2B"/>
+          </a:solidFill>
+          <a:ln>
+            <a:noFill/>
+          </a:ln>
+          <a:effectLst/>
+          <a:extLst>
+            <a:ext uri="{91240B29-F687-4F45-9708-019B960494DF}">
+              <a14:hiddenLine xmlns:a14="http://schemas.microsoft.com/office/drawing/2010/main" w="9525">
+                <a:solidFill>
+                  <a:schemeClr val="tx1"/>
+                </a:solidFill>
+                <a:miter lim="800000"/>
+                <a:headEnd/>
+                <a:tailEnd/>
+              </a14:hiddenLine>
+            </a:ext>
+            <a:ext uri="{AF507438-7753-43E0-B8FC-AC1667EBCBE1}">
+              <a14:hiddenEffects xmlns:a14="http://schemas.microsoft.com/office/drawing/2010/main">
+                <a:effectLst>
+                  <a:outerShdw dist="35921" dir="2700000" algn="ctr" rotWithShape="0">
+                    <a:schemeClr val="bg2"/>
+                  </a:outerShdw>
+                </a:effectLst>
+              </a14:hiddenEffects>
+            </a:ext>
+          </a:extLst>
+        </p:spPr>
+        <p:txBody>
+          <a:bodyPr vert="horz" wrap="square" lIns="91440" tIns="45720" rIns="91440" bIns="45720" numCol="1" anchor="ctr" anchorCtr="0" compatLnSpc="1">
+            <a:prstTxWarp prst="textNoShape">
+              <a:avLst/>
+            </a:prstTxWarp>
+            <a:spAutoFit/>
+          </a:bodyPr>
+          <a:lstStyle/>
+          <a:p>
+            <a:pPr marL="0" marR="0" lvl="0" indent="0" algn="l" defTabSz="914400" rtl="0" eaLnBrk="0" fontAlgn="base" latinLnBrk="0" hangingPunct="0">
+              <a:lnSpc>
+                <a:spcPct val="100000"/>
+              </a:lnSpc>
+              <a:spcBef>
+                <a:spcPct val="0"/>
+              </a:spcBef>
+              <a:spcAft>
+                <a:spcPct val="0"/>
+              </a:spcAft>
+              <a:buClrTx/>
+              <a:buSzTx/>
+              <a:buFontTx/>
+              <a:buNone/>
+              <a:tabLst/>
+            </a:pPr>
+            <a:r>
+              <a:rPr kumimoji="0" lang="en-US" altLang="en-US" sz="1000" b="0" i="0" u="none" strike="noStrike" cap="none" normalizeH="0" baseline="0" dirty="0">
+                <a:ln>
+                  <a:noFill/>
+                </a:ln>
+                <a:solidFill>
+                  <a:srgbClr val="808080"/>
+                </a:solidFill>
+                <a:effectLst/>
+                <a:latin typeface="JetBrains Mono"/>
+              </a:rPr>
+              <a:t>/* </a:t>
+            </a:r>
+            <a:r>
+              <a:rPr kumimoji="0" lang="en-US" altLang="en-US" sz="1000" b="0" i="0" u="none" strike="noStrike" cap="none" normalizeH="0" baseline="0" dirty="0" err="1">
+                <a:ln>
+                  <a:noFill/>
+                </a:ln>
+                <a:solidFill>
+                  <a:srgbClr val="808080"/>
+                </a:solidFill>
+                <a:effectLst/>
+                <a:latin typeface="JetBrains Mono"/>
+              </a:rPr>
+              <a:t>Vòng</a:t>
+            </a:r>
+            <a:r>
+              <a:rPr kumimoji="0" lang="en-US" altLang="en-US" sz="1000" b="0" i="0" u="none" strike="noStrike" cap="none" normalizeH="0" baseline="0" dirty="0">
+                <a:ln>
+                  <a:noFill/>
+                </a:ln>
+                <a:solidFill>
+                  <a:srgbClr val="808080"/>
+                </a:solidFill>
+                <a:effectLst/>
+                <a:latin typeface="JetBrains Mono"/>
+              </a:rPr>
+              <a:t> </a:t>
+            </a:r>
+            <a:r>
+              <a:rPr kumimoji="0" lang="en-US" altLang="en-US" sz="1000" b="0" i="0" u="none" strike="noStrike" cap="none" normalizeH="0" baseline="0" dirty="0" err="1">
+                <a:ln>
+                  <a:noFill/>
+                </a:ln>
+                <a:solidFill>
+                  <a:srgbClr val="808080"/>
+                </a:solidFill>
+                <a:effectLst/>
+                <a:latin typeface="JetBrains Mono"/>
+              </a:rPr>
+              <a:t>lặp</a:t>
+            </a:r>
+            <a:r>
+              <a:rPr kumimoji="0" lang="en-US" altLang="en-US" sz="1000" b="0" i="0" u="none" strike="noStrike" cap="none" normalizeH="0" baseline="0" dirty="0">
+                <a:ln>
+                  <a:noFill/>
+                </a:ln>
+                <a:solidFill>
+                  <a:srgbClr val="808080"/>
+                </a:solidFill>
+                <a:effectLst/>
+                <a:latin typeface="JetBrains Mono"/>
+              </a:rPr>
+              <a:t> for </a:t>
+            </a:r>
+            <a:r>
+              <a:rPr kumimoji="0" lang="en-US" altLang="en-US" sz="1000" b="0" i="0" u="none" strike="noStrike" cap="none" normalizeH="0" baseline="0" dirty="0" err="1">
+                <a:ln>
+                  <a:noFill/>
+                </a:ln>
+                <a:solidFill>
+                  <a:srgbClr val="808080"/>
+                </a:solidFill>
+                <a:effectLst/>
+                <a:latin typeface="JetBrains Mono"/>
+              </a:rPr>
+              <a:t>duyệt</a:t>
+            </a:r>
+            <a:r>
+              <a:rPr kumimoji="0" lang="en-US" altLang="en-US" sz="1000" b="0" i="0" u="none" strike="noStrike" cap="none" normalizeH="0" baseline="0" dirty="0">
+                <a:ln>
+                  <a:noFill/>
+                </a:ln>
+                <a:solidFill>
+                  <a:srgbClr val="808080"/>
+                </a:solidFill>
+                <a:effectLst/>
+                <a:latin typeface="JetBrains Mono"/>
+              </a:rPr>
+              <a:t> </a:t>
+            </a:r>
+            <a:r>
+              <a:rPr kumimoji="0" lang="en-US" altLang="en-US" sz="1000" b="0" i="0" u="none" strike="noStrike" cap="none" normalizeH="0" baseline="0" dirty="0" err="1">
+                <a:ln>
+                  <a:noFill/>
+                </a:ln>
+                <a:solidFill>
+                  <a:srgbClr val="808080"/>
+                </a:solidFill>
+                <a:effectLst/>
+                <a:latin typeface="JetBrains Mono"/>
+              </a:rPr>
+              <a:t>một</a:t>
+            </a:r>
+            <a:r>
+              <a:rPr kumimoji="0" lang="en-US" altLang="en-US" sz="1000" b="0" i="0" u="none" strike="noStrike" cap="none" normalizeH="0" baseline="0" dirty="0">
+                <a:ln>
+                  <a:noFill/>
+                </a:ln>
+                <a:solidFill>
+                  <a:srgbClr val="808080"/>
+                </a:solidFill>
+                <a:effectLst/>
+                <a:latin typeface="JetBrains Mono"/>
+              </a:rPr>
+              <a:t> </a:t>
+            </a:r>
+            <a:r>
+              <a:rPr kumimoji="0" lang="en-US" altLang="en-US" sz="1000" b="0" i="0" u="none" strike="noStrike" cap="none" normalizeH="0" baseline="0" dirty="0" err="1">
+                <a:ln>
+                  <a:noFill/>
+                </a:ln>
+                <a:solidFill>
+                  <a:srgbClr val="808080"/>
+                </a:solidFill>
+                <a:effectLst/>
+                <a:latin typeface="JetBrains Mono"/>
+              </a:rPr>
+              <a:t>tập</a:t>
+            </a:r>
+            <a:r>
+              <a:rPr kumimoji="0" lang="en-US" altLang="en-US" sz="1000" b="0" i="0" u="none" strike="noStrike" cap="none" normalizeH="0" baseline="0" dirty="0">
+                <a:ln>
+                  <a:noFill/>
+                </a:ln>
+                <a:solidFill>
+                  <a:srgbClr val="808080"/>
+                </a:solidFill>
+                <a:effectLst/>
+                <a:latin typeface="JetBrains Mono"/>
+              </a:rPr>
+              <a:t> </a:t>
+            </a:r>
+            <a:r>
+              <a:rPr kumimoji="0" lang="en-US" altLang="en-US" sz="1000" b="0" i="0" u="none" strike="noStrike" cap="none" normalizeH="0" baseline="0" dirty="0" err="1">
+                <a:ln>
+                  <a:noFill/>
+                </a:ln>
+                <a:solidFill>
+                  <a:srgbClr val="808080"/>
+                </a:solidFill>
+                <a:effectLst/>
+                <a:latin typeface="JetBrains Mono"/>
+              </a:rPr>
+              <a:t>các</a:t>
+            </a:r>
+            <a:r>
+              <a:rPr kumimoji="0" lang="en-US" altLang="en-US" sz="1000" b="0" i="0" u="none" strike="noStrike" cap="none" normalizeH="0" baseline="0" dirty="0">
+                <a:ln>
+                  <a:noFill/>
+                </a:ln>
+                <a:solidFill>
+                  <a:srgbClr val="808080"/>
+                </a:solidFill>
+                <a:effectLst/>
+                <a:latin typeface="JetBrains Mono"/>
+              </a:rPr>
+              <a:t> </a:t>
+            </a:r>
+            <a:r>
+              <a:rPr kumimoji="0" lang="en-US" altLang="en-US" sz="1000" b="0" i="0" u="none" strike="noStrike" cap="none" normalizeH="0" baseline="0" dirty="0" err="1">
+                <a:ln>
+                  <a:noFill/>
+                </a:ln>
+                <a:solidFill>
+                  <a:srgbClr val="808080"/>
+                </a:solidFill>
+                <a:effectLst/>
+                <a:latin typeface="JetBrains Mono"/>
+              </a:rPr>
+              <a:t>đối</a:t>
+            </a:r>
+            <a:r>
+              <a:rPr kumimoji="0" lang="en-US" altLang="en-US" sz="1000" b="0" i="0" u="none" strike="noStrike" cap="none" normalizeH="0" baseline="0" dirty="0">
+                <a:ln>
+                  <a:noFill/>
+                </a:ln>
+                <a:solidFill>
+                  <a:srgbClr val="808080"/>
+                </a:solidFill>
+                <a:effectLst/>
+                <a:latin typeface="JetBrains Mono"/>
+              </a:rPr>
+              <a:t> </a:t>
+            </a:r>
+            <a:r>
+              <a:rPr kumimoji="0" lang="en-US" altLang="en-US" sz="1000" b="0" i="0" u="none" strike="noStrike" cap="none" normalizeH="0" baseline="0" dirty="0" err="1">
+                <a:ln>
+                  <a:noFill/>
+                </a:ln>
+                <a:solidFill>
+                  <a:srgbClr val="808080"/>
+                </a:solidFill>
+                <a:effectLst/>
+                <a:latin typeface="JetBrains Mono"/>
+              </a:rPr>
+              <a:t>tượng</a:t>
+            </a:r>
+            <a:br>
+              <a:rPr kumimoji="0" lang="en-US" altLang="en-US" sz="1000" b="0" i="0" u="none" strike="noStrike" cap="none" normalizeH="0" baseline="0" dirty="0">
+                <a:ln>
+                  <a:noFill/>
+                </a:ln>
+                <a:solidFill>
+                  <a:srgbClr val="808080"/>
+                </a:solidFill>
+                <a:effectLst/>
+                <a:latin typeface="JetBrains Mono"/>
+              </a:rPr>
+            </a:br>
+            <a:r>
+              <a:rPr kumimoji="0" lang="en-US" altLang="en-US" sz="1000" b="0" i="0" u="none" strike="noStrike" cap="none" normalizeH="0" baseline="0" dirty="0">
+                <a:ln>
+                  <a:noFill/>
+                </a:ln>
+                <a:solidFill>
+                  <a:srgbClr val="808080"/>
+                </a:solidFill>
+                <a:effectLst/>
+                <a:latin typeface="JetBrains Mono"/>
+              </a:rPr>
+              <a:t>* */</a:t>
+            </a:r>
+            <a:br>
+              <a:rPr kumimoji="0" lang="en-US" altLang="en-US" sz="1000" b="0" i="0" u="none" strike="noStrike" cap="none" normalizeH="0" baseline="0" dirty="0">
+                <a:ln>
+                  <a:noFill/>
+                </a:ln>
+                <a:solidFill>
+                  <a:srgbClr val="808080"/>
+                </a:solidFill>
+                <a:effectLst/>
+                <a:latin typeface="JetBrains Mono"/>
+              </a:rPr>
+            </a:br>
+            <a:r>
+              <a:rPr kumimoji="0" lang="en-US" altLang="en-US" sz="1000" b="0" i="0" u="none" strike="noStrike" cap="none" normalizeH="0" baseline="0" dirty="0">
+                <a:ln>
+                  <a:noFill/>
+                </a:ln>
+                <a:solidFill>
+                  <a:srgbClr val="CC7832"/>
+                </a:solidFill>
+                <a:effectLst/>
+                <a:latin typeface="JetBrains Mono"/>
+              </a:rPr>
+              <a:t>fun </a:t>
+            </a:r>
+            <a:r>
+              <a:rPr kumimoji="0" lang="en-US" altLang="en-US" sz="1000" b="0" i="0" u="none" strike="noStrike" cap="none" normalizeH="0" baseline="0" dirty="0" err="1">
+                <a:ln>
+                  <a:noFill/>
+                </a:ln>
+                <a:solidFill>
+                  <a:srgbClr val="FFC66D"/>
+                </a:solidFill>
+                <a:effectLst/>
+                <a:latin typeface="JetBrains Mono"/>
+              </a:rPr>
+              <a:t>demoForInKtItemCollection</a:t>
+            </a:r>
+            <a:r>
+              <a:rPr kumimoji="0" lang="en-US" altLang="en-US" sz="1000" b="0" i="0" u="none" strike="noStrike" cap="none" normalizeH="0" baseline="0" dirty="0">
+                <a:ln>
+                  <a:noFill/>
+                </a:ln>
+                <a:solidFill>
+                  <a:srgbClr val="A9B7C6"/>
+                </a:solidFill>
+                <a:effectLst/>
+                <a:latin typeface="JetBrains Mono"/>
+              </a:rPr>
+              <a:t>(){</a:t>
+            </a:r>
+            <a:br>
+              <a:rPr kumimoji="0" lang="en-US" altLang="en-US" sz="1000" b="0" i="0" u="none" strike="noStrike" cap="none" normalizeH="0" baseline="0" dirty="0">
+                <a:ln>
+                  <a:noFill/>
+                </a:ln>
+                <a:solidFill>
+                  <a:srgbClr val="A9B7C6"/>
+                </a:solidFill>
+                <a:effectLst/>
+                <a:latin typeface="JetBrains Mono"/>
+              </a:rPr>
+            </a:br>
+            <a:r>
+              <a:rPr kumimoji="0" lang="en-US" altLang="en-US" sz="1000" b="0" i="0" u="none" strike="noStrike" cap="none" normalizeH="0" baseline="0" dirty="0">
+                <a:ln>
+                  <a:noFill/>
+                </a:ln>
+                <a:solidFill>
+                  <a:srgbClr val="A9B7C6"/>
+                </a:solidFill>
+                <a:effectLst/>
+                <a:latin typeface="JetBrains Mono"/>
+              </a:rPr>
+              <a:t>    </a:t>
+            </a:r>
+            <a:r>
+              <a:rPr kumimoji="0" lang="en-US" altLang="en-US" sz="1000" b="0" i="1" u="none" strike="noStrike" cap="none" normalizeH="0" baseline="0" dirty="0" err="1">
+                <a:ln>
+                  <a:noFill/>
+                </a:ln>
+                <a:solidFill>
+                  <a:srgbClr val="A9B7C6"/>
+                </a:solidFill>
+                <a:effectLst/>
+                <a:latin typeface="JetBrains Mono"/>
+              </a:rPr>
+              <a:t>println</a:t>
+            </a:r>
+            <a:r>
+              <a:rPr kumimoji="0" lang="en-US" altLang="en-US" sz="1000" b="0" i="0" u="none" strike="noStrike" cap="none" normalizeH="0" baseline="0" dirty="0">
+                <a:ln>
+                  <a:noFill/>
+                </a:ln>
+                <a:solidFill>
+                  <a:srgbClr val="A9B7C6"/>
+                </a:solidFill>
+                <a:effectLst/>
+                <a:latin typeface="JetBrains Mono"/>
+              </a:rPr>
+              <a:t>(</a:t>
+            </a:r>
+            <a:r>
+              <a:rPr kumimoji="0" lang="en-US" altLang="en-US" sz="1000" b="0" i="0" u="none" strike="noStrike" cap="none" normalizeH="0" baseline="0" dirty="0">
+                <a:ln>
+                  <a:noFill/>
+                </a:ln>
+                <a:solidFill>
+                  <a:srgbClr val="6A8759"/>
+                </a:solidFill>
+                <a:effectLst/>
+                <a:latin typeface="JetBrains Mono"/>
+              </a:rPr>
+              <a:t>"Log: </a:t>
+            </a:r>
+            <a:r>
+              <a:rPr kumimoji="0" lang="en-US" altLang="en-US" sz="1000" b="0" i="0" u="none" strike="noStrike" cap="none" normalizeH="0" baseline="0" dirty="0" err="1">
+                <a:ln>
+                  <a:noFill/>
+                </a:ln>
+                <a:solidFill>
+                  <a:srgbClr val="6A8759"/>
+                </a:solidFill>
+                <a:effectLst/>
+                <a:latin typeface="JetBrains Mono"/>
+              </a:rPr>
+              <a:t>demoForInKtItemCollection</a:t>
+            </a:r>
+            <a:r>
+              <a:rPr kumimoji="0" lang="en-US" altLang="en-US" sz="1000" b="0" i="0" u="none" strike="noStrike" cap="none" normalizeH="0" baseline="0" dirty="0">
+                <a:ln>
+                  <a:noFill/>
+                </a:ln>
+                <a:solidFill>
+                  <a:srgbClr val="6A8759"/>
+                </a:solidFill>
+                <a:effectLst/>
+                <a:latin typeface="JetBrains Mono"/>
+              </a:rPr>
+              <a:t>"</a:t>
+            </a:r>
+            <a:r>
+              <a:rPr kumimoji="0" lang="en-US" altLang="en-US" sz="1000" b="0" i="0" u="none" strike="noStrike" cap="none" normalizeH="0" baseline="0" dirty="0">
+                <a:ln>
+                  <a:noFill/>
+                </a:ln>
+                <a:solidFill>
+                  <a:srgbClr val="A9B7C6"/>
+                </a:solidFill>
+                <a:effectLst/>
+                <a:latin typeface="JetBrains Mono"/>
+              </a:rPr>
+              <a:t>)</a:t>
+            </a:r>
+            <a:br>
+              <a:rPr kumimoji="0" lang="en-US" altLang="en-US" sz="1000" b="0" i="0" u="none" strike="noStrike" cap="none" normalizeH="0" baseline="0" dirty="0">
+                <a:ln>
+                  <a:noFill/>
+                </a:ln>
+                <a:solidFill>
+                  <a:srgbClr val="A9B7C6"/>
+                </a:solidFill>
+                <a:effectLst/>
+                <a:latin typeface="JetBrains Mono"/>
+              </a:rPr>
+            </a:br>
+            <a:r>
+              <a:rPr kumimoji="0" lang="en-US" altLang="en-US" sz="1000" b="0" i="0" u="none" strike="noStrike" cap="none" normalizeH="0" baseline="0" dirty="0">
+                <a:ln>
+                  <a:noFill/>
+                </a:ln>
+                <a:solidFill>
+                  <a:srgbClr val="A9B7C6"/>
+                </a:solidFill>
+                <a:effectLst/>
+                <a:latin typeface="JetBrains Mono"/>
+              </a:rPr>
+              <a:t>    </a:t>
+            </a:r>
+            <a:r>
+              <a:rPr kumimoji="0" lang="en-US" altLang="en-US" sz="1000" b="0" i="0" u="none" strike="noStrike" cap="none" normalizeH="0" baseline="0" dirty="0">
+                <a:ln>
+                  <a:noFill/>
+                </a:ln>
+                <a:solidFill>
+                  <a:srgbClr val="CC7832"/>
+                </a:solidFill>
+                <a:effectLst/>
+                <a:latin typeface="JetBrains Mono"/>
+              </a:rPr>
+              <a:t>var </a:t>
+            </a:r>
+            <a:r>
+              <a:rPr kumimoji="0" lang="en-US" altLang="en-US" sz="1000" b="0" i="0" u="none" strike="noStrike" cap="none" normalizeH="0" baseline="0" dirty="0">
+                <a:ln>
+                  <a:noFill/>
+                </a:ln>
+                <a:solidFill>
+                  <a:srgbClr val="A9B7C6"/>
+                </a:solidFill>
+                <a:effectLst/>
+                <a:latin typeface="JetBrains Mono"/>
+              </a:rPr>
+              <a:t>tech = </a:t>
+            </a:r>
+            <a:r>
+              <a:rPr kumimoji="0" lang="en-US" altLang="en-US" sz="1000" b="0" i="1" u="none" strike="noStrike" cap="none" normalizeH="0" baseline="0" dirty="0" err="1">
+                <a:ln>
+                  <a:noFill/>
+                </a:ln>
+                <a:solidFill>
+                  <a:srgbClr val="A9B7C6"/>
+                </a:solidFill>
+                <a:effectLst/>
+                <a:latin typeface="JetBrains Mono"/>
+              </a:rPr>
+              <a:t>arrayOf</a:t>
+            </a:r>
+            <a:r>
+              <a:rPr kumimoji="0" lang="en-US" altLang="en-US" sz="1000" b="0" i="0" u="none" strike="noStrike" cap="none" normalizeH="0" baseline="0" dirty="0">
+                <a:ln>
+                  <a:noFill/>
+                </a:ln>
+                <a:solidFill>
+                  <a:srgbClr val="A9B7C6"/>
+                </a:solidFill>
+                <a:effectLst/>
+                <a:latin typeface="JetBrains Mono"/>
+              </a:rPr>
+              <a:t>(</a:t>
+            </a:r>
+            <a:r>
+              <a:rPr kumimoji="0" lang="en-US" altLang="en-US" sz="1000" b="0" i="0" u="none" strike="noStrike" cap="none" normalizeH="0" baseline="0" dirty="0">
+                <a:ln>
+                  <a:noFill/>
+                </a:ln>
+                <a:solidFill>
+                  <a:srgbClr val="6A8759"/>
+                </a:solidFill>
+                <a:effectLst/>
+                <a:latin typeface="JetBrains Mono"/>
+              </a:rPr>
+              <a:t>"C++"</a:t>
+            </a:r>
+            <a:r>
+              <a:rPr kumimoji="0" lang="en-US" altLang="en-US" sz="1000" b="0" i="0" u="none" strike="noStrike" cap="none" normalizeH="0" baseline="0" dirty="0">
+                <a:ln>
+                  <a:noFill/>
+                </a:ln>
+                <a:solidFill>
+                  <a:srgbClr val="CC7832"/>
+                </a:solidFill>
+                <a:effectLst/>
+                <a:latin typeface="JetBrains Mono"/>
+              </a:rPr>
+              <a:t>, </a:t>
+            </a:r>
+            <a:r>
+              <a:rPr kumimoji="0" lang="en-US" altLang="en-US" sz="1000" b="0" i="0" u="none" strike="noStrike" cap="none" normalizeH="0" baseline="0" dirty="0">
+                <a:ln>
+                  <a:noFill/>
+                </a:ln>
+                <a:solidFill>
+                  <a:srgbClr val="6A8759"/>
+                </a:solidFill>
+                <a:effectLst/>
+                <a:latin typeface="JetBrains Mono"/>
+              </a:rPr>
+              <a:t>"Java"</a:t>
+            </a:r>
+            <a:r>
+              <a:rPr kumimoji="0" lang="en-US" altLang="en-US" sz="1000" b="0" i="0" u="none" strike="noStrike" cap="none" normalizeH="0" baseline="0" dirty="0">
+                <a:ln>
+                  <a:noFill/>
+                </a:ln>
+                <a:solidFill>
+                  <a:srgbClr val="CC7832"/>
+                </a:solidFill>
+                <a:effectLst/>
+                <a:latin typeface="JetBrains Mono"/>
+              </a:rPr>
+              <a:t>, </a:t>
+            </a:r>
+            <a:r>
+              <a:rPr kumimoji="0" lang="en-US" altLang="en-US" sz="1000" b="0" i="0" u="none" strike="noStrike" cap="none" normalizeH="0" baseline="0" dirty="0">
+                <a:ln>
+                  <a:noFill/>
+                </a:ln>
+                <a:solidFill>
+                  <a:srgbClr val="6A8759"/>
+                </a:solidFill>
+                <a:effectLst/>
+                <a:latin typeface="JetBrains Mono"/>
+              </a:rPr>
+              <a:t>"Kotlin"</a:t>
+            </a:r>
+            <a:r>
+              <a:rPr kumimoji="0" lang="en-US" altLang="en-US" sz="1000" b="0" i="0" u="none" strike="noStrike" cap="none" normalizeH="0" baseline="0" dirty="0">
+                <a:ln>
+                  <a:noFill/>
+                </a:ln>
+                <a:solidFill>
+                  <a:srgbClr val="CC7832"/>
+                </a:solidFill>
+                <a:effectLst/>
+                <a:latin typeface="JetBrains Mono"/>
+              </a:rPr>
+              <a:t>, </a:t>
+            </a:r>
+            <a:r>
+              <a:rPr kumimoji="0" lang="en-US" altLang="en-US" sz="1000" b="0" i="0" u="none" strike="noStrike" cap="none" normalizeH="0" baseline="0" dirty="0">
+                <a:ln>
+                  <a:noFill/>
+                </a:ln>
+                <a:solidFill>
+                  <a:srgbClr val="6A8759"/>
+                </a:solidFill>
+                <a:effectLst/>
+                <a:latin typeface="JetBrains Mono"/>
+              </a:rPr>
+              <a:t>"Python"</a:t>
+            </a:r>
+            <a:r>
+              <a:rPr kumimoji="0" lang="en-US" altLang="en-US" sz="1000" b="0" i="0" u="none" strike="noStrike" cap="none" normalizeH="0" baseline="0" dirty="0">
+                <a:ln>
+                  <a:noFill/>
+                </a:ln>
+                <a:solidFill>
+                  <a:srgbClr val="A9B7C6"/>
+                </a:solidFill>
+                <a:effectLst/>
+                <a:latin typeface="JetBrains Mono"/>
+              </a:rPr>
+              <a:t>)</a:t>
+            </a:r>
+            <a:br>
+              <a:rPr kumimoji="0" lang="en-US" altLang="en-US" sz="1000" b="0" i="0" u="none" strike="noStrike" cap="none" normalizeH="0" baseline="0" dirty="0">
+                <a:ln>
+                  <a:noFill/>
+                </a:ln>
+                <a:solidFill>
+                  <a:srgbClr val="A9B7C6"/>
+                </a:solidFill>
+                <a:effectLst/>
+                <a:latin typeface="JetBrains Mono"/>
+              </a:rPr>
+            </a:br>
+            <a:r>
+              <a:rPr kumimoji="0" lang="en-US" altLang="en-US" sz="1000" b="0" i="0" u="none" strike="noStrike" cap="none" normalizeH="0" baseline="0" dirty="0">
+                <a:ln>
+                  <a:noFill/>
+                </a:ln>
+                <a:solidFill>
+                  <a:srgbClr val="A9B7C6"/>
+                </a:solidFill>
+                <a:effectLst/>
+                <a:latin typeface="JetBrains Mono"/>
+              </a:rPr>
+              <a:t>    </a:t>
+            </a:r>
+            <a:r>
+              <a:rPr kumimoji="0" lang="en-US" altLang="en-US" sz="1000" b="0" i="0" u="none" strike="noStrike" cap="none" normalizeH="0" baseline="0" dirty="0">
+                <a:ln>
+                  <a:noFill/>
+                </a:ln>
+                <a:solidFill>
+                  <a:srgbClr val="CC7832"/>
+                </a:solidFill>
+                <a:effectLst/>
+                <a:latin typeface="JetBrains Mono"/>
+              </a:rPr>
+              <a:t>for</a:t>
+            </a:r>
+            <a:r>
+              <a:rPr kumimoji="0" lang="en-US" altLang="en-US" sz="1000" b="0" i="0" u="none" strike="noStrike" cap="none" normalizeH="0" baseline="0" dirty="0">
+                <a:ln>
+                  <a:noFill/>
+                </a:ln>
+                <a:solidFill>
+                  <a:srgbClr val="A9B7C6"/>
+                </a:solidFill>
+                <a:effectLst/>
+                <a:latin typeface="JetBrains Mono"/>
+              </a:rPr>
+              <a:t>(</a:t>
+            </a:r>
+            <a:r>
+              <a:rPr kumimoji="0" lang="en-US" altLang="en-US" sz="1000" b="0" i="0" u="none" strike="noStrike" cap="none" normalizeH="0" baseline="0" dirty="0" err="1">
+                <a:ln>
+                  <a:noFill/>
+                </a:ln>
+                <a:solidFill>
+                  <a:srgbClr val="A9B7C6"/>
+                </a:solidFill>
+                <a:effectLst/>
+                <a:latin typeface="JetBrains Mono"/>
+              </a:rPr>
+              <a:t>i</a:t>
+            </a:r>
+            <a:r>
+              <a:rPr kumimoji="0" lang="en-US" altLang="en-US" sz="1000" b="0" i="0" u="none" strike="noStrike" cap="none" normalizeH="0" baseline="0" dirty="0">
+                <a:ln>
+                  <a:noFill/>
+                </a:ln>
+                <a:solidFill>
+                  <a:srgbClr val="A9B7C6"/>
+                </a:solidFill>
+                <a:effectLst/>
+                <a:latin typeface="JetBrains Mono"/>
+              </a:rPr>
+              <a:t> </a:t>
+            </a:r>
+            <a:r>
+              <a:rPr kumimoji="0" lang="en-US" altLang="en-US" sz="1000" b="0" i="0" u="none" strike="noStrike" cap="none" normalizeH="0" baseline="0" dirty="0">
+                <a:ln>
+                  <a:noFill/>
+                </a:ln>
+                <a:solidFill>
+                  <a:srgbClr val="CC7832"/>
+                </a:solidFill>
+                <a:effectLst/>
+                <a:latin typeface="JetBrains Mono"/>
+              </a:rPr>
+              <a:t>in </a:t>
+            </a:r>
+            <a:r>
+              <a:rPr kumimoji="0" lang="en-US" altLang="en-US" sz="1000" b="0" i="0" u="none" strike="noStrike" cap="none" normalizeH="0" baseline="0" dirty="0">
+                <a:ln>
+                  <a:noFill/>
+                </a:ln>
+                <a:solidFill>
+                  <a:srgbClr val="A9B7C6"/>
+                </a:solidFill>
+                <a:effectLst/>
+                <a:latin typeface="JetBrains Mono"/>
+              </a:rPr>
+              <a:t>tech){</a:t>
+            </a:r>
+            <a:br>
+              <a:rPr kumimoji="0" lang="en-US" altLang="en-US" sz="1000" b="0" i="0" u="none" strike="noStrike" cap="none" normalizeH="0" baseline="0" dirty="0">
+                <a:ln>
+                  <a:noFill/>
+                </a:ln>
+                <a:solidFill>
+                  <a:srgbClr val="A9B7C6"/>
+                </a:solidFill>
+                <a:effectLst/>
+                <a:latin typeface="JetBrains Mono"/>
+              </a:rPr>
+            </a:br>
+            <a:r>
+              <a:rPr kumimoji="0" lang="en-US" altLang="en-US" sz="1000" b="0" i="0" u="none" strike="noStrike" cap="none" normalizeH="0" baseline="0" dirty="0">
+                <a:ln>
+                  <a:noFill/>
+                </a:ln>
+                <a:solidFill>
+                  <a:srgbClr val="A9B7C6"/>
+                </a:solidFill>
+                <a:effectLst/>
+                <a:latin typeface="JetBrains Mono"/>
+              </a:rPr>
+              <a:t>        </a:t>
+            </a:r>
+            <a:r>
+              <a:rPr kumimoji="0" lang="en-US" altLang="en-US" sz="1000" b="0" i="1" u="none" strike="noStrike" cap="none" normalizeH="0" baseline="0" dirty="0" err="1">
+                <a:ln>
+                  <a:noFill/>
+                </a:ln>
+                <a:solidFill>
+                  <a:srgbClr val="A9B7C6"/>
+                </a:solidFill>
+                <a:effectLst/>
+                <a:latin typeface="JetBrains Mono"/>
+              </a:rPr>
+              <a:t>println</a:t>
+            </a:r>
+            <a:r>
+              <a:rPr kumimoji="0" lang="en-US" altLang="en-US" sz="1000" b="0" i="0" u="none" strike="noStrike" cap="none" normalizeH="0" baseline="0" dirty="0">
+                <a:ln>
+                  <a:noFill/>
+                </a:ln>
+                <a:solidFill>
+                  <a:srgbClr val="A9B7C6"/>
+                </a:solidFill>
+                <a:effectLst/>
+                <a:latin typeface="JetBrains Mono"/>
+              </a:rPr>
+              <a:t>(</a:t>
+            </a:r>
+            <a:r>
+              <a:rPr kumimoji="0" lang="en-US" altLang="en-US" sz="1000" b="0" i="0" u="none" strike="noStrike" cap="none" normalizeH="0" baseline="0" dirty="0" err="1">
+                <a:ln>
+                  <a:noFill/>
+                </a:ln>
+                <a:solidFill>
+                  <a:srgbClr val="A9B7C6"/>
+                </a:solidFill>
+                <a:effectLst/>
+                <a:latin typeface="JetBrains Mono"/>
+              </a:rPr>
+              <a:t>i</a:t>
+            </a:r>
+            <a:r>
+              <a:rPr kumimoji="0" lang="en-US" altLang="en-US" sz="1000" b="0" i="0" u="none" strike="noStrike" cap="none" normalizeH="0" baseline="0" dirty="0">
+                <a:ln>
+                  <a:noFill/>
+                </a:ln>
+                <a:solidFill>
+                  <a:srgbClr val="A9B7C6"/>
+                </a:solidFill>
+                <a:effectLst/>
+                <a:latin typeface="JetBrains Mono"/>
+              </a:rPr>
+              <a:t>)</a:t>
+            </a:r>
+            <a:br>
+              <a:rPr kumimoji="0" lang="en-US" altLang="en-US" sz="1000" b="0" i="0" u="none" strike="noStrike" cap="none" normalizeH="0" baseline="0" dirty="0">
+                <a:ln>
+                  <a:noFill/>
+                </a:ln>
+                <a:solidFill>
+                  <a:srgbClr val="A9B7C6"/>
+                </a:solidFill>
+                <a:effectLst/>
+                <a:latin typeface="JetBrains Mono"/>
+              </a:rPr>
+            </a:br>
+            <a:r>
+              <a:rPr kumimoji="0" lang="en-US" altLang="en-US" sz="1000" b="0" i="0" u="none" strike="noStrike" cap="none" normalizeH="0" baseline="0" dirty="0">
+                <a:ln>
+                  <a:noFill/>
+                </a:ln>
+                <a:solidFill>
+                  <a:srgbClr val="A9B7C6"/>
+                </a:solidFill>
+                <a:effectLst/>
+                <a:latin typeface="JetBrains Mono"/>
+              </a:rPr>
+              <a:t>    }</a:t>
+            </a:r>
+            <a:br>
+              <a:rPr kumimoji="0" lang="en-US" altLang="en-US" sz="1000" b="0" i="0" u="none" strike="noStrike" cap="none" normalizeH="0" baseline="0" dirty="0">
+                <a:ln>
+                  <a:noFill/>
+                </a:ln>
+                <a:solidFill>
+                  <a:srgbClr val="A9B7C6"/>
+                </a:solidFill>
+                <a:effectLst/>
+                <a:latin typeface="JetBrains Mono"/>
+              </a:rPr>
+            </a:br>
+            <a:r>
+              <a:rPr kumimoji="0" lang="en-US" altLang="en-US" sz="1000" b="0" i="0" u="none" strike="noStrike" cap="none" normalizeH="0" baseline="0" dirty="0">
+                <a:ln>
+                  <a:noFill/>
+                </a:ln>
+                <a:solidFill>
+                  <a:srgbClr val="A9B7C6"/>
+                </a:solidFill>
+                <a:effectLst/>
+                <a:latin typeface="JetBrains Mono"/>
+              </a:rPr>
+              <a:t>}</a:t>
+            </a:r>
+            <a:endParaRPr kumimoji="0" lang="en-US" altLang="en-US" sz="1800" b="0" i="0" u="none" strike="noStrike" cap="none" normalizeH="0" baseline="0" dirty="0">
+              <a:ln>
+                <a:noFill/>
+              </a:ln>
+              <a:solidFill>
+                <a:schemeClr val="tx1"/>
+              </a:solidFill>
+              <a:effectLst/>
+              <a:latin typeface="Arial" panose="020B0604020202020204" pitchFamily="34" charset="0"/>
+            </a:endParaRPr>
+          </a:p>
+        </p:txBody>
+      </p:sp>
+      <p:sp>
+        <p:nvSpPr>
+          <p:cNvPr id="10" name="Hình chữ nhật 9">
+            <a:extLst>
+              <a:ext uri="{FF2B5EF4-FFF2-40B4-BE49-F238E27FC236}">
+                <a16:creationId xmlns:a16="http://schemas.microsoft.com/office/drawing/2014/main" id="{11900AEA-D502-4971-81E6-DEA040B53194}"/>
+              </a:ext>
+            </a:extLst>
+          </p:cNvPr>
+          <p:cNvSpPr/>
+          <p:nvPr/>
+        </p:nvSpPr>
+        <p:spPr>
+          <a:xfrm>
+            <a:off x="4276626" y="4322024"/>
+            <a:ext cx="3318235" cy="262499"/>
+          </a:xfrm>
+          <a:prstGeom prst="rect">
+            <a:avLst/>
+          </a:prstGeom>
+          <a:noFill/>
+          <a:ln>
+            <a:noFill/>
+          </a:ln>
+        </p:spPr>
+        <p:style>
+          <a:lnRef idx="0">
+            <a:scrgbClr r="0" g="0" b="0"/>
+          </a:lnRef>
+          <a:fillRef idx="0">
+            <a:scrgbClr r="0" g="0" b="0"/>
+          </a:fillRef>
+          <a:effectRef idx="0">
+            <a:scrgbClr r="0" g="0" b="0"/>
+          </a:effectRef>
+          <a:fontRef idx="minor">
+            <a:schemeClr val="dk1"/>
+          </a:fontRef>
+        </p:style>
+        <p:txBody>
+          <a:bodyPr rtlCol="0" anchor="ctr"/>
+          <a:lstStyle/>
+          <a:p>
+            <a:pPr algn="ctr"/>
+            <a:r>
+              <a:rPr lang="en-US" u="sng" dirty="0">
+                <a:latin typeface="Times New Roman" panose="02020603050405020304" pitchFamily="18" charset="0"/>
+                <a:cs typeface="Times New Roman" panose="02020603050405020304" pitchFamily="18" charset="0"/>
+              </a:rPr>
+              <a:t>Demo </a:t>
+            </a:r>
+            <a:r>
+              <a:rPr lang="en-US" u="sng" dirty="0" err="1">
+                <a:latin typeface="Times New Roman" panose="02020603050405020304" pitchFamily="18" charset="0"/>
+                <a:cs typeface="Times New Roman" panose="02020603050405020304" pitchFamily="18" charset="0"/>
+              </a:rPr>
+              <a:t>vòng</a:t>
+            </a:r>
+            <a:r>
+              <a:rPr lang="en-US" u="sng" dirty="0">
+                <a:latin typeface="Times New Roman" panose="02020603050405020304" pitchFamily="18" charset="0"/>
+                <a:cs typeface="Times New Roman" panose="02020603050405020304" pitchFamily="18" charset="0"/>
+              </a:rPr>
+              <a:t> </a:t>
+            </a:r>
+            <a:r>
+              <a:rPr lang="en-US" u="sng" dirty="0" err="1">
+                <a:latin typeface="Times New Roman" panose="02020603050405020304" pitchFamily="18" charset="0"/>
+                <a:cs typeface="Times New Roman" panose="02020603050405020304" pitchFamily="18" charset="0"/>
+              </a:rPr>
+              <a:t>lặp</a:t>
+            </a:r>
+            <a:r>
+              <a:rPr lang="en-US" u="sng" dirty="0">
+                <a:latin typeface="Times New Roman" panose="02020603050405020304" pitchFamily="18" charset="0"/>
+                <a:cs typeface="Times New Roman" panose="02020603050405020304" pitchFamily="18" charset="0"/>
+              </a:rPr>
+              <a:t> for </a:t>
+            </a:r>
+            <a:r>
+              <a:rPr lang="en-US" u="sng" dirty="0" err="1">
+                <a:latin typeface="Times New Roman" panose="02020603050405020304" pitchFamily="18" charset="0"/>
+                <a:cs typeface="Times New Roman" panose="02020603050405020304" pitchFamily="18" charset="0"/>
+              </a:rPr>
+              <a:t>trong</a:t>
+            </a:r>
+            <a:r>
+              <a:rPr lang="en-US" u="sng" dirty="0">
+                <a:latin typeface="Times New Roman" panose="02020603050405020304" pitchFamily="18" charset="0"/>
+                <a:cs typeface="Times New Roman" panose="02020603050405020304" pitchFamily="18" charset="0"/>
+              </a:rPr>
+              <a:t> Kotlin</a:t>
+            </a:r>
+          </a:p>
+        </p:txBody>
+      </p:sp>
+      <p:sp>
+        <p:nvSpPr>
+          <p:cNvPr id="11" name="Hình chữ nhật 10">
+            <a:extLst>
+              <a:ext uri="{FF2B5EF4-FFF2-40B4-BE49-F238E27FC236}">
+                <a16:creationId xmlns:a16="http://schemas.microsoft.com/office/drawing/2014/main" id="{B55138DE-630E-40FD-8D9D-13FF6FAA4E6A}"/>
+              </a:ext>
+            </a:extLst>
+          </p:cNvPr>
+          <p:cNvSpPr/>
+          <p:nvPr/>
+        </p:nvSpPr>
+        <p:spPr>
+          <a:xfrm>
+            <a:off x="4231849" y="6467435"/>
+            <a:ext cx="3612034" cy="262499"/>
+          </a:xfrm>
+          <a:prstGeom prst="rect">
+            <a:avLst/>
+          </a:prstGeom>
+          <a:noFill/>
+          <a:ln>
+            <a:noFill/>
+          </a:ln>
+        </p:spPr>
+        <p:style>
+          <a:lnRef idx="0">
+            <a:scrgbClr r="0" g="0" b="0"/>
+          </a:lnRef>
+          <a:fillRef idx="0">
+            <a:scrgbClr r="0" g="0" b="0"/>
+          </a:fillRef>
+          <a:effectRef idx="0">
+            <a:scrgbClr r="0" g="0" b="0"/>
+          </a:effectRef>
+          <a:fontRef idx="minor">
+            <a:schemeClr val="dk1"/>
+          </a:fontRef>
+        </p:style>
+        <p:txBody>
+          <a:bodyPr rtlCol="0" anchor="ctr"/>
+          <a:lstStyle/>
+          <a:p>
+            <a:pPr algn="ctr"/>
+            <a:r>
+              <a:rPr lang="en-US" u="sng" dirty="0">
+                <a:latin typeface="Times New Roman" panose="02020603050405020304" pitchFamily="18" charset="0"/>
+                <a:cs typeface="Times New Roman" panose="02020603050405020304" pitchFamily="18" charset="0"/>
+              </a:rPr>
+              <a:t>Demo </a:t>
+            </a:r>
+            <a:r>
+              <a:rPr lang="en-US" u="sng" dirty="0" err="1">
+                <a:latin typeface="Times New Roman" panose="02020603050405020304" pitchFamily="18" charset="0"/>
+                <a:cs typeface="Times New Roman" panose="02020603050405020304" pitchFamily="18" charset="0"/>
+              </a:rPr>
+              <a:t>vòng</a:t>
+            </a:r>
+            <a:r>
+              <a:rPr lang="en-US" u="sng" dirty="0">
+                <a:latin typeface="Times New Roman" panose="02020603050405020304" pitchFamily="18" charset="0"/>
+                <a:cs typeface="Times New Roman" panose="02020603050405020304" pitchFamily="18" charset="0"/>
+              </a:rPr>
+              <a:t> </a:t>
+            </a:r>
+            <a:r>
+              <a:rPr lang="en-US" u="sng" dirty="0" err="1">
+                <a:latin typeface="Times New Roman" panose="02020603050405020304" pitchFamily="18" charset="0"/>
+                <a:cs typeface="Times New Roman" panose="02020603050405020304" pitchFamily="18" charset="0"/>
+              </a:rPr>
+              <a:t>lặp</a:t>
+            </a:r>
+            <a:r>
+              <a:rPr lang="en-US" u="sng" dirty="0">
+                <a:latin typeface="Times New Roman" panose="02020603050405020304" pitchFamily="18" charset="0"/>
+                <a:cs typeface="Times New Roman" panose="02020603050405020304" pitchFamily="18" charset="0"/>
+              </a:rPr>
+              <a:t> while </a:t>
+            </a:r>
+            <a:r>
+              <a:rPr lang="en-US" u="sng" dirty="0" err="1">
+                <a:latin typeface="Times New Roman" panose="02020603050405020304" pitchFamily="18" charset="0"/>
+                <a:cs typeface="Times New Roman" panose="02020603050405020304" pitchFamily="18" charset="0"/>
+              </a:rPr>
+              <a:t>trong</a:t>
+            </a:r>
+            <a:r>
+              <a:rPr lang="en-US" u="sng" dirty="0">
+                <a:latin typeface="Times New Roman" panose="02020603050405020304" pitchFamily="18" charset="0"/>
+                <a:cs typeface="Times New Roman" panose="02020603050405020304" pitchFamily="18" charset="0"/>
+              </a:rPr>
+              <a:t> Kotlin</a:t>
+            </a:r>
+          </a:p>
+        </p:txBody>
+      </p:sp>
     </p:spTree>
     <p:extLst>
       <p:ext uri="{BB962C8B-B14F-4D97-AF65-F5344CB8AC3E}">
@@ -19117,6 +23458,14 @@
 <file path=ppt/slides/slide8.xml><?xml version="1.0" encoding="utf-8"?>
 <p:sld xmlns:a="http://schemas.openxmlformats.org/drawingml/2006/main" xmlns:r="http://schemas.openxmlformats.org/officeDocument/2006/relationships" xmlns:p="http://schemas.openxmlformats.org/presentationml/2006/main">
   <p:cSld>
+    <p:bg>
+      <p:bgPr>
+        <a:solidFill>
+          <a:schemeClr val="bg1"/>
+        </a:solidFill>
+        <a:effectLst/>
+      </p:bgPr>
+    </p:bg>
     <p:spTree>
       <p:nvGrpSpPr>
         <p:cNvPr id="1" name=""/>
@@ -19131,6 +23480,200 @@
           <a:chExt cx="0" cy="0"/>
         </a:xfrm>
       </p:grpSpPr>
+      <p:sp useBgFill="1">
+        <p:nvSpPr>
+          <p:cNvPr id="8" name="Rectangle 7">
+            <a:extLst>
+              <a:ext uri="{FF2B5EF4-FFF2-40B4-BE49-F238E27FC236}">
+                <a16:creationId xmlns:a16="http://schemas.microsoft.com/office/drawing/2014/main" id="{907EF6B7-1338-4443-8C46-6A318D952DFD}"/>
+              </a:ext>
+              <a:ext uri="{C183D7F6-B498-43B3-948B-1728B52AA6E4}">
+                <adec:decorative xmlns:adec="http://schemas.microsoft.com/office/drawing/2017/decorative" val="1"/>
+              </a:ext>
+            </a:extLst>
+          </p:cNvPr>
+          <p:cNvSpPr>
+            <a:spLocks noGrp="1" noRot="1" noChangeAspect="1" noMove="1" noResize="1" noEditPoints="1" noAdjustHandles="1" noChangeArrowheads="1" noChangeShapeType="1" noTextEdit="1"/>
+          </p:cNvSpPr>
+          <p:nvPr>
+            <p:extLst>
+              <p:ext uri="{386F3935-93C4-4BCD-93E2-E3B085C9AB24}">
+                <p16:designElem xmlns:p16="http://schemas.microsoft.com/office/powerpoint/2015/main" val="1"/>
+              </p:ext>
+            </p:extLst>
+          </p:nvPr>
+        </p:nvSpPr>
+        <p:spPr>
+          <a:xfrm>
+            <a:off x="3048" y="0"/>
+            <a:ext cx="12188952" cy="6858000"/>
+          </a:xfrm>
+          <a:prstGeom prst="rect">
+            <a:avLst/>
+          </a:prstGeom>
+          <a:ln>
+            <a:noFill/>
+          </a:ln>
+        </p:spPr>
+        <p:style>
+          <a:lnRef idx="2">
+            <a:schemeClr val="accent1">
+              <a:shade val="50000"/>
+            </a:schemeClr>
+          </a:lnRef>
+          <a:fillRef idx="1">
+            <a:schemeClr val="accent1"/>
+          </a:fillRef>
+          <a:effectRef idx="0">
+            <a:schemeClr val="accent1"/>
+          </a:effectRef>
+          <a:fontRef idx="minor">
+            <a:schemeClr val="lt1"/>
+          </a:fontRef>
+        </p:style>
+        <p:txBody>
+          <a:bodyPr rtlCol="0" anchor="ctr"/>
+          <a:lstStyle/>
+          <a:p>
+            <a:pPr algn="ctr"/>
+            <a:endParaRPr lang="en-US"/>
+          </a:p>
+        </p:txBody>
+      </p:sp>
+      <p:sp>
+        <p:nvSpPr>
+          <p:cNvPr id="10" name="Freeform: Shape 9">
+            <a:extLst>
+              <a:ext uri="{FF2B5EF4-FFF2-40B4-BE49-F238E27FC236}">
+                <a16:creationId xmlns:a16="http://schemas.microsoft.com/office/drawing/2014/main" id="{DAAE4CDD-124C-4DCF-9584-B6033B545DD5}"/>
+              </a:ext>
+              <a:ext uri="{C183D7F6-B498-43B3-948B-1728B52AA6E4}">
+                <adec:decorative xmlns:adec="http://schemas.microsoft.com/office/drawing/2017/decorative" val="1"/>
+              </a:ext>
+            </a:extLst>
+          </p:cNvPr>
+          <p:cNvSpPr>
+            <a:spLocks noGrp="1" noRot="1" noChangeAspect="1" noMove="1" noResize="1" noEditPoints="1" noAdjustHandles="1" noChangeArrowheads="1" noChangeShapeType="1" noTextEdit="1"/>
+          </p:cNvSpPr>
+          <p:nvPr>
+            <p:extLst>
+              <p:ext uri="{386F3935-93C4-4BCD-93E2-E3B085C9AB24}">
+                <p16:designElem xmlns:p16="http://schemas.microsoft.com/office/powerpoint/2015/main" val="1"/>
+              </p:ext>
+            </p:extLst>
+          </p:nvPr>
+        </p:nvSpPr>
+        <p:spPr>
+          <a:xfrm>
+            <a:off x="1" y="0"/>
+            <a:ext cx="4167271" cy="6858000"/>
+          </a:xfrm>
+          <a:custGeom>
+            <a:avLst/>
+            <a:gdLst>
+              <a:gd name="connsiteX0" fmla="*/ 0 w 4167271"/>
+              <a:gd name="connsiteY0" fmla="*/ 0 h 6858000"/>
+              <a:gd name="connsiteX1" fmla="*/ 2259550 w 4167271"/>
+              <a:gd name="connsiteY1" fmla="*/ 0 h 6858000"/>
+              <a:gd name="connsiteX2" fmla="*/ 2387803 w 4167271"/>
+              <a:gd name="connsiteY2" fmla="*/ 82222 h 6858000"/>
+              <a:gd name="connsiteX3" fmla="*/ 4167271 w 4167271"/>
+              <a:gd name="connsiteY3" fmla="*/ 3429000 h 6858000"/>
+              <a:gd name="connsiteX4" fmla="*/ 2387803 w 4167271"/>
+              <a:gd name="connsiteY4" fmla="*/ 6775779 h 6858000"/>
+              <a:gd name="connsiteX5" fmla="*/ 2259550 w 4167271"/>
+              <a:gd name="connsiteY5" fmla="*/ 6858000 h 6858000"/>
+              <a:gd name="connsiteX6" fmla="*/ 0 w 4167271"/>
+              <a:gd name="connsiteY6" fmla="*/ 6858000 h 6858000"/>
+            </a:gdLst>
+            <a:ahLst/>
+            <a:cxnLst>
+              <a:cxn ang="0">
+                <a:pos x="connsiteX0" y="connsiteY0"/>
+              </a:cxn>
+              <a:cxn ang="0">
+                <a:pos x="connsiteX1" y="connsiteY1"/>
+              </a:cxn>
+              <a:cxn ang="0">
+                <a:pos x="connsiteX2" y="connsiteY2"/>
+              </a:cxn>
+              <a:cxn ang="0">
+                <a:pos x="connsiteX3" y="connsiteY3"/>
+              </a:cxn>
+              <a:cxn ang="0">
+                <a:pos x="connsiteX4" y="connsiteY4"/>
+              </a:cxn>
+              <a:cxn ang="0">
+                <a:pos x="connsiteX5" y="connsiteY5"/>
+              </a:cxn>
+              <a:cxn ang="0">
+                <a:pos x="connsiteX6" y="connsiteY6"/>
+              </a:cxn>
+            </a:cxnLst>
+            <a:rect l="l" t="t" r="r" b="b"/>
+            <a:pathLst>
+              <a:path w="4167271" h="6858000">
+                <a:moveTo>
+                  <a:pt x="0" y="0"/>
+                </a:moveTo>
+                <a:lnTo>
+                  <a:pt x="2259550" y="0"/>
+                </a:lnTo>
+                <a:lnTo>
+                  <a:pt x="2387803" y="82222"/>
+                </a:lnTo>
+                <a:cubicBezTo>
+                  <a:pt x="3461407" y="807534"/>
+                  <a:pt x="4167271" y="2035835"/>
+                  <a:pt x="4167271" y="3429000"/>
+                </a:cubicBezTo>
+                <a:cubicBezTo>
+                  <a:pt x="4167271" y="4822165"/>
+                  <a:pt x="3461407" y="6050467"/>
+                  <a:pt x="2387803" y="6775779"/>
+                </a:cubicBezTo>
+                <a:lnTo>
+                  <a:pt x="2259550" y="6858000"/>
+                </a:lnTo>
+                <a:lnTo>
+                  <a:pt x="0" y="6858000"/>
+                </a:lnTo>
+                <a:close/>
+              </a:path>
+            </a:pathLst>
+          </a:custGeom>
+          <a:solidFill>
+            <a:schemeClr val="accent2"/>
+          </a:solidFill>
+          <a:ln>
+            <a:noFill/>
+          </a:ln>
+        </p:spPr>
+        <p:style>
+          <a:lnRef idx="2">
+            <a:schemeClr val="accent1">
+              <a:shade val="50000"/>
+            </a:schemeClr>
+          </a:lnRef>
+          <a:fillRef idx="1">
+            <a:schemeClr val="accent1"/>
+          </a:fillRef>
+          <a:effectRef idx="0">
+            <a:schemeClr val="accent1"/>
+          </a:effectRef>
+          <a:fontRef idx="minor">
+            <a:schemeClr val="lt1"/>
+          </a:fontRef>
+        </p:style>
+        <p:txBody>
+          <a:bodyPr rtlCol="0" anchor="ctr"/>
+          <a:lstStyle/>
+          <a:p>
+            <a:pPr algn="ctr"/>
+            <a:endParaRPr lang="en-US"/>
+          </a:p>
+        </p:txBody>
+      </p:sp>
       <p:sp>
         <p:nvSpPr>
           <p:cNvPr id="2" name="Tiêu đề 1">
@@ -19147,18 +23690,102 @@
             <p:ph type="title"/>
           </p:nvPr>
         </p:nvSpPr>
-        <p:spPr/>
+        <p:spPr>
+          <a:xfrm>
+            <a:off x="686834" y="1153572"/>
+            <a:ext cx="3200400" cy="4461163"/>
+          </a:xfrm>
+        </p:spPr>
         <p:txBody>
-          <a:bodyPr/>
+          <a:bodyPr>
+            <a:normAutofit/>
+          </a:bodyPr>
           <a:lstStyle/>
           <a:p>
-            <a:endParaRPr lang="en-US"/>
+            <a:r>
+              <a:rPr lang="en-US">
+                <a:solidFill>
+                  <a:srgbClr val="FFFFFF"/>
+                </a:solidFill>
+                <a:latin typeface="Times New Roman" panose="02020603050405020304" pitchFamily="18" charset="0"/>
+                <a:cs typeface="Times New Roman" panose="02020603050405020304" pitchFamily="18" charset="0"/>
+              </a:rPr>
+              <a:t>Lesson 3: Exception &amp; Các thư viện</a:t>
+            </a:r>
+            <a:endParaRPr lang="en-US" dirty="0">
+              <a:solidFill>
+                <a:srgbClr val="FFFFFF"/>
+              </a:solidFill>
+              <a:latin typeface="Times New Roman" panose="02020603050405020304" pitchFamily="18" charset="0"/>
+              <a:cs typeface="Times New Roman" panose="02020603050405020304" pitchFamily="18" charset="0"/>
+            </a:endParaRPr>
           </a:p>
         </p:txBody>
       </p:sp>
       <p:sp>
         <p:nvSpPr>
-          <p:cNvPr id="3" name="Chỗ dành sẵn cho Nội dung 2">
+          <p:cNvPr id="12" name="Arc 11">
+            <a:extLst>
+              <a:ext uri="{FF2B5EF4-FFF2-40B4-BE49-F238E27FC236}">
+                <a16:creationId xmlns:a16="http://schemas.microsoft.com/office/drawing/2014/main" id="{081E4A58-353D-44AE-B2FC-2A74E2E400F7}"/>
+              </a:ext>
+              <a:ext uri="{C183D7F6-B498-43B3-948B-1728B52AA6E4}">
+                <adec:decorative xmlns:adec="http://schemas.microsoft.com/office/drawing/2017/decorative" val="1"/>
+              </a:ext>
+            </a:extLst>
+          </p:cNvPr>
+          <p:cNvSpPr>
+            <a:spLocks noGrp="1" noRot="1" noChangeAspect="1" noMove="1" noResize="1" noEditPoints="1" noAdjustHandles="1" noChangeArrowheads="1" noChangeShapeType="1" noTextEdit="1"/>
+          </p:cNvSpPr>
+          <p:nvPr>
+            <p:extLst>
+              <p:ext uri="{386F3935-93C4-4BCD-93E2-E3B085C9AB24}">
+                <p16:designElem xmlns:p16="http://schemas.microsoft.com/office/powerpoint/2015/main" val="1"/>
+              </p:ext>
+            </p:extLst>
+          </p:nvPr>
+        </p:nvSpPr>
+        <p:spPr>
+          <a:xfrm flipV="1">
+            <a:off x="7550402" y="2455479"/>
+            <a:ext cx="4083433" cy="4083433"/>
+          </a:xfrm>
+          <a:prstGeom prst="arc">
+            <a:avLst/>
+          </a:prstGeom>
+          <a:ln w="127000" cap="rnd">
+            <a:solidFill>
+              <a:schemeClr val="accent4"/>
+            </a:solidFill>
+            <a:prstDash val="dash"/>
+          </a:ln>
+        </p:spPr>
+        <p:style>
+          <a:lnRef idx="1">
+            <a:schemeClr val="accent1"/>
+          </a:lnRef>
+          <a:fillRef idx="0">
+            <a:schemeClr val="accent1"/>
+          </a:fillRef>
+          <a:effectRef idx="0">
+            <a:schemeClr val="accent1"/>
+          </a:effectRef>
+          <a:fontRef idx="minor">
+            <a:schemeClr val="tx1"/>
+          </a:fontRef>
+        </p:style>
+        <p:txBody>
+          <a:bodyPr rtlCol="0" anchor="ctr"/>
+          <a:lstStyle/>
+          <a:p>
+            <a:pPr algn="ctr"/>
+            <a:endParaRPr lang="en-US" dirty="0"/>
+          </a:p>
+        </p:txBody>
+      </p:sp>
+      <p:sp>
+        <p:nvSpPr>
+          <p:cNvPr id="13" name="Chỗ dành sẵn cho Nội dung 2">
             <a:extLst>
               <a:ext uri="{FF2B5EF4-FFF2-40B4-BE49-F238E27FC236}">
                 <a16:creationId xmlns:a16="http://schemas.microsoft.com/office/drawing/2014/main" id="{F3D6E035-6A16-41C1-8C22-9DA858F634C9}"/>
@@ -19172,12 +23799,415 @@
             <p:ph idx="1"/>
           </p:nvPr>
         </p:nvSpPr>
-        <p:spPr/>
+        <p:spPr>
+          <a:xfrm>
+            <a:off x="4851058" y="591344"/>
+            <a:ext cx="6502741" cy="5585619"/>
+          </a:xfrm>
+        </p:spPr>
         <p:txBody>
-          <a:bodyPr/>
+          <a:bodyPr anchor="ctr">
+            <a:normAutofit/>
+          </a:bodyPr>
           <a:lstStyle/>
           <a:p>
-            <a:endParaRPr lang="en-US"/>
+            <a:r>
+              <a:rPr lang="en-US" sz="3600" dirty="0">
+                <a:latin typeface="Times New Roman" panose="02020603050405020304" pitchFamily="18" charset="0"/>
+                <a:cs typeface="Times New Roman" panose="02020603050405020304" pitchFamily="18" charset="0"/>
+              </a:rPr>
+              <a:t>Try…catch, Debug</a:t>
+            </a:r>
+          </a:p>
+          <a:p>
+            <a:r>
+              <a:rPr lang="en-US" sz="3600" dirty="0" err="1">
+                <a:latin typeface="Times New Roman" panose="02020603050405020304" pitchFamily="18" charset="0"/>
+                <a:cs typeface="Times New Roman" panose="02020603050405020304" pitchFamily="18" charset="0"/>
+              </a:rPr>
+              <a:t>Thư</a:t>
+            </a:r>
+            <a:r>
+              <a:rPr lang="en-US" sz="3600" dirty="0">
+                <a:latin typeface="Times New Roman" panose="02020603050405020304" pitchFamily="18" charset="0"/>
+                <a:cs typeface="Times New Roman" panose="02020603050405020304" pitchFamily="18" charset="0"/>
+              </a:rPr>
+              <a:t> </a:t>
+            </a:r>
+            <a:r>
+              <a:rPr lang="en-US" sz="3600" dirty="0" err="1">
+                <a:latin typeface="Times New Roman" panose="02020603050405020304" pitchFamily="18" charset="0"/>
+                <a:cs typeface="Times New Roman" panose="02020603050405020304" pitchFamily="18" charset="0"/>
+              </a:rPr>
+              <a:t>viện</a:t>
+            </a:r>
+            <a:r>
+              <a:rPr lang="en-US" sz="3600" dirty="0">
+                <a:latin typeface="Times New Roman" panose="02020603050405020304" pitchFamily="18" charset="0"/>
+                <a:cs typeface="Times New Roman" panose="02020603050405020304" pitchFamily="18" charset="0"/>
+              </a:rPr>
+              <a:t> </a:t>
+            </a:r>
+            <a:r>
+              <a:rPr lang="en-US" sz="3600" dirty="0" err="1">
+                <a:latin typeface="Times New Roman" panose="02020603050405020304" pitchFamily="18" charset="0"/>
+                <a:cs typeface="Times New Roman" panose="02020603050405020304" pitchFamily="18" charset="0"/>
+              </a:rPr>
+              <a:t>xử</a:t>
+            </a:r>
+            <a:r>
+              <a:rPr lang="en-US" sz="3600" dirty="0">
+                <a:latin typeface="Times New Roman" panose="02020603050405020304" pitchFamily="18" charset="0"/>
+                <a:cs typeface="Times New Roman" panose="02020603050405020304" pitchFamily="18" charset="0"/>
+              </a:rPr>
+              <a:t> </a:t>
+            </a:r>
+            <a:r>
+              <a:rPr lang="en-US" sz="3600" dirty="0" err="1">
+                <a:latin typeface="Times New Roman" panose="02020603050405020304" pitchFamily="18" charset="0"/>
+                <a:cs typeface="Times New Roman" panose="02020603050405020304" pitchFamily="18" charset="0"/>
+              </a:rPr>
+              <a:t>lý</a:t>
+            </a:r>
+            <a:r>
+              <a:rPr lang="en-US" sz="3600" dirty="0">
+                <a:latin typeface="Times New Roman" panose="02020603050405020304" pitchFamily="18" charset="0"/>
+                <a:cs typeface="Times New Roman" panose="02020603050405020304" pitchFamily="18" charset="0"/>
+              </a:rPr>
+              <a:t> </a:t>
+            </a:r>
+            <a:r>
+              <a:rPr lang="en-US" sz="3600" dirty="0" err="1">
+                <a:latin typeface="Times New Roman" panose="02020603050405020304" pitchFamily="18" charset="0"/>
+                <a:cs typeface="Times New Roman" panose="02020603050405020304" pitchFamily="18" charset="0"/>
+              </a:rPr>
+              <a:t>dữ</a:t>
+            </a:r>
+            <a:r>
+              <a:rPr lang="en-US" sz="3600" dirty="0">
+                <a:latin typeface="Times New Roman" panose="02020603050405020304" pitchFamily="18" charset="0"/>
+                <a:cs typeface="Times New Roman" panose="02020603050405020304" pitchFamily="18" charset="0"/>
+              </a:rPr>
+              <a:t> </a:t>
+            </a:r>
+            <a:r>
+              <a:rPr lang="en-US" sz="3600" dirty="0" err="1">
+                <a:latin typeface="Times New Roman" panose="02020603050405020304" pitchFamily="18" charset="0"/>
+                <a:cs typeface="Times New Roman" panose="02020603050405020304" pitchFamily="18" charset="0"/>
+              </a:rPr>
+              <a:t>liệu</a:t>
+            </a:r>
+            <a:r>
+              <a:rPr lang="en-US" sz="3600" dirty="0">
+                <a:latin typeface="Times New Roman" panose="02020603050405020304" pitchFamily="18" charset="0"/>
+                <a:cs typeface="Times New Roman" panose="02020603050405020304" pitchFamily="18" charset="0"/>
+              </a:rPr>
+              <a:t> </a:t>
+            </a:r>
+            <a:r>
+              <a:rPr lang="en-US" sz="3600" dirty="0" err="1">
+                <a:latin typeface="Times New Roman" panose="02020603050405020304" pitchFamily="18" charset="0"/>
+                <a:cs typeface="Times New Roman" panose="02020603050405020304" pitchFamily="18" charset="0"/>
+              </a:rPr>
+              <a:t>số</a:t>
+            </a:r>
+            <a:endParaRPr lang="en-US" sz="3600" dirty="0">
+              <a:latin typeface="Times New Roman" panose="02020603050405020304" pitchFamily="18" charset="0"/>
+              <a:cs typeface="Times New Roman" panose="02020603050405020304" pitchFamily="18" charset="0"/>
+            </a:endParaRPr>
+          </a:p>
+          <a:p>
+            <a:r>
+              <a:rPr lang="en-US" sz="3600" dirty="0" err="1">
+                <a:latin typeface="Times New Roman" panose="02020603050405020304" pitchFamily="18" charset="0"/>
+                <a:cs typeface="Times New Roman" panose="02020603050405020304" pitchFamily="18" charset="0"/>
+              </a:rPr>
+              <a:t>Thư</a:t>
+            </a:r>
+            <a:r>
+              <a:rPr lang="en-US" sz="3600" dirty="0">
+                <a:latin typeface="Times New Roman" panose="02020603050405020304" pitchFamily="18" charset="0"/>
+                <a:cs typeface="Times New Roman" panose="02020603050405020304" pitchFamily="18" charset="0"/>
+              </a:rPr>
+              <a:t> </a:t>
+            </a:r>
+            <a:r>
+              <a:rPr lang="en-US" sz="3600" dirty="0" err="1">
+                <a:latin typeface="Times New Roman" panose="02020603050405020304" pitchFamily="18" charset="0"/>
+                <a:cs typeface="Times New Roman" panose="02020603050405020304" pitchFamily="18" charset="0"/>
+              </a:rPr>
+              <a:t>viện</a:t>
+            </a:r>
+            <a:r>
+              <a:rPr lang="en-US" sz="3600" dirty="0">
+                <a:latin typeface="Times New Roman" panose="02020603050405020304" pitchFamily="18" charset="0"/>
+                <a:cs typeface="Times New Roman" panose="02020603050405020304" pitchFamily="18" charset="0"/>
+              </a:rPr>
+              <a:t> </a:t>
+            </a:r>
+            <a:r>
+              <a:rPr lang="en-US" sz="3600" dirty="0" err="1">
+                <a:latin typeface="Times New Roman" panose="02020603050405020304" pitchFamily="18" charset="0"/>
+                <a:cs typeface="Times New Roman" panose="02020603050405020304" pitchFamily="18" charset="0"/>
+              </a:rPr>
+              <a:t>xử</a:t>
+            </a:r>
+            <a:r>
+              <a:rPr lang="en-US" sz="3600" dirty="0">
+                <a:latin typeface="Times New Roman" panose="02020603050405020304" pitchFamily="18" charset="0"/>
+                <a:cs typeface="Times New Roman" panose="02020603050405020304" pitchFamily="18" charset="0"/>
+              </a:rPr>
+              <a:t> </a:t>
+            </a:r>
+            <a:r>
+              <a:rPr lang="en-US" sz="3600" dirty="0" err="1">
+                <a:latin typeface="Times New Roman" panose="02020603050405020304" pitchFamily="18" charset="0"/>
+                <a:cs typeface="Times New Roman" panose="02020603050405020304" pitchFamily="18" charset="0"/>
+              </a:rPr>
+              <a:t>lý</a:t>
+            </a:r>
+            <a:r>
+              <a:rPr lang="en-US" sz="3600" dirty="0">
+                <a:latin typeface="Times New Roman" panose="02020603050405020304" pitchFamily="18" charset="0"/>
+                <a:cs typeface="Times New Roman" panose="02020603050405020304" pitchFamily="18" charset="0"/>
+              </a:rPr>
+              <a:t> </a:t>
+            </a:r>
+            <a:r>
+              <a:rPr lang="en-US" sz="3600" dirty="0" err="1">
+                <a:latin typeface="Times New Roman" panose="02020603050405020304" pitchFamily="18" charset="0"/>
+                <a:cs typeface="Times New Roman" panose="02020603050405020304" pitchFamily="18" charset="0"/>
+              </a:rPr>
+              <a:t>ngày</a:t>
+            </a:r>
+            <a:r>
+              <a:rPr lang="en-US" sz="3600" dirty="0">
+                <a:latin typeface="Times New Roman" panose="02020603050405020304" pitchFamily="18" charset="0"/>
+                <a:cs typeface="Times New Roman" panose="02020603050405020304" pitchFamily="18" charset="0"/>
+              </a:rPr>
+              <a:t> </a:t>
+            </a:r>
+            <a:r>
+              <a:rPr lang="en-US" sz="3600" dirty="0" err="1">
+                <a:latin typeface="Times New Roman" panose="02020603050405020304" pitchFamily="18" charset="0"/>
+                <a:cs typeface="Times New Roman" panose="02020603050405020304" pitchFamily="18" charset="0"/>
+              </a:rPr>
+              <a:t>tháng</a:t>
+            </a:r>
+            <a:endParaRPr lang="en-US" sz="3600" dirty="0">
+              <a:latin typeface="Times New Roman" panose="02020603050405020304" pitchFamily="18" charset="0"/>
+              <a:cs typeface="Times New Roman" panose="02020603050405020304" pitchFamily="18" charset="0"/>
+            </a:endParaRPr>
+          </a:p>
+          <a:p>
+            <a:r>
+              <a:rPr lang="en-US" sz="3600" dirty="0" err="1">
+                <a:latin typeface="Times New Roman" panose="02020603050405020304" pitchFamily="18" charset="0"/>
+                <a:cs typeface="Times New Roman" panose="02020603050405020304" pitchFamily="18" charset="0"/>
+              </a:rPr>
+              <a:t>Thư</a:t>
+            </a:r>
+            <a:r>
+              <a:rPr lang="en-US" sz="3600" dirty="0">
+                <a:latin typeface="Times New Roman" panose="02020603050405020304" pitchFamily="18" charset="0"/>
+                <a:cs typeface="Times New Roman" panose="02020603050405020304" pitchFamily="18" charset="0"/>
+              </a:rPr>
+              <a:t> </a:t>
+            </a:r>
+            <a:r>
+              <a:rPr lang="en-US" sz="3600" dirty="0" err="1">
+                <a:latin typeface="Times New Roman" panose="02020603050405020304" pitchFamily="18" charset="0"/>
+                <a:cs typeface="Times New Roman" panose="02020603050405020304" pitchFamily="18" charset="0"/>
+              </a:rPr>
+              <a:t>viện</a:t>
+            </a:r>
+            <a:r>
+              <a:rPr lang="en-US" sz="3600" dirty="0">
+                <a:latin typeface="Times New Roman" panose="02020603050405020304" pitchFamily="18" charset="0"/>
+                <a:cs typeface="Times New Roman" panose="02020603050405020304" pitchFamily="18" charset="0"/>
+              </a:rPr>
+              <a:t> </a:t>
+            </a:r>
+            <a:r>
+              <a:rPr lang="en-US" sz="3600" dirty="0" err="1">
+                <a:latin typeface="Times New Roman" panose="02020603050405020304" pitchFamily="18" charset="0"/>
+                <a:cs typeface="Times New Roman" panose="02020603050405020304" pitchFamily="18" charset="0"/>
+              </a:rPr>
+              <a:t>toán</a:t>
+            </a:r>
+            <a:r>
+              <a:rPr lang="en-US" sz="3600" dirty="0">
+                <a:latin typeface="Times New Roman" panose="02020603050405020304" pitchFamily="18" charset="0"/>
+                <a:cs typeface="Times New Roman" panose="02020603050405020304" pitchFamily="18" charset="0"/>
+              </a:rPr>
+              <a:t> </a:t>
+            </a:r>
+            <a:r>
+              <a:rPr lang="en-US" sz="3600" dirty="0" err="1">
+                <a:latin typeface="Times New Roman" panose="02020603050405020304" pitchFamily="18" charset="0"/>
+                <a:cs typeface="Times New Roman" panose="02020603050405020304" pitchFamily="18" charset="0"/>
+              </a:rPr>
+              <a:t>học</a:t>
+            </a:r>
+            <a:endParaRPr lang="en-US" sz="3600" dirty="0">
+              <a:latin typeface="Times New Roman" panose="02020603050405020304" pitchFamily="18" charset="0"/>
+              <a:cs typeface="Times New Roman" panose="02020603050405020304" pitchFamily="18" charset="0"/>
+            </a:endParaRPr>
+          </a:p>
+          <a:p>
+            <a:r>
+              <a:rPr lang="en-US" sz="3600" dirty="0" err="1">
+                <a:latin typeface="Times New Roman" panose="02020603050405020304" pitchFamily="18" charset="0"/>
+                <a:cs typeface="Times New Roman" panose="02020603050405020304" pitchFamily="18" charset="0"/>
+              </a:rPr>
+              <a:t>Thư</a:t>
+            </a:r>
+            <a:r>
+              <a:rPr lang="en-US" sz="3600" dirty="0">
+                <a:latin typeface="Times New Roman" panose="02020603050405020304" pitchFamily="18" charset="0"/>
+                <a:cs typeface="Times New Roman" panose="02020603050405020304" pitchFamily="18" charset="0"/>
+              </a:rPr>
+              <a:t> </a:t>
+            </a:r>
+            <a:r>
+              <a:rPr lang="en-US" sz="3600" dirty="0" err="1">
+                <a:latin typeface="Times New Roman" panose="02020603050405020304" pitchFamily="18" charset="0"/>
+                <a:cs typeface="Times New Roman" panose="02020603050405020304" pitchFamily="18" charset="0"/>
+              </a:rPr>
+              <a:t>viện</a:t>
+            </a:r>
+            <a:r>
+              <a:rPr lang="en-US" sz="3600" dirty="0">
+                <a:latin typeface="Times New Roman" panose="02020603050405020304" pitchFamily="18" charset="0"/>
+                <a:cs typeface="Times New Roman" panose="02020603050405020304" pitchFamily="18" charset="0"/>
+              </a:rPr>
+              <a:t> </a:t>
+            </a:r>
+            <a:r>
+              <a:rPr lang="en-US" sz="3600" dirty="0" err="1">
+                <a:latin typeface="Times New Roman" panose="02020603050405020304" pitchFamily="18" charset="0"/>
+                <a:cs typeface="Times New Roman" panose="02020603050405020304" pitchFamily="18" charset="0"/>
+              </a:rPr>
+              <a:t>xử</a:t>
+            </a:r>
+            <a:r>
+              <a:rPr lang="en-US" sz="3600" dirty="0">
+                <a:latin typeface="Times New Roman" panose="02020603050405020304" pitchFamily="18" charset="0"/>
+                <a:cs typeface="Times New Roman" panose="02020603050405020304" pitchFamily="18" charset="0"/>
+              </a:rPr>
+              <a:t> </a:t>
+            </a:r>
+            <a:r>
+              <a:rPr lang="en-US" sz="3600" dirty="0" err="1">
+                <a:latin typeface="Times New Roman" panose="02020603050405020304" pitchFamily="18" charset="0"/>
+                <a:cs typeface="Times New Roman" panose="02020603050405020304" pitchFamily="18" charset="0"/>
+              </a:rPr>
+              <a:t>lý</a:t>
+            </a:r>
+            <a:r>
+              <a:rPr lang="en-US" sz="3600" dirty="0">
+                <a:latin typeface="Times New Roman" panose="02020603050405020304" pitchFamily="18" charset="0"/>
+                <a:cs typeface="Times New Roman" panose="02020603050405020304" pitchFamily="18" charset="0"/>
+              </a:rPr>
+              <a:t> </a:t>
+            </a:r>
+            <a:r>
+              <a:rPr lang="en-US" sz="3600" dirty="0" err="1">
+                <a:latin typeface="Times New Roman" panose="02020603050405020304" pitchFamily="18" charset="0"/>
+                <a:cs typeface="Times New Roman" panose="02020603050405020304" pitchFamily="18" charset="0"/>
+              </a:rPr>
+              <a:t>số</a:t>
+            </a:r>
+            <a:r>
+              <a:rPr lang="en-US" sz="3600" dirty="0">
+                <a:latin typeface="Times New Roman" panose="02020603050405020304" pitchFamily="18" charset="0"/>
+                <a:cs typeface="Times New Roman" panose="02020603050405020304" pitchFamily="18" charset="0"/>
+              </a:rPr>
+              <a:t> </a:t>
+            </a:r>
+            <a:r>
+              <a:rPr lang="en-US" sz="3600" dirty="0" err="1">
+                <a:latin typeface="Times New Roman" panose="02020603050405020304" pitchFamily="18" charset="0"/>
+                <a:cs typeface="Times New Roman" panose="02020603050405020304" pitchFamily="18" charset="0"/>
+              </a:rPr>
+              <a:t>ngẫu</a:t>
+            </a:r>
+            <a:r>
+              <a:rPr lang="en-US" sz="3600" dirty="0">
+                <a:latin typeface="Times New Roman" panose="02020603050405020304" pitchFamily="18" charset="0"/>
+                <a:cs typeface="Times New Roman" panose="02020603050405020304" pitchFamily="18" charset="0"/>
+              </a:rPr>
+              <a:t> </a:t>
+            </a:r>
+            <a:r>
+              <a:rPr lang="en-US" sz="3600" dirty="0" err="1">
+                <a:latin typeface="Times New Roman" panose="02020603050405020304" pitchFamily="18" charset="0"/>
+                <a:cs typeface="Times New Roman" panose="02020603050405020304" pitchFamily="18" charset="0"/>
+              </a:rPr>
+              <a:t>nhiên</a:t>
+            </a:r>
+            <a:endParaRPr lang="en-US" sz="3600" dirty="0">
+              <a:latin typeface="Times New Roman" panose="02020603050405020304" pitchFamily="18" charset="0"/>
+              <a:cs typeface="Times New Roman" panose="02020603050405020304" pitchFamily="18" charset="0"/>
+            </a:endParaRPr>
+          </a:p>
+          <a:p>
+            <a:r>
+              <a:rPr lang="en-US" sz="3600" dirty="0" err="1">
+                <a:latin typeface="Times New Roman" panose="02020603050405020304" pitchFamily="18" charset="0"/>
+                <a:cs typeface="Times New Roman" panose="02020603050405020304" pitchFamily="18" charset="0"/>
+              </a:rPr>
+              <a:t>Thư</a:t>
+            </a:r>
+            <a:r>
+              <a:rPr lang="en-US" sz="3600" dirty="0">
+                <a:latin typeface="Times New Roman" panose="02020603050405020304" pitchFamily="18" charset="0"/>
+                <a:cs typeface="Times New Roman" panose="02020603050405020304" pitchFamily="18" charset="0"/>
+              </a:rPr>
+              <a:t> </a:t>
+            </a:r>
+            <a:r>
+              <a:rPr lang="en-US" sz="3600" dirty="0" err="1">
+                <a:latin typeface="Times New Roman" panose="02020603050405020304" pitchFamily="18" charset="0"/>
+                <a:cs typeface="Times New Roman" panose="02020603050405020304" pitchFamily="18" charset="0"/>
+              </a:rPr>
+              <a:t>viện</a:t>
+            </a:r>
+            <a:r>
+              <a:rPr lang="en-US" sz="3600" dirty="0">
+                <a:latin typeface="Times New Roman" panose="02020603050405020304" pitchFamily="18" charset="0"/>
+                <a:cs typeface="Times New Roman" panose="02020603050405020304" pitchFamily="18" charset="0"/>
+              </a:rPr>
+              <a:t> </a:t>
+            </a:r>
+            <a:r>
+              <a:rPr lang="en-US" sz="3600" dirty="0" err="1">
+                <a:latin typeface="Times New Roman" panose="02020603050405020304" pitchFamily="18" charset="0"/>
+                <a:cs typeface="Times New Roman" panose="02020603050405020304" pitchFamily="18" charset="0"/>
+              </a:rPr>
+              <a:t>xử</a:t>
+            </a:r>
+            <a:r>
+              <a:rPr lang="en-US" sz="3600" dirty="0">
+                <a:latin typeface="Times New Roman" panose="02020603050405020304" pitchFamily="18" charset="0"/>
+                <a:cs typeface="Times New Roman" panose="02020603050405020304" pitchFamily="18" charset="0"/>
+              </a:rPr>
+              <a:t> </a:t>
+            </a:r>
+            <a:r>
+              <a:rPr lang="en-US" sz="3600" dirty="0" err="1">
+                <a:latin typeface="Times New Roman" panose="02020603050405020304" pitchFamily="18" charset="0"/>
+                <a:cs typeface="Times New Roman" panose="02020603050405020304" pitchFamily="18" charset="0"/>
+              </a:rPr>
+              <a:t>lý</a:t>
+            </a:r>
+            <a:r>
+              <a:rPr lang="en-US" sz="3600" dirty="0">
+                <a:latin typeface="Times New Roman" panose="02020603050405020304" pitchFamily="18" charset="0"/>
+                <a:cs typeface="Times New Roman" panose="02020603050405020304" pitchFamily="18" charset="0"/>
+              </a:rPr>
+              <a:t> string</a:t>
+            </a:r>
           </a:p>
         </p:txBody>
       </p:sp>
@@ -19213,51 +24243,2276 @@
       </p:grpSpPr>
       <p:sp>
         <p:nvSpPr>
-          <p:cNvPr id="2" name="Tiêu đề 1">
+          <p:cNvPr id="6" name="Rectangle 1">
             <a:extLst>
               <a:ext uri="{FF2B5EF4-FFF2-40B4-BE49-F238E27FC236}">
-                <a16:creationId xmlns:a16="http://schemas.microsoft.com/office/drawing/2014/main" id="{7E31F0B1-7974-4F5B-AABE-45AE9270EC46}"/>
+                <a16:creationId xmlns:a16="http://schemas.microsoft.com/office/drawing/2014/main" id="{F3C27701-0139-4075-968B-CA448A3FB342}"/>
               </a:ext>
             </a:extLst>
           </p:cNvPr>
           <p:cNvSpPr>
-            <a:spLocks noGrp="1"/>
+            <a:spLocks noChangeArrowheads="1"/>
           </p:cNvSpPr>
-          <p:nvPr>
-            <p:ph type="title"/>
-          </p:nvPr>
+          <p:nvPr/>
         </p:nvSpPr>
-        <p:spPr/>
+        <p:spPr bwMode="auto">
+          <a:xfrm>
+            <a:off x="4502870" y="291917"/>
+            <a:ext cx="2158738" cy="1169551"/>
+          </a:xfrm>
+          <a:prstGeom prst="rect">
+            <a:avLst/>
+          </a:prstGeom>
+          <a:solidFill>
+            <a:srgbClr val="2B2B2B"/>
+          </a:solidFill>
+          <a:ln>
+            <a:noFill/>
+          </a:ln>
+          <a:effectLst/>
+          <a:extLst>
+            <a:ext uri="{91240B29-F687-4F45-9708-019B960494DF}">
+              <a14:hiddenLine xmlns:a14="http://schemas.microsoft.com/office/drawing/2010/main" w="9525">
+                <a:solidFill>
+                  <a:schemeClr val="tx1"/>
+                </a:solidFill>
+                <a:miter lim="800000"/>
+                <a:headEnd/>
+                <a:tailEnd/>
+              </a14:hiddenLine>
+            </a:ext>
+            <a:ext uri="{AF507438-7753-43E0-B8FC-AC1667EBCBE1}">
+              <a14:hiddenEffects xmlns:a14="http://schemas.microsoft.com/office/drawing/2010/main">
+                <a:effectLst>
+                  <a:outerShdw dist="35921" dir="2700000" algn="ctr" rotWithShape="0">
+                    <a:schemeClr val="bg2"/>
+                  </a:outerShdw>
+                </a:effectLst>
+              </a14:hiddenEffects>
+            </a:ext>
+          </a:extLst>
+        </p:spPr>
         <p:txBody>
-          <a:bodyPr/>
+          <a:bodyPr vert="horz" wrap="square" lIns="91440" tIns="45720" rIns="91440" bIns="45720" numCol="1" anchor="ctr" anchorCtr="0" compatLnSpc="1">
+            <a:prstTxWarp prst="textNoShape">
+              <a:avLst/>
+            </a:prstTxWarp>
+            <a:spAutoFit/>
+          </a:bodyPr>
           <a:lstStyle/>
           <a:p>
-            <a:endParaRPr lang="en-US"/>
+            <a:pPr marL="0" marR="0" lvl="0" indent="0" algn="l" defTabSz="914400" rtl="0" eaLnBrk="0" fontAlgn="base" latinLnBrk="0" hangingPunct="0">
+              <a:lnSpc>
+                <a:spcPct val="100000"/>
+              </a:lnSpc>
+              <a:spcBef>
+                <a:spcPct val="0"/>
+              </a:spcBef>
+              <a:spcAft>
+                <a:spcPct val="0"/>
+              </a:spcAft>
+              <a:buClrTx/>
+              <a:buSzTx/>
+              <a:buFontTx/>
+              <a:buNone/>
+              <a:tabLst/>
+            </a:pPr>
+            <a:r>
+              <a:rPr kumimoji="0" lang="en-US" altLang="en-US" sz="1000" b="0" i="0" u="none" strike="noStrike" cap="none" normalizeH="0" baseline="0" dirty="0">
+                <a:ln>
+                  <a:noFill/>
+                </a:ln>
+                <a:solidFill>
+                  <a:srgbClr val="CC7832"/>
+                </a:solidFill>
+                <a:effectLst/>
+                <a:latin typeface="JetBrains Mono"/>
+              </a:rPr>
+              <a:t>try </a:t>
+            </a:r>
+            <a:r>
+              <a:rPr kumimoji="0" lang="en-US" altLang="en-US" sz="1000" b="0" i="0" u="none" strike="noStrike" cap="none" normalizeH="0" baseline="0" dirty="0">
+                <a:ln>
+                  <a:noFill/>
+                </a:ln>
+                <a:solidFill>
+                  <a:srgbClr val="A9B7C6"/>
+                </a:solidFill>
+                <a:effectLst/>
+                <a:latin typeface="JetBrains Mono"/>
+              </a:rPr>
+              <a:t>{</a:t>
+            </a:r>
+            <a:br>
+              <a:rPr kumimoji="0" lang="en-US" altLang="en-US" sz="1000" b="0" i="0" u="none" strike="noStrike" cap="none" normalizeH="0" baseline="0" dirty="0">
+                <a:ln>
+                  <a:noFill/>
+                </a:ln>
+                <a:solidFill>
+                  <a:srgbClr val="A9B7C6"/>
+                </a:solidFill>
+                <a:effectLst/>
+                <a:latin typeface="JetBrains Mono"/>
+              </a:rPr>
+            </a:br>
+            <a:r>
+              <a:rPr kumimoji="0" lang="en-US" altLang="en-US" sz="1000" b="0" i="0" u="none" strike="noStrike" cap="none" normalizeH="0" baseline="0" dirty="0">
+                <a:ln>
+                  <a:noFill/>
+                </a:ln>
+                <a:solidFill>
+                  <a:srgbClr val="A9B7C6"/>
+                </a:solidFill>
+                <a:effectLst/>
+                <a:latin typeface="JetBrains Mono"/>
+              </a:rPr>
+              <a:t>    </a:t>
+            </a:r>
+            <a:r>
+              <a:rPr kumimoji="0" lang="en-US" altLang="en-US" sz="1000" b="0" i="0" u="none" strike="noStrike" cap="none" normalizeH="0" baseline="0" dirty="0">
+                <a:ln>
+                  <a:noFill/>
+                </a:ln>
+                <a:solidFill>
+                  <a:srgbClr val="808080"/>
+                </a:solidFill>
+                <a:effectLst/>
+                <a:latin typeface="JetBrains Mono"/>
+              </a:rPr>
+              <a:t>//some code</a:t>
+            </a:r>
+            <a:br>
+              <a:rPr kumimoji="0" lang="en-US" altLang="en-US" sz="1000" b="0" i="0" u="none" strike="noStrike" cap="none" normalizeH="0" baseline="0" dirty="0">
+                <a:ln>
+                  <a:noFill/>
+                </a:ln>
+                <a:solidFill>
+                  <a:srgbClr val="808080"/>
+                </a:solidFill>
+                <a:effectLst/>
+                <a:latin typeface="JetBrains Mono"/>
+              </a:rPr>
+            </a:br>
+            <a:r>
+              <a:rPr kumimoji="0" lang="en-US" altLang="en-US" sz="1000" b="0" i="0" u="none" strike="noStrike" cap="none" normalizeH="0" baseline="0" dirty="0">
+                <a:ln>
+                  <a:noFill/>
+                </a:ln>
+                <a:solidFill>
+                  <a:srgbClr val="A9B7C6"/>
+                </a:solidFill>
+                <a:effectLst/>
+                <a:latin typeface="JetBrains Mono"/>
+              </a:rPr>
+              <a:t>}</a:t>
+            </a:r>
+            <a:r>
+              <a:rPr kumimoji="0" lang="en-US" altLang="en-US" sz="1000" b="0" i="0" u="none" strike="noStrike" cap="none" normalizeH="0" baseline="0" dirty="0">
+                <a:ln>
+                  <a:noFill/>
+                </a:ln>
+                <a:solidFill>
+                  <a:srgbClr val="CC7832"/>
+                </a:solidFill>
+                <a:effectLst/>
+                <a:latin typeface="JetBrains Mono"/>
+              </a:rPr>
+              <a:t>catch </a:t>
+            </a:r>
+            <a:r>
+              <a:rPr kumimoji="0" lang="en-US" altLang="en-US" sz="1000" b="0" i="0" u="none" strike="noStrike" cap="none" normalizeH="0" baseline="0" dirty="0">
+                <a:ln>
+                  <a:noFill/>
+                </a:ln>
+                <a:solidFill>
+                  <a:srgbClr val="A9B7C6"/>
+                </a:solidFill>
+                <a:effectLst/>
+                <a:latin typeface="JetBrains Mono"/>
+              </a:rPr>
+              <a:t>(</a:t>
+            </a:r>
+            <a:r>
+              <a:rPr kumimoji="0" lang="en-US" altLang="en-US" sz="1000" b="0" i="0" u="none" strike="noStrike" cap="none" normalizeH="0" baseline="0" dirty="0" err="1">
+                <a:ln>
+                  <a:noFill/>
+                </a:ln>
+                <a:solidFill>
+                  <a:srgbClr val="A9B7C6"/>
+                </a:solidFill>
+                <a:effectLst/>
+                <a:latin typeface="JetBrains Mono"/>
+              </a:rPr>
+              <a:t>e:Exception</a:t>
+            </a:r>
+            <a:r>
+              <a:rPr kumimoji="0" lang="en-US" altLang="en-US" sz="1000" b="0" i="0" u="none" strike="noStrike" cap="none" normalizeH="0" baseline="0" dirty="0">
+                <a:ln>
+                  <a:noFill/>
+                </a:ln>
+                <a:solidFill>
+                  <a:srgbClr val="A9B7C6"/>
+                </a:solidFill>
+                <a:effectLst/>
+                <a:latin typeface="JetBrains Mono"/>
+              </a:rPr>
+              <a:t>){</a:t>
+            </a:r>
+            <a:br>
+              <a:rPr kumimoji="0" lang="en-US" altLang="en-US" sz="1000" b="0" i="0" u="none" strike="noStrike" cap="none" normalizeH="0" baseline="0" dirty="0">
+                <a:ln>
+                  <a:noFill/>
+                </a:ln>
+                <a:solidFill>
+                  <a:srgbClr val="A9B7C6"/>
+                </a:solidFill>
+                <a:effectLst/>
+                <a:latin typeface="JetBrains Mono"/>
+              </a:rPr>
+            </a:br>
+            <a:r>
+              <a:rPr kumimoji="0" lang="en-US" altLang="en-US" sz="1000" b="0" i="0" u="none" strike="noStrike" cap="none" normalizeH="0" baseline="0" dirty="0">
+                <a:ln>
+                  <a:noFill/>
+                </a:ln>
+                <a:solidFill>
+                  <a:srgbClr val="A9B7C6"/>
+                </a:solidFill>
+                <a:effectLst/>
+                <a:latin typeface="JetBrains Mono"/>
+              </a:rPr>
+              <a:t>    </a:t>
+            </a:r>
+            <a:r>
+              <a:rPr kumimoji="0" lang="en-US" altLang="en-US" sz="1000" b="0" i="0" u="none" strike="noStrike" cap="none" normalizeH="0" baseline="0" dirty="0">
+                <a:ln>
+                  <a:noFill/>
+                </a:ln>
+                <a:solidFill>
+                  <a:srgbClr val="808080"/>
+                </a:solidFill>
+                <a:effectLst/>
+                <a:latin typeface="JetBrains Mono"/>
+              </a:rPr>
+              <a:t>//handler</a:t>
+            </a:r>
+            <a:br>
+              <a:rPr kumimoji="0" lang="en-US" altLang="en-US" sz="1000" b="0" i="0" u="none" strike="noStrike" cap="none" normalizeH="0" baseline="0" dirty="0">
+                <a:ln>
+                  <a:noFill/>
+                </a:ln>
+                <a:solidFill>
+                  <a:srgbClr val="808080"/>
+                </a:solidFill>
+                <a:effectLst/>
+                <a:latin typeface="JetBrains Mono"/>
+              </a:rPr>
+            </a:br>
+            <a:r>
+              <a:rPr kumimoji="0" lang="en-US" altLang="en-US" sz="1000" b="0" i="0" u="none" strike="noStrike" cap="none" normalizeH="0" baseline="0" dirty="0">
+                <a:ln>
+                  <a:noFill/>
+                </a:ln>
+                <a:solidFill>
+                  <a:srgbClr val="A9B7C6"/>
+                </a:solidFill>
+                <a:effectLst/>
+                <a:latin typeface="JetBrains Mono"/>
+              </a:rPr>
+              <a:t>}</a:t>
+            </a:r>
+            <a:r>
+              <a:rPr kumimoji="0" lang="en-US" altLang="en-US" sz="1000" b="0" i="0" u="none" strike="noStrike" cap="none" normalizeH="0" baseline="0" dirty="0">
+                <a:ln>
+                  <a:noFill/>
+                </a:ln>
+                <a:solidFill>
+                  <a:srgbClr val="CC7832"/>
+                </a:solidFill>
+                <a:effectLst/>
+                <a:latin typeface="JetBrains Mono"/>
+              </a:rPr>
+              <a:t>finally </a:t>
+            </a:r>
+            <a:r>
+              <a:rPr kumimoji="0" lang="en-US" altLang="en-US" sz="1000" b="0" i="0" u="none" strike="noStrike" cap="none" normalizeH="0" baseline="0" dirty="0">
+                <a:ln>
+                  <a:noFill/>
+                </a:ln>
+                <a:solidFill>
+                  <a:srgbClr val="A9B7C6"/>
+                </a:solidFill>
+                <a:effectLst/>
+                <a:latin typeface="JetBrains Mono"/>
+              </a:rPr>
+              <a:t>{</a:t>
+            </a:r>
+            <a:br>
+              <a:rPr kumimoji="0" lang="en-US" altLang="en-US" sz="1000" b="0" i="0" u="none" strike="noStrike" cap="none" normalizeH="0" baseline="0" dirty="0">
+                <a:ln>
+                  <a:noFill/>
+                </a:ln>
+                <a:solidFill>
+                  <a:srgbClr val="A9B7C6"/>
+                </a:solidFill>
+                <a:effectLst/>
+                <a:latin typeface="JetBrains Mono"/>
+              </a:rPr>
+            </a:br>
+            <a:r>
+              <a:rPr kumimoji="0" lang="en-US" altLang="en-US" sz="1000" b="0" i="0" u="none" strike="noStrike" cap="none" normalizeH="0" baseline="0" dirty="0">
+                <a:ln>
+                  <a:noFill/>
+                </a:ln>
+                <a:solidFill>
+                  <a:srgbClr val="A9B7C6"/>
+                </a:solidFill>
+                <a:effectLst/>
+                <a:latin typeface="JetBrains Mono"/>
+              </a:rPr>
+              <a:t>    </a:t>
+            </a:r>
+            <a:r>
+              <a:rPr kumimoji="0" lang="en-US" altLang="en-US" sz="1000" b="0" i="0" u="none" strike="noStrike" cap="none" normalizeH="0" baseline="0" dirty="0">
+                <a:ln>
+                  <a:noFill/>
+                </a:ln>
+                <a:solidFill>
+                  <a:srgbClr val="808080"/>
+                </a:solidFill>
+                <a:effectLst/>
+                <a:latin typeface="JetBrains Mono"/>
+              </a:rPr>
+              <a:t>//option finally block</a:t>
+            </a:r>
+            <a:br>
+              <a:rPr kumimoji="0" lang="en-US" altLang="en-US" sz="1000" b="0" i="0" u="none" strike="noStrike" cap="none" normalizeH="0" baseline="0" dirty="0">
+                <a:ln>
+                  <a:noFill/>
+                </a:ln>
+                <a:solidFill>
+                  <a:srgbClr val="808080"/>
+                </a:solidFill>
+                <a:effectLst/>
+                <a:latin typeface="JetBrains Mono"/>
+              </a:rPr>
+            </a:br>
+            <a:r>
+              <a:rPr kumimoji="0" lang="en-US" altLang="en-US" sz="1000" b="0" i="0" u="none" strike="noStrike" cap="none" normalizeH="0" baseline="0" dirty="0">
+                <a:ln>
+                  <a:noFill/>
+                </a:ln>
+                <a:solidFill>
+                  <a:srgbClr val="A9B7C6"/>
+                </a:solidFill>
+                <a:effectLst/>
+                <a:latin typeface="JetBrains Mono"/>
+              </a:rPr>
+              <a:t>}</a:t>
+            </a:r>
+            <a:endParaRPr kumimoji="0" lang="en-US" altLang="en-US" sz="1800" b="0" i="0" u="none" strike="noStrike" cap="none" normalizeH="0" baseline="0" dirty="0">
+              <a:ln>
+                <a:noFill/>
+              </a:ln>
+              <a:solidFill>
+                <a:schemeClr val="tx1"/>
+              </a:solidFill>
+              <a:effectLst/>
+              <a:latin typeface="Arial" panose="020B0604020202020204" pitchFamily="34" charset="0"/>
+            </a:endParaRPr>
           </a:p>
         </p:txBody>
       </p:sp>
       <p:sp>
         <p:nvSpPr>
-          <p:cNvPr id="3" name="Chỗ dành sẵn cho Nội dung 2">
+          <p:cNvPr id="7" name="Hình chữ nhật 6">
             <a:extLst>
               <a:ext uri="{FF2B5EF4-FFF2-40B4-BE49-F238E27FC236}">
-                <a16:creationId xmlns:a16="http://schemas.microsoft.com/office/drawing/2014/main" id="{09C6E6F4-C3FF-4E03-BF40-D48E36CDBA3F}"/>
+                <a16:creationId xmlns:a16="http://schemas.microsoft.com/office/drawing/2014/main" id="{3E310039-CDE0-40D3-BAFE-E1C7B9C7DD40}"/>
               </a:ext>
             </a:extLst>
           </p:cNvPr>
-          <p:cNvSpPr>
-            <a:spLocks noGrp="1"/>
-          </p:cNvSpPr>
-          <p:nvPr>
-            <p:ph idx="1"/>
-          </p:nvPr>
+          <p:cNvSpPr/>
+          <p:nvPr/>
         </p:nvSpPr>
-        <p:spPr/>
+        <p:spPr>
+          <a:xfrm>
+            <a:off x="197964" y="235671"/>
+            <a:ext cx="3381079" cy="1282044"/>
+          </a:xfrm>
+          <a:prstGeom prst="rect">
+            <a:avLst/>
+          </a:prstGeom>
+        </p:spPr>
+        <p:style>
+          <a:lnRef idx="1">
+            <a:schemeClr val="accent3"/>
+          </a:lnRef>
+          <a:fillRef idx="2">
+            <a:schemeClr val="accent3"/>
+          </a:fillRef>
+          <a:effectRef idx="1">
+            <a:schemeClr val="accent3"/>
+          </a:effectRef>
+          <a:fontRef idx="minor">
+            <a:schemeClr val="dk1"/>
+          </a:fontRef>
+        </p:style>
         <p:txBody>
-          <a:bodyPr/>
+          <a:bodyPr rtlCol="0" anchor="ctr"/>
           <a:lstStyle/>
           <a:p>
-            <a:endParaRPr lang="en-US"/>
+            <a:r>
+              <a:rPr lang="en-US" sz="1200" dirty="0" err="1">
+                <a:latin typeface="Times New Roman" panose="02020603050405020304" pitchFamily="18" charset="0"/>
+                <a:cs typeface="Times New Roman" panose="02020603050405020304" pitchFamily="18" charset="0"/>
+              </a:rPr>
+              <a:t>Với</a:t>
+            </a:r>
+            <a:r>
+              <a:rPr lang="en-US" sz="1200" dirty="0">
+                <a:latin typeface="Times New Roman" panose="02020603050405020304" pitchFamily="18" charset="0"/>
+                <a:cs typeface="Times New Roman" panose="02020603050405020304" pitchFamily="18" charset="0"/>
+              </a:rPr>
+              <a:t> </a:t>
+            </a:r>
+            <a:r>
+              <a:rPr lang="en-US" sz="1200" dirty="0" err="1">
+                <a:latin typeface="Times New Roman" panose="02020603050405020304" pitchFamily="18" charset="0"/>
+                <a:cs typeface="Times New Roman" panose="02020603050405020304" pitchFamily="18" charset="0"/>
+              </a:rPr>
+              <a:t>một</a:t>
+            </a:r>
+            <a:r>
+              <a:rPr lang="en-US" sz="1200" dirty="0">
+                <a:latin typeface="Times New Roman" panose="02020603050405020304" pitchFamily="18" charset="0"/>
+                <a:cs typeface="Times New Roman" panose="02020603050405020304" pitchFamily="18" charset="0"/>
+              </a:rPr>
+              <a:t> </a:t>
+            </a:r>
+            <a:r>
+              <a:rPr lang="en-US" sz="1200" dirty="0" err="1">
+                <a:latin typeface="Times New Roman" panose="02020603050405020304" pitchFamily="18" charset="0"/>
+                <a:cs typeface="Times New Roman" panose="02020603050405020304" pitchFamily="18" charset="0"/>
+              </a:rPr>
+              <a:t>đoạn</a:t>
+            </a:r>
+            <a:r>
+              <a:rPr lang="en-US" sz="1200" dirty="0">
+                <a:latin typeface="Times New Roman" panose="02020603050405020304" pitchFamily="18" charset="0"/>
+                <a:cs typeface="Times New Roman" panose="02020603050405020304" pitchFamily="18" charset="0"/>
+              </a:rPr>
+              <a:t> code </a:t>
+            </a:r>
+            <a:r>
+              <a:rPr lang="en-US" sz="1200" dirty="0" err="1">
+                <a:latin typeface="Times New Roman" panose="02020603050405020304" pitchFamily="18" charset="0"/>
+                <a:cs typeface="Times New Roman" panose="02020603050405020304" pitchFamily="18" charset="0"/>
+              </a:rPr>
+              <a:t>có</a:t>
+            </a:r>
+            <a:r>
+              <a:rPr lang="en-US" sz="1200" dirty="0">
+                <a:latin typeface="Times New Roman" panose="02020603050405020304" pitchFamily="18" charset="0"/>
+                <a:cs typeface="Times New Roman" panose="02020603050405020304" pitchFamily="18" charset="0"/>
+              </a:rPr>
+              <a:t> </a:t>
+            </a:r>
+            <a:r>
+              <a:rPr lang="en-US" sz="1200" dirty="0" err="1">
+                <a:latin typeface="Times New Roman" panose="02020603050405020304" pitchFamily="18" charset="0"/>
+                <a:cs typeface="Times New Roman" panose="02020603050405020304" pitchFamily="18" charset="0"/>
+              </a:rPr>
+              <a:t>lỗi</a:t>
+            </a:r>
+            <a:r>
+              <a:rPr lang="en-US" sz="1200" dirty="0">
+                <a:latin typeface="Times New Roman" panose="02020603050405020304" pitchFamily="18" charset="0"/>
+                <a:cs typeface="Times New Roman" panose="02020603050405020304" pitchFamily="18" charset="0"/>
+              </a:rPr>
+              <a:t> </a:t>
+            </a:r>
+            <a:r>
+              <a:rPr lang="en-US" sz="1200" dirty="0" err="1">
+                <a:latin typeface="Times New Roman" panose="02020603050405020304" pitchFamily="18" charset="0"/>
+                <a:cs typeface="Times New Roman" panose="02020603050405020304" pitchFamily="18" charset="0"/>
+              </a:rPr>
+              <a:t>ra</a:t>
+            </a:r>
+            <a:r>
+              <a:rPr lang="en-US" sz="1200" dirty="0">
+                <a:latin typeface="Times New Roman" panose="02020603050405020304" pitchFamily="18" charset="0"/>
+                <a:cs typeface="Times New Roman" panose="02020603050405020304" pitchFamily="18" charset="0"/>
+              </a:rPr>
+              <a:t> </a:t>
+            </a:r>
+            <a:r>
+              <a:rPr lang="en-US" sz="1200" dirty="0" err="1">
+                <a:latin typeface="Times New Roman" panose="02020603050405020304" pitchFamily="18" charset="0"/>
+                <a:cs typeface="Times New Roman" panose="02020603050405020304" pitchFamily="18" charset="0"/>
+              </a:rPr>
+              <a:t>được</a:t>
+            </a:r>
+            <a:r>
+              <a:rPr lang="en-US" sz="1200" dirty="0">
+                <a:latin typeface="Times New Roman" panose="02020603050405020304" pitchFamily="18" charset="0"/>
+                <a:cs typeface="Times New Roman" panose="02020603050405020304" pitchFamily="18" charset="0"/>
+              </a:rPr>
+              <a:t> </a:t>
+            </a:r>
+            <a:r>
+              <a:rPr lang="en-US" sz="1200" dirty="0" err="1">
+                <a:latin typeface="Times New Roman" panose="02020603050405020304" pitchFamily="18" charset="0"/>
+                <a:cs typeface="Times New Roman" panose="02020603050405020304" pitchFamily="18" charset="0"/>
+              </a:rPr>
+              <a:t>đặt</a:t>
+            </a:r>
+            <a:r>
+              <a:rPr lang="en-US" sz="1200" dirty="0">
+                <a:latin typeface="Times New Roman" panose="02020603050405020304" pitchFamily="18" charset="0"/>
+                <a:cs typeface="Times New Roman" panose="02020603050405020304" pitchFamily="18" charset="0"/>
+              </a:rPr>
+              <a:t> </a:t>
+            </a:r>
+            <a:r>
+              <a:rPr lang="en-US" sz="1200" dirty="0" err="1">
+                <a:latin typeface="Times New Roman" panose="02020603050405020304" pitchFamily="18" charset="0"/>
+                <a:cs typeface="Times New Roman" panose="02020603050405020304" pitchFamily="18" charset="0"/>
+              </a:rPr>
+              <a:t>vào</a:t>
+            </a:r>
+            <a:r>
+              <a:rPr lang="en-US" sz="1200" dirty="0">
+                <a:latin typeface="Times New Roman" panose="02020603050405020304" pitchFamily="18" charset="0"/>
+                <a:cs typeface="Times New Roman" panose="02020603050405020304" pitchFamily="18" charset="0"/>
+              </a:rPr>
+              <a:t> </a:t>
+            </a:r>
+            <a:r>
+              <a:rPr lang="en-US" sz="1400" b="1" dirty="0">
+                <a:latin typeface="Times New Roman" panose="02020603050405020304" pitchFamily="18" charset="0"/>
+                <a:cs typeface="Times New Roman" panose="02020603050405020304" pitchFamily="18" charset="0"/>
+              </a:rPr>
+              <a:t>try</a:t>
+            </a:r>
+            <a:r>
+              <a:rPr lang="en-US" sz="1200" dirty="0">
+                <a:latin typeface="Times New Roman" panose="02020603050405020304" pitchFamily="18" charset="0"/>
+                <a:cs typeface="Times New Roman" panose="02020603050405020304" pitchFamily="18" charset="0"/>
+              </a:rPr>
+              <a:t> </a:t>
+            </a:r>
+            <a:r>
+              <a:rPr lang="en-US" sz="1200" dirty="0" err="1">
+                <a:latin typeface="Times New Roman" panose="02020603050405020304" pitchFamily="18" charset="0"/>
+                <a:cs typeface="Times New Roman" panose="02020603050405020304" pitchFamily="18" charset="0"/>
+              </a:rPr>
+              <a:t>thì</a:t>
+            </a:r>
+            <a:r>
+              <a:rPr lang="en-US" sz="1200" dirty="0">
+                <a:latin typeface="Times New Roman" panose="02020603050405020304" pitchFamily="18" charset="0"/>
+                <a:cs typeface="Times New Roman" panose="02020603050405020304" pitchFamily="18" charset="0"/>
+              </a:rPr>
+              <a:t> </a:t>
+            </a:r>
+            <a:r>
+              <a:rPr lang="en-US" sz="1200" dirty="0" err="1">
+                <a:latin typeface="Times New Roman" panose="02020603050405020304" pitchFamily="18" charset="0"/>
+                <a:cs typeface="Times New Roman" panose="02020603050405020304" pitchFamily="18" charset="0"/>
+              </a:rPr>
+              <a:t>chương</a:t>
+            </a:r>
+            <a:r>
+              <a:rPr lang="en-US" sz="1200" dirty="0">
+                <a:latin typeface="Times New Roman" panose="02020603050405020304" pitchFamily="18" charset="0"/>
+                <a:cs typeface="Times New Roman" panose="02020603050405020304" pitchFamily="18" charset="0"/>
+              </a:rPr>
+              <a:t> </a:t>
+            </a:r>
+            <a:r>
+              <a:rPr lang="en-US" sz="1200" dirty="0" err="1">
+                <a:latin typeface="Times New Roman" panose="02020603050405020304" pitchFamily="18" charset="0"/>
+                <a:cs typeface="Times New Roman" panose="02020603050405020304" pitchFamily="18" charset="0"/>
+              </a:rPr>
+              <a:t>trình</a:t>
+            </a:r>
+            <a:r>
+              <a:rPr lang="en-US" sz="1200" dirty="0">
+                <a:latin typeface="Times New Roman" panose="02020603050405020304" pitchFamily="18" charset="0"/>
+                <a:cs typeface="Times New Roman" panose="02020603050405020304" pitchFamily="18" charset="0"/>
+              </a:rPr>
+              <a:t> </a:t>
+            </a:r>
+            <a:r>
+              <a:rPr lang="en-US" sz="1200" dirty="0" err="1">
+                <a:latin typeface="Times New Roman" panose="02020603050405020304" pitchFamily="18" charset="0"/>
+                <a:cs typeface="Times New Roman" panose="02020603050405020304" pitchFamily="18" charset="0"/>
+              </a:rPr>
+              <a:t>sẽ</a:t>
+            </a:r>
+            <a:r>
+              <a:rPr lang="en-US" sz="1200" dirty="0">
+                <a:latin typeface="Times New Roman" panose="02020603050405020304" pitchFamily="18" charset="0"/>
+                <a:cs typeface="Times New Roman" panose="02020603050405020304" pitchFamily="18" charset="0"/>
+              </a:rPr>
+              <a:t> </a:t>
+            </a:r>
+            <a:r>
+              <a:rPr lang="en-US" sz="1200" dirty="0" err="1">
+                <a:latin typeface="Times New Roman" panose="02020603050405020304" pitchFamily="18" charset="0"/>
+                <a:cs typeface="Times New Roman" panose="02020603050405020304" pitchFamily="18" charset="0"/>
+              </a:rPr>
+              <a:t>tiếp</a:t>
+            </a:r>
+            <a:r>
+              <a:rPr lang="en-US" sz="1200" dirty="0">
+                <a:latin typeface="Times New Roman" panose="02020603050405020304" pitchFamily="18" charset="0"/>
+                <a:cs typeface="Times New Roman" panose="02020603050405020304" pitchFamily="18" charset="0"/>
+              </a:rPr>
+              <a:t> </a:t>
+            </a:r>
+            <a:r>
+              <a:rPr lang="en-US" sz="1200" dirty="0" err="1">
+                <a:latin typeface="Times New Roman" panose="02020603050405020304" pitchFamily="18" charset="0"/>
+                <a:cs typeface="Times New Roman" panose="02020603050405020304" pitchFamily="18" charset="0"/>
+              </a:rPr>
+              <a:t>tục</a:t>
+            </a:r>
+            <a:r>
+              <a:rPr lang="en-US" sz="1200" dirty="0">
+                <a:latin typeface="Times New Roman" panose="02020603050405020304" pitchFamily="18" charset="0"/>
+                <a:cs typeface="Times New Roman" panose="02020603050405020304" pitchFamily="18" charset="0"/>
+              </a:rPr>
+              <a:t> </a:t>
+            </a:r>
+            <a:r>
+              <a:rPr lang="en-US" sz="1200" dirty="0" err="1">
+                <a:latin typeface="Times New Roman" panose="02020603050405020304" pitchFamily="18" charset="0"/>
+                <a:cs typeface="Times New Roman" panose="02020603050405020304" pitchFamily="18" charset="0"/>
+              </a:rPr>
+              <a:t>chạy</a:t>
+            </a:r>
+            <a:r>
+              <a:rPr lang="en-US" sz="1200" dirty="0">
+                <a:latin typeface="Times New Roman" panose="02020603050405020304" pitchFamily="18" charset="0"/>
+                <a:cs typeface="Times New Roman" panose="02020603050405020304" pitchFamily="18" charset="0"/>
+              </a:rPr>
+              <a:t> </a:t>
+            </a:r>
+            <a:r>
+              <a:rPr lang="en-US" sz="1200" dirty="0" err="1">
+                <a:latin typeface="Times New Roman" panose="02020603050405020304" pitchFamily="18" charset="0"/>
+                <a:cs typeface="Times New Roman" panose="02020603050405020304" pitchFamily="18" charset="0"/>
+              </a:rPr>
+              <a:t>và</a:t>
+            </a:r>
+            <a:r>
+              <a:rPr lang="en-US" sz="1200" dirty="0">
+                <a:latin typeface="Times New Roman" panose="02020603050405020304" pitchFamily="18" charset="0"/>
+                <a:cs typeface="Times New Roman" panose="02020603050405020304" pitchFamily="18" charset="0"/>
+              </a:rPr>
+              <a:t> </a:t>
+            </a:r>
+            <a:r>
+              <a:rPr lang="en-US" sz="1200" dirty="0" err="1">
+                <a:latin typeface="Times New Roman" panose="02020603050405020304" pitchFamily="18" charset="0"/>
+                <a:cs typeface="Times New Roman" panose="02020603050405020304" pitchFamily="18" charset="0"/>
+              </a:rPr>
+              <a:t>lỗi</a:t>
+            </a:r>
+            <a:r>
+              <a:rPr lang="en-US" sz="1200" dirty="0">
+                <a:latin typeface="Times New Roman" panose="02020603050405020304" pitchFamily="18" charset="0"/>
+                <a:cs typeface="Times New Roman" panose="02020603050405020304" pitchFamily="18" charset="0"/>
+              </a:rPr>
+              <a:t> </a:t>
+            </a:r>
+            <a:r>
+              <a:rPr lang="en-US" sz="1200" dirty="0" err="1">
+                <a:latin typeface="Times New Roman" panose="02020603050405020304" pitchFamily="18" charset="0"/>
+                <a:cs typeface="Times New Roman" panose="02020603050405020304" pitchFamily="18" charset="0"/>
+              </a:rPr>
+              <a:t>đó</a:t>
+            </a:r>
+            <a:r>
+              <a:rPr lang="en-US" sz="1200" dirty="0">
+                <a:latin typeface="Times New Roman" panose="02020603050405020304" pitchFamily="18" charset="0"/>
+                <a:cs typeface="Times New Roman" panose="02020603050405020304" pitchFamily="18" charset="0"/>
+              </a:rPr>
+              <a:t> dc </a:t>
+            </a:r>
+            <a:r>
+              <a:rPr lang="en-US" sz="1400" b="1" dirty="0">
+                <a:latin typeface="Times New Roman" panose="02020603050405020304" pitchFamily="18" charset="0"/>
+                <a:cs typeface="Times New Roman" panose="02020603050405020304" pitchFamily="18" charset="0"/>
+              </a:rPr>
+              <a:t>catch</a:t>
+            </a:r>
+            <a:r>
+              <a:rPr lang="en-US" sz="1200" dirty="0">
+                <a:latin typeface="Times New Roman" panose="02020603050405020304" pitchFamily="18" charset="0"/>
+                <a:cs typeface="Times New Roman" panose="02020603050405020304" pitchFamily="18" charset="0"/>
+              </a:rPr>
+              <a:t> </a:t>
+            </a:r>
+            <a:r>
+              <a:rPr lang="en-US" sz="1200" dirty="0" err="1">
+                <a:latin typeface="Times New Roman" panose="02020603050405020304" pitchFamily="18" charset="0"/>
+                <a:cs typeface="Times New Roman" panose="02020603050405020304" pitchFamily="18" charset="0"/>
+              </a:rPr>
+              <a:t>lại</a:t>
+            </a:r>
+            <a:r>
+              <a:rPr lang="en-US" sz="1200" dirty="0">
+                <a:latin typeface="Times New Roman" panose="02020603050405020304" pitchFamily="18" charset="0"/>
+                <a:cs typeface="Times New Roman" panose="02020603050405020304" pitchFamily="18" charset="0"/>
+              </a:rPr>
+              <a:t> </a:t>
+            </a:r>
+            <a:r>
+              <a:rPr lang="en-US" sz="1200" dirty="0" err="1">
+                <a:latin typeface="Times New Roman" panose="02020603050405020304" pitchFamily="18" charset="0"/>
+                <a:cs typeface="Times New Roman" panose="02020603050405020304" pitchFamily="18" charset="0"/>
+              </a:rPr>
+              <a:t>và</a:t>
+            </a:r>
+            <a:r>
+              <a:rPr lang="en-US" sz="1200" dirty="0">
+                <a:latin typeface="Times New Roman" panose="02020603050405020304" pitchFamily="18" charset="0"/>
+                <a:cs typeface="Times New Roman" panose="02020603050405020304" pitchFamily="18" charset="0"/>
+              </a:rPr>
+              <a:t> </a:t>
+            </a:r>
+            <a:r>
+              <a:rPr lang="en-US" sz="1200" dirty="0" err="1">
+                <a:latin typeface="Times New Roman" panose="02020603050405020304" pitchFamily="18" charset="0"/>
+                <a:cs typeface="Times New Roman" panose="02020603050405020304" pitchFamily="18" charset="0"/>
+              </a:rPr>
+              <a:t>đưa</a:t>
+            </a:r>
+            <a:r>
+              <a:rPr lang="en-US" sz="1200" dirty="0">
+                <a:latin typeface="Times New Roman" panose="02020603050405020304" pitchFamily="18" charset="0"/>
+                <a:cs typeface="Times New Roman" panose="02020603050405020304" pitchFamily="18" charset="0"/>
+              </a:rPr>
+              <a:t> </a:t>
+            </a:r>
+            <a:r>
+              <a:rPr lang="en-US" sz="1200" dirty="0" err="1">
+                <a:latin typeface="Times New Roman" panose="02020603050405020304" pitchFamily="18" charset="0"/>
+                <a:cs typeface="Times New Roman" panose="02020603050405020304" pitchFamily="18" charset="0"/>
+              </a:rPr>
+              <a:t>ra</a:t>
+            </a:r>
+            <a:r>
+              <a:rPr lang="en-US" sz="1200" dirty="0">
+                <a:latin typeface="Times New Roman" panose="02020603050405020304" pitchFamily="18" charset="0"/>
+                <a:cs typeface="Times New Roman" panose="02020603050405020304" pitchFamily="18" charset="0"/>
+              </a:rPr>
+              <a:t> </a:t>
+            </a:r>
+            <a:r>
+              <a:rPr lang="en-US" sz="1200" dirty="0" err="1">
+                <a:latin typeface="Times New Roman" panose="02020603050405020304" pitchFamily="18" charset="0"/>
+                <a:cs typeface="Times New Roman" panose="02020603050405020304" pitchFamily="18" charset="0"/>
+              </a:rPr>
+              <a:t>thông</a:t>
+            </a:r>
+            <a:r>
+              <a:rPr lang="en-US" sz="1200" dirty="0">
+                <a:latin typeface="Times New Roman" panose="02020603050405020304" pitchFamily="18" charset="0"/>
+                <a:cs typeface="Times New Roman" panose="02020603050405020304" pitchFamily="18" charset="0"/>
+              </a:rPr>
+              <a:t> </a:t>
+            </a:r>
+            <a:r>
+              <a:rPr lang="en-US" sz="1200" dirty="0" err="1">
+                <a:latin typeface="Times New Roman" panose="02020603050405020304" pitchFamily="18" charset="0"/>
+                <a:cs typeface="Times New Roman" panose="02020603050405020304" pitchFamily="18" charset="0"/>
+              </a:rPr>
+              <a:t>báo</a:t>
+            </a:r>
+            <a:r>
+              <a:rPr lang="en-US" sz="1200" dirty="0">
+                <a:latin typeface="Times New Roman" panose="02020603050405020304" pitchFamily="18" charset="0"/>
+                <a:cs typeface="Times New Roman" panose="02020603050405020304" pitchFamily="18" charset="0"/>
+              </a:rPr>
+              <a:t> </a:t>
+            </a:r>
+            <a:r>
+              <a:rPr lang="en-US" sz="1200" dirty="0" err="1">
+                <a:latin typeface="Times New Roman" panose="02020603050405020304" pitchFamily="18" charset="0"/>
+                <a:cs typeface="Times New Roman" panose="02020603050405020304" pitchFamily="18" charset="0"/>
+              </a:rPr>
+              <a:t>cho</a:t>
+            </a:r>
+            <a:r>
+              <a:rPr lang="en-US" sz="1200" dirty="0">
+                <a:latin typeface="Times New Roman" panose="02020603050405020304" pitchFamily="18" charset="0"/>
+                <a:cs typeface="Times New Roman" panose="02020603050405020304" pitchFamily="18" charset="0"/>
+              </a:rPr>
+              <a:t> dev/test or dev </a:t>
+            </a:r>
+            <a:r>
+              <a:rPr lang="en-US" sz="1200" dirty="0" err="1">
+                <a:latin typeface="Times New Roman" panose="02020603050405020304" pitchFamily="18" charset="0"/>
+                <a:cs typeface="Times New Roman" panose="02020603050405020304" pitchFamily="18" charset="0"/>
+              </a:rPr>
+              <a:t>có</a:t>
+            </a:r>
+            <a:r>
+              <a:rPr lang="en-US" sz="1200" dirty="0">
+                <a:latin typeface="Times New Roman" panose="02020603050405020304" pitchFamily="18" charset="0"/>
+                <a:cs typeface="Times New Roman" panose="02020603050405020304" pitchFamily="18" charset="0"/>
+              </a:rPr>
+              <a:t> </a:t>
+            </a:r>
+            <a:r>
+              <a:rPr lang="en-US" sz="1200" dirty="0" err="1">
+                <a:latin typeface="Times New Roman" panose="02020603050405020304" pitchFamily="18" charset="0"/>
+                <a:cs typeface="Times New Roman" panose="02020603050405020304" pitchFamily="18" charset="0"/>
+              </a:rPr>
+              <a:t>thể</a:t>
+            </a:r>
+            <a:r>
+              <a:rPr lang="en-US" sz="1200" dirty="0">
+                <a:latin typeface="Times New Roman" panose="02020603050405020304" pitchFamily="18" charset="0"/>
+                <a:cs typeface="Times New Roman" panose="02020603050405020304" pitchFamily="18" charset="0"/>
+              </a:rPr>
+              <a:t> </a:t>
+            </a:r>
+            <a:r>
+              <a:rPr lang="en-US" sz="1200" dirty="0" err="1">
+                <a:latin typeface="Times New Roman" panose="02020603050405020304" pitchFamily="18" charset="0"/>
+                <a:cs typeface="Times New Roman" panose="02020603050405020304" pitchFamily="18" charset="0"/>
+              </a:rPr>
+              <a:t>viết</a:t>
+            </a:r>
+            <a:r>
+              <a:rPr lang="en-US" sz="1200" dirty="0">
+                <a:latin typeface="Times New Roman" panose="02020603050405020304" pitchFamily="18" charset="0"/>
+                <a:cs typeface="Times New Roman" panose="02020603050405020304" pitchFamily="18" charset="0"/>
+              </a:rPr>
+              <a:t> </a:t>
+            </a:r>
+            <a:r>
+              <a:rPr lang="en-US" sz="1200" dirty="0" err="1">
+                <a:latin typeface="Times New Roman" panose="02020603050405020304" pitchFamily="18" charset="0"/>
+                <a:cs typeface="Times New Roman" panose="02020603050405020304" pitchFamily="18" charset="0"/>
+              </a:rPr>
+              <a:t>ra</a:t>
+            </a:r>
+            <a:r>
+              <a:rPr lang="en-US" sz="1200" dirty="0">
+                <a:latin typeface="Times New Roman" panose="02020603050405020304" pitchFamily="18" charset="0"/>
+                <a:cs typeface="Times New Roman" panose="02020603050405020304" pitchFamily="18" charset="0"/>
+              </a:rPr>
+              <a:t> </a:t>
+            </a:r>
+            <a:r>
+              <a:rPr lang="en-US" sz="1200" dirty="0" err="1">
+                <a:latin typeface="Times New Roman" panose="02020603050405020304" pitchFamily="18" charset="0"/>
+                <a:cs typeface="Times New Roman" panose="02020603050405020304" pitchFamily="18" charset="0"/>
+              </a:rPr>
+              <a:t>đoạn</a:t>
+            </a:r>
+            <a:r>
+              <a:rPr lang="en-US" sz="1200" dirty="0">
+                <a:latin typeface="Times New Roman" panose="02020603050405020304" pitchFamily="18" charset="0"/>
+                <a:cs typeface="Times New Roman" panose="02020603050405020304" pitchFamily="18" charset="0"/>
+              </a:rPr>
+              <a:t> </a:t>
+            </a:r>
+            <a:r>
+              <a:rPr lang="en-US" sz="1200" dirty="0" err="1">
+                <a:latin typeface="Times New Roman" panose="02020603050405020304" pitchFamily="18" charset="0"/>
+                <a:cs typeface="Times New Roman" panose="02020603050405020304" pitchFamily="18" charset="0"/>
+              </a:rPr>
+              <a:t>xử</a:t>
+            </a:r>
+            <a:r>
+              <a:rPr lang="en-US" sz="1200" dirty="0">
+                <a:latin typeface="Times New Roman" panose="02020603050405020304" pitchFamily="18" charset="0"/>
+                <a:cs typeface="Times New Roman" panose="02020603050405020304" pitchFamily="18" charset="0"/>
+              </a:rPr>
+              <a:t> </a:t>
+            </a:r>
+            <a:r>
+              <a:rPr lang="en-US" sz="1200" dirty="0" err="1">
+                <a:latin typeface="Times New Roman" panose="02020603050405020304" pitchFamily="18" charset="0"/>
+                <a:cs typeface="Times New Roman" panose="02020603050405020304" pitchFamily="18" charset="0"/>
+              </a:rPr>
+              <a:t>lý</a:t>
+            </a:r>
+            <a:r>
+              <a:rPr lang="en-US" sz="1200" dirty="0">
+                <a:latin typeface="Times New Roman" panose="02020603050405020304" pitchFamily="18" charset="0"/>
+                <a:cs typeface="Times New Roman" panose="02020603050405020304" pitchFamily="18" charset="0"/>
+              </a:rPr>
+              <a:t> </a:t>
+            </a:r>
+            <a:r>
+              <a:rPr lang="en-US" sz="1200" dirty="0" err="1">
+                <a:latin typeface="Times New Roman" panose="02020603050405020304" pitchFamily="18" charset="0"/>
+                <a:cs typeface="Times New Roman" panose="02020603050405020304" pitchFamily="18" charset="0"/>
+              </a:rPr>
+              <a:t>lỗi</a:t>
+            </a:r>
+            <a:r>
+              <a:rPr lang="en-US" sz="1200" dirty="0">
+                <a:latin typeface="Times New Roman" panose="02020603050405020304" pitchFamily="18" charset="0"/>
+                <a:cs typeface="Times New Roman" panose="02020603050405020304" pitchFamily="18" charset="0"/>
+              </a:rPr>
+              <a:t> </a:t>
+            </a:r>
+            <a:r>
+              <a:rPr lang="en-US" sz="1200" dirty="0" err="1">
+                <a:latin typeface="Times New Roman" panose="02020603050405020304" pitchFamily="18" charset="0"/>
+                <a:cs typeface="Times New Roman" panose="02020603050405020304" pitchFamily="18" charset="0"/>
+              </a:rPr>
+              <a:t>cho</a:t>
+            </a:r>
+            <a:r>
+              <a:rPr lang="en-US" sz="1200" dirty="0">
+                <a:latin typeface="Times New Roman" panose="02020603050405020304" pitchFamily="18" charset="0"/>
+                <a:cs typeface="Times New Roman" panose="02020603050405020304" pitchFamily="18" charset="0"/>
+              </a:rPr>
+              <a:t> </a:t>
+            </a:r>
+            <a:r>
+              <a:rPr lang="en-US" sz="1200" dirty="0" err="1">
+                <a:latin typeface="Times New Roman" panose="02020603050405020304" pitchFamily="18" charset="0"/>
+                <a:cs typeface="Times New Roman" panose="02020603050405020304" pitchFamily="18" charset="0"/>
+              </a:rPr>
+              <a:t>phần</a:t>
+            </a:r>
+            <a:r>
+              <a:rPr lang="en-US" sz="1200" dirty="0">
+                <a:latin typeface="Times New Roman" panose="02020603050405020304" pitchFamily="18" charset="0"/>
+                <a:cs typeface="Times New Roman" panose="02020603050405020304" pitchFamily="18" charset="0"/>
+              </a:rPr>
+              <a:t> </a:t>
+            </a:r>
+            <a:r>
+              <a:rPr lang="en-US" sz="1200" dirty="0" err="1">
+                <a:latin typeface="Times New Roman" panose="02020603050405020304" pitchFamily="18" charset="0"/>
+                <a:cs typeface="Times New Roman" panose="02020603050405020304" pitchFamily="18" charset="0"/>
+              </a:rPr>
+              <a:t>codeblock</a:t>
+            </a:r>
+            <a:r>
+              <a:rPr lang="en-US" sz="1200" dirty="0">
+                <a:latin typeface="Times New Roman" panose="02020603050405020304" pitchFamily="18" charset="0"/>
+                <a:cs typeface="Times New Roman" panose="02020603050405020304" pitchFamily="18" charset="0"/>
+              </a:rPr>
+              <a:t> </a:t>
+            </a:r>
+            <a:r>
+              <a:rPr lang="en-US" sz="1200" dirty="0" err="1">
+                <a:latin typeface="Times New Roman" panose="02020603050405020304" pitchFamily="18" charset="0"/>
+                <a:cs typeface="Times New Roman" panose="02020603050405020304" pitchFamily="18" charset="0"/>
+              </a:rPr>
+              <a:t>trong</a:t>
+            </a:r>
+            <a:r>
+              <a:rPr lang="en-US" sz="1200" dirty="0">
+                <a:latin typeface="Times New Roman" panose="02020603050405020304" pitchFamily="18" charset="0"/>
+                <a:cs typeface="Times New Roman" panose="02020603050405020304" pitchFamily="18" charset="0"/>
+              </a:rPr>
+              <a:t> Try </a:t>
+            </a:r>
+            <a:r>
+              <a:rPr lang="en-US" sz="1200" dirty="0" err="1">
+                <a:latin typeface="Times New Roman" panose="02020603050405020304" pitchFamily="18" charset="0"/>
+                <a:cs typeface="Times New Roman" panose="02020603050405020304" pitchFamily="18" charset="0"/>
+              </a:rPr>
+              <a:t>khi</a:t>
+            </a:r>
+            <a:r>
+              <a:rPr lang="en-US" sz="1200" dirty="0">
+                <a:latin typeface="Times New Roman" panose="02020603050405020304" pitchFamily="18" charset="0"/>
+                <a:cs typeface="Times New Roman" panose="02020603050405020304" pitchFamily="18" charset="0"/>
+              </a:rPr>
+              <a:t> </a:t>
+            </a:r>
+            <a:r>
+              <a:rPr lang="en-US" sz="1200" dirty="0" err="1">
+                <a:latin typeface="Times New Roman" panose="02020603050405020304" pitchFamily="18" charset="0"/>
+                <a:cs typeface="Times New Roman" panose="02020603050405020304" pitchFamily="18" charset="0"/>
+              </a:rPr>
+              <a:t>nó</a:t>
+            </a:r>
+            <a:r>
+              <a:rPr lang="en-US" sz="1200" dirty="0">
+                <a:latin typeface="Times New Roman" panose="02020603050405020304" pitchFamily="18" charset="0"/>
+                <a:cs typeface="Times New Roman" panose="02020603050405020304" pitchFamily="18" charset="0"/>
+              </a:rPr>
+              <a:t> </a:t>
+            </a:r>
+            <a:r>
+              <a:rPr lang="en-US" sz="1200" dirty="0" err="1">
+                <a:latin typeface="Times New Roman" panose="02020603050405020304" pitchFamily="18" charset="0"/>
+                <a:cs typeface="Times New Roman" panose="02020603050405020304" pitchFamily="18" charset="0"/>
+              </a:rPr>
+              <a:t>gặp</a:t>
+            </a:r>
+            <a:r>
+              <a:rPr lang="en-US" sz="1200" dirty="0">
+                <a:latin typeface="Times New Roman" panose="02020603050405020304" pitchFamily="18" charset="0"/>
+                <a:cs typeface="Times New Roman" panose="02020603050405020304" pitchFamily="18" charset="0"/>
+              </a:rPr>
+              <a:t> </a:t>
+            </a:r>
+            <a:r>
+              <a:rPr lang="en-US" sz="1200" dirty="0" err="1">
+                <a:latin typeface="Times New Roman" panose="02020603050405020304" pitchFamily="18" charset="0"/>
+                <a:cs typeface="Times New Roman" panose="02020603050405020304" pitchFamily="18" charset="0"/>
+              </a:rPr>
+              <a:t>lỗi</a:t>
+            </a:r>
+            <a:r>
+              <a:rPr lang="en-US" sz="1200" dirty="0">
+                <a:latin typeface="Times New Roman" panose="02020603050405020304" pitchFamily="18" charset="0"/>
+                <a:cs typeface="Times New Roman" panose="02020603050405020304" pitchFamily="18" charset="0"/>
+              </a:rPr>
+              <a:t>; </a:t>
+            </a:r>
+            <a:r>
+              <a:rPr lang="en-US" sz="1200" dirty="0" err="1">
+                <a:latin typeface="Times New Roman" panose="02020603050405020304" pitchFamily="18" charset="0"/>
+                <a:cs typeface="Times New Roman" panose="02020603050405020304" pitchFamily="18" charset="0"/>
+              </a:rPr>
+              <a:t>trong</a:t>
+            </a:r>
+            <a:r>
+              <a:rPr lang="en-US" sz="1200" dirty="0">
+                <a:latin typeface="Times New Roman" panose="02020603050405020304" pitchFamily="18" charset="0"/>
+                <a:cs typeface="Times New Roman" panose="02020603050405020304" pitchFamily="18" charset="0"/>
+              </a:rPr>
+              <a:t> </a:t>
+            </a:r>
+            <a:r>
+              <a:rPr lang="en-US" sz="1200" dirty="0" err="1">
+                <a:latin typeface="Times New Roman" panose="02020603050405020304" pitchFamily="18" charset="0"/>
+                <a:cs typeface="Times New Roman" panose="02020603050405020304" pitchFamily="18" charset="0"/>
+              </a:rPr>
+              <a:t>trường</a:t>
+            </a:r>
+            <a:r>
+              <a:rPr lang="en-US" sz="1200" dirty="0">
+                <a:latin typeface="Times New Roman" panose="02020603050405020304" pitchFamily="18" charset="0"/>
+                <a:cs typeface="Times New Roman" panose="02020603050405020304" pitchFamily="18" charset="0"/>
+              </a:rPr>
+              <a:t> </a:t>
+            </a:r>
+            <a:r>
+              <a:rPr lang="en-US" sz="1200" dirty="0" err="1">
+                <a:latin typeface="Times New Roman" panose="02020603050405020304" pitchFamily="18" charset="0"/>
+                <a:cs typeface="Times New Roman" panose="02020603050405020304" pitchFamily="18" charset="0"/>
+              </a:rPr>
+              <a:t>hợp</a:t>
+            </a:r>
+            <a:r>
+              <a:rPr lang="en-US" sz="1200" dirty="0">
+                <a:latin typeface="Times New Roman" panose="02020603050405020304" pitchFamily="18" charset="0"/>
+                <a:cs typeface="Times New Roman" panose="02020603050405020304" pitchFamily="18" charset="0"/>
+              </a:rPr>
+              <a:t> ko </a:t>
+            </a:r>
+            <a:r>
+              <a:rPr lang="en-US" sz="1200" dirty="0" err="1">
+                <a:latin typeface="Times New Roman" panose="02020603050405020304" pitchFamily="18" charset="0"/>
+                <a:cs typeface="Times New Roman" panose="02020603050405020304" pitchFamily="18" charset="0"/>
+              </a:rPr>
+              <a:t>sử</a:t>
+            </a:r>
+            <a:r>
+              <a:rPr lang="en-US" sz="1200" dirty="0">
+                <a:latin typeface="Times New Roman" panose="02020603050405020304" pitchFamily="18" charset="0"/>
+                <a:cs typeface="Times New Roman" panose="02020603050405020304" pitchFamily="18" charset="0"/>
+              </a:rPr>
+              <a:t> </a:t>
+            </a:r>
+            <a:r>
+              <a:rPr lang="en-US" sz="1200" dirty="0" err="1">
+                <a:latin typeface="Times New Roman" panose="02020603050405020304" pitchFamily="18" charset="0"/>
+                <a:cs typeface="Times New Roman" panose="02020603050405020304" pitchFamily="18" charset="0"/>
+              </a:rPr>
+              <a:t>dụng</a:t>
+            </a:r>
+            <a:r>
+              <a:rPr lang="en-US" sz="1200" dirty="0">
+                <a:latin typeface="Times New Roman" panose="02020603050405020304" pitchFamily="18" charset="0"/>
+                <a:cs typeface="Times New Roman" panose="02020603050405020304" pitchFamily="18" charset="0"/>
+              </a:rPr>
+              <a:t> try </a:t>
+            </a:r>
+            <a:r>
+              <a:rPr lang="en-US" sz="1200" dirty="0" err="1">
+                <a:latin typeface="Times New Roman" panose="02020603050405020304" pitchFamily="18" charset="0"/>
+                <a:cs typeface="Times New Roman" panose="02020603050405020304" pitchFamily="18" charset="0"/>
+              </a:rPr>
+              <a:t>thì</a:t>
+            </a:r>
+            <a:r>
+              <a:rPr lang="en-US" sz="1200" dirty="0">
+                <a:latin typeface="Times New Roman" panose="02020603050405020304" pitchFamily="18" charset="0"/>
+                <a:cs typeface="Times New Roman" panose="02020603050405020304" pitchFamily="18" charset="0"/>
+              </a:rPr>
+              <a:t> </a:t>
+            </a:r>
+            <a:r>
+              <a:rPr lang="en-US" sz="1200" dirty="0" err="1">
+                <a:latin typeface="Times New Roman" panose="02020603050405020304" pitchFamily="18" charset="0"/>
+                <a:cs typeface="Times New Roman" panose="02020603050405020304" pitchFamily="18" charset="0"/>
+              </a:rPr>
+              <a:t>khi</a:t>
+            </a:r>
+            <a:r>
+              <a:rPr lang="en-US" sz="1200" dirty="0">
+                <a:latin typeface="Times New Roman" panose="02020603050405020304" pitchFamily="18" charset="0"/>
+                <a:cs typeface="Times New Roman" panose="02020603050405020304" pitchFamily="18" charset="0"/>
+              </a:rPr>
+              <a:t> </a:t>
+            </a:r>
+            <a:r>
+              <a:rPr lang="en-US" sz="1200" dirty="0" err="1">
+                <a:latin typeface="Times New Roman" panose="02020603050405020304" pitchFamily="18" charset="0"/>
+                <a:cs typeface="Times New Roman" panose="02020603050405020304" pitchFamily="18" charset="0"/>
+              </a:rPr>
+              <a:t>gặp</a:t>
+            </a:r>
+            <a:r>
+              <a:rPr lang="en-US" sz="1200" dirty="0">
+                <a:latin typeface="Times New Roman" panose="02020603050405020304" pitchFamily="18" charset="0"/>
+                <a:cs typeface="Times New Roman" panose="02020603050405020304" pitchFamily="18" charset="0"/>
+              </a:rPr>
+              <a:t> </a:t>
+            </a:r>
+            <a:r>
+              <a:rPr lang="en-US" sz="1200" dirty="0" err="1">
+                <a:latin typeface="Times New Roman" panose="02020603050405020304" pitchFamily="18" charset="0"/>
+                <a:cs typeface="Times New Roman" panose="02020603050405020304" pitchFamily="18" charset="0"/>
+              </a:rPr>
+              <a:t>đoạn</a:t>
+            </a:r>
+            <a:r>
+              <a:rPr lang="en-US" sz="1200" dirty="0">
+                <a:latin typeface="Times New Roman" panose="02020603050405020304" pitchFamily="18" charset="0"/>
+                <a:cs typeface="Times New Roman" panose="02020603050405020304" pitchFamily="18" charset="0"/>
+              </a:rPr>
+              <a:t> code </a:t>
+            </a:r>
+            <a:r>
+              <a:rPr lang="en-US" sz="1200" dirty="0" err="1">
+                <a:latin typeface="Times New Roman" panose="02020603050405020304" pitchFamily="18" charset="0"/>
+                <a:cs typeface="Times New Roman" panose="02020603050405020304" pitchFamily="18" charset="0"/>
+              </a:rPr>
+              <a:t>bị</a:t>
+            </a:r>
+            <a:r>
+              <a:rPr lang="en-US" sz="1200" dirty="0">
+                <a:latin typeface="Times New Roman" panose="02020603050405020304" pitchFamily="18" charset="0"/>
+                <a:cs typeface="Times New Roman" panose="02020603050405020304" pitchFamily="18" charset="0"/>
+              </a:rPr>
+              <a:t> </a:t>
+            </a:r>
+            <a:r>
+              <a:rPr lang="en-US" sz="1200" dirty="0" err="1">
+                <a:latin typeface="Times New Roman" panose="02020603050405020304" pitchFamily="18" charset="0"/>
+                <a:cs typeface="Times New Roman" panose="02020603050405020304" pitchFamily="18" charset="0"/>
+              </a:rPr>
+              <a:t>lỗi</a:t>
+            </a:r>
+            <a:r>
+              <a:rPr lang="en-US" sz="1200" dirty="0">
+                <a:latin typeface="Times New Roman" panose="02020603050405020304" pitchFamily="18" charset="0"/>
+                <a:cs typeface="Times New Roman" panose="02020603050405020304" pitchFamily="18" charset="0"/>
+              </a:rPr>
+              <a:t> </a:t>
+            </a:r>
+            <a:r>
+              <a:rPr lang="en-US" sz="1200" dirty="0" err="1">
+                <a:latin typeface="Times New Roman" panose="02020603050405020304" pitchFamily="18" charset="0"/>
+                <a:cs typeface="Times New Roman" panose="02020603050405020304" pitchFamily="18" charset="0"/>
+              </a:rPr>
+              <a:t>ứng</a:t>
+            </a:r>
+            <a:r>
+              <a:rPr lang="en-US" sz="1200" dirty="0">
+                <a:latin typeface="Times New Roman" panose="02020603050405020304" pitchFamily="18" charset="0"/>
+                <a:cs typeface="Times New Roman" panose="02020603050405020304" pitchFamily="18" charset="0"/>
+              </a:rPr>
+              <a:t> </a:t>
+            </a:r>
+            <a:r>
+              <a:rPr lang="en-US" sz="1200" dirty="0" err="1">
+                <a:latin typeface="Times New Roman" panose="02020603050405020304" pitchFamily="18" charset="0"/>
+                <a:cs typeface="Times New Roman" panose="02020603050405020304" pitchFamily="18" charset="0"/>
+              </a:rPr>
+              <a:t>dụng</a:t>
+            </a:r>
+            <a:r>
+              <a:rPr lang="en-US" sz="1200" dirty="0">
+                <a:latin typeface="Times New Roman" panose="02020603050405020304" pitchFamily="18" charset="0"/>
+                <a:cs typeface="Times New Roman" panose="02020603050405020304" pitchFamily="18" charset="0"/>
+              </a:rPr>
+              <a:t> </a:t>
+            </a:r>
+            <a:r>
+              <a:rPr lang="en-US" sz="1200" dirty="0" err="1">
+                <a:latin typeface="Times New Roman" panose="02020603050405020304" pitchFamily="18" charset="0"/>
+                <a:cs typeface="Times New Roman" panose="02020603050405020304" pitchFamily="18" charset="0"/>
+              </a:rPr>
+              <a:t>sẽ</a:t>
+            </a:r>
+            <a:r>
+              <a:rPr lang="en-US" sz="1200" dirty="0">
+                <a:latin typeface="Times New Roman" panose="02020603050405020304" pitchFamily="18" charset="0"/>
+                <a:cs typeface="Times New Roman" panose="02020603050405020304" pitchFamily="18" charset="0"/>
+              </a:rPr>
+              <a:t> </a:t>
+            </a:r>
+            <a:r>
+              <a:rPr lang="en-US" sz="1200" dirty="0" err="1">
+                <a:latin typeface="Times New Roman" panose="02020603050405020304" pitchFamily="18" charset="0"/>
+                <a:cs typeface="Times New Roman" panose="02020603050405020304" pitchFamily="18" charset="0"/>
+              </a:rPr>
+              <a:t>bị</a:t>
+            </a:r>
+            <a:r>
+              <a:rPr lang="en-US" sz="1200" dirty="0">
+                <a:latin typeface="Times New Roman" panose="02020603050405020304" pitchFamily="18" charset="0"/>
+                <a:cs typeface="Times New Roman" panose="02020603050405020304" pitchFamily="18" charset="0"/>
+              </a:rPr>
+              <a:t> crash</a:t>
+            </a:r>
+          </a:p>
+        </p:txBody>
+      </p:sp>
+      <p:sp>
+        <p:nvSpPr>
+          <p:cNvPr id="8" name="Mũi tên: Phải 7">
+            <a:extLst>
+              <a:ext uri="{FF2B5EF4-FFF2-40B4-BE49-F238E27FC236}">
+                <a16:creationId xmlns:a16="http://schemas.microsoft.com/office/drawing/2014/main" id="{7FC3AF0F-EEBE-4168-A2DF-F50691C51EBC}"/>
+              </a:ext>
+            </a:extLst>
+          </p:cNvPr>
+          <p:cNvSpPr/>
+          <p:nvPr/>
+        </p:nvSpPr>
+        <p:spPr>
+          <a:xfrm>
+            <a:off x="3579043" y="617455"/>
+            <a:ext cx="923827" cy="518476"/>
+          </a:xfrm>
+          <a:prstGeom prst="rightArrow">
+            <a:avLst/>
+          </a:prstGeom>
+        </p:spPr>
+        <p:style>
+          <a:lnRef idx="1">
+            <a:schemeClr val="accent3"/>
+          </a:lnRef>
+          <a:fillRef idx="2">
+            <a:schemeClr val="accent3"/>
+          </a:fillRef>
+          <a:effectRef idx="1">
+            <a:schemeClr val="accent3"/>
+          </a:effectRef>
+          <a:fontRef idx="minor">
+            <a:schemeClr val="dk1"/>
+          </a:fontRef>
+        </p:style>
+        <p:txBody>
+          <a:bodyPr rtlCol="0" anchor="ctr"/>
+          <a:lstStyle/>
+          <a:p>
+            <a:pPr algn="ctr"/>
+            <a:r>
+              <a:rPr lang="en-US" sz="1100" dirty="0"/>
+              <a:t>Syntax</a:t>
+            </a:r>
+          </a:p>
+        </p:txBody>
+      </p:sp>
+      <p:sp>
+        <p:nvSpPr>
+          <p:cNvPr id="9" name="Hình chữ nhật 8">
+            <a:extLst>
+              <a:ext uri="{FF2B5EF4-FFF2-40B4-BE49-F238E27FC236}">
+                <a16:creationId xmlns:a16="http://schemas.microsoft.com/office/drawing/2014/main" id="{881F05DA-86EE-4210-939F-887827BE1A19}"/>
+              </a:ext>
+            </a:extLst>
+          </p:cNvPr>
+          <p:cNvSpPr/>
+          <p:nvPr/>
+        </p:nvSpPr>
+        <p:spPr>
+          <a:xfrm>
+            <a:off x="6843860" y="306682"/>
+            <a:ext cx="4826524" cy="1211033"/>
+          </a:xfrm>
+          <a:prstGeom prst="rect">
+            <a:avLst/>
+          </a:prstGeom>
+        </p:spPr>
+        <p:style>
+          <a:lnRef idx="1">
+            <a:schemeClr val="accent3"/>
+          </a:lnRef>
+          <a:fillRef idx="2">
+            <a:schemeClr val="accent3"/>
+          </a:fillRef>
+          <a:effectRef idx="1">
+            <a:schemeClr val="accent3"/>
+          </a:effectRef>
+          <a:fontRef idx="minor">
+            <a:schemeClr val="dk1"/>
+          </a:fontRef>
+        </p:style>
+        <p:txBody>
+          <a:bodyPr rtlCol="0" anchor="ctr"/>
+          <a:lstStyle/>
+          <a:p>
+            <a:pPr algn="ctr"/>
+            <a:r>
+              <a:rPr lang="en-US" sz="1200" dirty="0" err="1">
+                <a:latin typeface="Times New Roman" panose="02020603050405020304" pitchFamily="18" charset="0"/>
+                <a:cs typeface="Times New Roman" panose="02020603050405020304" pitchFamily="18" charset="0"/>
+              </a:rPr>
+              <a:t>Trong</a:t>
+            </a:r>
+            <a:r>
+              <a:rPr lang="en-US" sz="1200" dirty="0">
+                <a:latin typeface="Times New Roman" panose="02020603050405020304" pitchFamily="18" charset="0"/>
+                <a:cs typeface="Times New Roman" panose="02020603050405020304" pitchFamily="18" charset="0"/>
+              </a:rPr>
+              <a:t> </a:t>
+            </a:r>
+            <a:r>
+              <a:rPr lang="en-US" sz="1200" dirty="0" err="1">
+                <a:latin typeface="Times New Roman" panose="02020603050405020304" pitchFamily="18" charset="0"/>
+                <a:cs typeface="Times New Roman" panose="02020603050405020304" pitchFamily="18" charset="0"/>
+              </a:rPr>
+              <a:t>thực</a:t>
+            </a:r>
+            <a:r>
+              <a:rPr lang="en-US" sz="1200" dirty="0">
+                <a:latin typeface="Times New Roman" panose="02020603050405020304" pitchFamily="18" charset="0"/>
+                <a:cs typeface="Times New Roman" panose="02020603050405020304" pitchFamily="18" charset="0"/>
+              </a:rPr>
+              <a:t> </a:t>
+            </a:r>
+            <a:r>
+              <a:rPr lang="en-US" sz="1200" dirty="0" err="1">
+                <a:latin typeface="Times New Roman" panose="02020603050405020304" pitchFamily="18" charset="0"/>
+                <a:cs typeface="Times New Roman" panose="02020603050405020304" pitchFamily="18" charset="0"/>
+              </a:rPr>
+              <a:t>tế</a:t>
+            </a:r>
+            <a:r>
+              <a:rPr lang="en-US" sz="1200" dirty="0">
+                <a:latin typeface="Times New Roman" panose="02020603050405020304" pitchFamily="18" charset="0"/>
+                <a:cs typeface="Times New Roman" panose="02020603050405020304" pitchFamily="18" charset="0"/>
+              </a:rPr>
+              <a:t>, </a:t>
+            </a:r>
+            <a:r>
+              <a:rPr lang="en-US" sz="1200" dirty="0" err="1">
+                <a:latin typeface="Times New Roman" panose="02020603050405020304" pitchFamily="18" charset="0"/>
+                <a:cs typeface="Times New Roman" panose="02020603050405020304" pitchFamily="18" charset="0"/>
+              </a:rPr>
+              <a:t>chúng</a:t>
+            </a:r>
+            <a:r>
+              <a:rPr lang="en-US" sz="1200" dirty="0">
+                <a:latin typeface="Times New Roman" panose="02020603050405020304" pitchFamily="18" charset="0"/>
+                <a:cs typeface="Times New Roman" panose="02020603050405020304" pitchFamily="18" charset="0"/>
+              </a:rPr>
+              <a:t> ta </a:t>
+            </a:r>
+            <a:r>
+              <a:rPr lang="en-US" sz="1200" dirty="0" err="1">
+                <a:latin typeface="Times New Roman" panose="02020603050405020304" pitchFamily="18" charset="0"/>
+                <a:cs typeface="Times New Roman" panose="02020603050405020304" pitchFamily="18" charset="0"/>
+              </a:rPr>
+              <a:t>có</a:t>
+            </a:r>
+            <a:r>
+              <a:rPr lang="en-US" sz="1200" dirty="0">
+                <a:latin typeface="Times New Roman" panose="02020603050405020304" pitchFamily="18" charset="0"/>
+                <a:cs typeface="Times New Roman" panose="02020603050405020304" pitchFamily="18" charset="0"/>
+              </a:rPr>
+              <a:t> </a:t>
+            </a:r>
+            <a:r>
+              <a:rPr lang="en-US" sz="1200" dirty="0" err="1">
+                <a:latin typeface="Times New Roman" panose="02020603050405020304" pitchFamily="18" charset="0"/>
+                <a:cs typeface="Times New Roman" panose="02020603050405020304" pitchFamily="18" charset="0"/>
+              </a:rPr>
+              <a:t>thể</a:t>
+            </a:r>
+            <a:r>
+              <a:rPr lang="en-US" sz="1200" dirty="0">
+                <a:latin typeface="Times New Roman" panose="02020603050405020304" pitchFamily="18" charset="0"/>
+                <a:cs typeface="Times New Roman" panose="02020603050405020304" pitchFamily="18" charset="0"/>
+              </a:rPr>
+              <a:t> </a:t>
+            </a:r>
+            <a:r>
+              <a:rPr lang="en-US" sz="1200" dirty="0" err="1">
+                <a:latin typeface="Times New Roman" panose="02020603050405020304" pitchFamily="18" charset="0"/>
+                <a:cs typeface="Times New Roman" panose="02020603050405020304" pitchFamily="18" charset="0"/>
+              </a:rPr>
+              <a:t>dự</a:t>
+            </a:r>
+            <a:r>
+              <a:rPr lang="en-US" sz="1200" dirty="0">
+                <a:latin typeface="Times New Roman" panose="02020603050405020304" pitchFamily="18" charset="0"/>
+                <a:cs typeface="Times New Roman" panose="02020603050405020304" pitchFamily="18" charset="0"/>
+              </a:rPr>
+              <a:t> </a:t>
+            </a:r>
+            <a:r>
+              <a:rPr lang="en-US" sz="1200" dirty="0" err="1">
+                <a:latin typeface="Times New Roman" panose="02020603050405020304" pitchFamily="18" charset="0"/>
+                <a:cs typeface="Times New Roman" panose="02020603050405020304" pitchFamily="18" charset="0"/>
+              </a:rPr>
+              <a:t>đoán</a:t>
+            </a:r>
+            <a:r>
+              <a:rPr lang="en-US" sz="1200" dirty="0">
+                <a:latin typeface="Times New Roman" panose="02020603050405020304" pitchFamily="18" charset="0"/>
+                <a:cs typeface="Times New Roman" panose="02020603050405020304" pitchFamily="18" charset="0"/>
+              </a:rPr>
+              <a:t> </a:t>
+            </a:r>
+            <a:r>
+              <a:rPr lang="en-US" sz="1200" dirty="0" err="1">
+                <a:latin typeface="Times New Roman" panose="02020603050405020304" pitchFamily="18" charset="0"/>
+                <a:cs typeface="Times New Roman" panose="02020603050405020304" pitchFamily="18" charset="0"/>
+              </a:rPr>
+              <a:t>ra</a:t>
+            </a:r>
+            <a:r>
+              <a:rPr lang="en-US" sz="1200" dirty="0">
+                <a:latin typeface="Times New Roman" panose="02020603050405020304" pitchFamily="18" charset="0"/>
+                <a:cs typeface="Times New Roman" panose="02020603050405020304" pitchFamily="18" charset="0"/>
+              </a:rPr>
+              <a:t> </a:t>
+            </a:r>
+            <a:r>
+              <a:rPr lang="en-US" sz="1200" dirty="0" err="1">
+                <a:latin typeface="Times New Roman" panose="02020603050405020304" pitchFamily="18" charset="0"/>
+                <a:cs typeface="Times New Roman" panose="02020603050405020304" pitchFamily="18" charset="0"/>
+              </a:rPr>
+              <a:t>được</a:t>
+            </a:r>
+            <a:r>
+              <a:rPr lang="en-US" sz="1200" dirty="0">
+                <a:latin typeface="Times New Roman" panose="02020603050405020304" pitchFamily="18" charset="0"/>
+                <a:cs typeface="Times New Roman" panose="02020603050405020304" pitchFamily="18" charset="0"/>
+              </a:rPr>
+              <a:t> </a:t>
+            </a:r>
+            <a:r>
+              <a:rPr lang="en-US" sz="1200" dirty="0" err="1">
+                <a:latin typeface="Times New Roman" panose="02020603050405020304" pitchFamily="18" charset="0"/>
+                <a:cs typeface="Times New Roman" panose="02020603050405020304" pitchFamily="18" charset="0"/>
+              </a:rPr>
+              <a:t>trước</a:t>
+            </a:r>
+            <a:r>
+              <a:rPr lang="en-US" sz="1200" dirty="0">
+                <a:latin typeface="Times New Roman" panose="02020603050405020304" pitchFamily="18" charset="0"/>
+                <a:cs typeface="Times New Roman" panose="02020603050405020304" pitchFamily="18" charset="0"/>
+              </a:rPr>
+              <a:t> </a:t>
+            </a:r>
+            <a:r>
+              <a:rPr lang="en-US" sz="1200" dirty="0" err="1">
+                <a:latin typeface="Times New Roman" panose="02020603050405020304" pitchFamily="18" charset="0"/>
+                <a:cs typeface="Times New Roman" panose="02020603050405020304" pitchFamily="18" charset="0"/>
+              </a:rPr>
+              <a:t>đoạn</a:t>
+            </a:r>
+            <a:r>
+              <a:rPr lang="en-US" sz="1200" dirty="0">
+                <a:latin typeface="Times New Roman" panose="02020603050405020304" pitchFamily="18" charset="0"/>
+                <a:cs typeface="Times New Roman" panose="02020603050405020304" pitchFamily="18" charset="0"/>
+              </a:rPr>
+              <a:t> code </a:t>
+            </a:r>
+            <a:r>
+              <a:rPr lang="en-US" sz="1200" dirty="0" err="1">
+                <a:latin typeface="Times New Roman" panose="02020603050405020304" pitchFamily="18" charset="0"/>
+                <a:cs typeface="Times New Roman" panose="02020603050405020304" pitchFamily="18" charset="0"/>
+              </a:rPr>
+              <a:t>ấy</a:t>
+            </a:r>
+            <a:r>
+              <a:rPr lang="en-US" sz="1200" dirty="0">
+                <a:latin typeface="Times New Roman" panose="02020603050405020304" pitchFamily="18" charset="0"/>
+                <a:cs typeface="Times New Roman" panose="02020603050405020304" pitchFamily="18" charset="0"/>
+              </a:rPr>
+              <a:t> </a:t>
+            </a:r>
+            <a:r>
+              <a:rPr lang="en-US" sz="1200" dirty="0" err="1">
+                <a:latin typeface="Times New Roman" panose="02020603050405020304" pitchFamily="18" charset="0"/>
+                <a:cs typeface="Times New Roman" panose="02020603050405020304" pitchFamily="18" charset="0"/>
+              </a:rPr>
+              <a:t>có</a:t>
+            </a:r>
+            <a:r>
+              <a:rPr lang="en-US" sz="1200" dirty="0">
+                <a:latin typeface="Times New Roman" panose="02020603050405020304" pitchFamily="18" charset="0"/>
+                <a:cs typeface="Times New Roman" panose="02020603050405020304" pitchFamily="18" charset="0"/>
+              </a:rPr>
+              <a:t> </a:t>
+            </a:r>
+            <a:r>
+              <a:rPr lang="en-US" sz="1200" dirty="0" err="1">
+                <a:latin typeface="Times New Roman" panose="02020603050405020304" pitchFamily="18" charset="0"/>
+                <a:cs typeface="Times New Roman" panose="02020603050405020304" pitchFamily="18" charset="0"/>
+              </a:rPr>
+              <a:t>thể</a:t>
+            </a:r>
+            <a:r>
+              <a:rPr lang="en-US" sz="1200" dirty="0">
+                <a:latin typeface="Times New Roman" panose="02020603050405020304" pitchFamily="18" charset="0"/>
+                <a:cs typeface="Times New Roman" panose="02020603050405020304" pitchFamily="18" charset="0"/>
+              </a:rPr>
+              <a:t> </a:t>
+            </a:r>
+            <a:r>
+              <a:rPr lang="en-US" sz="1200" dirty="0" err="1">
+                <a:latin typeface="Times New Roman" panose="02020603050405020304" pitchFamily="18" charset="0"/>
+                <a:cs typeface="Times New Roman" panose="02020603050405020304" pitchFamily="18" charset="0"/>
+              </a:rPr>
+              <a:t>gặp</a:t>
+            </a:r>
+            <a:r>
+              <a:rPr lang="en-US" sz="1200" dirty="0">
+                <a:latin typeface="Times New Roman" panose="02020603050405020304" pitchFamily="18" charset="0"/>
+                <a:cs typeface="Times New Roman" panose="02020603050405020304" pitchFamily="18" charset="0"/>
+              </a:rPr>
+              <a:t> </a:t>
+            </a:r>
+            <a:r>
+              <a:rPr lang="en-US" sz="1200" dirty="0" err="1">
+                <a:latin typeface="Times New Roman" panose="02020603050405020304" pitchFamily="18" charset="0"/>
+                <a:cs typeface="Times New Roman" panose="02020603050405020304" pitchFamily="18" charset="0"/>
+              </a:rPr>
+              <a:t>lỗi</a:t>
+            </a:r>
+            <a:r>
+              <a:rPr lang="en-US" sz="1200" dirty="0">
+                <a:latin typeface="Times New Roman" panose="02020603050405020304" pitchFamily="18" charset="0"/>
+                <a:cs typeface="Times New Roman" panose="02020603050405020304" pitchFamily="18" charset="0"/>
+              </a:rPr>
+              <a:t> </a:t>
+            </a:r>
+            <a:r>
+              <a:rPr lang="en-US" sz="1200" dirty="0" err="1">
+                <a:latin typeface="Times New Roman" panose="02020603050405020304" pitchFamily="18" charset="0"/>
+                <a:cs typeface="Times New Roman" panose="02020603050405020304" pitchFamily="18" charset="0"/>
+              </a:rPr>
+              <a:t>và</a:t>
+            </a:r>
+            <a:r>
+              <a:rPr lang="en-US" sz="1200" dirty="0">
+                <a:latin typeface="Times New Roman" panose="02020603050405020304" pitchFamily="18" charset="0"/>
+                <a:cs typeface="Times New Roman" panose="02020603050405020304" pitchFamily="18" charset="0"/>
+              </a:rPr>
+              <a:t> </a:t>
+            </a:r>
+            <a:r>
+              <a:rPr lang="en-US" sz="1200" dirty="0" err="1">
+                <a:latin typeface="Times New Roman" panose="02020603050405020304" pitchFamily="18" charset="0"/>
+                <a:cs typeface="Times New Roman" panose="02020603050405020304" pitchFamily="18" charset="0"/>
+              </a:rPr>
+              <a:t>đã</a:t>
+            </a:r>
+            <a:r>
+              <a:rPr lang="en-US" sz="1200" dirty="0">
+                <a:latin typeface="Times New Roman" panose="02020603050405020304" pitchFamily="18" charset="0"/>
+                <a:cs typeface="Times New Roman" panose="02020603050405020304" pitchFamily="18" charset="0"/>
+              </a:rPr>
+              <a:t> </a:t>
+            </a:r>
+            <a:r>
+              <a:rPr lang="en-US" sz="1200" dirty="0" err="1">
+                <a:latin typeface="Times New Roman" panose="02020603050405020304" pitchFamily="18" charset="0"/>
+                <a:cs typeface="Times New Roman" panose="02020603050405020304" pitchFamily="18" charset="0"/>
+              </a:rPr>
+              <a:t>có</a:t>
+            </a:r>
+            <a:r>
+              <a:rPr lang="en-US" sz="1200" dirty="0">
+                <a:latin typeface="Times New Roman" panose="02020603050405020304" pitchFamily="18" charset="0"/>
+                <a:cs typeface="Times New Roman" panose="02020603050405020304" pitchFamily="18" charset="0"/>
+              </a:rPr>
+              <a:t> </a:t>
+            </a:r>
+            <a:r>
+              <a:rPr lang="en-US" sz="1200" dirty="0" err="1">
+                <a:latin typeface="Times New Roman" panose="02020603050405020304" pitchFamily="18" charset="0"/>
+                <a:cs typeface="Times New Roman" panose="02020603050405020304" pitchFamily="18" charset="0"/>
+              </a:rPr>
+              <a:t>cách</a:t>
+            </a:r>
+            <a:r>
+              <a:rPr lang="en-US" sz="1200" dirty="0">
+                <a:latin typeface="Times New Roman" panose="02020603050405020304" pitchFamily="18" charset="0"/>
+                <a:cs typeface="Times New Roman" panose="02020603050405020304" pitchFamily="18" charset="0"/>
+              </a:rPr>
+              <a:t> </a:t>
+            </a:r>
+            <a:r>
+              <a:rPr lang="en-US" sz="1200" dirty="0" err="1">
+                <a:latin typeface="Times New Roman" panose="02020603050405020304" pitchFamily="18" charset="0"/>
+                <a:cs typeface="Times New Roman" panose="02020603050405020304" pitchFamily="18" charset="0"/>
+              </a:rPr>
+              <a:t>xử</a:t>
+            </a:r>
+            <a:r>
+              <a:rPr lang="en-US" sz="1200" dirty="0">
+                <a:latin typeface="Times New Roman" panose="02020603050405020304" pitchFamily="18" charset="0"/>
+                <a:cs typeface="Times New Roman" panose="02020603050405020304" pitchFamily="18" charset="0"/>
+              </a:rPr>
+              <a:t> </a:t>
+            </a:r>
+            <a:r>
+              <a:rPr lang="en-US" sz="1200" dirty="0" err="1">
+                <a:latin typeface="Times New Roman" panose="02020603050405020304" pitchFamily="18" charset="0"/>
+                <a:cs typeface="Times New Roman" panose="02020603050405020304" pitchFamily="18" charset="0"/>
+              </a:rPr>
+              <a:t>lý</a:t>
+            </a:r>
+            <a:r>
+              <a:rPr lang="en-US" sz="1200" dirty="0">
+                <a:latin typeface="Times New Roman" panose="02020603050405020304" pitchFamily="18" charset="0"/>
+                <a:cs typeface="Times New Roman" panose="02020603050405020304" pitchFamily="18" charset="0"/>
+              </a:rPr>
+              <a:t> </a:t>
+            </a:r>
+            <a:r>
+              <a:rPr lang="en-US" sz="1200" dirty="0" err="1">
+                <a:latin typeface="Times New Roman" panose="02020603050405020304" pitchFamily="18" charset="0"/>
+                <a:cs typeface="Times New Roman" panose="02020603050405020304" pitchFamily="18" charset="0"/>
+              </a:rPr>
+              <a:t>nhưng</a:t>
+            </a:r>
+            <a:r>
+              <a:rPr lang="en-US" sz="1200" dirty="0">
+                <a:latin typeface="Times New Roman" panose="02020603050405020304" pitchFamily="18" charset="0"/>
+                <a:cs typeface="Times New Roman" panose="02020603050405020304" pitchFamily="18" charset="0"/>
+              </a:rPr>
+              <a:t> TH </a:t>
+            </a:r>
+            <a:r>
+              <a:rPr lang="en-US" sz="1200" dirty="0" err="1">
+                <a:latin typeface="Times New Roman" panose="02020603050405020304" pitchFamily="18" charset="0"/>
+                <a:cs typeface="Times New Roman" panose="02020603050405020304" pitchFamily="18" charset="0"/>
+              </a:rPr>
+              <a:t>ấy</a:t>
+            </a:r>
+            <a:r>
+              <a:rPr lang="en-US" sz="1200" dirty="0">
+                <a:latin typeface="Times New Roman" panose="02020603050405020304" pitchFamily="18" charset="0"/>
+                <a:cs typeface="Times New Roman" panose="02020603050405020304" pitchFamily="18" charset="0"/>
+              </a:rPr>
+              <a:t> </a:t>
+            </a:r>
+            <a:r>
+              <a:rPr lang="en-US" sz="1200" dirty="0" err="1">
+                <a:latin typeface="Times New Roman" panose="02020603050405020304" pitchFamily="18" charset="0"/>
+                <a:cs typeface="Times New Roman" panose="02020603050405020304" pitchFamily="18" charset="0"/>
+              </a:rPr>
+              <a:t>chỉ</a:t>
+            </a:r>
+            <a:r>
+              <a:rPr lang="en-US" sz="1200" dirty="0">
+                <a:latin typeface="Times New Roman" panose="02020603050405020304" pitchFamily="18" charset="0"/>
+                <a:cs typeface="Times New Roman" panose="02020603050405020304" pitchFamily="18" charset="0"/>
+              </a:rPr>
+              <a:t> </a:t>
+            </a:r>
+            <a:r>
+              <a:rPr lang="en-US" sz="1200" dirty="0" err="1">
+                <a:latin typeface="Times New Roman" panose="02020603050405020304" pitchFamily="18" charset="0"/>
+                <a:cs typeface="Times New Roman" panose="02020603050405020304" pitchFamily="18" charset="0"/>
+              </a:rPr>
+              <a:t>chiếm</a:t>
+            </a:r>
+            <a:r>
+              <a:rPr lang="en-US" sz="1200" dirty="0">
+                <a:latin typeface="Times New Roman" panose="02020603050405020304" pitchFamily="18" charset="0"/>
+                <a:cs typeface="Times New Roman" panose="02020603050405020304" pitchFamily="18" charset="0"/>
+              </a:rPr>
+              <a:t> 0.1%-1%, </a:t>
+            </a:r>
+            <a:r>
+              <a:rPr lang="en-US" sz="1200" dirty="0" err="1">
+                <a:latin typeface="Times New Roman" panose="02020603050405020304" pitchFamily="18" charset="0"/>
+                <a:cs typeface="Times New Roman" panose="02020603050405020304" pitchFamily="18" charset="0"/>
+              </a:rPr>
+              <a:t>đồng</a:t>
+            </a:r>
+            <a:r>
+              <a:rPr lang="en-US" sz="1200" dirty="0">
+                <a:latin typeface="Times New Roman" panose="02020603050405020304" pitchFamily="18" charset="0"/>
+                <a:cs typeface="Times New Roman" panose="02020603050405020304" pitchFamily="18" charset="0"/>
+              </a:rPr>
+              <a:t> </a:t>
+            </a:r>
+            <a:r>
+              <a:rPr lang="en-US" sz="1200" dirty="0" err="1">
+                <a:latin typeface="Times New Roman" panose="02020603050405020304" pitchFamily="18" charset="0"/>
+                <a:cs typeface="Times New Roman" panose="02020603050405020304" pitchFamily="18" charset="0"/>
+              </a:rPr>
+              <a:t>thời</a:t>
+            </a:r>
+            <a:r>
+              <a:rPr lang="en-US" sz="1200" dirty="0">
+                <a:latin typeface="Times New Roman" panose="02020603050405020304" pitchFamily="18" charset="0"/>
+                <a:cs typeface="Times New Roman" panose="02020603050405020304" pitchFamily="18" charset="0"/>
+              </a:rPr>
+              <a:t> </a:t>
+            </a:r>
+            <a:r>
+              <a:rPr lang="en-US" sz="1200" dirty="0" err="1">
+                <a:latin typeface="Times New Roman" panose="02020603050405020304" pitchFamily="18" charset="0"/>
+                <a:cs typeface="Times New Roman" panose="02020603050405020304" pitchFamily="18" charset="0"/>
+              </a:rPr>
+              <a:t>để</a:t>
+            </a:r>
+            <a:r>
+              <a:rPr lang="en-US" sz="1200" dirty="0">
+                <a:latin typeface="Times New Roman" panose="02020603050405020304" pitchFamily="18" charset="0"/>
+                <a:cs typeface="Times New Roman" panose="02020603050405020304" pitchFamily="18" charset="0"/>
+              </a:rPr>
+              <a:t> </a:t>
+            </a:r>
+            <a:r>
+              <a:rPr lang="en-US" sz="1200" dirty="0" err="1">
+                <a:latin typeface="Times New Roman" panose="02020603050405020304" pitchFamily="18" charset="0"/>
+                <a:cs typeface="Times New Roman" panose="02020603050405020304" pitchFamily="18" charset="0"/>
+              </a:rPr>
+              <a:t>xử</a:t>
+            </a:r>
+            <a:r>
+              <a:rPr lang="en-US" sz="1200" dirty="0">
+                <a:latin typeface="Times New Roman" panose="02020603050405020304" pitchFamily="18" charset="0"/>
+                <a:cs typeface="Times New Roman" panose="02020603050405020304" pitchFamily="18" charset="0"/>
+              </a:rPr>
+              <a:t> </a:t>
+            </a:r>
+            <a:r>
+              <a:rPr lang="en-US" sz="1200" dirty="0" err="1">
+                <a:latin typeface="Times New Roman" panose="02020603050405020304" pitchFamily="18" charset="0"/>
+                <a:cs typeface="Times New Roman" panose="02020603050405020304" pitchFamily="18" charset="0"/>
+              </a:rPr>
+              <a:t>lý</a:t>
+            </a:r>
+            <a:r>
+              <a:rPr lang="en-US" sz="1200" dirty="0">
+                <a:latin typeface="Times New Roman" panose="02020603050405020304" pitchFamily="18" charset="0"/>
+                <a:cs typeface="Times New Roman" panose="02020603050405020304" pitchFamily="18" charset="0"/>
+              </a:rPr>
+              <a:t> </a:t>
+            </a:r>
+            <a:r>
+              <a:rPr lang="en-US" sz="1200" dirty="0" err="1">
+                <a:latin typeface="Times New Roman" panose="02020603050405020304" pitchFamily="18" charset="0"/>
+                <a:cs typeface="Times New Roman" panose="02020603050405020304" pitchFamily="18" charset="0"/>
+              </a:rPr>
+              <a:t>đoạn</a:t>
+            </a:r>
+            <a:r>
+              <a:rPr lang="en-US" sz="1200" dirty="0">
+                <a:latin typeface="Times New Roman" panose="02020603050405020304" pitchFamily="18" charset="0"/>
+                <a:cs typeface="Times New Roman" panose="02020603050405020304" pitchFamily="18" charset="0"/>
+              </a:rPr>
+              <a:t> code </a:t>
+            </a:r>
+            <a:r>
+              <a:rPr lang="en-US" sz="1200" dirty="0" err="1">
+                <a:latin typeface="Times New Roman" panose="02020603050405020304" pitchFamily="18" charset="0"/>
+                <a:cs typeface="Times New Roman" panose="02020603050405020304" pitchFamily="18" charset="0"/>
+              </a:rPr>
+              <a:t>đó</a:t>
+            </a:r>
+            <a:r>
+              <a:rPr lang="en-US" sz="1200" dirty="0">
+                <a:latin typeface="Times New Roman" panose="02020603050405020304" pitchFamily="18" charset="0"/>
+                <a:cs typeface="Times New Roman" panose="02020603050405020304" pitchFamily="18" charset="0"/>
+              </a:rPr>
+              <a:t> </a:t>
+            </a:r>
+            <a:r>
+              <a:rPr lang="en-US" sz="1200" dirty="0" err="1">
+                <a:latin typeface="Times New Roman" panose="02020603050405020304" pitchFamily="18" charset="0"/>
+                <a:cs typeface="Times New Roman" panose="02020603050405020304" pitchFamily="18" charset="0"/>
+              </a:rPr>
+              <a:t>có</a:t>
+            </a:r>
+            <a:r>
+              <a:rPr lang="en-US" sz="1200" dirty="0">
+                <a:latin typeface="Times New Roman" panose="02020603050405020304" pitchFamily="18" charset="0"/>
+                <a:cs typeface="Times New Roman" panose="02020603050405020304" pitchFamily="18" charset="0"/>
+              </a:rPr>
+              <a:t> </a:t>
+            </a:r>
+            <a:r>
+              <a:rPr lang="en-US" sz="1200" dirty="0" err="1">
+                <a:latin typeface="Times New Roman" panose="02020603050405020304" pitchFamily="18" charset="0"/>
+                <a:cs typeface="Times New Roman" panose="02020603050405020304" pitchFamily="18" charset="0"/>
+              </a:rPr>
+              <a:t>thể</a:t>
+            </a:r>
+            <a:r>
+              <a:rPr lang="en-US" sz="1200" dirty="0">
+                <a:latin typeface="Times New Roman" panose="02020603050405020304" pitchFamily="18" charset="0"/>
+                <a:cs typeface="Times New Roman" panose="02020603050405020304" pitchFamily="18" charset="0"/>
+              </a:rPr>
+              <a:t> </a:t>
+            </a:r>
+            <a:r>
+              <a:rPr lang="en-US" sz="1200" dirty="0" err="1">
+                <a:latin typeface="Times New Roman" panose="02020603050405020304" pitchFamily="18" charset="0"/>
+                <a:cs typeface="Times New Roman" panose="02020603050405020304" pitchFamily="18" charset="0"/>
+              </a:rPr>
+              <a:t>gây</a:t>
+            </a:r>
+            <a:r>
+              <a:rPr lang="en-US" sz="1200" dirty="0">
+                <a:latin typeface="Times New Roman" panose="02020603050405020304" pitchFamily="18" charset="0"/>
+                <a:cs typeface="Times New Roman" panose="02020603050405020304" pitchFamily="18" charset="0"/>
+              </a:rPr>
+              <a:t> </a:t>
+            </a:r>
+            <a:r>
+              <a:rPr lang="en-US" sz="1200" dirty="0" err="1">
+                <a:latin typeface="Times New Roman" panose="02020603050405020304" pitchFamily="18" charset="0"/>
+                <a:cs typeface="Times New Roman" panose="02020603050405020304" pitchFamily="18" charset="0"/>
+              </a:rPr>
+              <a:t>chậm</a:t>
+            </a:r>
+            <a:r>
+              <a:rPr lang="en-US" sz="1200" dirty="0">
+                <a:latin typeface="Times New Roman" panose="02020603050405020304" pitchFamily="18" charset="0"/>
+                <a:cs typeface="Times New Roman" panose="02020603050405020304" pitchFamily="18" charset="0"/>
+              </a:rPr>
+              <a:t> app, </a:t>
+            </a:r>
+            <a:r>
+              <a:rPr lang="en-US" sz="1200" dirty="0" err="1">
+                <a:latin typeface="Times New Roman" panose="02020603050405020304" pitchFamily="18" charset="0"/>
+                <a:cs typeface="Times New Roman" panose="02020603050405020304" pitchFamily="18" charset="0"/>
+              </a:rPr>
+              <a:t>tốn</a:t>
+            </a:r>
+            <a:r>
+              <a:rPr lang="en-US" sz="1200" dirty="0">
+                <a:latin typeface="Times New Roman" panose="02020603050405020304" pitchFamily="18" charset="0"/>
+                <a:cs typeface="Times New Roman" panose="02020603050405020304" pitchFamily="18" charset="0"/>
+              </a:rPr>
+              <a:t> performance. Do </a:t>
+            </a:r>
+            <a:r>
+              <a:rPr lang="en-US" sz="1200" dirty="0" err="1">
+                <a:latin typeface="Times New Roman" panose="02020603050405020304" pitchFamily="18" charset="0"/>
+                <a:cs typeface="Times New Roman" panose="02020603050405020304" pitchFamily="18" charset="0"/>
+              </a:rPr>
+              <a:t>đó</a:t>
+            </a:r>
+            <a:r>
+              <a:rPr lang="en-US" sz="1200" dirty="0">
+                <a:latin typeface="Times New Roman" panose="02020603050405020304" pitchFamily="18" charset="0"/>
+                <a:cs typeface="Times New Roman" panose="02020603050405020304" pitchFamily="18" charset="0"/>
+              </a:rPr>
+              <a:t> </a:t>
+            </a:r>
+            <a:r>
+              <a:rPr lang="en-US" sz="1200" dirty="0" err="1">
+                <a:latin typeface="Times New Roman" panose="02020603050405020304" pitchFamily="18" charset="0"/>
+                <a:cs typeface="Times New Roman" panose="02020603050405020304" pitchFamily="18" charset="0"/>
+              </a:rPr>
+              <a:t>thay</a:t>
+            </a:r>
+            <a:r>
+              <a:rPr lang="en-US" sz="1200" dirty="0">
+                <a:latin typeface="Times New Roman" panose="02020603050405020304" pitchFamily="18" charset="0"/>
+                <a:cs typeface="Times New Roman" panose="02020603050405020304" pitchFamily="18" charset="0"/>
+              </a:rPr>
+              <a:t> </a:t>
+            </a:r>
+            <a:r>
+              <a:rPr lang="en-US" sz="1200" dirty="0" err="1">
+                <a:latin typeface="Times New Roman" panose="02020603050405020304" pitchFamily="18" charset="0"/>
+                <a:cs typeface="Times New Roman" panose="02020603050405020304" pitchFamily="18" charset="0"/>
+              </a:rPr>
+              <a:t>vì</a:t>
+            </a:r>
+            <a:r>
+              <a:rPr lang="en-US" sz="1200" dirty="0">
+                <a:latin typeface="Times New Roman" panose="02020603050405020304" pitchFamily="18" charset="0"/>
+                <a:cs typeface="Times New Roman" panose="02020603050405020304" pitchFamily="18" charset="0"/>
+              </a:rPr>
+              <a:t> </a:t>
+            </a:r>
+            <a:r>
+              <a:rPr lang="en-US" sz="1200" dirty="0" err="1">
+                <a:latin typeface="Times New Roman" panose="02020603050405020304" pitchFamily="18" charset="0"/>
+                <a:cs typeface="Times New Roman" panose="02020603050405020304" pitchFamily="18" charset="0"/>
+              </a:rPr>
+              <a:t>chúng</a:t>
+            </a:r>
+            <a:r>
+              <a:rPr lang="en-US" sz="1200" dirty="0">
+                <a:latin typeface="Times New Roman" panose="02020603050405020304" pitchFamily="18" charset="0"/>
+                <a:cs typeface="Times New Roman" panose="02020603050405020304" pitchFamily="18" charset="0"/>
+              </a:rPr>
+              <a:t> ta </a:t>
+            </a:r>
+            <a:r>
+              <a:rPr lang="en-US" sz="1200" dirty="0" err="1">
+                <a:latin typeface="Times New Roman" panose="02020603050405020304" pitchFamily="18" charset="0"/>
+                <a:cs typeface="Times New Roman" panose="02020603050405020304" pitchFamily="18" charset="0"/>
+              </a:rPr>
+              <a:t>xử</a:t>
+            </a:r>
+            <a:r>
+              <a:rPr lang="en-US" sz="1200" dirty="0">
+                <a:latin typeface="Times New Roman" panose="02020603050405020304" pitchFamily="18" charset="0"/>
+                <a:cs typeface="Times New Roman" panose="02020603050405020304" pitchFamily="18" charset="0"/>
+              </a:rPr>
+              <a:t> </a:t>
+            </a:r>
+            <a:r>
+              <a:rPr lang="en-US" sz="1200" dirty="0" err="1">
+                <a:latin typeface="Times New Roman" panose="02020603050405020304" pitchFamily="18" charset="0"/>
+                <a:cs typeface="Times New Roman" panose="02020603050405020304" pitchFamily="18" charset="0"/>
+              </a:rPr>
+              <a:t>lý</a:t>
+            </a:r>
+            <a:r>
+              <a:rPr lang="en-US" sz="1200" dirty="0">
+                <a:latin typeface="Times New Roman" panose="02020603050405020304" pitchFamily="18" charset="0"/>
+                <a:cs typeface="Times New Roman" panose="02020603050405020304" pitchFamily="18" charset="0"/>
+              </a:rPr>
+              <a:t> </a:t>
+            </a:r>
+            <a:r>
+              <a:rPr lang="en-US" sz="1200" dirty="0" err="1">
+                <a:latin typeface="Times New Roman" panose="02020603050405020304" pitchFamily="18" charset="0"/>
+                <a:cs typeface="Times New Roman" panose="02020603050405020304" pitchFamily="18" charset="0"/>
+              </a:rPr>
+              <a:t>trực</a:t>
+            </a:r>
+            <a:r>
+              <a:rPr lang="en-US" sz="1200" dirty="0">
+                <a:latin typeface="Times New Roman" panose="02020603050405020304" pitchFamily="18" charset="0"/>
+                <a:cs typeface="Times New Roman" panose="02020603050405020304" pitchFamily="18" charset="0"/>
+              </a:rPr>
+              <a:t> </a:t>
+            </a:r>
+            <a:r>
+              <a:rPr lang="en-US" sz="1200" dirty="0" err="1">
+                <a:latin typeface="Times New Roman" panose="02020603050405020304" pitchFamily="18" charset="0"/>
+                <a:cs typeface="Times New Roman" panose="02020603050405020304" pitchFamily="18" charset="0"/>
+              </a:rPr>
+              <a:t>tiếp</a:t>
+            </a:r>
+            <a:r>
+              <a:rPr lang="en-US" sz="1200" dirty="0">
+                <a:latin typeface="Times New Roman" panose="02020603050405020304" pitchFamily="18" charset="0"/>
+                <a:cs typeface="Times New Roman" panose="02020603050405020304" pitchFamily="18" charset="0"/>
+              </a:rPr>
+              <a:t> </a:t>
+            </a:r>
+            <a:r>
+              <a:rPr lang="en-US" sz="1200" dirty="0" err="1">
+                <a:latin typeface="Times New Roman" panose="02020603050405020304" pitchFamily="18" charset="0"/>
+                <a:cs typeface="Times New Roman" panose="02020603050405020304" pitchFamily="18" charset="0"/>
+              </a:rPr>
+              <a:t>thì</a:t>
+            </a:r>
+            <a:r>
+              <a:rPr lang="en-US" sz="1200" dirty="0">
+                <a:latin typeface="Times New Roman" panose="02020603050405020304" pitchFamily="18" charset="0"/>
+                <a:cs typeface="Times New Roman" panose="02020603050405020304" pitchFamily="18" charset="0"/>
+              </a:rPr>
+              <a:t> </a:t>
+            </a:r>
+            <a:r>
+              <a:rPr lang="en-US" sz="1200" dirty="0" err="1">
+                <a:latin typeface="Times New Roman" panose="02020603050405020304" pitchFamily="18" charset="0"/>
+                <a:cs typeface="Times New Roman" panose="02020603050405020304" pitchFamily="18" charset="0"/>
+              </a:rPr>
+              <a:t>chúng</a:t>
+            </a:r>
+            <a:r>
+              <a:rPr lang="en-US" sz="1200" dirty="0">
+                <a:latin typeface="Times New Roman" panose="02020603050405020304" pitchFamily="18" charset="0"/>
+                <a:cs typeface="Times New Roman" panose="02020603050405020304" pitchFamily="18" charset="0"/>
+              </a:rPr>
+              <a:t> ta </a:t>
+            </a:r>
+            <a:r>
+              <a:rPr lang="en-US" sz="1200" dirty="0" err="1">
+                <a:latin typeface="Times New Roman" panose="02020603050405020304" pitchFamily="18" charset="0"/>
+                <a:cs typeface="Times New Roman" panose="02020603050405020304" pitchFamily="18" charset="0"/>
+              </a:rPr>
+              <a:t>vẫn</a:t>
+            </a:r>
+            <a:r>
+              <a:rPr lang="en-US" sz="1200" dirty="0">
+                <a:latin typeface="Times New Roman" panose="02020603050405020304" pitchFamily="18" charset="0"/>
+                <a:cs typeface="Times New Roman" panose="02020603050405020304" pitchFamily="18" charset="0"/>
+              </a:rPr>
+              <a:t> </a:t>
+            </a:r>
+            <a:r>
+              <a:rPr lang="en-US" sz="1200" dirty="0" err="1">
+                <a:latin typeface="Times New Roman" panose="02020603050405020304" pitchFamily="18" charset="0"/>
+                <a:cs typeface="Times New Roman" panose="02020603050405020304" pitchFamily="18" charset="0"/>
+              </a:rPr>
+              <a:t>giữ</a:t>
+            </a:r>
+            <a:r>
+              <a:rPr lang="en-US" sz="1200" dirty="0">
+                <a:latin typeface="Times New Roman" panose="02020603050405020304" pitchFamily="18" charset="0"/>
+                <a:cs typeface="Times New Roman" panose="02020603050405020304" pitchFamily="18" charset="0"/>
+              </a:rPr>
+              <a:t> </a:t>
+            </a:r>
+            <a:r>
+              <a:rPr lang="en-US" sz="1200" dirty="0" err="1">
+                <a:latin typeface="Times New Roman" panose="02020603050405020304" pitchFamily="18" charset="0"/>
+                <a:cs typeface="Times New Roman" panose="02020603050405020304" pitchFamily="18" charset="0"/>
+              </a:rPr>
+              <a:t>nguyên</a:t>
+            </a:r>
+            <a:r>
+              <a:rPr lang="en-US" sz="1200" dirty="0">
+                <a:latin typeface="Times New Roman" panose="02020603050405020304" pitchFamily="18" charset="0"/>
+                <a:cs typeface="Times New Roman" panose="02020603050405020304" pitchFamily="18" charset="0"/>
+              </a:rPr>
+              <a:t> </a:t>
+            </a:r>
+            <a:r>
+              <a:rPr lang="en-US" sz="1200" dirty="0" err="1">
+                <a:latin typeface="Times New Roman" panose="02020603050405020304" pitchFamily="18" charset="0"/>
+                <a:cs typeface="Times New Roman" panose="02020603050405020304" pitchFamily="18" charset="0"/>
+              </a:rPr>
+              <a:t>đoạn</a:t>
+            </a:r>
+            <a:r>
+              <a:rPr lang="en-US" sz="1200" dirty="0">
+                <a:latin typeface="Times New Roman" panose="02020603050405020304" pitchFamily="18" charset="0"/>
+                <a:cs typeface="Times New Roman" panose="02020603050405020304" pitchFamily="18" charset="0"/>
+              </a:rPr>
+              <a:t> code </a:t>
+            </a:r>
+            <a:r>
+              <a:rPr lang="en-US" sz="1200" dirty="0" err="1">
+                <a:latin typeface="Times New Roman" panose="02020603050405020304" pitchFamily="18" charset="0"/>
+                <a:cs typeface="Times New Roman" panose="02020603050405020304" pitchFamily="18" charset="0"/>
+              </a:rPr>
+              <a:t>ấy</a:t>
+            </a:r>
+            <a:r>
+              <a:rPr lang="en-US" sz="1200" dirty="0">
+                <a:latin typeface="Times New Roman" panose="02020603050405020304" pitchFamily="18" charset="0"/>
+                <a:cs typeface="Times New Roman" panose="02020603050405020304" pitchFamily="18" charset="0"/>
+              </a:rPr>
+              <a:t> </a:t>
+            </a:r>
+            <a:r>
+              <a:rPr lang="en-US" sz="1200" dirty="0" err="1">
+                <a:latin typeface="Times New Roman" panose="02020603050405020304" pitchFamily="18" charset="0"/>
+                <a:cs typeface="Times New Roman" panose="02020603050405020304" pitchFamily="18" charset="0"/>
+              </a:rPr>
+              <a:t>trong</a:t>
+            </a:r>
+            <a:r>
+              <a:rPr lang="en-US" sz="1200" dirty="0">
+                <a:latin typeface="Times New Roman" panose="02020603050405020304" pitchFamily="18" charset="0"/>
+                <a:cs typeface="Times New Roman" panose="02020603050405020304" pitchFamily="18" charset="0"/>
+              </a:rPr>
+              <a:t> try </a:t>
+            </a:r>
+            <a:r>
+              <a:rPr lang="en-US" sz="1200" dirty="0" err="1">
+                <a:latin typeface="Times New Roman" panose="02020603050405020304" pitchFamily="18" charset="0"/>
+                <a:cs typeface="Times New Roman" panose="02020603050405020304" pitchFamily="18" charset="0"/>
+              </a:rPr>
+              <a:t>và</a:t>
+            </a:r>
+            <a:r>
+              <a:rPr lang="en-US" sz="1200" dirty="0">
+                <a:latin typeface="Times New Roman" panose="02020603050405020304" pitchFamily="18" charset="0"/>
+                <a:cs typeface="Times New Roman" panose="02020603050405020304" pitchFamily="18" charset="0"/>
+              </a:rPr>
+              <a:t> </a:t>
+            </a:r>
+            <a:r>
+              <a:rPr lang="en-US" sz="1200" dirty="0" err="1">
+                <a:latin typeface="Times New Roman" panose="02020603050405020304" pitchFamily="18" charset="0"/>
+                <a:cs typeface="Times New Roman" panose="02020603050405020304" pitchFamily="18" charset="0"/>
+              </a:rPr>
+              <a:t>đưa</a:t>
+            </a:r>
+            <a:r>
+              <a:rPr lang="en-US" sz="1200" dirty="0">
+                <a:latin typeface="Times New Roman" panose="02020603050405020304" pitchFamily="18" charset="0"/>
+                <a:cs typeface="Times New Roman" panose="02020603050405020304" pitchFamily="18" charset="0"/>
+              </a:rPr>
+              <a:t> </a:t>
+            </a:r>
+            <a:r>
+              <a:rPr lang="en-US" sz="1200" dirty="0" err="1">
+                <a:latin typeface="Times New Roman" panose="02020603050405020304" pitchFamily="18" charset="0"/>
+                <a:cs typeface="Times New Roman" panose="02020603050405020304" pitchFamily="18" charset="0"/>
+              </a:rPr>
+              <a:t>đoạn</a:t>
+            </a:r>
+            <a:r>
+              <a:rPr lang="en-US" sz="1200" dirty="0">
+                <a:latin typeface="Times New Roman" panose="02020603050405020304" pitchFamily="18" charset="0"/>
+                <a:cs typeface="Times New Roman" panose="02020603050405020304" pitchFamily="18" charset="0"/>
+              </a:rPr>
+              <a:t> code </a:t>
+            </a:r>
+            <a:r>
+              <a:rPr lang="en-US" sz="1200" dirty="0" err="1">
+                <a:latin typeface="Times New Roman" panose="02020603050405020304" pitchFamily="18" charset="0"/>
+                <a:cs typeface="Times New Roman" panose="02020603050405020304" pitchFamily="18" charset="0"/>
+              </a:rPr>
+              <a:t>xử</a:t>
+            </a:r>
+            <a:r>
+              <a:rPr lang="en-US" sz="1200" dirty="0">
+                <a:latin typeface="Times New Roman" panose="02020603050405020304" pitchFamily="18" charset="0"/>
+                <a:cs typeface="Times New Roman" panose="02020603050405020304" pitchFamily="18" charset="0"/>
+              </a:rPr>
+              <a:t> </a:t>
+            </a:r>
+            <a:r>
+              <a:rPr lang="en-US" sz="1200" dirty="0" err="1">
+                <a:latin typeface="Times New Roman" panose="02020603050405020304" pitchFamily="18" charset="0"/>
+                <a:cs typeface="Times New Roman" panose="02020603050405020304" pitchFamily="18" charset="0"/>
+              </a:rPr>
+              <a:t>lý</a:t>
+            </a:r>
+            <a:r>
+              <a:rPr lang="en-US" sz="1200" dirty="0">
+                <a:latin typeface="Times New Roman" panose="02020603050405020304" pitchFamily="18" charset="0"/>
+                <a:cs typeface="Times New Roman" panose="02020603050405020304" pitchFamily="18" charset="0"/>
+              </a:rPr>
+              <a:t> </a:t>
+            </a:r>
+            <a:r>
+              <a:rPr lang="en-US" sz="1200" dirty="0" err="1">
+                <a:latin typeface="Times New Roman" panose="02020603050405020304" pitchFamily="18" charset="0"/>
+                <a:cs typeface="Times New Roman" panose="02020603050405020304" pitchFamily="18" charset="0"/>
+              </a:rPr>
+              <a:t>vào</a:t>
+            </a:r>
+            <a:r>
+              <a:rPr lang="en-US" sz="1200" dirty="0">
+                <a:latin typeface="Times New Roman" panose="02020603050405020304" pitchFamily="18" charset="0"/>
+                <a:cs typeface="Times New Roman" panose="02020603050405020304" pitchFamily="18" charset="0"/>
+              </a:rPr>
+              <a:t> </a:t>
+            </a:r>
+            <a:r>
+              <a:rPr lang="en-US" sz="1200" dirty="0" err="1">
+                <a:latin typeface="Times New Roman" panose="02020603050405020304" pitchFamily="18" charset="0"/>
+                <a:cs typeface="Times New Roman" panose="02020603050405020304" pitchFamily="18" charset="0"/>
+              </a:rPr>
+              <a:t>trong</a:t>
+            </a:r>
+            <a:r>
+              <a:rPr lang="en-US" sz="1200" dirty="0">
+                <a:latin typeface="Times New Roman" panose="02020603050405020304" pitchFamily="18" charset="0"/>
+                <a:cs typeface="Times New Roman" panose="02020603050405020304" pitchFamily="18" charset="0"/>
+              </a:rPr>
+              <a:t> Catch </a:t>
+            </a:r>
+            <a:r>
+              <a:rPr lang="en-US" sz="1200" dirty="0" err="1">
+                <a:latin typeface="Times New Roman" panose="02020603050405020304" pitchFamily="18" charset="0"/>
+                <a:cs typeface="Times New Roman" panose="02020603050405020304" pitchFamily="18" charset="0"/>
+              </a:rPr>
+              <a:t>thì</a:t>
+            </a:r>
+            <a:r>
+              <a:rPr lang="en-US" sz="1200" dirty="0">
+                <a:latin typeface="Times New Roman" panose="02020603050405020304" pitchFamily="18" charset="0"/>
+                <a:cs typeface="Times New Roman" panose="02020603050405020304" pitchFamily="18" charset="0"/>
+              </a:rPr>
+              <a:t> </a:t>
+            </a:r>
+            <a:r>
+              <a:rPr lang="en-US" sz="1200" dirty="0" err="1">
+                <a:latin typeface="Times New Roman" panose="02020603050405020304" pitchFamily="18" charset="0"/>
+                <a:cs typeface="Times New Roman" panose="02020603050405020304" pitchFamily="18" charset="0"/>
+              </a:rPr>
+              <a:t>sẽ</a:t>
+            </a:r>
+            <a:r>
+              <a:rPr lang="en-US" sz="1200" dirty="0">
+                <a:latin typeface="Times New Roman" panose="02020603050405020304" pitchFamily="18" charset="0"/>
+                <a:cs typeface="Times New Roman" panose="02020603050405020304" pitchFamily="18" charset="0"/>
+              </a:rPr>
+              <a:t> </a:t>
+            </a:r>
+            <a:r>
+              <a:rPr lang="en-US" sz="1200" dirty="0" err="1">
+                <a:latin typeface="Times New Roman" panose="02020603050405020304" pitchFamily="18" charset="0"/>
+                <a:cs typeface="Times New Roman" panose="02020603050405020304" pitchFamily="18" charset="0"/>
+              </a:rPr>
+              <a:t>tiết</a:t>
+            </a:r>
+            <a:r>
+              <a:rPr lang="en-US" sz="1200" dirty="0">
+                <a:latin typeface="Times New Roman" panose="02020603050405020304" pitchFamily="18" charset="0"/>
+                <a:cs typeface="Times New Roman" panose="02020603050405020304" pitchFamily="18" charset="0"/>
+              </a:rPr>
+              <a:t> </a:t>
+            </a:r>
+            <a:r>
+              <a:rPr lang="en-US" sz="1200" dirty="0" err="1">
+                <a:latin typeface="Times New Roman" panose="02020603050405020304" pitchFamily="18" charset="0"/>
+                <a:cs typeface="Times New Roman" panose="02020603050405020304" pitchFamily="18" charset="0"/>
+              </a:rPr>
+              <a:t>kiếm</a:t>
+            </a:r>
+            <a:r>
+              <a:rPr lang="en-US" sz="1200" dirty="0">
+                <a:latin typeface="Times New Roman" panose="02020603050405020304" pitchFamily="18" charset="0"/>
+                <a:cs typeface="Times New Roman" panose="02020603050405020304" pitchFamily="18" charset="0"/>
+              </a:rPr>
+              <a:t> performance </a:t>
+            </a:r>
+            <a:r>
+              <a:rPr lang="en-US" sz="1200" dirty="0" err="1">
+                <a:latin typeface="Times New Roman" panose="02020603050405020304" pitchFamily="18" charset="0"/>
+                <a:cs typeface="Times New Roman" panose="02020603050405020304" pitchFamily="18" charset="0"/>
+              </a:rPr>
+              <a:t>hơn</a:t>
+            </a:r>
+            <a:endParaRPr lang="en-US" sz="1200" dirty="0">
+              <a:latin typeface="Times New Roman" panose="02020603050405020304" pitchFamily="18" charset="0"/>
+              <a:cs typeface="Times New Roman" panose="02020603050405020304" pitchFamily="18" charset="0"/>
+            </a:endParaRPr>
           </a:p>
         </p:txBody>
       </p:sp>

--- a/kotlin-basic-2022/kotlin-basic.pptx
+++ b/kotlin-basic-2022/kotlin-basic.pptx
@@ -5,7 +5,7 @@
     <p:sldMasterId id="2147483648" r:id="rId1"/>
   </p:sldMasterIdLst>
   <p:notesMasterIdLst>
-    <p:notesMasterId r:id="rId12"/>
+    <p:notesMasterId r:id="rId16"/>
   </p:notesMasterIdLst>
   <p:sldIdLst>
     <p:sldId id="256" r:id="rId2"/>
@@ -18,6 +18,10 @@
     <p:sldId id="263" r:id="rId9"/>
     <p:sldId id="264" r:id="rId10"/>
     <p:sldId id="265" r:id="rId11"/>
+    <p:sldId id="266" r:id="rId12"/>
+    <p:sldId id="267" r:id="rId13"/>
+    <p:sldId id="268" r:id="rId14"/>
+    <p:sldId id="269" r:id="rId15"/>
   </p:sldIdLst>
   <p:sldSz cx="12192000" cy="6858000"/>
   <p:notesSz cx="6858000" cy="9144000"/>
@@ -206,7 +210,7 @@
           <a:p>
             <a:fld id="{632ED697-F779-4B55-8699-6008BDEBE6E8}" type="datetimeFigureOut">
               <a:rPr lang="en-US" smtClean="0"/>
-              <a:t>3/19/2022</a:t>
+              <a:t>3/20/2022</a:t>
             </a:fld>
             <a:endParaRPr lang="en-US"/>
           </a:p>
@@ -707,7 +711,7 @@
           <a:p>
             <a:fld id="{C169E7F0-550E-4DD8-9A82-5D5ABB171DFA}" type="datetimeFigureOut">
               <a:rPr lang="en-US" smtClean="0"/>
-              <a:t>3/19/2022</a:t>
+              <a:t>3/20/2022</a:t>
             </a:fld>
             <a:endParaRPr lang="en-US"/>
           </a:p>
@@ -907,7 +911,7 @@
           <a:p>
             <a:fld id="{C169E7F0-550E-4DD8-9A82-5D5ABB171DFA}" type="datetimeFigureOut">
               <a:rPr lang="en-US" smtClean="0"/>
-              <a:t>3/19/2022</a:t>
+              <a:t>3/20/2022</a:t>
             </a:fld>
             <a:endParaRPr lang="en-US"/>
           </a:p>
@@ -1117,7 +1121,7 @@
           <a:p>
             <a:fld id="{C169E7F0-550E-4DD8-9A82-5D5ABB171DFA}" type="datetimeFigureOut">
               <a:rPr lang="en-US" smtClean="0"/>
-              <a:t>3/19/2022</a:t>
+              <a:t>3/20/2022</a:t>
             </a:fld>
             <a:endParaRPr lang="en-US"/>
           </a:p>
@@ -1317,7 +1321,7 @@
           <a:p>
             <a:fld id="{C169E7F0-550E-4DD8-9A82-5D5ABB171DFA}" type="datetimeFigureOut">
               <a:rPr lang="en-US" smtClean="0"/>
-              <a:t>3/19/2022</a:t>
+              <a:t>3/20/2022</a:t>
             </a:fld>
             <a:endParaRPr lang="en-US"/>
           </a:p>
@@ -1593,7 +1597,7 @@
           <a:p>
             <a:fld id="{C169E7F0-550E-4DD8-9A82-5D5ABB171DFA}" type="datetimeFigureOut">
               <a:rPr lang="en-US" smtClean="0"/>
-              <a:t>3/19/2022</a:t>
+              <a:t>3/20/2022</a:t>
             </a:fld>
             <a:endParaRPr lang="en-US"/>
           </a:p>
@@ -1861,7 +1865,7 @@
           <a:p>
             <a:fld id="{C169E7F0-550E-4DD8-9A82-5D5ABB171DFA}" type="datetimeFigureOut">
               <a:rPr lang="en-US" smtClean="0"/>
-              <a:t>3/19/2022</a:t>
+              <a:t>3/20/2022</a:t>
             </a:fld>
             <a:endParaRPr lang="en-US"/>
           </a:p>
@@ -2276,7 +2280,7 @@
           <a:p>
             <a:fld id="{C169E7F0-550E-4DD8-9A82-5D5ABB171DFA}" type="datetimeFigureOut">
               <a:rPr lang="en-US" smtClean="0"/>
-              <a:t>3/19/2022</a:t>
+              <a:t>3/20/2022</a:t>
             </a:fld>
             <a:endParaRPr lang="en-US"/>
           </a:p>
@@ -2418,7 +2422,7 @@
           <a:p>
             <a:fld id="{C169E7F0-550E-4DD8-9A82-5D5ABB171DFA}" type="datetimeFigureOut">
               <a:rPr lang="en-US" smtClean="0"/>
-              <a:t>3/19/2022</a:t>
+              <a:t>3/20/2022</a:t>
             </a:fld>
             <a:endParaRPr lang="en-US"/>
           </a:p>
@@ -2531,7 +2535,7 @@
           <a:p>
             <a:fld id="{C169E7F0-550E-4DD8-9A82-5D5ABB171DFA}" type="datetimeFigureOut">
               <a:rPr lang="en-US" smtClean="0"/>
-              <a:t>3/19/2022</a:t>
+              <a:t>3/20/2022</a:t>
             </a:fld>
             <a:endParaRPr lang="en-US"/>
           </a:p>
@@ -2844,7 +2848,7 @@
           <a:p>
             <a:fld id="{C169E7F0-550E-4DD8-9A82-5D5ABB171DFA}" type="datetimeFigureOut">
               <a:rPr lang="en-US" smtClean="0"/>
-              <a:t>3/19/2022</a:t>
+              <a:t>3/20/2022</a:t>
             </a:fld>
             <a:endParaRPr lang="en-US"/>
           </a:p>
@@ -3133,7 +3137,7 @@
           <a:p>
             <a:fld id="{C169E7F0-550E-4DD8-9A82-5D5ABB171DFA}" type="datetimeFigureOut">
               <a:rPr lang="en-US" smtClean="0"/>
-              <a:t>3/19/2022</a:t>
+              <a:t>3/20/2022</a:t>
             </a:fld>
             <a:endParaRPr lang="en-US"/>
           </a:p>
@@ -3376,7 +3380,7 @@
           <a:p>
             <a:fld id="{C169E7F0-550E-4DD8-9A82-5D5ABB171DFA}" type="datetimeFigureOut">
               <a:rPr lang="en-US" smtClean="0"/>
-              <a:t>3/19/2022</a:t>
+              <a:t>3/20/2022</a:t>
             </a:fld>
             <a:endParaRPr lang="en-US"/>
           </a:p>
@@ -4330,6 +4334,806 @@
     <p:extLst>
       <p:ext uri="{BB962C8B-B14F-4D97-AF65-F5344CB8AC3E}">
         <p14:creationId xmlns:p14="http://schemas.microsoft.com/office/powerpoint/2010/main" val="2268766441"/>
+      </p:ext>
+    </p:extLst>
+  </p:cSld>
+  <p:clrMapOvr>
+    <a:masterClrMapping/>
+  </p:clrMapOvr>
+</p:sld>
+</file>
+
+<file path=ppt/slides/slide11.xml><?xml version="1.0" encoding="utf-8"?>
+<p:sld xmlns:a="http://schemas.openxmlformats.org/drawingml/2006/main" xmlns:r="http://schemas.openxmlformats.org/officeDocument/2006/relationships" xmlns:p="http://schemas.openxmlformats.org/presentationml/2006/main">
+  <p:cSld>
+    <p:bg>
+      <p:bgPr>
+        <a:solidFill>
+          <a:schemeClr val="bg1"/>
+        </a:solidFill>
+        <a:effectLst/>
+      </p:bgPr>
+    </p:bg>
+    <p:spTree>
+      <p:nvGrpSpPr>
+        <p:cNvPr id="1" name=""/>
+        <p:cNvGrpSpPr/>
+        <p:nvPr/>
+      </p:nvGrpSpPr>
+      <p:grpSpPr>
+        <a:xfrm>
+          <a:off x="0" y="0"/>
+          <a:ext cx="0" cy="0"/>
+          <a:chOff x="0" y="0"/>
+          <a:chExt cx="0" cy="0"/>
+        </a:xfrm>
+      </p:grpSpPr>
+      <p:sp useBgFill="1">
+        <p:nvSpPr>
+          <p:cNvPr id="25" name="Rectangle 16">
+            <a:extLst>
+              <a:ext uri="{FF2B5EF4-FFF2-40B4-BE49-F238E27FC236}">
+                <a16:creationId xmlns:a16="http://schemas.microsoft.com/office/drawing/2014/main" id="{907EF6B7-1338-4443-8C46-6A318D952DFD}"/>
+              </a:ext>
+              <a:ext uri="{C183D7F6-B498-43B3-948B-1728B52AA6E4}">
+                <adec:decorative xmlns:adec="http://schemas.microsoft.com/office/drawing/2017/decorative" val="1"/>
+              </a:ext>
+            </a:extLst>
+          </p:cNvPr>
+          <p:cNvSpPr>
+            <a:spLocks noGrp="1" noRot="1" noChangeAspect="1" noMove="1" noResize="1" noEditPoints="1" noAdjustHandles="1" noChangeArrowheads="1" noChangeShapeType="1" noTextEdit="1"/>
+          </p:cNvSpPr>
+          <p:nvPr>
+            <p:extLst>
+              <p:ext uri="{386F3935-93C4-4BCD-93E2-E3B085C9AB24}">
+                <p16:designElem xmlns:p16="http://schemas.microsoft.com/office/powerpoint/2015/main" val="1"/>
+              </p:ext>
+            </p:extLst>
+          </p:nvPr>
+        </p:nvSpPr>
+        <p:spPr>
+          <a:xfrm>
+            <a:off x="3048" y="0"/>
+            <a:ext cx="12188952" cy="6858000"/>
+          </a:xfrm>
+          <a:prstGeom prst="rect">
+            <a:avLst/>
+          </a:prstGeom>
+          <a:ln>
+            <a:noFill/>
+          </a:ln>
+        </p:spPr>
+        <p:style>
+          <a:lnRef idx="2">
+            <a:schemeClr val="accent1">
+              <a:shade val="50000"/>
+            </a:schemeClr>
+          </a:lnRef>
+          <a:fillRef idx="1">
+            <a:schemeClr val="accent1"/>
+          </a:fillRef>
+          <a:effectRef idx="0">
+            <a:schemeClr val="accent1"/>
+          </a:effectRef>
+          <a:fontRef idx="minor">
+            <a:schemeClr val="lt1"/>
+          </a:fontRef>
+        </p:style>
+        <p:txBody>
+          <a:bodyPr rtlCol="0" anchor="ctr"/>
+          <a:lstStyle/>
+          <a:p>
+            <a:pPr algn="ctr"/>
+            <a:endParaRPr lang="en-US"/>
+          </a:p>
+        </p:txBody>
+      </p:sp>
+      <p:sp>
+        <p:nvSpPr>
+          <p:cNvPr id="26" name="Freeform: Shape 18">
+            <a:extLst>
+              <a:ext uri="{FF2B5EF4-FFF2-40B4-BE49-F238E27FC236}">
+                <a16:creationId xmlns:a16="http://schemas.microsoft.com/office/drawing/2014/main" id="{DAAE4CDD-124C-4DCF-9584-B6033B545DD5}"/>
+              </a:ext>
+              <a:ext uri="{C183D7F6-B498-43B3-948B-1728B52AA6E4}">
+                <adec:decorative xmlns:adec="http://schemas.microsoft.com/office/drawing/2017/decorative" val="1"/>
+              </a:ext>
+            </a:extLst>
+          </p:cNvPr>
+          <p:cNvSpPr>
+            <a:spLocks noGrp="1" noRot="1" noChangeAspect="1" noMove="1" noResize="1" noEditPoints="1" noAdjustHandles="1" noChangeArrowheads="1" noChangeShapeType="1" noTextEdit="1"/>
+          </p:cNvSpPr>
+          <p:nvPr>
+            <p:extLst>
+              <p:ext uri="{386F3935-93C4-4BCD-93E2-E3B085C9AB24}">
+                <p16:designElem xmlns:p16="http://schemas.microsoft.com/office/powerpoint/2015/main" val="1"/>
+              </p:ext>
+            </p:extLst>
+          </p:nvPr>
+        </p:nvSpPr>
+        <p:spPr>
+          <a:xfrm>
+            <a:off x="1" y="0"/>
+            <a:ext cx="4167271" cy="6858000"/>
+          </a:xfrm>
+          <a:custGeom>
+            <a:avLst/>
+            <a:gdLst>
+              <a:gd name="connsiteX0" fmla="*/ 0 w 4167271"/>
+              <a:gd name="connsiteY0" fmla="*/ 0 h 6858000"/>
+              <a:gd name="connsiteX1" fmla="*/ 2259550 w 4167271"/>
+              <a:gd name="connsiteY1" fmla="*/ 0 h 6858000"/>
+              <a:gd name="connsiteX2" fmla="*/ 2387803 w 4167271"/>
+              <a:gd name="connsiteY2" fmla="*/ 82222 h 6858000"/>
+              <a:gd name="connsiteX3" fmla="*/ 4167271 w 4167271"/>
+              <a:gd name="connsiteY3" fmla="*/ 3429000 h 6858000"/>
+              <a:gd name="connsiteX4" fmla="*/ 2387803 w 4167271"/>
+              <a:gd name="connsiteY4" fmla="*/ 6775779 h 6858000"/>
+              <a:gd name="connsiteX5" fmla="*/ 2259550 w 4167271"/>
+              <a:gd name="connsiteY5" fmla="*/ 6858000 h 6858000"/>
+              <a:gd name="connsiteX6" fmla="*/ 0 w 4167271"/>
+              <a:gd name="connsiteY6" fmla="*/ 6858000 h 6858000"/>
+            </a:gdLst>
+            <a:ahLst/>
+            <a:cxnLst>
+              <a:cxn ang="0">
+                <a:pos x="connsiteX0" y="connsiteY0"/>
+              </a:cxn>
+              <a:cxn ang="0">
+                <a:pos x="connsiteX1" y="connsiteY1"/>
+              </a:cxn>
+              <a:cxn ang="0">
+                <a:pos x="connsiteX2" y="connsiteY2"/>
+              </a:cxn>
+              <a:cxn ang="0">
+                <a:pos x="connsiteX3" y="connsiteY3"/>
+              </a:cxn>
+              <a:cxn ang="0">
+                <a:pos x="connsiteX4" y="connsiteY4"/>
+              </a:cxn>
+              <a:cxn ang="0">
+                <a:pos x="connsiteX5" y="connsiteY5"/>
+              </a:cxn>
+              <a:cxn ang="0">
+                <a:pos x="connsiteX6" y="connsiteY6"/>
+              </a:cxn>
+            </a:cxnLst>
+            <a:rect l="l" t="t" r="r" b="b"/>
+            <a:pathLst>
+              <a:path w="4167271" h="6858000">
+                <a:moveTo>
+                  <a:pt x="0" y="0"/>
+                </a:moveTo>
+                <a:lnTo>
+                  <a:pt x="2259550" y="0"/>
+                </a:lnTo>
+                <a:lnTo>
+                  <a:pt x="2387803" y="82222"/>
+                </a:lnTo>
+                <a:cubicBezTo>
+                  <a:pt x="3461407" y="807534"/>
+                  <a:pt x="4167271" y="2035835"/>
+                  <a:pt x="4167271" y="3429000"/>
+                </a:cubicBezTo>
+                <a:cubicBezTo>
+                  <a:pt x="4167271" y="4822165"/>
+                  <a:pt x="3461407" y="6050467"/>
+                  <a:pt x="2387803" y="6775779"/>
+                </a:cubicBezTo>
+                <a:lnTo>
+                  <a:pt x="2259550" y="6858000"/>
+                </a:lnTo>
+                <a:lnTo>
+                  <a:pt x="0" y="6858000"/>
+                </a:lnTo>
+                <a:close/>
+              </a:path>
+            </a:pathLst>
+          </a:custGeom>
+          <a:solidFill>
+            <a:schemeClr val="accent2"/>
+          </a:solidFill>
+          <a:ln>
+            <a:noFill/>
+          </a:ln>
+        </p:spPr>
+        <p:style>
+          <a:lnRef idx="2">
+            <a:schemeClr val="accent1">
+              <a:shade val="50000"/>
+            </a:schemeClr>
+          </a:lnRef>
+          <a:fillRef idx="1">
+            <a:schemeClr val="accent1"/>
+          </a:fillRef>
+          <a:effectRef idx="0">
+            <a:schemeClr val="accent1"/>
+          </a:effectRef>
+          <a:fontRef idx="minor">
+            <a:schemeClr val="lt1"/>
+          </a:fontRef>
+        </p:style>
+        <p:txBody>
+          <a:bodyPr rtlCol="0" anchor="ctr"/>
+          <a:lstStyle/>
+          <a:p>
+            <a:pPr algn="ctr"/>
+            <a:endParaRPr lang="en-US"/>
+          </a:p>
+        </p:txBody>
+      </p:sp>
+      <p:sp>
+        <p:nvSpPr>
+          <p:cNvPr id="2" name="Tiêu đề 1">
+            <a:extLst>
+              <a:ext uri="{FF2B5EF4-FFF2-40B4-BE49-F238E27FC236}">
+                <a16:creationId xmlns:a16="http://schemas.microsoft.com/office/drawing/2014/main" id="{8729F755-CBB9-4155-85DD-963D1E69D6C5}"/>
+              </a:ext>
+            </a:extLst>
+          </p:cNvPr>
+          <p:cNvSpPr>
+            <a:spLocks noGrp="1"/>
+          </p:cNvSpPr>
+          <p:nvPr>
+            <p:ph type="title"/>
+          </p:nvPr>
+        </p:nvSpPr>
+        <p:spPr>
+          <a:xfrm>
+            <a:off x="686834" y="1153572"/>
+            <a:ext cx="3200400" cy="4461163"/>
+          </a:xfrm>
+        </p:spPr>
+        <p:txBody>
+          <a:bodyPr>
+            <a:normAutofit/>
+          </a:bodyPr>
+          <a:lstStyle/>
+          <a:p>
+            <a:r>
+              <a:rPr lang="en-US">
+                <a:solidFill>
+                  <a:srgbClr val="FFFFFF"/>
+                </a:solidFill>
+                <a:latin typeface="Times New Roman" panose="02020603050405020304" pitchFamily="18" charset="0"/>
+                <a:cs typeface="Times New Roman" panose="02020603050405020304" pitchFamily="18" charset="0"/>
+              </a:rPr>
+              <a:t>Lesson 4: Class &amp; OOP </a:t>
+            </a:r>
+          </a:p>
+        </p:txBody>
+      </p:sp>
+      <p:sp>
+        <p:nvSpPr>
+          <p:cNvPr id="27" name="Arc 20">
+            <a:extLst>
+              <a:ext uri="{FF2B5EF4-FFF2-40B4-BE49-F238E27FC236}">
+                <a16:creationId xmlns:a16="http://schemas.microsoft.com/office/drawing/2014/main" id="{081E4A58-353D-44AE-B2FC-2A74E2E400F7}"/>
+              </a:ext>
+              <a:ext uri="{C183D7F6-B498-43B3-948B-1728B52AA6E4}">
+                <adec:decorative xmlns:adec="http://schemas.microsoft.com/office/drawing/2017/decorative" val="1"/>
+              </a:ext>
+            </a:extLst>
+          </p:cNvPr>
+          <p:cNvSpPr>
+            <a:spLocks noGrp="1" noRot="1" noChangeAspect="1" noMove="1" noResize="1" noEditPoints="1" noAdjustHandles="1" noChangeArrowheads="1" noChangeShapeType="1" noTextEdit="1"/>
+          </p:cNvSpPr>
+          <p:nvPr>
+            <p:extLst>
+              <p:ext uri="{386F3935-93C4-4BCD-93E2-E3B085C9AB24}">
+                <p16:designElem xmlns:p16="http://schemas.microsoft.com/office/powerpoint/2015/main" val="1"/>
+              </p:ext>
+            </p:extLst>
+          </p:nvPr>
+        </p:nvSpPr>
+        <p:spPr>
+          <a:xfrm flipV="1">
+            <a:off x="7550402" y="2455479"/>
+            <a:ext cx="4083433" cy="4083433"/>
+          </a:xfrm>
+          <a:prstGeom prst="arc">
+            <a:avLst/>
+          </a:prstGeom>
+          <a:ln w="127000" cap="rnd">
+            <a:solidFill>
+              <a:schemeClr val="accent4"/>
+            </a:solidFill>
+            <a:prstDash val="dash"/>
+          </a:ln>
+        </p:spPr>
+        <p:style>
+          <a:lnRef idx="1">
+            <a:schemeClr val="accent1"/>
+          </a:lnRef>
+          <a:fillRef idx="0">
+            <a:schemeClr val="accent1"/>
+          </a:fillRef>
+          <a:effectRef idx="0">
+            <a:schemeClr val="accent1"/>
+          </a:effectRef>
+          <a:fontRef idx="minor">
+            <a:schemeClr val="tx1"/>
+          </a:fontRef>
+        </p:style>
+        <p:txBody>
+          <a:bodyPr rtlCol="0" anchor="ctr"/>
+          <a:lstStyle/>
+          <a:p>
+            <a:pPr algn="ctr"/>
+            <a:endParaRPr lang="en-US" dirty="0"/>
+          </a:p>
+        </p:txBody>
+      </p:sp>
+      <p:sp>
+        <p:nvSpPr>
+          <p:cNvPr id="3" name="Chỗ dành sẵn cho Nội dung 2">
+            <a:extLst>
+              <a:ext uri="{FF2B5EF4-FFF2-40B4-BE49-F238E27FC236}">
+                <a16:creationId xmlns:a16="http://schemas.microsoft.com/office/drawing/2014/main" id="{312D0949-38A3-46B9-BD4B-8B938AA3FB1A}"/>
+              </a:ext>
+            </a:extLst>
+          </p:cNvPr>
+          <p:cNvSpPr>
+            <a:spLocks noGrp="1"/>
+          </p:cNvSpPr>
+          <p:nvPr>
+            <p:ph idx="1"/>
+          </p:nvPr>
+        </p:nvSpPr>
+        <p:spPr>
+          <a:xfrm>
+            <a:off x="4310339" y="1477651"/>
+            <a:ext cx="8021680" cy="3902697"/>
+          </a:xfrm>
+        </p:spPr>
+        <p:txBody>
+          <a:bodyPr anchor="ctr">
+            <a:normAutofit/>
+          </a:bodyPr>
+          <a:lstStyle/>
+          <a:p>
+            <a:pPr marL="514350" indent="-514350">
+              <a:buAutoNum type="arabicPeriod"/>
+            </a:pPr>
+            <a:r>
+              <a:rPr lang="en-US" sz="2500" dirty="0">
+                <a:latin typeface="Times New Roman" panose="02020603050405020304" pitchFamily="18" charset="0"/>
+                <a:cs typeface="Times New Roman" panose="02020603050405020304" pitchFamily="18" charset="0"/>
+              </a:rPr>
+              <a:t>Constructor, Attribute, Method, Setter &amp; Getter</a:t>
+            </a:r>
+          </a:p>
+          <a:p>
+            <a:pPr marL="514350" indent="-514350">
+              <a:buAutoNum type="arabicPeriod"/>
+            </a:pPr>
+            <a:endParaRPr lang="en-US" sz="2500" dirty="0">
+              <a:latin typeface="Times New Roman" panose="02020603050405020304" pitchFamily="18" charset="0"/>
+              <a:cs typeface="Times New Roman" panose="02020603050405020304" pitchFamily="18" charset="0"/>
+            </a:endParaRPr>
+          </a:p>
+          <a:p>
+            <a:pPr marL="514350" indent="-514350">
+              <a:buAutoNum type="arabicPeriod"/>
+            </a:pPr>
+            <a:r>
+              <a:rPr lang="en-US" sz="2500" dirty="0">
+                <a:latin typeface="Times New Roman" panose="02020603050405020304" pitchFamily="18" charset="0"/>
+                <a:cs typeface="Times New Roman" panose="02020603050405020304" pitchFamily="18" charset="0"/>
+              </a:rPr>
+              <a:t>Inheritance (</a:t>
+            </a:r>
+            <a:r>
+              <a:rPr lang="en-US" sz="2500" dirty="0" err="1">
+                <a:latin typeface="Times New Roman" panose="02020603050405020304" pitchFamily="18" charset="0"/>
+                <a:cs typeface="Times New Roman" panose="02020603050405020304" pitchFamily="18" charset="0"/>
+              </a:rPr>
+              <a:t>tính</a:t>
+            </a:r>
+            <a:r>
+              <a:rPr lang="en-US" sz="2500" dirty="0">
+                <a:latin typeface="Times New Roman" panose="02020603050405020304" pitchFamily="18" charset="0"/>
+                <a:cs typeface="Times New Roman" panose="02020603050405020304" pitchFamily="18" charset="0"/>
+              </a:rPr>
+              <a:t> </a:t>
+            </a:r>
+            <a:r>
+              <a:rPr lang="en-US" sz="2500" dirty="0" err="1">
+                <a:latin typeface="Times New Roman" panose="02020603050405020304" pitchFamily="18" charset="0"/>
+                <a:cs typeface="Times New Roman" panose="02020603050405020304" pitchFamily="18" charset="0"/>
+              </a:rPr>
+              <a:t>kế</a:t>
+            </a:r>
+            <a:r>
+              <a:rPr lang="en-US" sz="2500" dirty="0">
+                <a:latin typeface="Times New Roman" panose="02020603050405020304" pitchFamily="18" charset="0"/>
+                <a:cs typeface="Times New Roman" panose="02020603050405020304" pitchFamily="18" charset="0"/>
+              </a:rPr>
+              <a:t> </a:t>
+            </a:r>
+            <a:r>
+              <a:rPr lang="en-US" sz="2500" dirty="0" err="1">
+                <a:latin typeface="Times New Roman" panose="02020603050405020304" pitchFamily="18" charset="0"/>
+                <a:cs typeface="Times New Roman" panose="02020603050405020304" pitchFamily="18" charset="0"/>
+              </a:rPr>
+              <a:t>thừa</a:t>
+            </a:r>
+            <a:r>
+              <a:rPr lang="en-US" sz="2500" dirty="0">
+                <a:latin typeface="Times New Roman" panose="02020603050405020304" pitchFamily="18" charset="0"/>
+                <a:cs typeface="Times New Roman" panose="02020603050405020304" pitchFamily="18" charset="0"/>
+              </a:rPr>
+              <a:t>), </a:t>
+            </a:r>
+            <a:r>
+              <a:rPr lang="en-US" sz="2500" dirty="0" err="1">
+                <a:latin typeface="Times New Roman" panose="02020603050405020304" pitchFamily="18" charset="0"/>
+                <a:cs typeface="Times New Roman" panose="02020603050405020304" pitchFamily="18" charset="0"/>
+              </a:rPr>
+              <a:t>kế</a:t>
+            </a:r>
+            <a:r>
+              <a:rPr lang="en-US" sz="2500" dirty="0">
+                <a:latin typeface="Times New Roman" panose="02020603050405020304" pitchFamily="18" charset="0"/>
+                <a:cs typeface="Times New Roman" panose="02020603050405020304" pitchFamily="18" charset="0"/>
+              </a:rPr>
+              <a:t> </a:t>
+            </a:r>
+            <a:r>
+              <a:rPr lang="en-US" sz="2500" dirty="0" err="1">
+                <a:latin typeface="Times New Roman" panose="02020603050405020304" pitchFamily="18" charset="0"/>
+                <a:cs typeface="Times New Roman" panose="02020603050405020304" pitchFamily="18" charset="0"/>
+              </a:rPr>
+              <a:t>thừa</a:t>
+            </a:r>
+            <a:r>
+              <a:rPr lang="en-US" sz="2500" dirty="0">
+                <a:latin typeface="Times New Roman" panose="02020603050405020304" pitchFamily="18" charset="0"/>
+                <a:cs typeface="Times New Roman" panose="02020603050405020304" pitchFamily="18" charset="0"/>
+              </a:rPr>
+              <a:t> </a:t>
+            </a:r>
+            <a:r>
+              <a:rPr lang="en-US" sz="2500" dirty="0" err="1">
+                <a:latin typeface="Times New Roman" panose="02020603050405020304" pitchFamily="18" charset="0"/>
+                <a:cs typeface="Times New Roman" panose="02020603050405020304" pitchFamily="18" charset="0"/>
+              </a:rPr>
+              <a:t>từ</a:t>
+            </a:r>
+            <a:r>
+              <a:rPr lang="en-US" sz="2500" dirty="0">
+                <a:latin typeface="Times New Roman" panose="02020603050405020304" pitchFamily="18" charset="0"/>
+                <a:cs typeface="Times New Roman" panose="02020603050405020304" pitchFamily="18" charset="0"/>
+              </a:rPr>
+              <a:t> Class &amp; Interface</a:t>
+            </a:r>
+          </a:p>
+          <a:p>
+            <a:pPr marL="514350" indent="-514350">
+              <a:buAutoNum type="arabicPeriod"/>
+            </a:pPr>
+            <a:endParaRPr lang="en-US" sz="2500" dirty="0">
+              <a:latin typeface="Times New Roman" panose="02020603050405020304" pitchFamily="18" charset="0"/>
+              <a:cs typeface="Times New Roman" panose="02020603050405020304" pitchFamily="18" charset="0"/>
+            </a:endParaRPr>
+          </a:p>
+          <a:p>
+            <a:pPr marL="514350" indent="-514350">
+              <a:buAutoNum type="arabicPeriod"/>
+            </a:pPr>
+            <a:r>
+              <a:rPr lang="en-US" sz="2500" dirty="0">
+                <a:latin typeface="Times New Roman" panose="02020603050405020304" pitchFamily="18" charset="0"/>
+                <a:cs typeface="Times New Roman" panose="02020603050405020304" pitchFamily="18" charset="0"/>
+              </a:rPr>
+              <a:t>Method override, Polymorphism (</a:t>
+            </a:r>
+            <a:r>
+              <a:rPr lang="en-US" sz="2500" dirty="0" err="1">
+                <a:latin typeface="Times New Roman" panose="02020603050405020304" pitchFamily="18" charset="0"/>
+                <a:cs typeface="Times New Roman" panose="02020603050405020304" pitchFamily="18" charset="0"/>
+              </a:rPr>
+              <a:t>tính</a:t>
+            </a:r>
+            <a:r>
+              <a:rPr lang="en-US" sz="2500" dirty="0">
+                <a:latin typeface="Times New Roman" panose="02020603050405020304" pitchFamily="18" charset="0"/>
+                <a:cs typeface="Times New Roman" panose="02020603050405020304" pitchFamily="18" charset="0"/>
+              </a:rPr>
+              <a:t> </a:t>
+            </a:r>
+            <a:r>
+              <a:rPr lang="en-US" sz="2500" dirty="0" err="1">
+                <a:latin typeface="Times New Roman" panose="02020603050405020304" pitchFamily="18" charset="0"/>
+                <a:cs typeface="Times New Roman" panose="02020603050405020304" pitchFamily="18" charset="0"/>
+              </a:rPr>
+              <a:t>đa</a:t>
+            </a:r>
+            <a:r>
+              <a:rPr lang="en-US" sz="2500" dirty="0">
+                <a:latin typeface="Times New Roman" panose="02020603050405020304" pitchFamily="18" charset="0"/>
+                <a:cs typeface="Times New Roman" panose="02020603050405020304" pitchFamily="18" charset="0"/>
+              </a:rPr>
+              <a:t> </a:t>
+            </a:r>
+            <a:r>
+              <a:rPr lang="en-US" sz="2500" dirty="0" err="1">
+                <a:latin typeface="Times New Roman" panose="02020603050405020304" pitchFamily="18" charset="0"/>
+                <a:cs typeface="Times New Roman" panose="02020603050405020304" pitchFamily="18" charset="0"/>
+              </a:rPr>
+              <a:t>hình</a:t>
+            </a:r>
+            <a:r>
+              <a:rPr lang="en-US" sz="2500" dirty="0">
+                <a:latin typeface="Times New Roman" panose="02020603050405020304" pitchFamily="18" charset="0"/>
+                <a:cs typeface="Times New Roman" panose="02020603050405020304" pitchFamily="18" charset="0"/>
+              </a:rPr>
+              <a:t>)</a:t>
+            </a:r>
+          </a:p>
+          <a:p>
+            <a:pPr marL="514350" indent="-514350">
+              <a:buAutoNum type="arabicPeriod"/>
+            </a:pPr>
+            <a:endParaRPr lang="en-US" sz="2500" dirty="0">
+              <a:latin typeface="Times New Roman" panose="02020603050405020304" pitchFamily="18" charset="0"/>
+              <a:cs typeface="Times New Roman" panose="02020603050405020304" pitchFamily="18" charset="0"/>
+            </a:endParaRPr>
+          </a:p>
+          <a:p>
+            <a:pPr marL="514350" indent="-514350">
+              <a:buAutoNum type="arabicPeriod"/>
+            </a:pPr>
+            <a:r>
+              <a:rPr lang="en-US" sz="2500" dirty="0" err="1">
+                <a:latin typeface="Times New Roman" panose="02020603050405020304" pitchFamily="18" charset="0"/>
+                <a:cs typeface="Times New Roman" panose="02020603050405020304" pitchFamily="18" charset="0"/>
+              </a:rPr>
+              <a:t>DataClass</a:t>
+            </a:r>
+            <a:r>
+              <a:rPr lang="en-US" sz="2500" dirty="0">
+                <a:latin typeface="Times New Roman" panose="02020603050405020304" pitchFamily="18" charset="0"/>
+                <a:cs typeface="Times New Roman" panose="02020603050405020304" pitchFamily="18" charset="0"/>
+              </a:rPr>
+              <a:t>, </a:t>
+            </a:r>
+            <a:r>
+              <a:rPr lang="en-US" sz="2500" dirty="0" err="1">
+                <a:latin typeface="Times New Roman" panose="02020603050405020304" pitchFamily="18" charset="0"/>
+                <a:cs typeface="Times New Roman" panose="02020603050405020304" pitchFamily="18" charset="0"/>
+              </a:rPr>
+              <a:t>NestedClass</a:t>
+            </a:r>
+            <a:r>
+              <a:rPr lang="en-US" sz="2500" dirty="0">
+                <a:latin typeface="Times New Roman" panose="02020603050405020304" pitchFamily="18" charset="0"/>
+                <a:cs typeface="Times New Roman" panose="02020603050405020304" pitchFamily="18" charset="0"/>
+              </a:rPr>
+              <a:t>, </a:t>
+            </a:r>
+            <a:r>
+              <a:rPr lang="en-US" sz="2500" dirty="0" err="1">
+                <a:latin typeface="Times New Roman" panose="02020603050405020304" pitchFamily="18" charset="0"/>
+                <a:cs typeface="Times New Roman" panose="02020603050405020304" pitchFamily="18" charset="0"/>
+              </a:rPr>
+              <a:t>EnumClass</a:t>
+            </a:r>
+            <a:r>
+              <a:rPr lang="en-US" sz="2500" dirty="0">
+                <a:latin typeface="Times New Roman" panose="02020603050405020304" pitchFamily="18" charset="0"/>
+                <a:cs typeface="Times New Roman" panose="02020603050405020304" pitchFamily="18" charset="0"/>
+              </a:rPr>
+              <a:t>, </a:t>
+            </a:r>
+            <a:r>
+              <a:rPr lang="en-US" sz="2500" dirty="0" err="1">
+                <a:latin typeface="Times New Roman" panose="02020603050405020304" pitchFamily="18" charset="0"/>
+                <a:cs typeface="Times New Roman" panose="02020603050405020304" pitchFamily="18" charset="0"/>
+              </a:rPr>
+              <a:t>InnerClass</a:t>
+            </a:r>
+            <a:endParaRPr lang="en-US" sz="2500" dirty="0">
+              <a:latin typeface="Times New Roman" panose="02020603050405020304" pitchFamily="18" charset="0"/>
+              <a:cs typeface="Times New Roman" panose="02020603050405020304" pitchFamily="18" charset="0"/>
+            </a:endParaRPr>
+          </a:p>
+        </p:txBody>
+      </p:sp>
+    </p:spTree>
+    <p:extLst>
+      <p:ext uri="{BB962C8B-B14F-4D97-AF65-F5344CB8AC3E}">
+        <p14:creationId xmlns:p14="http://schemas.microsoft.com/office/powerpoint/2010/main" val="765727076"/>
+      </p:ext>
+    </p:extLst>
+  </p:cSld>
+  <p:clrMapOvr>
+    <a:masterClrMapping/>
+  </p:clrMapOvr>
+</p:sld>
+</file>
+
+<file path=ppt/slides/slide12.xml><?xml version="1.0" encoding="utf-8"?>
+<p:sld xmlns:a="http://schemas.openxmlformats.org/drawingml/2006/main" xmlns:r="http://schemas.openxmlformats.org/officeDocument/2006/relationships" xmlns:p="http://schemas.openxmlformats.org/presentationml/2006/main">
+  <p:cSld>
+    <p:spTree>
+      <p:nvGrpSpPr>
+        <p:cNvPr id="1" name=""/>
+        <p:cNvGrpSpPr/>
+        <p:nvPr/>
+      </p:nvGrpSpPr>
+      <p:grpSpPr>
+        <a:xfrm>
+          <a:off x="0" y="0"/>
+          <a:ext cx="0" cy="0"/>
+          <a:chOff x="0" y="0"/>
+          <a:chExt cx="0" cy="0"/>
+        </a:xfrm>
+      </p:grpSpPr>
+    </p:spTree>
+    <p:extLst>
+      <p:ext uri="{BB962C8B-B14F-4D97-AF65-F5344CB8AC3E}">
+        <p14:creationId xmlns:p14="http://schemas.microsoft.com/office/powerpoint/2010/main" val="1360703974"/>
+      </p:ext>
+    </p:extLst>
+  </p:cSld>
+  <p:clrMapOvr>
+    <a:masterClrMapping/>
+  </p:clrMapOvr>
+</p:sld>
+</file>
+
+<file path=ppt/slides/slide13.xml><?xml version="1.0" encoding="utf-8"?>
+<p:sld xmlns:a="http://schemas.openxmlformats.org/drawingml/2006/main" xmlns:r="http://schemas.openxmlformats.org/officeDocument/2006/relationships" xmlns:p="http://schemas.openxmlformats.org/presentationml/2006/main">
+  <p:cSld>
+    <p:spTree>
+      <p:nvGrpSpPr>
+        <p:cNvPr id="1" name=""/>
+        <p:cNvGrpSpPr/>
+        <p:nvPr/>
+      </p:nvGrpSpPr>
+      <p:grpSpPr>
+        <a:xfrm>
+          <a:off x="0" y="0"/>
+          <a:ext cx="0" cy="0"/>
+          <a:chOff x="0" y="0"/>
+          <a:chExt cx="0" cy="0"/>
+        </a:xfrm>
+      </p:grpSpPr>
+      <p:sp>
+        <p:nvSpPr>
+          <p:cNvPr id="2" name="Tiêu đề 1">
+            <a:extLst>
+              <a:ext uri="{FF2B5EF4-FFF2-40B4-BE49-F238E27FC236}">
+                <a16:creationId xmlns:a16="http://schemas.microsoft.com/office/drawing/2014/main" id="{625035AC-22C9-461A-90F6-08D26D07EE3E}"/>
+              </a:ext>
+            </a:extLst>
+          </p:cNvPr>
+          <p:cNvSpPr>
+            <a:spLocks noGrp="1"/>
+          </p:cNvSpPr>
+          <p:nvPr>
+            <p:ph type="title"/>
+          </p:nvPr>
+        </p:nvSpPr>
+        <p:spPr/>
+        <p:txBody>
+          <a:bodyPr/>
+          <a:lstStyle/>
+          <a:p>
+            <a:endParaRPr lang="en-US"/>
+          </a:p>
+        </p:txBody>
+      </p:sp>
+      <p:sp>
+        <p:nvSpPr>
+          <p:cNvPr id="3" name="Chỗ dành sẵn cho Nội dung 2">
+            <a:extLst>
+              <a:ext uri="{FF2B5EF4-FFF2-40B4-BE49-F238E27FC236}">
+                <a16:creationId xmlns:a16="http://schemas.microsoft.com/office/drawing/2014/main" id="{419684B4-3BD7-4F07-8658-E332DB17F1CC}"/>
+              </a:ext>
+            </a:extLst>
+          </p:cNvPr>
+          <p:cNvSpPr>
+            <a:spLocks noGrp="1"/>
+          </p:cNvSpPr>
+          <p:nvPr>
+            <p:ph idx="1"/>
+          </p:nvPr>
+        </p:nvSpPr>
+        <p:spPr/>
+        <p:txBody>
+          <a:bodyPr/>
+          <a:lstStyle/>
+          <a:p>
+            <a:endParaRPr lang="en-US"/>
+          </a:p>
+        </p:txBody>
+      </p:sp>
+    </p:spTree>
+    <p:extLst>
+      <p:ext uri="{BB962C8B-B14F-4D97-AF65-F5344CB8AC3E}">
+        <p14:creationId xmlns:p14="http://schemas.microsoft.com/office/powerpoint/2010/main" val="892614454"/>
+      </p:ext>
+    </p:extLst>
+  </p:cSld>
+  <p:clrMapOvr>
+    <a:masterClrMapping/>
+  </p:clrMapOvr>
+</p:sld>
+</file>
+
+<file path=ppt/slides/slide14.xml><?xml version="1.0" encoding="utf-8"?>
+<p:sld xmlns:a="http://schemas.openxmlformats.org/drawingml/2006/main" xmlns:r="http://schemas.openxmlformats.org/officeDocument/2006/relationships" xmlns:p="http://schemas.openxmlformats.org/presentationml/2006/main">
+  <p:cSld>
+    <p:spTree>
+      <p:nvGrpSpPr>
+        <p:cNvPr id="1" name=""/>
+        <p:cNvGrpSpPr/>
+        <p:nvPr/>
+      </p:nvGrpSpPr>
+      <p:grpSpPr>
+        <a:xfrm>
+          <a:off x="0" y="0"/>
+          <a:ext cx="0" cy="0"/>
+          <a:chOff x="0" y="0"/>
+          <a:chExt cx="0" cy="0"/>
+        </a:xfrm>
+      </p:grpSpPr>
+      <p:sp>
+        <p:nvSpPr>
+          <p:cNvPr id="2" name="Tiêu đề 1">
+            <a:extLst>
+              <a:ext uri="{FF2B5EF4-FFF2-40B4-BE49-F238E27FC236}">
+                <a16:creationId xmlns:a16="http://schemas.microsoft.com/office/drawing/2014/main" id="{F2E5E1C9-EE30-4415-B73A-A1D5F0631C0E}"/>
+              </a:ext>
+            </a:extLst>
+          </p:cNvPr>
+          <p:cNvSpPr>
+            <a:spLocks noGrp="1"/>
+          </p:cNvSpPr>
+          <p:nvPr>
+            <p:ph type="title"/>
+          </p:nvPr>
+        </p:nvSpPr>
+        <p:spPr/>
+        <p:txBody>
+          <a:bodyPr/>
+          <a:lstStyle/>
+          <a:p>
+            <a:endParaRPr lang="en-US"/>
+          </a:p>
+        </p:txBody>
+      </p:sp>
+      <p:sp>
+        <p:nvSpPr>
+          <p:cNvPr id="3" name="Chỗ dành sẵn cho Nội dung 2">
+            <a:extLst>
+              <a:ext uri="{FF2B5EF4-FFF2-40B4-BE49-F238E27FC236}">
+                <a16:creationId xmlns:a16="http://schemas.microsoft.com/office/drawing/2014/main" id="{2637A1FE-825B-4500-8D15-701AB93369BF}"/>
+              </a:ext>
+            </a:extLst>
+          </p:cNvPr>
+          <p:cNvSpPr>
+            <a:spLocks noGrp="1"/>
+          </p:cNvSpPr>
+          <p:nvPr>
+            <p:ph idx="1"/>
+          </p:nvPr>
+        </p:nvSpPr>
+        <p:spPr/>
+        <p:txBody>
+          <a:bodyPr/>
+          <a:lstStyle/>
+          <a:p>
+            <a:endParaRPr lang="en-US"/>
+          </a:p>
+        </p:txBody>
+      </p:sp>
+    </p:spTree>
+    <p:extLst>
+      <p:ext uri="{BB962C8B-B14F-4D97-AF65-F5344CB8AC3E}">
+        <p14:creationId xmlns:p14="http://schemas.microsoft.com/office/powerpoint/2010/main" val="2491150950"/>
       </p:ext>
     </p:extLst>
   </p:cSld>
